--- a/9.Deep_learning/class_4_module_9_deep learning_Regularization,CallBacks_drouput_batchNormalization_Weight_hyper_parameter.pptx
+++ b/9.Deep_learning/class_4_module_9_deep learning_Regularization,CallBacks_drouput_batchNormalization_Weight_hyper_parameter.pptx
@@ -5,19 +5,27 @@
     <p:sldMasterId id="2147483648" r:id="rId1"/>
   </p:sldMasterIdLst>
   <p:notesMasterIdLst>
-    <p:notesMasterId r:id="rId13"/>
+    <p:notesMasterId r:id="rId21"/>
   </p:notesMasterIdLst>
   <p:sldIdLst>
     <p:sldId id="368" r:id="rId3"/>
     <p:sldId id="318" r:id="rId4"/>
     <p:sldId id="280" r:id="rId5"/>
     <p:sldId id="391" r:id="rId6"/>
-    <p:sldId id="392" r:id="rId7"/>
-    <p:sldId id="393" r:id="rId8"/>
-    <p:sldId id="394" r:id="rId9"/>
-    <p:sldId id="395" r:id="rId10"/>
-    <p:sldId id="396" r:id="rId11"/>
-    <p:sldId id="397" r:id="rId12"/>
+    <p:sldId id="398" r:id="rId7"/>
+    <p:sldId id="399" r:id="rId8"/>
+    <p:sldId id="400" r:id="rId9"/>
+    <p:sldId id="401" r:id="rId10"/>
+    <p:sldId id="402" r:id="rId11"/>
+    <p:sldId id="403" r:id="rId12"/>
+    <p:sldId id="407" r:id="rId13"/>
+    <p:sldId id="404" r:id="rId14"/>
+    <p:sldId id="392" r:id="rId15"/>
+    <p:sldId id="393" r:id="rId16"/>
+    <p:sldId id="394" r:id="rId17"/>
+    <p:sldId id="395" r:id="rId18"/>
+    <p:sldId id="396" r:id="rId19"/>
+    <p:sldId id="397" r:id="rId20"/>
   </p:sldIdLst>
   <p:sldSz cx="12192000" cy="6858000"/>
   <p:notesSz cx="6858000" cy="9144000"/>
@@ -3449,7 +3457,7 @@
         </p:nvSpPr>
         <p:spPr>
           <a:xfrm>
-            <a:off x="3048000" y="1524000"/>
+            <a:off x="991235" y="713105"/>
             <a:ext cx="6096000" cy="3271520"/>
           </a:xfrm>
           <a:prstGeom prst="rect">
@@ -3696,6 +3704,1254 @@
         <p:nvPr/>
       </p:nvGrpSpPr>
       <p:grpSpPr/>
+      <p:pic>
+        <p:nvPicPr>
+          <p:cNvPr id="3" name="Picture 2"/>
+          <p:cNvPicPr>
+            <a:picLocks noChangeAspect="1"/>
+          </p:cNvPicPr>
+          <p:nvPr/>
+        </p:nvPicPr>
+        <p:blipFill>
+          <a:blip r:embed="rId1"/>
+          <a:stretch>
+            <a:fillRect/>
+          </a:stretch>
+        </p:blipFill>
+        <p:spPr>
+          <a:xfrm>
+            <a:off x="682625" y="431800"/>
+            <a:ext cx="5676900" cy="2381250"/>
+          </a:xfrm>
+          <a:prstGeom prst="rect">
+            <a:avLst/>
+          </a:prstGeom>
+        </p:spPr>
+      </p:pic>
+      <p:sp>
+        <p:nvSpPr>
+          <p:cNvPr id="2" name="Text Box 1"/>
+          <p:cNvSpPr txBox="1"/>
+          <p:nvPr/>
+        </p:nvSpPr>
+        <p:spPr>
+          <a:xfrm>
+            <a:off x="467360" y="122555"/>
+            <a:ext cx="5994400" cy="6613525"/>
+          </a:xfrm>
+          <a:prstGeom prst="rect">
+            <a:avLst/>
+          </a:prstGeom>
+        </p:spPr>
+        <p:txBody>
+          <a:bodyPr wrap="square">
+            <a:spAutoFit/>
+          </a:bodyPr>
+          <a:p>
+            <a:pPr>
+              <a:spcAft>
+                <a:spcPct val="60000"/>
+              </a:spcAft>
+            </a:pPr>
+            <a:r>
+              <a:rPr sz="2300" b="1"/>
+              <a:t>2 Why Use Squaring in L2 (Ridge)?</a:t>
+            </a:r>
+            <a:endParaRPr sz="2300" b="1"/>
+          </a:p>
+          <a:p>
+            <a:pPr>
+              <a:buFont typeface="Arial" panose="020B0604020202020204"/>
+              <a:buChar char="•"/>
+            </a:pPr>
+            <a:endParaRPr sz="1600"/>
+          </a:p>
+          <a:p>
+            <a:pPr>
+              <a:buFont typeface="Arial" panose="020B0604020202020204"/>
+              <a:buChar char="•"/>
+            </a:pPr>
+            <a:endParaRPr sz="1600"/>
+          </a:p>
+          <a:p>
+            <a:pPr>
+              <a:buFont typeface="Arial" panose="020B0604020202020204"/>
+              <a:buChar char="•"/>
+            </a:pPr>
+            <a:endParaRPr sz="1600"/>
+          </a:p>
+          <a:p>
+            <a:pPr>
+              <a:buFont typeface="Arial" panose="020B0604020202020204"/>
+              <a:buChar char="•"/>
+            </a:pPr>
+            <a:endParaRPr sz="1600"/>
+          </a:p>
+          <a:p>
+            <a:pPr>
+              <a:buFont typeface="Arial" panose="020B0604020202020204"/>
+              <a:buChar char="•"/>
+            </a:pPr>
+            <a:endParaRPr sz="1600"/>
+          </a:p>
+          <a:p>
+            <a:pPr>
+              <a:buFont typeface="Arial" panose="020B0604020202020204"/>
+              <a:buChar char="•"/>
+            </a:pPr>
+            <a:endParaRPr sz="1600"/>
+          </a:p>
+          <a:p>
+            <a:pPr>
+              <a:buFont typeface="Arial" panose="020B0604020202020204"/>
+              <a:buChar char="•"/>
+            </a:pPr>
+            <a:endParaRPr sz="1600"/>
+          </a:p>
+          <a:p>
+            <a:pPr>
+              <a:buFont typeface="Arial" panose="020B0604020202020204"/>
+              <a:buChar char="•"/>
+            </a:pPr>
+            <a:endParaRPr sz="1600"/>
+          </a:p>
+          <a:p>
+            <a:pPr>
+              <a:buFont typeface="Arial" panose="020B0604020202020204"/>
+              <a:buChar char="•"/>
+            </a:pPr>
+            <a:r>
+              <a:rPr sz="1600"/>
+              <a:t>This means larger weights shrink faster, while smaller weights shrink more slowly.</a:t>
+            </a:r>
+            <a:endParaRPr sz="1600"/>
+          </a:p>
+          <a:p>
+            <a:endParaRPr sz="1600" b="1"/>
+          </a:p>
+          <a:p>
+            <a:r>
+              <a:rPr sz="1600" b="1"/>
+              <a:t>📌 Effect on Weights:</a:t>
+            </a:r>
+            <a:endParaRPr sz="1600" b="1"/>
+          </a:p>
+          <a:p>
+            <a:pPr>
+              <a:buFont typeface="Arial" panose="020B0604020202020204"/>
+              <a:buChar char="•"/>
+            </a:pPr>
+            <a:r>
+              <a:rPr sz="1600"/>
+              <a:t>L2 applies larger penalties to bigger weights, making the weight distribution smooth.</a:t>
+            </a:r>
+            <a:endParaRPr sz="1600"/>
+          </a:p>
+          <a:p>
+            <a:pPr>
+              <a:buFont typeface="Arial" panose="020B0604020202020204"/>
+              <a:buChar char="•"/>
+            </a:pPr>
+            <a:r>
+              <a:rPr sz="1600"/>
+              <a:t>Unlike L1, L2 does not force weights to exactly zero, but shrinks them uniformly.</a:t>
+            </a:r>
+            <a:endParaRPr sz="1600"/>
+          </a:p>
+          <a:p>
+            <a:endParaRPr sz="1600"/>
+          </a:p>
+          <a:p>
+            <a:r>
+              <a:rPr sz="1600" b="1"/>
+              <a:t>💡 Intuition:</a:t>
+            </a:r>
+            <a:r>
+              <a:rPr sz="1600"/>
+              <a:t> Think of squaring as a way to smoothly reduce large values rather than setting some to zero. It is like a spring that pulls weights back towards zero in a continuous way.</a:t>
+            </a:r>
+            <a:endParaRPr sz="1600"/>
+          </a:p>
+          <a:p>
+            <a:endParaRPr sz="1600"/>
+          </a:p>
+          <a:p>
+            <a:r>
+              <a:rPr sz="1600" b="1"/>
+              <a:t>🔍 Example Weight Update (Gradient Descent in L2):</a:t>
+            </a:r>
+            <a:endParaRPr sz="1600" b="1"/>
+          </a:p>
+          <a:p>
+            <a:pPr>
+              <a:buFont typeface="Arial" panose="020B0604020202020204"/>
+              <a:buChar char="•"/>
+            </a:pPr>
+            <a:r>
+              <a:rPr sz="1600"/>
+              <a:t>If a weight is large, the gradient (2w) is big, so it shrinks quickly.</a:t>
+            </a:r>
+            <a:endParaRPr sz="1600"/>
+          </a:p>
+          <a:p>
+            <a:pPr>
+              <a:buFont typeface="Arial" panose="020B0604020202020204"/>
+              <a:buChar char="•"/>
+            </a:pPr>
+            <a:r>
+              <a:rPr sz="1600"/>
+              <a:t>If a weight is small, the gradient (2w) is small, so it shrinks slowly.</a:t>
+            </a:r>
+            <a:endParaRPr sz="1600"/>
+          </a:p>
+        </p:txBody>
+      </p:sp>
+      <p:sp>
+        <p:nvSpPr>
+          <p:cNvPr id="4" name="Text Box 3"/>
+          <p:cNvSpPr txBox="1"/>
+          <p:nvPr/>
+        </p:nvSpPr>
+        <p:spPr>
+          <a:xfrm>
+            <a:off x="6981190" y="746760"/>
+            <a:ext cx="5080000" cy="5364480"/>
+          </a:xfrm>
+          <a:prstGeom prst="rect">
+            <a:avLst/>
+          </a:prstGeom>
+        </p:spPr>
+        <p:txBody>
+          <a:bodyPr>
+            <a:spAutoFit/>
+          </a:bodyPr>
+          <a:p>
+            <a:pPr>
+              <a:spcAft>
+                <a:spcPct val="60000"/>
+              </a:spcAft>
+            </a:pPr>
+            <a:r>
+              <a:rPr sz="2300" b="1"/>
+              <a:t> Why L1 Uses ∣w∣|w|∣w∣ and L2 Uses w2w^2w2?</a:t>
+            </a:r>
+            <a:endParaRPr sz="2300" b="1"/>
+          </a:p>
+          <a:p>
+            <a:r>
+              <a:rPr sz="1600"/>
+              <a:t>| Property | L1 Regularization (|w|) | L2 Regularization (w^2) | |-----------|----------------|----------------| | Penalty Type | Absolute value | Squared value | | Effect on Weights | Some weights shrink to zero (sparse) | Weights shrink smoothly (small, but nonzero) | | Best For | Feature selection (removes unnecessary weights) | Preventing overfitting (reduces large weights) | | Weight Shrinkage | Equal shrinkage for all weights | Proportional shrinkage (larger weights shrink more) |</a:t>
+            </a:r>
+            <a:endParaRPr sz="1600"/>
+          </a:p>
+          <a:p>
+            <a:pPr>
+              <a:spcAft>
+                <a:spcPct val="60000"/>
+              </a:spcAft>
+            </a:pPr>
+            <a:r>
+              <a:rPr sz="2300" b="1"/>
+              <a:t>4️⃣ Why Not Swap Them?</a:t>
+            </a:r>
+            <a:endParaRPr sz="2300" b="1"/>
+          </a:p>
+          <a:p>
+            <a:pPr>
+              <a:buFont typeface="Arial" panose="020B0604020202020204"/>
+              <a:buChar char="•"/>
+            </a:pPr>
+            <a:r>
+              <a:rPr sz="1600"/>
+              <a:t>If we used L1 with squared values, it wouldn't create sparsity (zero weights).</a:t>
+            </a:r>
+            <a:endParaRPr sz="1600"/>
+          </a:p>
+          <a:p>
+            <a:pPr>
+              <a:buFont typeface="Arial" panose="020B0604020202020204"/>
+              <a:buChar char="•"/>
+            </a:pPr>
+            <a:r>
+              <a:rPr sz="1600"/>
+              <a:t>If we used L2 with absolute values, the gradient wouldn't smoothly reduce large weights.</a:t>
+            </a:r>
+            <a:endParaRPr sz="1600"/>
+          </a:p>
+          <a:p>
+            <a:pPr>
+              <a:buFont typeface="Arial" panose="020B0604020202020204"/>
+              <a:buChar char="•"/>
+            </a:pPr>
+            <a:r>
+              <a:rPr sz="1600"/>
+              <a:t>The current setup is mathematically optimal for their respective goals.</a:t>
+            </a:r>
+            <a:endParaRPr sz="1600"/>
+          </a:p>
+        </p:txBody>
+      </p:sp>
+    </p:spTree>
+  </p:cSld>
+  <p:clrMapOvr>
+    <a:masterClrMapping/>
+  </p:clrMapOvr>
+</p:sld>
+</file>
+
+<file path=ppt/slides/slide11.xml><?xml version="1.0" encoding="utf-8"?>
+<p:sld xmlns:a="http://schemas.openxmlformats.org/drawingml/2006/main" xmlns:r="http://schemas.openxmlformats.org/officeDocument/2006/relationships" xmlns:p="http://schemas.openxmlformats.org/presentationml/2006/main">
+  <p:cSld>
+    <p:spTree>
+      <p:nvGrpSpPr>
+        <p:cNvPr id="1" name=""/>
+        <p:cNvGrpSpPr/>
+        <p:nvPr/>
+      </p:nvGrpSpPr>
+      <p:grpSpPr/>
+      <p:pic>
+        <p:nvPicPr>
+          <p:cNvPr id="2" name="Picture 1"/>
+          <p:cNvPicPr>
+            <a:picLocks noChangeAspect="1"/>
+          </p:cNvPicPr>
+          <p:nvPr/>
+        </p:nvPicPr>
+        <p:blipFill>
+          <a:blip r:embed="rId1"/>
+          <a:stretch>
+            <a:fillRect/>
+          </a:stretch>
+        </p:blipFill>
+        <p:spPr>
+          <a:xfrm>
+            <a:off x="825500" y="86360"/>
+            <a:ext cx="7924800" cy="4838700"/>
+          </a:xfrm>
+          <a:prstGeom prst="rect">
+            <a:avLst/>
+          </a:prstGeom>
+        </p:spPr>
+      </p:pic>
+    </p:spTree>
+  </p:cSld>
+  <p:clrMapOvr>
+    <a:masterClrMapping/>
+  </p:clrMapOvr>
+</p:sld>
+</file>
+
+<file path=ppt/slides/slide12.xml><?xml version="1.0" encoding="utf-8"?>
+<p:sld xmlns:a="http://schemas.openxmlformats.org/drawingml/2006/main" xmlns:r="http://schemas.openxmlformats.org/officeDocument/2006/relationships" xmlns:p="http://schemas.openxmlformats.org/presentationml/2006/main">
+  <p:cSld>
+    <p:spTree>
+      <p:nvGrpSpPr>
+        <p:cNvPr id="1" name=""/>
+        <p:cNvGrpSpPr/>
+        <p:nvPr/>
+      </p:nvGrpSpPr>
+      <p:grpSpPr/>
+      <p:sp>
+        <p:nvSpPr>
+          <p:cNvPr id="2" name="Text Box 1"/>
+          <p:cNvSpPr txBox="1"/>
+          <p:nvPr/>
+        </p:nvSpPr>
+        <p:spPr>
+          <a:xfrm>
+            <a:off x="3048000" y="3106420"/>
+            <a:ext cx="6096000" cy="645160"/>
+          </a:xfrm>
+          <a:prstGeom prst="rect">
+            <a:avLst/>
+          </a:prstGeom>
+          <a:noFill/>
+        </p:spPr>
+        <p:txBody>
+          <a:bodyPr wrap="square" rtlCol="0" anchor="t">
+            <a:spAutoFit/>
+          </a:bodyPr>
+          <a:p>
+            <a:r>
+              <a:rPr lang="en-US" altLang="en-US"/>
+              <a:t>https://www.pinecone.io/learn/regularization-in-neural-networks/</a:t>
+            </a:r>
+            <a:endParaRPr lang="en-US"/>
+          </a:p>
+        </p:txBody>
+      </p:sp>
+      <p:sp>
+        <p:nvSpPr>
+          <p:cNvPr id="3" name="Text Box 2"/>
+          <p:cNvSpPr txBox="1"/>
+          <p:nvPr/>
+        </p:nvSpPr>
+        <p:spPr>
+          <a:xfrm>
+            <a:off x="3048000" y="3612515"/>
+            <a:ext cx="6096000" cy="922020"/>
+          </a:xfrm>
+          <a:prstGeom prst="rect">
+            <a:avLst/>
+          </a:prstGeom>
+          <a:noFill/>
+        </p:spPr>
+        <p:txBody>
+          <a:bodyPr wrap="square" rtlCol="0" anchor="t">
+            <a:spAutoFit/>
+          </a:bodyPr>
+          <a:p>
+            <a:r>
+              <a:rPr lang="en-US" altLang="en-US"/>
+              <a:t>https://www.analyticsvidhya.com/blog/2018/04/fundamentals-deep-learning-regularization-techniques/#h-l2-amp-l1-regularization</a:t>
+            </a:r>
+            <a:endParaRPr lang="en-US"/>
+          </a:p>
+        </p:txBody>
+      </p:sp>
+      <p:sp>
+        <p:nvSpPr>
+          <p:cNvPr id="4" name="Text Box 3"/>
+          <p:cNvSpPr txBox="1"/>
+          <p:nvPr/>
+        </p:nvSpPr>
+        <p:spPr>
+          <a:xfrm>
+            <a:off x="3048000" y="2394585"/>
+            <a:ext cx="6096000" cy="645160"/>
+          </a:xfrm>
+          <a:prstGeom prst="rect">
+            <a:avLst/>
+          </a:prstGeom>
+          <a:noFill/>
+        </p:spPr>
+        <p:txBody>
+          <a:bodyPr wrap="square" rtlCol="0" anchor="t">
+            <a:spAutoFit/>
+          </a:bodyPr>
+          <a:p>
+            <a:r>
+              <a:rPr lang="en-US" altLang="en-US"/>
+              <a:t>https://www.kaggle.com/code/sid321axn/regularization-techniques-in-deep-learning</a:t>
+            </a:r>
+            <a:endParaRPr lang="en-US"/>
+          </a:p>
+        </p:txBody>
+      </p:sp>
+      <p:sp>
+        <p:nvSpPr>
+          <p:cNvPr id="5" name="Text Box 4"/>
+          <p:cNvSpPr txBox="1"/>
+          <p:nvPr/>
+        </p:nvSpPr>
+        <p:spPr>
+          <a:xfrm>
+            <a:off x="2827020" y="5165090"/>
+            <a:ext cx="6096000" cy="645160"/>
+          </a:xfrm>
+          <a:prstGeom prst="rect">
+            <a:avLst/>
+          </a:prstGeom>
+          <a:noFill/>
+        </p:spPr>
+        <p:txBody>
+          <a:bodyPr wrap="square" rtlCol="0" anchor="t">
+            <a:spAutoFit/>
+          </a:bodyPr>
+          <a:p>
+            <a:r>
+              <a:rPr lang="en-US" altLang="en-US"/>
+              <a:t>https://www.geeksforgeeks.org/regularization-in-machine-learning/</a:t>
+            </a:r>
+            <a:endParaRPr lang="en-US"/>
+          </a:p>
+        </p:txBody>
+      </p:sp>
+    </p:spTree>
+  </p:cSld>
+  <p:clrMapOvr>
+    <a:masterClrMapping/>
+  </p:clrMapOvr>
+</p:sld>
+</file>
+
+<file path=ppt/slides/slide13.xml><?xml version="1.0" encoding="utf-8"?>
+<p:sld xmlns:a="http://schemas.openxmlformats.org/drawingml/2006/main" xmlns:r="http://schemas.openxmlformats.org/officeDocument/2006/relationships" xmlns:p="http://schemas.openxmlformats.org/presentationml/2006/main">
+  <p:cSld>
+    <p:spTree>
+      <p:nvGrpSpPr>
+        <p:cNvPr id="1" name=""/>
+        <p:cNvGrpSpPr/>
+        <p:nvPr/>
+      </p:nvGrpSpPr>
+      <p:grpSpPr/>
+      <p:sp>
+        <p:nvSpPr>
+          <p:cNvPr id="2" name="Text Box 1"/>
+          <p:cNvSpPr txBox="1"/>
+          <p:nvPr/>
+        </p:nvSpPr>
+        <p:spPr>
+          <a:xfrm>
+            <a:off x="1297305" y="765810"/>
+            <a:ext cx="6096000" cy="1348105"/>
+          </a:xfrm>
+          <a:prstGeom prst="rect">
+            <a:avLst/>
+          </a:prstGeom>
+          <a:noFill/>
+        </p:spPr>
+        <p:txBody>
+          <a:bodyPr wrap="square" rtlCol="0" anchor="t">
+            <a:spAutoFit/>
+          </a:bodyPr>
+          <a:p>
+            <a:pPr marL="0" indent="0" fontAlgn="base">
+              <a:spcBef>
+                <a:spcPct val="0"/>
+              </a:spcBef>
+              <a:spcAft>
+                <a:spcPts val="200"/>
+              </a:spcAft>
+            </a:pPr>
+            <a:r>
+              <a:rPr lang="en-IN" sz="4000" b="1">
+                <a:solidFill>
+                  <a:srgbClr val="FF0000"/>
+                </a:solidFill>
+                <a:effectLst>
+                  <a:outerShdw blurRad="38100" dist="38100" dir="2700000" algn="tl">
+                    <a:srgbClr val="000000">
+                      <a:alpha val="43137"/>
+                    </a:srgbClr>
+                  </a:outerShdw>
+                </a:effectLst>
+                <a:latin typeface="Georgia" panose="02040502050405020303"/>
+                <a:ea typeface="Georgia" panose="02040502050405020303"/>
+                <a:sym typeface="+mn-ea"/>
+              </a:rPr>
+              <a:t>Dropout</a:t>
+            </a:r>
+            <a:endParaRPr lang="en-IN" sz="4000" b="1">
+              <a:solidFill>
+                <a:srgbClr val="FF0000"/>
+              </a:solidFill>
+              <a:effectLst>
+                <a:outerShdw blurRad="38100" dist="38100" dir="2700000" algn="tl">
+                  <a:srgbClr val="000000">
+                    <a:alpha val="43137"/>
+                  </a:srgbClr>
+                </a:outerShdw>
+              </a:effectLst>
+              <a:latin typeface="Georgia" panose="02040502050405020303"/>
+              <a:ea typeface="Georgia" panose="02040502050405020303"/>
+              <a:sym typeface="+mn-ea"/>
+            </a:endParaRPr>
+          </a:p>
+          <a:p>
+            <a:pPr marL="0" indent="0" fontAlgn="base">
+              <a:spcBef>
+                <a:spcPct val="0"/>
+              </a:spcBef>
+              <a:spcAft>
+                <a:spcPts val="200"/>
+              </a:spcAft>
+            </a:pPr>
+            <a:endParaRPr lang="en-IN" sz="4000" b="1">
+              <a:solidFill>
+                <a:srgbClr val="FF0000"/>
+              </a:solidFill>
+              <a:effectLst>
+                <a:outerShdw blurRad="38100" dist="38100" dir="2700000" algn="tl">
+                  <a:srgbClr val="000000">
+                    <a:alpha val="43137"/>
+                  </a:srgbClr>
+                </a:outerShdw>
+              </a:effectLst>
+              <a:latin typeface="Georgia" panose="02040502050405020303"/>
+              <a:ea typeface="Georgia" panose="02040502050405020303"/>
+              <a:sym typeface="+mn-ea"/>
+            </a:endParaRPr>
+          </a:p>
+        </p:txBody>
+      </p:sp>
+    </p:spTree>
+  </p:cSld>
+  <p:clrMapOvr>
+    <a:masterClrMapping/>
+  </p:clrMapOvr>
+</p:sld>
+</file>
+
+<file path=ppt/slides/slide14.xml><?xml version="1.0" encoding="utf-8"?>
+<p:sld xmlns:a="http://schemas.openxmlformats.org/drawingml/2006/main" xmlns:r="http://schemas.openxmlformats.org/officeDocument/2006/relationships" xmlns:p="http://schemas.openxmlformats.org/presentationml/2006/main">
+  <p:cSld>
+    <p:spTree>
+      <p:nvGrpSpPr>
+        <p:cNvPr id="1" name=""/>
+        <p:cNvGrpSpPr/>
+        <p:nvPr/>
+      </p:nvGrpSpPr>
+      <p:grpSpPr/>
+      <p:sp>
+        <p:nvSpPr>
+          <p:cNvPr id="2" name="Text Box 1"/>
+          <p:cNvSpPr txBox="1"/>
+          <p:nvPr/>
+        </p:nvSpPr>
+        <p:spPr>
+          <a:xfrm>
+            <a:off x="3048000" y="2433955"/>
+            <a:ext cx="6096000" cy="1348105"/>
+          </a:xfrm>
+          <a:prstGeom prst="rect">
+            <a:avLst/>
+          </a:prstGeom>
+          <a:noFill/>
+        </p:spPr>
+        <p:txBody>
+          <a:bodyPr wrap="square" rtlCol="0" anchor="t">
+            <a:spAutoFit/>
+          </a:bodyPr>
+          <a:p>
+            <a:pPr marL="0" indent="0" fontAlgn="base">
+              <a:spcBef>
+                <a:spcPct val="0"/>
+              </a:spcBef>
+              <a:spcAft>
+                <a:spcPts val="200"/>
+              </a:spcAft>
+            </a:pPr>
+            <a:r>
+              <a:rPr lang="en-IN" sz="4000" b="1">
+                <a:solidFill>
+                  <a:srgbClr val="FF0000"/>
+                </a:solidFill>
+                <a:effectLst>
+                  <a:outerShdw blurRad="38100" dist="38100" dir="2700000" algn="tl">
+                    <a:srgbClr val="000000">
+                      <a:alpha val="43137"/>
+                    </a:srgbClr>
+                  </a:outerShdw>
+                </a:effectLst>
+                <a:latin typeface="Georgia" panose="02040502050405020303"/>
+                <a:ea typeface="Georgia" panose="02040502050405020303"/>
+                <a:sym typeface="+mn-ea"/>
+              </a:rPr>
+              <a:t>Call backs</a:t>
+            </a:r>
+            <a:endParaRPr lang="en-IN" sz="4000" b="1">
+              <a:solidFill>
+                <a:srgbClr val="FF0000"/>
+              </a:solidFill>
+              <a:effectLst>
+                <a:outerShdw blurRad="38100" dist="38100" dir="2700000" algn="tl">
+                  <a:srgbClr val="000000">
+                    <a:alpha val="43137"/>
+                  </a:srgbClr>
+                </a:outerShdw>
+              </a:effectLst>
+              <a:latin typeface="Georgia" panose="02040502050405020303"/>
+              <a:ea typeface="Georgia" panose="02040502050405020303"/>
+              <a:sym typeface="+mn-ea"/>
+            </a:endParaRPr>
+          </a:p>
+          <a:p>
+            <a:pPr marL="0" indent="0" fontAlgn="base">
+              <a:spcBef>
+                <a:spcPct val="0"/>
+              </a:spcBef>
+              <a:spcAft>
+                <a:spcPts val="200"/>
+              </a:spcAft>
+            </a:pPr>
+            <a:endParaRPr lang="en-IN" sz="4000" b="1">
+              <a:solidFill>
+                <a:srgbClr val="FF0000"/>
+              </a:solidFill>
+              <a:effectLst>
+                <a:outerShdw blurRad="38100" dist="38100" dir="2700000" algn="tl">
+                  <a:srgbClr val="000000">
+                    <a:alpha val="43137"/>
+                  </a:srgbClr>
+                </a:outerShdw>
+              </a:effectLst>
+              <a:latin typeface="Georgia" panose="02040502050405020303"/>
+              <a:ea typeface="Georgia" panose="02040502050405020303"/>
+              <a:sym typeface="+mn-ea"/>
+            </a:endParaRPr>
+          </a:p>
+        </p:txBody>
+      </p:sp>
+      <p:sp>
+        <p:nvSpPr>
+          <p:cNvPr id="3" name="Text Box 2"/>
+          <p:cNvSpPr txBox="1"/>
+          <p:nvPr/>
+        </p:nvSpPr>
+        <p:spPr>
+          <a:xfrm>
+            <a:off x="3048000" y="3068320"/>
+            <a:ext cx="6096000" cy="978535"/>
+          </a:xfrm>
+          <a:prstGeom prst="rect">
+            <a:avLst/>
+          </a:prstGeom>
+          <a:noFill/>
+        </p:spPr>
+        <p:txBody>
+          <a:bodyPr wrap="square" rtlCol="0" anchor="t">
+            <a:spAutoFit/>
+          </a:bodyPr>
+          <a:p>
+            <a:pPr marL="0" indent="0" fontAlgn="base">
+              <a:spcBef>
+                <a:spcPct val="0"/>
+              </a:spcBef>
+              <a:spcAft>
+                <a:spcPts val="200"/>
+              </a:spcAft>
+            </a:pPr>
+            <a:r>
+              <a:rPr lang="en-IN" sz="2800">
+                <a:solidFill>
+                  <a:schemeClr val="tx1"/>
+                </a:solidFill>
+                <a:effectLst/>
+                <a:latin typeface="Georgia" panose="02040502050405020303"/>
+                <a:ea typeface="Georgia" panose="02040502050405020303"/>
+                <a:sym typeface="+mn-ea"/>
+              </a:rPr>
+              <a:t>Model Checkpoint</a:t>
+            </a:r>
+            <a:endParaRPr lang="en-IN" sz="2800">
+              <a:solidFill>
+                <a:schemeClr val="tx1"/>
+              </a:solidFill>
+              <a:effectLst/>
+              <a:latin typeface="Georgia" panose="02040502050405020303"/>
+              <a:ea typeface="Georgia" panose="02040502050405020303"/>
+              <a:sym typeface="+mn-ea"/>
+            </a:endParaRPr>
+          </a:p>
+          <a:p>
+            <a:pPr marL="0" indent="0" fontAlgn="base">
+              <a:spcBef>
+                <a:spcPct val="0"/>
+              </a:spcBef>
+              <a:spcAft>
+                <a:spcPts val="200"/>
+              </a:spcAft>
+            </a:pPr>
+            <a:r>
+              <a:rPr lang="en-IN" sz="2800">
+                <a:solidFill>
+                  <a:schemeClr val="tx1"/>
+                </a:solidFill>
+                <a:effectLst/>
+                <a:latin typeface="Georgia" panose="02040502050405020303"/>
+                <a:ea typeface="Georgia" panose="02040502050405020303"/>
+                <a:sym typeface="+mn-ea"/>
+              </a:rPr>
+              <a:t>Early stoping</a:t>
+            </a:r>
+            <a:endParaRPr lang="en-IN" sz="2800">
+              <a:solidFill>
+                <a:schemeClr val="tx1"/>
+              </a:solidFill>
+              <a:effectLst/>
+              <a:latin typeface="Georgia" panose="02040502050405020303"/>
+              <a:ea typeface="Georgia" panose="02040502050405020303"/>
+              <a:sym typeface="+mn-ea"/>
+            </a:endParaRPr>
+          </a:p>
+        </p:txBody>
+      </p:sp>
+    </p:spTree>
+  </p:cSld>
+  <p:clrMapOvr>
+    <a:masterClrMapping/>
+  </p:clrMapOvr>
+</p:sld>
+</file>
+
+<file path=ppt/slides/slide15.xml><?xml version="1.0" encoding="utf-8"?>
+<p:sld xmlns:a="http://schemas.openxmlformats.org/drawingml/2006/main" xmlns:r="http://schemas.openxmlformats.org/officeDocument/2006/relationships" xmlns:p="http://schemas.openxmlformats.org/presentationml/2006/main">
+  <p:cSld>
+    <p:spTree>
+      <p:nvGrpSpPr>
+        <p:cNvPr id="1" name=""/>
+        <p:cNvGrpSpPr/>
+        <p:nvPr/>
+      </p:nvGrpSpPr>
+      <p:grpSpPr/>
+      <p:sp>
+        <p:nvSpPr>
+          <p:cNvPr id="2" name="Text Box 1"/>
+          <p:cNvSpPr txBox="1"/>
+          <p:nvPr/>
+        </p:nvSpPr>
+        <p:spPr>
+          <a:xfrm>
+            <a:off x="3048000" y="2754630"/>
+            <a:ext cx="6096000" cy="1348105"/>
+          </a:xfrm>
+          <a:prstGeom prst="rect">
+            <a:avLst/>
+          </a:prstGeom>
+          <a:noFill/>
+        </p:spPr>
+        <p:txBody>
+          <a:bodyPr wrap="square" rtlCol="0" anchor="t">
+            <a:spAutoFit/>
+          </a:bodyPr>
+          <a:p>
+            <a:pPr marL="0" indent="0" fontAlgn="base">
+              <a:spcBef>
+                <a:spcPct val="0"/>
+              </a:spcBef>
+              <a:spcAft>
+                <a:spcPts val="200"/>
+              </a:spcAft>
+            </a:pPr>
+            <a:r>
+              <a:rPr lang="en-IN" sz="4000" b="1">
+                <a:solidFill>
+                  <a:srgbClr val="FF0000"/>
+                </a:solidFill>
+                <a:effectLst>
+                  <a:outerShdw blurRad="38100" dist="38100" dir="2700000" algn="tl">
+                    <a:srgbClr val="000000">
+                      <a:alpha val="43137"/>
+                    </a:srgbClr>
+                  </a:outerShdw>
+                </a:effectLst>
+                <a:latin typeface="Georgia" panose="02040502050405020303"/>
+                <a:ea typeface="Georgia" panose="02040502050405020303"/>
+                <a:sym typeface="+mn-ea"/>
+              </a:rPr>
+              <a:t>Batch  Normalizations</a:t>
+            </a:r>
+            <a:endParaRPr lang="en-IN" sz="4000" b="1">
+              <a:solidFill>
+                <a:srgbClr val="FF0000"/>
+              </a:solidFill>
+              <a:effectLst>
+                <a:outerShdw blurRad="38100" dist="38100" dir="2700000" algn="tl">
+                  <a:srgbClr val="000000">
+                    <a:alpha val="43137"/>
+                  </a:srgbClr>
+                </a:outerShdw>
+              </a:effectLst>
+              <a:latin typeface="Georgia" panose="02040502050405020303"/>
+              <a:ea typeface="Georgia" panose="02040502050405020303"/>
+              <a:sym typeface="+mn-ea"/>
+            </a:endParaRPr>
+          </a:p>
+          <a:p>
+            <a:pPr marL="0" indent="0" fontAlgn="base">
+              <a:spcBef>
+                <a:spcPct val="0"/>
+              </a:spcBef>
+              <a:spcAft>
+                <a:spcPts val="200"/>
+              </a:spcAft>
+            </a:pPr>
+            <a:endParaRPr lang="en-IN" sz="4000" b="1">
+              <a:solidFill>
+                <a:srgbClr val="FF0000"/>
+              </a:solidFill>
+              <a:effectLst>
+                <a:outerShdw blurRad="38100" dist="38100" dir="2700000" algn="tl">
+                  <a:srgbClr val="000000">
+                    <a:alpha val="43137"/>
+                  </a:srgbClr>
+                </a:outerShdw>
+              </a:effectLst>
+              <a:latin typeface="Georgia" panose="02040502050405020303"/>
+              <a:ea typeface="Georgia" panose="02040502050405020303"/>
+              <a:sym typeface="+mn-ea"/>
+            </a:endParaRPr>
+          </a:p>
+        </p:txBody>
+      </p:sp>
+    </p:spTree>
+  </p:cSld>
+  <p:clrMapOvr>
+    <a:masterClrMapping/>
+  </p:clrMapOvr>
+</p:sld>
+</file>
+
+<file path=ppt/slides/slide16.xml><?xml version="1.0" encoding="utf-8"?>
+<p:sld xmlns:a="http://schemas.openxmlformats.org/drawingml/2006/main" xmlns:r="http://schemas.openxmlformats.org/officeDocument/2006/relationships" xmlns:p="http://schemas.openxmlformats.org/presentationml/2006/main">
+  <p:cSld>
+    <p:spTree>
+      <p:nvGrpSpPr>
+        <p:cNvPr id="1" name=""/>
+        <p:cNvGrpSpPr/>
+        <p:nvPr/>
+      </p:nvGrpSpPr>
+      <p:grpSpPr/>
+      <p:sp>
+        <p:nvSpPr>
+          <p:cNvPr id="2" name="Text Box 1"/>
+          <p:cNvSpPr txBox="1"/>
+          <p:nvPr/>
+        </p:nvSpPr>
+        <p:spPr>
+          <a:xfrm>
+            <a:off x="3048000" y="3075305"/>
+            <a:ext cx="6096000" cy="706755"/>
+          </a:xfrm>
+          <a:prstGeom prst="rect">
+            <a:avLst/>
+          </a:prstGeom>
+          <a:noFill/>
+        </p:spPr>
+        <p:txBody>
+          <a:bodyPr wrap="square" rtlCol="0" anchor="t">
+            <a:spAutoFit/>
+          </a:bodyPr>
+          <a:p>
+            <a:pPr marL="0" indent="0" fontAlgn="base">
+              <a:spcBef>
+                <a:spcPct val="0"/>
+              </a:spcBef>
+              <a:spcAft>
+                <a:spcPts val="200"/>
+              </a:spcAft>
+            </a:pPr>
+            <a:r>
+              <a:rPr lang="en-IN" sz="4000" b="1">
+                <a:solidFill>
+                  <a:srgbClr val="FF0000"/>
+                </a:solidFill>
+                <a:effectLst>
+                  <a:outerShdw blurRad="38100" dist="38100" dir="2700000" algn="tl">
+                    <a:srgbClr val="000000">
+                      <a:alpha val="43137"/>
+                    </a:srgbClr>
+                  </a:outerShdw>
+                </a:effectLst>
+                <a:latin typeface="Georgia" panose="02040502050405020303"/>
+                <a:ea typeface="Georgia" panose="02040502050405020303"/>
+                <a:sym typeface="+mn-ea"/>
+              </a:rPr>
+              <a:t>Weight Initializations</a:t>
+            </a:r>
+            <a:endParaRPr lang="en-IN" sz="4000" b="1">
+              <a:solidFill>
+                <a:srgbClr val="FF0000"/>
+              </a:solidFill>
+              <a:effectLst>
+                <a:outerShdw blurRad="38100" dist="38100" dir="2700000" algn="tl">
+                  <a:srgbClr val="000000">
+                    <a:alpha val="43137"/>
+                  </a:srgbClr>
+                </a:outerShdw>
+              </a:effectLst>
+              <a:latin typeface="Georgia" panose="02040502050405020303"/>
+              <a:ea typeface="Georgia" panose="02040502050405020303"/>
+              <a:sym typeface="+mn-ea"/>
+            </a:endParaRPr>
+          </a:p>
+        </p:txBody>
+      </p:sp>
+      <p:sp>
+        <p:nvSpPr>
+          <p:cNvPr id="3" name="Text Box 2"/>
+          <p:cNvSpPr txBox="1"/>
+          <p:nvPr/>
+        </p:nvSpPr>
+        <p:spPr>
+          <a:xfrm>
+            <a:off x="3451860" y="4465002"/>
+            <a:ext cx="5080000" cy="583565"/>
+          </a:xfrm>
+          <a:prstGeom prst="rect">
+            <a:avLst/>
+          </a:prstGeom>
+        </p:spPr>
+        <p:txBody>
+          <a:bodyPr>
+            <a:spAutoFit/>
+          </a:bodyPr>
+          <a:p>
+            <a:pPr marL="0" indent="0" algn="l"/>
+            <a:r>
+              <a:rPr sz="1600" b="0" i="0">
+                <a:solidFill>
+                  <a:srgbClr val="191D17"/>
+                </a:solidFill>
+                <a:latin typeface="monospace"/>
+                <a:ea typeface="monospace"/>
+              </a:rPr>
+              <a:t>Xavier/Glorat And He Weight Initialization in Deep Learning</a:t>
+            </a:r>
+            <a:endParaRPr sz="1600" b="0" i="0">
+              <a:solidFill>
+                <a:srgbClr val="191D17"/>
+              </a:solidFill>
+              <a:latin typeface="monospace"/>
+              <a:ea typeface="monospace"/>
+            </a:endParaRPr>
+          </a:p>
+        </p:txBody>
+      </p:sp>
+      <p:sp>
+        <p:nvSpPr>
+          <p:cNvPr id="4" name="Text Box 3"/>
+          <p:cNvSpPr txBox="1"/>
+          <p:nvPr/>
+        </p:nvSpPr>
+        <p:spPr>
+          <a:xfrm>
+            <a:off x="3556000" y="5238432"/>
+            <a:ext cx="5080000" cy="583565"/>
+          </a:xfrm>
+          <a:prstGeom prst="rect">
+            <a:avLst/>
+          </a:prstGeom>
+        </p:spPr>
+        <p:txBody>
+          <a:bodyPr>
+            <a:spAutoFit/>
+          </a:bodyPr>
+          <a:p>
+            <a:pPr marL="0" indent="0" algn="l"/>
+            <a:r>
+              <a:rPr sz="1600" b="0" i="0">
+                <a:solidFill>
+                  <a:srgbClr val="191D17"/>
+                </a:solidFill>
+                <a:latin typeface="monospace"/>
+                <a:ea typeface="monospace"/>
+              </a:rPr>
+              <a:t>Exponentially Weighted Moving Average or Exponential Weighted Average </a:t>
+            </a:r>
+            <a:endParaRPr sz="1600" b="0" i="0">
+              <a:solidFill>
+                <a:srgbClr val="191D17"/>
+              </a:solidFill>
+              <a:latin typeface="monospace"/>
+              <a:ea typeface="monospace"/>
+            </a:endParaRPr>
+          </a:p>
+        </p:txBody>
+      </p:sp>
+    </p:spTree>
+  </p:cSld>
+  <p:clrMapOvr>
+    <a:masterClrMapping/>
+  </p:clrMapOvr>
+</p:sld>
+</file>
+
+<file path=ppt/slides/slide17.xml><?xml version="1.0" encoding="utf-8"?>
+<p:sld xmlns:a="http://schemas.openxmlformats.org/drawingml/2006/main" xmlns:r="http://schemas.openxmlformats.org/officeDocument/2006/relationships" xmlns:p="http://schemas.openxmlformats.org/presentationml/2006/main">
+  <p:cSld>
+    <p:spTree>
+      <p:nvGrpSpPr>
+        <p:cNvPr id="1" name=""/>
+        <p:cNvGrpSpPr/>
+        <p:nvPr/>
+      </p:nvGrpSpPr>
+      <p:grpSpPr/>
+      <p:sp>
+        <p:nvSpPr>
+          <p:cNvPr id="2" name="Text Box 1"/>
+          <p:cNvSpPr txBox="1"/>
+          <p:nvPr/>
+        </p:nvSpPr>
+        <p:spPr>
+          <a:xfrm>
+            <a:off x="3048000" y="3075305"/>
+            <a:ext cx="6096000" cy="2630170"/>
+          </a:xfrm>
+          <a:prstGeom prst="rect">
+            <a:avLst/>
+          </a:prstGeom>
+          <a:noFill/>
+        </p:spPr>
+        <p:txBody>
+          <a:bodyPr wrap="square" rtlCol="0" anchor="t">
+            <a:spAutoFit/>
+          </a:bodyPr>
+          <a:p>
+            <a:pPr marL="0" indent="0" fontAlgn="base">
+              <a:spcBef>
+                <a:spcPct val="0"/>
+              </a:spcBef>
+              <a:spcAft>
+                <a:spcPts val="200"/>
+              </a:spcAft>
+            </a:pPr>
+            <a:r>
+              <a:rPr lang="en-IN" sz="4000" b="1">
+                <a:solidFill>
+                  <a:srgbClr val="FF0000"/>
+                </a:solidFill>
+                <a:effectLst>
+                  <a:outerShdw blurRad="38100" dist="38100" dir="2700000" algn="tl">
+                    <a:srgbClr val="000000">
+                      <a:alpha val="43137"/>
+                    </a:srgbClr>
+                  </a:outerShdw>
+                </a:effectLst>
+                <a:latin typeface="Georgia" panose="02040502050405020303"/>
+                <a:ea typeface="Georgia" panose="02040502050405020303"/>
+                <a:sym typeface="+mn-ea"/>
+              </a:rPr>
+              <a:t>Model Expainlibility</a:t>
+            </a:r>
+            <a:endParaRPr lang="en-IN" sz="4000" b="1">
+              <a:solidFill>
+                <a:srgbClr val="FF0000"/>
+              </a:solidFill>
+              <a:effectLst>
+                <a:outerShdw blurRad="38100" dist="38100" dir="2700000" algn="tl">
+                  <a:srgbClr val="000000">
+                    <a:alpha val="43137"/>
+                  </a:srgbClr>
+                </a:outerShdw>
+              </a:effectLst>
+              <a:latin typeface="Georgia" panose="02040502050405020303"/>
+              <a:ea typeface="Georgia" panose="02040502050405020303"/>
+              <a:sym typeface="+mn-ea"/>
+            </a:endParaRPr>
+          </a:p>
+          <a:p>
+            <a:pPr marL="0" indent="0" fontAlgn="base">
+              <a:spcBef>
+                <a:spcPct val="0"/>
+              </a:spcBef>
+              <a:spcAft>
+                <a:spcPts val="200"/>
+              </a:spcAft>
+            </a:pPr>
+            <a:endParaRPr lang="en-IN" sz="4000" b="1">
+              <a:solidFill>
+                <a:srgbClr val="FF0000"/>
+              </a:solidFill>
+              <a:effectLst>
+                <a:outerShdw blurRad="38100" dist="38100" dir="2700000" algn="tl">
+                  <a:srgbClr val="000000">
+                    <a:alpha val="43137"/>
+                  </a:srgbClr>
+                </a:outerShdw>
+              </a:effectLst>
+              <a:latin typeface="Georgia" panose="02040502050405020303"/>
+              <a:ea typeface="Georgia" panose="02040502050405020303"/>
+              <a:sym typeface="+mn-ea"/>
+            </a:endParaRPr>
+          </a:p>
+          <a:p>
+            <a:pPr marL="0" indent="0" fontAlgn="base">
+              <a:spcBef>
+                <a:spcPct val="0"/>
+              </a:spcBef>
+              <a:spcAft>
+                <a:spcPts val="200"/>
+              </a:spcAft>
+            </a:pPr>
+            <a:r>
+              <a:rPr lang="en-IN" sz="4000" b="1">
+                <a:solidFill>
+                  <a:srgbClr val="FF0000"/>
+                </a:solidFill>
+                <a:effectLst>
+                  <a:outerShdw blurRad="38100" dist="38100" dir="2700000" algn="tl">
+                    <a:srgbClr val="000000">
+                      <a:alpha val="43137"/>
+                    </a:srgbClr>
+                  </a:outerShdw>
+                </a:effectLst>
+                <a:latin typeface="Georgia" panose="02040502050405020303"/>
+                <a:ea typeface="Georgia" panose="02040502050405020303"/>
+                <a:sym typeface="+mn-ea"/>
+              </a:rPr>
+              <a:t>LIME</a:t>
+            </a:r>
+            <a:endParaRPr lang="en-IN" sz="4000" b="1">
+              <a:solidFill>
+                <a:srgbClr val="FF0000"/>
+              </a:solidFill>
+              <a:effectLst>
+                <a:outerShdw blurRad="38100" dist="38100" dir="2700000" algn="tl">
+                  <a:srgbClr val="000000">
+                    <a:alpha val="43137"/>
+                  </a:srgbClr>
+                </a:outerShdw>
+              </a:effectLst>
+              <a:latin typeface="Georgia" panose="02040502050405020303"/>
+              <a:ea typeface="Georgia" panose="02040502050405020303"/>
+              <a:sym typeface="+mn-ea"/>
+            </a:endParaRPr>
+          </a:p>
+          <a:p>
+            <a:pPr marL="0" indent="0" fontAlgn="base">
+              <a:spcBef>
+                <a:spcPct val="0"/>
+              </a:spcBef>
+              <a:spcAft>
+                <a:spcPts val="200"/>
+              </a:spcAft>
+            </a:pPr>
+            <a:r>
+              <a:rPr lang="en-IN" sz="4000" b="1">
+                <a:solidFill>
+                  <a:srgbClr val="FF0000"/>
+                </a:solidFill>
+                <a:effectLst>
+                  <a:outerShdw blurRad="38100" dist="38100" dir="2700000" algn="tl">
+                    <a:srgbClr val="000000">
+                      <a:alpha val="43137"/>
+                    </a:srgbClr>
+                  </a:outerShdw>
+                </a:effectLst>
+                <a:latin typeface="Georgia" panose="02040502050405020303"/>
+                <a:ea typeface="Georgia" panose="02040502050405020303"/>
+                <a:sym typeface="+mn-ea"/>
+              </a:rPr>
+              <a:t>SHAPY</a:t>
+            </a:r>
+            <a:endParaRPr lang="en-IN" sz="4000" b="1">
+              <a:solidFill>
+                <a:srgbClr val="FF0000"/>
+              </a:solidFill>
+              <a:effectLst>
+                <a:outerShdw blurRad="38100" dist="38100" dir="2700000" algn="tl">
+                  <a:srgbClr val="000000">
+                    <a:alpha val="43137"/>
+                  </a:srgbClr>
+                </a:outerShdw>
+              </a:effectLst>
+              <a:latin typeface="Georgia" panose="02040502050405020303"/>
+              <a:ea typeface="Georgia" panose="02040502050405020303"/>
+              <a:sym typeface="+mn-ea"/>
+            </a:endParaRPr>
+          </a:p>
+        </p:txBody>
+      </p:sp>
+    </p:spTree>
+  </p:cSld>
+  <p:clrMapOvr>
+    <a:masterClrMapping/>
+  </p:clrMapOvr>
+</p:sld>
+</file>
+
+<file path=ppt/slides/slide18.xml><?xml version="1.0" encoding="utf-8"?>
+<p:sld xmlns:a="http://schemas.openxmlformats.org/drawingml/2006/main" xmlns:r="http://schemas.openxmlformats.org/officeDocument/2006/relationships" xmlns:p="http://schemas.openxmlformats.org/presentationml/2006/main">
+  <p:cSld>
+    <p:spTree>
+      <p:nvGrpSpPr>
+        <p:cNvPr id="1" name=""/>
+        <p:cNvGrpSpPr/>
+        <p:nvPr/>
+      </p:nvGrpSpPr>
+      <p:grpSpPr/>
       <p:sp>
         <p:nvSpPr>
           <p:cNvPr id="2" name="Text Box 1"/>
@@ -3833,164 +5089,6 @@
         <p:nvPr/>
       </p:nvGrpSpPr>
       <p:grpSpPr/>
-      <p:sp>
-        <p:nvSpPr>
-          <p:cNvPr id="2" name="Text Box 1"/>
-          <p:cNvSpPr txBox="1"/>
-          <p:nvPr/>
-        </p:nvSpPr>
-        <p:spPr>
-          <a:xfrm>
-            <a:off x="706120" y="267970"/>
-            <a:ext cx="10768965" cy="3161030"/>
-          </a:xfrm>
-          <a:prstGeom prst="rect">
-            <a:avLst/>
-          </a:prstGeom>
-          <a:noFill/>
-        </p:spPr>
-        <p:txBody>
-          <a:bodyPr wrap="square" rtlCol="0" anchor="t">
-            <a:noAutofit/>
-          </a:bodyPr>
-          <a:p>
-            <a:pPr marL="0" indent="0">
-              <a:spcBef>
-                <a:spcPct val="0"/>
-              </a:spcBef>
-              <a:spcAft>
-                <a:spcPct val="6000"/>
-              </a:spcAft>
-            </a:pPr>
-            <a:r>
-              <a:rPr sz="2300" b="1">
-                <a:latin typeface="Arial" panose="020B0604020202020204" pitchFamily="34" charset="0"/>
-                <a:ea typeface="var(--framer-blockquote-font-family"/>
-                <a:cs typeface="Arial" panose="020B0604020202020204" pitchFamily="34" charset="0"/>
-                <a:sym typeface="+mn-ea"/>
-                <a:hlinkClick r:id="rId1"/>
-              </a:rPr>
-              <a:t>What is a Neural Network Activation Function?</a:t>
-            </a:r>
-            <a:endParaRPr sz="2300" b="1">
-              <a:latin typeface="Arial" panose="020B0604020202020204" pitchFamily="34" charset="0"/>
-              <a:ea typeface="var(--framer-blockquote-font-family"/>
-              <a:cs typeface="Arial" panose="020B0604020202020204" pitchFamily="34" charset="0"/>
-              <a:sym typeface="+mn-ea"/>
-              <a:hlinkClick r:id="rId1"/>
-            </a:endParaRPr>
-          </a:p>
-          <a:p>
-            <a:pPr marL="0" indent="0">
-              <a:spcBef>
-                <a:spcPct val="0"/>
-              </a:spcBef>
-              <a:spcAft>
-                <a:spcPct val="6000"/>
-              </a:spcAft>
-            </a:pPr>
-            <a:endParaRPr sz="2300" b="1" i="0">
-              <a:latin typeface="Arial" panose="020B0604020202020204" pitchFamily="34" charset="0"/>
-              <a:ea typeface="var(--framer-blockquote-font-family"/>
-              <a:cs typeface="Arial" panose="020B0604020202020204" pitchFamily="34" charset="0"/>
-              <a:hlinkClick r:id="rId1"/>
-            </a:endParaRPr>
-          </a:p>
-          <a:p>
-            <a:pPr marL="0" indent="0">
-              <a:spcAft>
-                <a:spcPct val="0"/>
-              </a:spcAft>
-            </a:pPr>
-            <a:r>
-              <a:rPr sz="1600">
-                <a:latin typeface="Arial" panose="020B0604020202020204" pitchFamily="34" charset="0"/>
-                <a:ea typeface="var(--framer-blockquote-font-family-bold"/>
-                <a:cs typeface="Arial" panose="020B0604020202020204" pitchFamily="34" charset="0"/>
-                <a:sym typeface="+mn-ea"/>
-              </a:rPr>
-              <a:t>An Activation Function</a:t>
-            </a:r>
-            <a:r>
-              <a:rPr sz="1600">
-                <a:latin typeface="Arial" panose="020B0604020202020204" pitchFamily="34" charset="0"/>
-                <a:ea typeface="var(--framer-blockquote-font-family"/>
-                <a:cs typeface="Arial" panose="020B0604020202020204" pitchFamily="34" charset="0"/>
-                <a:sym typeface="+mn-ea"/>
-              </a:rPr>
-              <a:t> decides whether a neuron should be activated or not. This means that it will decide whether the neuron’s input to the network is important or not in the process of prediction using simpler mathematical operations. </a:t>
-            </a:r>
-            <a:endParaRPr sz="1600">
-              <a:latin typeface="Arial" panose="020B0604020202020204" pitchFamily="34" charset="0"/>
-              <a:ea typeface="var(--framer-blockquote-font-family"/>
-              <a:cs typeface="Arial" panose="020B0604020202020204" pitchFamily="34" charset="0"/>
-              <a:sym typeface="+mn-ea"/>
-            </a:endParaRPr>
-          </a:p>
-          <a:p>
-            <a:pPr marL="0" indent="0">
-              <a:spcAft>
-                <a:spcPct val="0"/>
-              </a:spcAft>
-            </a:pPr>
-            <a:endParaRPr sz="1600" b="0" i="0">
-              <a:latin typeface="Arial" panose="020B0604020202020204" pitchFamily="34" charset="0"/>
-              <a:ea typeface="var(--framer-blockquote-font-family"/>
-              <a:cs typeface="Arial" panose="020B0604020202020204" pitchFamily="34" charset="0"/>
-            </a:endParaRPr>
-          </a:p>
-          <a:p>
-            <a:pPr marL="0" indent="0">
-              <a:spcAft>
-                <a:spcPct val="0"/>
-              </a:spcAft>
-            </a:pPr>
-            <a:r>
-              <a:rPr sz="1600">
-                <a:latin typeface="Arial" panose="020B0604020202020204" pitchFamily="34" charset="0"/>
-                <a:ea typeface="var(--framer-blockquote-font-family"/>
-                <a:cs typeface="Arial" panose="020B0604020202020204" pitchFamily="34" charset="0"/>
-                <a:sym typeface="+mn-ea"/>
-              </a:rPr>
-              <a:t>The role of the Activation Function is to derive output from a set of input values fed to a node (or a layer).</a:t>
-            </a:r>
-            <a:endParaRPr lang="en-US" sz="1600">
-              <a:latin typeface="Arial" panose="020B0604020202020204" pitchFamily="34" charset="0"/>
-              <a:ea typeface="var(--framer-blockquote-font-family"/>
-              <a:cs typeface="Arial" panose="020B0604020202020204" pitchFamily="34" charset="0"/>
-              <a:sym typeface="+mn-ea"/>
-            </a:endParaRPr>
-          </a:p>
-        </p:txBody>
-      </p:sp>
-      <p:sp>
-        <p:nvSpPr>
-          <p:cNvPr id="3" name="Text Box 2"/>
-          <p:cNvSpPr txBox="1"/>
-          <p:nvPr/>
-        </p:nvSpPr>
-        <p:spPr>
-          <a:xfrm>
-            <a:off x="706755" y="2767965"/>
-            <a:ext cx="10396220" cy="1014730"/>
-          </a:xfrm>
-          <a:prstGeom prst="rect">
-            <a:avLst/>
-          </a:prstGeom>
-        </p:spPr>
-        <p:txBody>
-          <a:bodyPr wrap="square">
-            <a:spAutoFit/>
-          </a:bodyPr>
-          <a:p>
-            <a:r>
-              <a:rPr sz="2000"/>
-              <a:t>Activation functions play a crucial role in neural networks by introducing non-linearity, enabling the model to learn and represent complex patterns. Without activation functions, a neural network behaves like a linear model, limiting its ability to capture intricate relationships in data.</a:t>
-            </a:r>
-            <a:endParaRPr sz="2000"/>
-          </a:p>
-        </p:txBody>
-      </p:sp>
       <p:pic>
         <p:nvPicPr>
           <p:cNvPr id="4" name="Picture 3"/>
@@ -3998,15 +5096,15 @@
           <p:nvPr/>
         </p:nvPicPr>
         <p:blipFill>
-          <a:blip r:embed="rId2"/>
+          <a:blip r:embed="rId1"/>
           <a:stretch>
             <a:fillRect/>
           </a:stretch>
         </p:blipFill>
         <p:spPr>
           <a:xfrm>
-            <a:off x="2148205" y="3782695"/>
-            <a:ext cx="7171690" cy="2860040"/>
+            <a:off x="772160" y="568960"/>
+            <a:ext cx="10530205" cy="5314315"/>
           </a:xfrm>
           <a:prstGeom prst="rect">
             <a:avLst/>
@@ -4095,7 +5193,7 @@
         </p:nvSpPr>
         <p:spPr>
           <a:xfrm>
-            <a:off x="222885" y="6212840"/>
+            <a:off x="222885" y="5462270"/>
             <a:ext cx="11197590" cy="645160"/>
           </a:xfrm>
           <a:prstGeom prst="rect">
@@ -4404,6 +5502,35 @@
           </a:p>
         </p:txBody>
       </p:sp>
+      <p:sp>
+        <p:nvSpPr>
+          <p:cNvPr id="3" name="Text Box 2"/>
+          <p:cNvSpPr txBox="1"/>
+          <p:nvPr/>
+        </p:nvSpPr>
+        <p:spPr>
+          <a:xfrm>
+            <a:off x="3048000" y="3106420"/>
+            <a:ext cx="7535545" cy="368300"/>
+          </a:xfrm>
+          <a:prstGeom prst="rect">
+            <a:avLst/>
+          </a:prstGeom>
+          <a:noFill/>
+        </p:spPr>
+        <p:txBody>
+          <a:bodyPr wrap="square" rtlCol="0" anchor="t">
+            <a:spAutoFit/>
+          </a:bodyPr>
+          <a:p>
+            <a:r>
+              <a:rPr lang="en-US" altLang="en-US"/>
+              <a:t>https://zilliz.com/learn/understanding-regularization-in-nueral-networks</a:t>
+            </a:r>
+            <a:endParaRPr lang="en-US"/>
+          </a:p>
+        </p:txBody>
+      </p:sp>
     </p:spTree>
   </p:cSld>
   <p:clrMapOvr>
@@ -4422,16 +5549,40 @@
         <p:nvPr/>
       </p:nvGrpSpPr>
       <p:grpSpPr/>
-      <p:sp>
-        <p:nvSpPr>
-          <p:cNvPr id="2" name="Text Box 1"/>
+      <p:pic>
+        <p:nvPicPr>
+          <p:cNvPr id="6" name="Picture 5"/>
+          <p:cNvPicPr>
+            <a:picLocks noChangeAspect="1"/>
+          </p:cNvPicPr>
+          <p:nvPr/>
+        </p:nvPicPr>
+        <p:blipFill>
+          <a:blip r:embed="rId1"/>
+          <a:stretch>
+            <a:fillRect/>
+          </a:stretch>
+        </p:blipFill>
+        <p:spPr>
+          <a:xfrm>
+            <a:off x="3825240" y="1635125"/>
+            <a:ext cx="5718175" cy="2352675"/>
+          </a:xfrm>
+          <a:prstGeom prst="rect">
+            <a:avLst/>
+          </a:prstGeom>
+        </p:spPr>
+      </p:pic>
+      <p:sp>
+        <p:nvSpPr>
+          <p:cNvPr id="5" name="Text Box 4"/>
           <p:cNvSpPr txBox="1"/>
           <p:nvPr/>
         </p:nvSpPr>
         <p:spPr>
           <a:xfrm>
-            <a:off x="3048000" y="2113915"/>
-            <a:ext cx="6096000" cy="1348105"/>
+            <a:off x="157480" y="-6985"/>
+            <a:ext cx="11739245" cy="6831965"/>
           </a:xfrm>
           <a:prstGeom prst="rect">
             <a:avLst/>
@@ -4439,20 +5590,22 @@
           <a:noFill/>
         </p:spPr>
         <p:txBody>
-          <a:bodyPr wrap="square" rtlCol="0" anchor="t">
+          <a:bodyPr wrap="square" rtlCol="0">
             <a:spAutoFit/>
           </a:bodyPr>
           <a:p>
-            <a:pPr marL="0" indent="0" fontAlgn="base">
-              <a:spcBef>
-                <a:spcPct val="0"/>
-              </a:spcBef>
-              <a:spcAft>
-                <a:spcPts val="200"/>
-              </a:spcAft>
-            </a:pPr>
-            <a:r>
-              <a:rPr lang="en-IN" sz="4000" b="1">
+            <a:r>
+              <a:rPr lang="en-US" altLang="en-US"/>
+              <a:t>Regularization techniques like L1, L2, and ElasticNet help prevent overfitting by adding a penalty term to the loss function. This keeps model weights small and prevents over-complexity.</a:t>
+            </a:r>
+            <a:endParaRPr lang="en-US" altLang="en-US"/>
+          </a:p>
+          <a:p>
+            <a:endParaRPr lang="en-US" altLang="en-US"/>
+          </a:p>
+          <a:p>
+            <a:r>
+              <a:rPr lang="en-US" altLang="en-US" sz="2400" b="1">
                 <a:solidFill>
                   <a:srgbClr val="FF0000"/>
                 </a:solidFill>
@@ -4463,13 +5616,40 @@
                     </a:srgbClr>
                   </a:outerShdw>
                 </a:effectLst>
-                <a:latin typeface="Georgia" panose="02040502050405020303"/>
-                <a:ea typeface="Georgia" panose="02040502050405020303"/>
-                <a:sym typeface="+mn-ea"/>
               </a:rPr>
-              <a:t>Dropout</a:t>
-            </a:r>
-            <a:endParaRPr lang="en-IN" sz="4000" b="1">
+              <a:t>1</a:t>
+            </a:r>
+            <a:r>
+              <a:rPr lang="" altLang="en-US" sz="2400" b="1">
+                <a:solidFill>
+                  <a:srgbClr val="FF0000"/>
+                </a:solidFill>
+                <a:effectLst>
+                  <a:outerShdw blurRad="38100" dist="38100" dir="2700000" algn="tl">
+                    <a:srgbClr val="000000">
+                      <a:alpha val="43137"/>
+                    </a:srgbClr>
+                  </a:outerShdw>
+                </a:effectLst>
+              </a:rPr>
+              <a:t>️</a:t>
+            </a:r>
+            <a:r>
+              <a:rPr lang="en-US" altLang="en-US" sz="2400" b="1">
+                <a:solidFill>
+                  <a:srgbClr val="FF0000"/>
+                </a:solidFill>
+                <a:effectLst>
+                  <a:outerShdw blurRad="38100" dist="38100" dir="2700000" algn="tl">
+                    <a:srgbClr val="000000">
+                      <a:alpha val="43137"/>
+                    </a:srgbClr>
+                  </a:outerShdw>
+                </a:effectLst>
+              </a:rPr>
+              <a:t>⃣ L1 Regularization (Lasso Regression)</a:t>
+            </a:r>
+            <a:endParaRPr lang="en-US" altLang="en-US" sz="2400" b="1">
               <a:solidFill>
                 <a:srgbClr val="FF0000"/>
               </a:solidFill>
@@ -4480,35 +5660,116 @@
                   </a:srgbClr>
                 </a:outerShdw>
               </a:effectLst>
-              <a:latin typeface="Georgia" panose="02040502050405020303"/>
-              <a:ea typeface="Georgia" panose="02040502050405020303"/>
-              <a:sym typeface="+mn-ea"/>
             </a:endParaRPr>
           </a:p>
           <a:p>
-            <a:pPr marL="0" indent="0" fontAlgn="base">
-              <a:spcBef>
-                <a:spcPct val="0"/>
-              </a:spcBef>
-              <a:spcAft>
-                <a:spcPts val="200"/>
-              </a:spcAft>
-            </a:pPr>
-            <a:endParaRPr lang="en-IN" sz="4000" b="1">
-              <a:solidFill>
-                <a:srgbClr val="FF0000"/>
-              </a:solidFill>
-              <a:effectLst>
-                <a:outerShdw blurRad="38100" dist="38100" dir="2700000" algn="tl">
-                  <a:srgbClr val="000000">
-                    <a:alpha val="43137"/>
-                  </a:srgbClr>
-                </a:outerShdw>
-              </a:effectLst>
-              <a:latin typeface="Georgia" panose="02040502050405020303"/>
-              <a:ea typeface="Georgia" panose="02040502050405020303"/>
-              <a:sym typeface="+mn-ea"/>
-            </a:endParaRPr>
+            <a:r>
+              <a:rPr lang="zh-CN" altLang="en-US"/>
+              <a:t>📖</a:t>
+            </a:r>
+            <a:r>
+              <a:rPr lang="en-US" altLang="en-US"/>
+              <a:t> Definition:</a:t>
+            </a:r>
+            <a:endParaRPr lang="en-US" altLang="en-US"/>
+          </a:p>
+          <a:p>
+            <a:r>
+              <a:rPr lang="en-US" altLang="en-US"/>
+              <a:t>L1 Regularization, also called Lasso (Least Absolute Shrinkage and Selection Operator), adds the absolute values of the weights to the loss function.</a:t>
+            </a:r>
+            <a:endParaRPr lang="en-US" altLang="en-US"/>
+          </a:p>
+          <a:p>
+            <a:endParaRPr lang="en-US" altLang="en-US"/>
+          </a:p>
+          <a:p>
+            <a:endParaRPr lang="en-US" altLang="en-US"/>
+          </a:p>
+          <a:p>
+            <a:endParaRPr lang="en-US" altLang="en-US"/>
+          </a:p>
+          <a:p>
+            <a:endParaRPr lang="en-US" altLang="en-US"/>
+          </a:p>
+          <a:p>
+            <a:endParaRPr lang="en-US" altLang="en-US"/>
+          </a:p>
+          <a:p>
+            <a:r>
+              <a:rPr lang="en-US" altLang="en-US"/>
+              <a:t>✅ Pros:</a:t>
+            </a:r>
+            <a:endParaRPr lang="en-US" altLang="en-US"/>
+          </a:p>
+          <a:p>
+            <a:r>
+              <a:rPr lang="en-US" altLang="en-US"/>
+              <a:t>✔ Encourages sparse models (some weights become zero).</a:t>
+            </a:r>
+            <a:endParaRPr lang="en-US" altLang="en-US"/>
+          </a:p>
+          <a:p>
+            <a:r>
+              <a:rPr lang="en-US" altLang="en-US"/>
+              <a:t>✔ Useful for feature selection (eliminates less important features).</a:t>
+            </a:r>
+            <a:endParaRPr lang="en-US" altLang="en-US"/>
+          </a:p>
+          <a:p>
+            <a:endParaRPr lang="en-US" altLang="en-US"/>
+          </a:p>
+          <a:p>
+            <a:r>
+              <a:rPr lang="en-US" altLang="en-US"/>
+              <a:t>❌ Cons:</a:t>
+            </a:r>
+            <a:endParaRPr lang="en-US" altLang="en-US"/>
+          </a:p>
+          <a:p>
+            <a:r>
+              <a:rPr lang="en-US" altLang="en-US"/>
+              <a:t>❌ Can lead to unstable models when features are correlated.</a:t>
+            </a:r>
+            <a:endParaRPr lang="en-US" altLang="en-US"/>
+          </a:p>
+          <a:p>
+            <a:r>
+              <a:rPr lang="en-US" altLang="en-US"/>
+              <a:t>❌ Not ideal for smooth weight shrinkage.</a:t>
+            </a:r>
+            <a:endParaRPr lang="en-US" altLang="en-US"/>
+          </a:p>
+          <a:p>
+            <a:endParaRPr lang="en-US" altLang="en-US"/>
+          </a:p>
+          <a:p>
+            <a:r>
+              <a:rPr lang="zh-CN" altLang="en-US"/>
+              <a:t>💻</a:t>
+            </a:r>
+            <a:r>
+              <a:rPr lang="en-US" altLang="en-US"/>
+              <a:t> Code Example (L1 Regularization in TensorFlow/Keras):</a:t>
+            </a:r>
+            <a:endParaRPr lang="en-US" altLang="en-US"/>
+          </a:p>
+          <a:p>
+            <a:r>
+              <a:rPr lang="en-US" altLang="en-US"/>
+              <a:t>from tensorflow.keras.regularizers import l1</a:t>
+            </a:r>
+            <a:endParaRPr lang="en-US" altLang="en-US"/>
+          </a:p>
+          <a:p>
+            <a:endParaRPr lang="en-US" altLang="en-US"/>
+          </a:p>
+          <a:p>
+            <a:r>
+              <a:rPr lang="en-US" altLang="en-US"/>
+              <a:t>model.add(Dense(64, activation='relu', kernel_regularizer=l1(0.01)))  # L1 penalty with lambda=0.01</a:t>
+            </a:r>
+            <a:endParaRPr lang="en-US"/>
           </a:p>
         </p:txBody>
       </p:sp>
@@ -4538,29 +5799,25 @@
         </p:nvSpPr>
         <p:spPr>
           <a:xfrm>
-            <a:off x="3048000" y="2433955"/>
-            <a:ext cx="6096000" cy="1348105"/>
+            <a:off x="93345" y="0"/>
+            <a:ext cx="10748010" cy="6343015"/>
           </a:xfrm>
           <a:prstGeom prst="rect">
             <a:avLst/>
           </a:prstGeom>
-          <a:noFill/>
         </p:spPr>
         <p:txBody>
-          <a:bodyPr wrap="square" rtlCol="0" anchor="t">
+          <a:bodyPr wrap="square">
             <a:spAutoFit/>
           </a:bodyPr>
           <a:p>
-            <a:pPr marL="0" indent="0" fontAlgn="base">
-              <a:spcBef>
-                <a:spcPct val="0"/>
-              </a:spcBef>
+            <a:pPr>
               <a:spcAft>
-                <a:spcPts val="200"/>
+                <a:spcPct val="60000"/>
               </a:spcAft>
             </a:pPr>
             <a:r>
-              <a:rPr lang="en-IN" sz="4000" b="1">
+              <a:rPr sz="2300" b="1">
                 <a:solidFill>
                   <a:srgbClr val="FF0000"/>
                 </a:solidFill>
@@ -4571,13 +5828,40 @@
                     </a:srgbClr>
                   </a:outerShdw>
                 </a:effectLst>
-                <a:latin typeface="Georgia" panose="02040502050405020303"/>
-                <a:ea typeface="Georgia" panose="02040502050405020303"/>
-                <a:sym typeface="+mn-ea"/>
               </a:rPr>
-              <a:t>Call backs</a:t>
-            </a:r>
-            <a:endParaRPr lang="en-IN" sz="4000" b="1">
+              <a:t>2</a:t>
+            </a:r>
+            <a:r>
+              <a:rPr lang="en-US" sz="2300" b="1">
+                <a:solidFill>
+                  <a:srgbClr val="FF0000"/>
+                </a:solidFill>
+                <a:effectLst>
+                  <a:outerShdw blurRad="38100" dist="38100" dir="2700000" algn="tl">
+                    <a:srgbClr val="000000">
+                      <a:alpha val="43137"/>
+                    </a:srgbClr>
+                  </a:outerShdw>
+                </a:effectLst>
+              </a:rPr>
+              <a:t>.</a:t>
+            </a:r>
+            <a:r>
+              <a:rPr sz="2300" b="1">
+                <a:solidFill>
+                  <a:srgbClr val="FF0000"/>
+                </a:solidFill>
+                <a:effectLst>
+                  <a:outerShdw blurRad="38100" dist="38100" dir="2700000" algn="tl">
+                    <a:srgbClr val="000000">
+                      <a:alpha val="43137"/>
+                    </a:srgbClr>
+                  </a:outerShdw>
+                </a:effectLst>
+              </a:rPr>
+              <a:t> L2 Regularization (Ridge Regression)</a:t>
+            </a:r>
+            <a:endParaRPr sz="2300" b="1">
               <a:solidFill>
                 <a:srgbClr val="FF0000"/>
               </a:solidFill>
@@ -4588,122 +5872,148 @@
                   </a:srgbClr>
                 </a:outerShdw>
               </a:effectLst>
-              <a:latin typeface="Georgia" panose="02040502050405020303"/>
-              <a:ea typeface="Georgia" panose="02040502050405020303"/>
-              <a:sym typeface="+mn-ea"/>
             </a:endParaRPr>
           </a:p>
           <a:p>
-            <a:pPr marL="0" indent="0" fontAlgn="base">
-              <a:spcBef>
-                <a:spcPct val="0"/>
-              </a:spcBef>
+            <a:pPr>
               <a:spcAft>
-                <a:spcPts val="200"/>
+                <a:spcPct val="60000"/>
               </a:spcAft>
             </a:pPr>
-            <a:endParaRPr lang="en-IN" sz="4000" b="1">
-              <a:solidFill>
-                <a:srgbClr val="FF0000"/>
-              </a:solidFill>
-              <a:effectLst>
-                <a:outerShdw blurRad="38100" dist="38100" dir="2700000" algn="tl">
-                  <a:srgbClr val="000000">
-                    <a:alpha val="43137"/>
-                  </a:srgbClr>
-                </a:outerShdw>
-              </a:effectLst>
-              <a:latin typeface="Georgia" panose="02040502050405020303"/>
-              <a:ea typeface="Georgia" panose="02040502050405020303"/>
-              <a:sym typeface="+mn-ea"/>
-            </a:endParaRPr>
-          </a:p>
-        </p:txBody>
-      </p:sp>
-      <p:sp>
-        <p:nvSpPr>
-          <p:cNvPr id="3" name="Text Box 2"/>
-          <p:cNvSpPr txBox="1"/>
+            <a:r>
+              <a:rPr sz="2200" b="1"/>
+              <a:t>📖 Definition:</a:t>
+            </a:r>
+            <a:endParaRPr sz="2200" b="1"/>
+          </a:p>
+          <a:p>
+            <a:r>
+              <a:rPr sz="1600"/>
+              <a:t>L2 Regularization, also called Ridge Regression, adds the squared values of the weights to the loss function.</a:t>
+            </a:r>
+            <a:endParaRPr sz="1600"/>
+          </a:p>
+          <a:p>
+            <a:pPr>
+              <a:spcAft>
+                <a:spcPct val="60000"/>
+              </a:spcAft>
+            </a:pPr>
+            <a:endParaRPr sz="2200" b="1"/>
+          </a:p>
+          <a:p>
+            <a:pPr>
+              <a:spcAft>
+                <a:spcPct val="60000"/>
+              </a:spcAft>
+            </a:pPr>
+            <a:r>
+              <a:rPr sz="2200" b="1"/>
+              <a:t>✅ Pros:</a:t>
+            </a:r>
+            <a:endParaRPr sz="2200" b="1"/>
+          </a:p>
+          <a:p>
+            <a:r>
+              <a:rPr sz="1600"/>
+              <a:t>✔ Encourages smaller weights, preventing overfitting.</a:t>
+            </a:r>
+            <a:endParaRPr sz="1600"/>
+          </a:p>
+          <a:p>
+            <a:r>
+              <a:rPr sz="1600"/>
+              <a:t> ✔ Works well when features are correlated.</a:t>
+            </a:r>
+            <a:endParaRPr sz="1600"/>
+          </a:p>
+          <a:p>
+            <a:pPr>
+              <a:spcAft>
+                <a:spcPct val="60000"/>
+              </a:spcAft>
+            </a:pPr>
+            <a:r>
+              <a:rPr sz="2200" b="1"/>
+              <a:t>❌ Cons:</a:t>
+            </a:r>
+            <a:endParaRPr sz="2200" b="1"/>
+          </a:p>
+          <a:p>
+            <a:r>
+              <a:rPr sz="1600"/>
+              <a:t>❌ Does not produce sparse models (all weights remain nonzero).</a:t>
+            </a:r>
+            <a:endParaRPr sz="1600"/>
+          </a:p>
+          <a:p>
+            <a:r>
+              <a:rPr sz="1600"/>
+              <a:t> ❌ May not be ideal for feature selection.</a:t>
+            </a:r>
+            <a:endParaRPr sz="1600"/>
+          </a:p>
+          <a:p>
+            <a:pPr>
+              <a:spcAft>
+                <a:spcPct val="60000"/>
+              </a:spcAft>
+            </a:pPr>
+            <a:r>
+              <a:rPr sz="2200" b="1"/>
+              <a:t>💻 Code Example (L2 Regularization in TensorFlow/Keras):</a:t>
+            </a:r>
+            <a:endParaRPr sz="2200" b="1"/>
+          </a:p>
+          <a:p>
+            <a:r>
+              <a:rPr sz="1600"/>
+              <a:t>python</a:t>
+            </a:r>
+            <a:endParaRPr sz="1600"/>
+          </a:p>
+          <a:p>
+            <a:r>
+              <a:rPr sz="1600"/>
+              <a:t>CopyEdit</a:t>
+            </a:r>
+            <a:endParaRPr sz="1600"/>
+          </a:p>
+          <a:p>
+            <a:r>
+              <a:rPr sz="1600"/>
+              <a:t>from tensorflow.keras.regularizers import l2
+model.add(Dense(64, activation='relu', kernel_regularizer=l2(0.01)))  # L2 penalty with lambda=0.01
+</a:t>
+            </a:r>
+            <a:endParaRPr sz="1600"/>
+          </a:p>
+        </p:txBody>
+      </p:sp>
+      <p:pic>
+        <p:nvPicPr>
+          <p:cNvPr id="3" name="Picture 2"/>
+          <p:cNvPicPr>
+            <a:picLocks noChangeAspect="1"/>
+          </p:cNvPicPr>
           <p:nvPr/>
-        </p:nvSpPr>
+        </p:nvPicPr>
+        <p:blipFill>
+          <a:blip r:embed="rId1"/>
+          <a:stretch>
+            <a:fillRect/>
+          </a:stretch>
+        </p:blipFill>
         <p:spPr>
           <a:xfrm>
-            <a:off x="3048000" y="3068320"/>
-            <a:ext cx="6096000" cy="978535"/>
+            <a:off x="5202555" y="1499235"/>
+            <a:ext cx="5638800" cy="2009775"/>
           </a:xfrm>
           <a:prstGeom prst="rect">
             <a:avLst/>
           </a:prstGeom>
-          <a:noFill/>
         </p:spPr>
-        <p:txBody>
-          <a:bodyPr wrap="square" rtlCol="0" anchor="t">
-            <a:spAutoFit/>
-          </a:bodyPr>
-          <a:p>
-            <a:pPr marL="0" indent="0" fontAlgn="base">
-              <a:spcBef>
-                <a:spcPct val="0"/>
-              </a:spcBef>
-              <a:spcAft>
-                <a:spcPts val="200"/>
-              </a:spcAft>
-            </a:pPr>
-            <a:r>
-              <a:rPr lang="en-IN" sz="2800">
-                <a:solidFill>
-                  <a:schemeClr val="tx1"/>
-                </a:solidFill>
-                <a:effectLst/>
-                <a:latin typeface="Georgia" panose="02040502050405020303"/>
-                <a:ea typeface="Georgia" panose="02040502050405020303"/>
-                <a:sym typeface="+mn-ea"/>
-              </a:rPr>
-              <a:t>Model Checkpoint</a:t>
-            </a:r>
-            <a:endParaRPr lang="en-IN" sz="2800">
-              <a:solidFill>
-                <a:schemeClr val="tx1"/>
-              </a:solidFill>
-              <a:effectLst/>
-              <a:latin typeface="Georgia" panose="02040502050405020303"/>
-              <a:ea typeface="Georgia" panose="02040502050405020303"/>
-              <a:sym typeface="+mn-ea"/>
-            </a:endParaRPr>
-          </a:p>
-          <a:p>
-            <a:pPr marL="0" indent="0" fontAlgn="base">
-              <a:spcBef>
-                <a:spcPct val="0"/>
-              </a:spcBef>
-              <a:spcAft>
-                <a:spcPts val="200"/>
-              </a:spcAft>
-            </a:pPr>
-            <a:r>
-              <a:rPr lang="en-IN" sz="2800">
-                <a:solidFill>
-                  <a:schemeClr val="tx1"/>
-                </a:solidFill>
-                <a:effectLst/>
-                <a:latin typeface="Georgia" panose="02040502050405020303"/>
-                <a:ea typeface="Georgia" panose="02040502050405020303"/>
-                <a:sym typeface="+mn-ea"/>
-              </a:rPr>
-              <a:t>Early stoping</a:t>
-            </a:r>
-            <a:endParaRPr lang="en-IN" sz="2800">
-              <a:solidFill>
-                <a:schemeClr val="tx1"/>
-              </a:solidFill>
-              <a:effectLst/>
-              <a:latin typeface="Georgia" panose="02040502050405020303"/>
-              <a:ea typeface="Georgia" panose="02040502050405020303"/>
-              <a:sym typeface="+mn-ea"/>
-            </a:endParaRPr>
-          </a:p>
-        </p:txBody>
-      </p:sp>
+      </p:pic>
     </p:spTree>
   </p:cSld>
   <p:clrMapOvr>
@@ -4730,29 +6040,25 @@
         </p:nvSpPr>
         <p:spPr>
           <a:xfrm>
-            <a:off x="3048000" y="2754630"/>
-            <a:ext cx="6096000" cy="1348105"/>
+            <a:off x="127635" y="0"/>
+            <a:ext cx="11581765" cy="6096635"/>
           </a:xfrm>
           <a:prstGeom prst="rect">
             <a:avLst/>
           </a:prstGeom>
-          <a:noFill/>
         </p:spPr>
         <p:txBody>
-          <a:bodyPr wrap="square" rtlCol="0" anchor="t">
+          <a:bodyPr wrap="square">
             <a:spAutoFit/>
           </a:bodyPr>
           <a:p>
-            <a:pPr marL="0" indent="0" fontAlgn="base">
-              <a:spcBef>
-                <a:spcPct val="0"/>
-              </a:spcBef>
+            <a:pPr>
               <a:spcAft>
-                <a:spcPts val="200"/>
+                <a:spcPct val="60000"/>
               </a:spcAft>
             </a:pPr>
             <a:r>
-              <a:rPr lang="en-IN" sz="4000" b="1">
+              <a:rPr sz="2300" b="1">
                 <a:solidFill>
                   <a:srgbClr val="FF0000"/>
                 </a:solidFill>
@@ -4763,13 +6069,40 @@
                     </a:srgbClr>
                   </a:outerShdw>
                 </a:effectLst>
-                <a:latin typeface="Georgia" panose="02040502050405020303"/>
-                <a:ea typeface="Georgia" panose="02040502050405020303"/>
-                <a:sym typeface="+mn-ea"/>
               </a:rPr>
-              <a:t>Batch  Normalizations</a:t>
-            </a:r>
-            <a:endParaRPr lang="en-IN" sz="4000" b="1">
+              <a:t>3</a:t>
+            </a:r>
+            <a:r>
+              <a:rPr lang="en-US" sz="2300" b="1">
+                <a:solidFill>
+                  <a:srgbClr val="FF0000"/>
+                </a:solidFill>
+                <a:effectLst>
+                  <a:outerShdw blurRad="38100" dist="38100" dir="2700000" algn="tl">
+                    <a:srgbClr val="000000">
+                      <a:alpha val="43137"/>
+                    </a:srgbClr>
+                  </a:outerShdw>
+                </a:effectLst>
+              </a:rPr>
+              <a:t>.</a:t>
+            </a:r>
+            <a:r>
+              <a:rPr sz="2300" b="1">
+                <a:solidFill>
+                  <a:srgbClr val="FF0000"/>
+                </a:solidFill>
+                <a:effectLst>
+                  <a:outerShdw blurRad="38100" dist="38100" dir="2700000" algn="tl">
+                    <a:srgbClr val="000000">
+                      <a:alpha val="43137"/>
+                    </a:srgbClr>
+                  </a:outerShdw>
+                </a:effectLst>
+              </a:rPr>
+              <a:t> ElasticNet Regularization (Combination of L1 &amp; L2)</a:t>
+            </a:r>
+            <a:endParaRPr sz="2300" b="1">
               <a:solidFill>
                 <a:srgbClr val="FF0000"/>
               </a:solidFill>
@@ -4780,38 +6113,163 @@
                   </a:srgbClr>
                 </a:outerShdw>
               </a:effectLst>
-              <a:latin typeface="Georgia" panose="02040502050405020303"/>
-              <a:ea typeface="Georgia" panose="02040502050405020303"/>
-              <a:sym typeface="+mn-ea"/>
             </a:endParaRPr>
           </a:p>
           <a:p>
-            <a:pPr marL="0" indent="0" fontAlgn="base">
-              <a:spcBef>
-                <a:spcPct val="0"/>
-              </a:spcBef>
+            <a:pPr>
               <a:spcAft>
-                <a:spcPts val="200"/>
+                <a:spcPct val="60000"/>
               </a:spcAft>
             </a:pPr>
-            <a:endParaRPr lang="en-IN" sz="4000" b="1">
-              <a:solidFill>
-                <a:srgbClr val="FF0000"/>
-              </a:solidFill>
-              <a:effectLst>
-                <a:outerShdw blurRad="38100" dist="38100" dir="2700000" algn="tl">
-                  <a:srgbClr val="000000">
-                    <a:alpha val="43137"/>
-                  </a:srgbClr>
-                </a:outerShdw>
-              </a:effectLst>
-              <a:latin typeface="Georgia" panose="02040502050405020303"/>
-              <a:ea typeface="Georgia" panose="02040502050405020303"/>
-              <a:sym typeface="+mn-ea"/>
-            </a:endParaRPr>
-          </a:p>
-        </p:txBody>
-      </p:sp>
+            <a:r>
+              <a:rPr sz="2200" b="1"/>
+              <a:t>📖 Definition:</a:t>
+            </a:r>
+            <a:endParaRPr sz="2200" b="1"/>
+          </a:p>
+          <a:p>
+            <a:r>
+              <a:rPr sz="1600"/>
+              <a:t>ElasticNet is a hybrid of L1 and L2 regularization. It balances sparsity and smooth weight shrinkage.</a:t>
+            </a:r>
+            <a:endParaRPr sz="1600"/>
+          </a:p>
+          <a:p>
+            <a:r>
+              <a:rPr sz="1600"/>
+              <a:t>📌 ElasticNet Regularization Formula:</a:t>
+            </a:r>
+            <a:endParaRPr sz="1600"/>
+          </a:p>
+          <a:p>
+            <a:pPr>
+              <a:spcAft>
+                <a:spcPct val="60000"/>
+              </a:spcAft>
+            </a:pPr>
+            <a:endParaRPr sz="2200" b="1"/>
+          </a:p>
+          <a:p>
+            <a:pPr>
+              <a:spcAft>
+                <a:spcPct val="60000"/>
+              </a:spcAft>
+            </a:pPr>
+            <a:r>
+              <a:rPr sz="2200" b="1"/>
+              <a:t>✅ Pros:</a:t>
+            </a:r>
+            <a:endParaRPr sz="2200" b="1"/>
+          </a:p>
+          <a:p>
+            <a:r>
+              <a:rPr sz="1600"/>
+              <a:t>✔ Provides the best of both L1 and L2.</a:t>
+            </a:r>
+            <a:endParaRPr sz="1600"/>
+          </a:p>
+          <a:p>
+            <a:r>
+              <a:rPr sz="1600"/>
+              <a:t> ✔ Works well when features are highly correlated.</a:t>
+            </a:r>
+            <a:endParaRPr sz="1600"/>
+          </a:p>
+          <a:p>
+            <a:pPr>
+              <a:spcAft>
+                <a:spcPct val="60000"/>
+              </a:spcAft>
+            </a:pPr>
+            <a:r>
+              <a:rPr sz="2200" b="1"/>
+              <a:t>❌ Cons:</a:t>
+            </a:r>
+            <a:endParaRPr sz="2200" b="1"/>
+          </a:p>
+          <a:p>
+            <a:r>
+              <a:rPr sz="1600"/>
+              <a:t>❌ Requires tuning of both</a:t>
+            </a:r>
+            <a:r>
+              <a:rPr lang="en-US" sz="1600"/>
+              <a:t> </a:t>
+            </a:r>
+            <a:r>
+              <a:rPr sz="1600"/>
+              <a:t>λ1</a:t>
+            </a:r>
+            <a:r>
+              <a:rPr lang="en-US" sz="1600"/>
+              <a:t> </a:t>
+            </a:r>
+            <a:r>
+              <a:rPr sz="1600"/>
+              <a:t>and λ2​.</a:t>
+            </a:r>
+            <a:endParaRPr sz="1600"/>
+          </a:p>
+          <a:p>
+            <a:pPr>
+              <a:spcAft>
+                <a:spcPct val="60000"/>
+              </a:spcAft>
+            </a:pPr>
+            <a:r>
+              <a:rPr sz="2200" b="1"/>
+              <a:t>💻 Code Example (ElasticNet in TensorFlow/Keras):</a:t>
+            </a:r>
+            <a:endParaRPr sz="2200" b="1"/>
+          </a:p>
+          <a:p>
+            <a:r>
+              <a:rPr sz="1600"/>
+              <a:t>python</a:t>
+            </a:r>
+            <a:endParaRPr sz="1600"/>
+          </a:p>
+          <a:p>
+            <a:r>
+              <a:rPr sz="1600"/>
+              <a:t>CopyEdit</a:t>
+            </a:r>
+            <a:endParaRPr sz="1600"/>
+          </a:p>
+          <a:p>
+            <a:r>
+              <a:rPr sz="1600"/>
+              <a:t>from tensorflow.keras.regularizers import l1_l2
+model.add(Dense(64, activation='relu', kernel_regularizer=l1_l2(l1=0.01, l2=0.01)))</a:t>
+            </a:r>
+            <a:endParaRPr sz="1600"/>
+          </a:p>
+        </p:txBody>
+      </p:sp>
+      <p:pic>
+        <p:nvPicPr>
+          <p:cNvPr id="3" name="Picture 2"/>
+          <p:cNvPicPr>
+            <a:picLocks noChangeAspect="1"/>
+          </p:cNvPicPr>
+          <p:nvPr/>
+        </p:nvPicPr>
+        <p:blipFill>
+          <a:blip r:embed="rId1"/>
+          <a:stretch>
+            <a:fillRect/>
+          </a:stretch>
+        </p:blipFill>
+        <p:spPr>
+          <a:xfrm>
+            <a:off x="5118735" y="1605915"/>
+            <a:ext cx="5838825" cy="2114550"/>
+          </a:xfrm>
+          <a:prstGeom prst="rect">
+            <a:avLst/>
+          </a:prstGeom>
+        </p:spPr>
+      </p:pic>
     </p:spTree>
   </p:cSld>
   <p:clrMapOvr>
@@ -4838,101 +6296,76 @@
         </p:nvSpPr>
         <p:spPr>
           <a:xfrm>
-            <a:off x="3048000" y="3075305"/>
-            <a:ext cx="6096000" cy="706755"/>
-          </a:xfrm>
-          <a:prstGeom prst="rect">
-            <a:avLst/>
-          </a:prstGeom>
-          <a:noFill/>
-        </p:spPr>
-        <p:txBody>
-          <a:bodyPr wrap="square" rtlCol="0" anchor="t">
-            <a:spAutoFit/>
-          </a:bodyPr>
-          <a:p>
-            <a:pPr marL="0" indent="0" fontAlgn="base">
-              <a:spcBef>
-                <a:spcPct val="0"/>
-              </a:spcBef>
-              <a:spcAft>
-                <a:spcPts val="200"/>
-              </a:spcAft>
-            </a:pPr>
-            <a:r>
-              <a:rPr lang="en-IN" sz="4000" b="1">
-                <a:solidFill>
-                  <a:srgbClr val="FF0000"/>
-                </a:solidFill>
-                <a:effectLst>
-                  <a:outerShdw blurRad="38100" dist="38100" dir="2700000" algn="tl">
-                    <a:srgbClr val="000000">
-                      <a:alpha val="43137"/>
-                    </a:srgbClr>
-                  </a:outerShdw>
-                </a:effectLst>
-                <a:latin typeface="Georgia" panose="02040502050405020303"/>
-                <a:ea typeface="Georgia" panose="02040502050405020303"/>
-                <a:sym typeface="+mn-ea"/>
-              </a:rPr>
-              <a:t>Weight Initializations</a:t>
-            </a:r>
-            <a:endParaRPr lang="en-IN" sz="4000" b="1">
-              <a:solidFill>
-                <a:srgbClr val="FF0000"/>
-              </a:solidFill>
-              <a:effectLst>
-                <a:outerShdw blurRad="38100" dist="38100" dir="2700000" algn="tl">
-                  <a:srgbClr val="000000">
-                    <a:alpha val="43137"/>
-                  </a:srgbClr>
-                </a:outerShdw>
-              </a:effectLst>
-              <a:latin typeface="Georgia" panose="02040502050405020303"/>
-              <a:ea typeface="Georgia" panose="02040502050405020303"/>
-              <a:sym typeface="+mn-ea"/>
-            </a:endParaRPr>
-          </a:p>
-        </p:txBody>
-      </p:sp>
-      <p:sp>
-        <p:nvSpPr>
-          <p:cNvPr id="3" name="Text Box 2"/>
-          <p:cNvSpPr txBox="1"/>
-          <p:nvPr/>
-        </p:nvSpPr>
-        <p:spPr>
-          <a:xfrm>
-            <a:off x="3451860" y="4465002"/>
-            <a:ext cx="5080000" cy="583565"/>
+            <a:off x="299720" y="130810"/>
+            <a:ext cx="7958455" cy="2042795"/>
           </a:xfrm>
           <a:prstGeom prst="rect">
             <a:avLst/>
           </a:prstGeom>
         </p:spPr>
         <p:txBody>
-          <a:bodyPr>
+          <a:bodyPr wrap="square">
             <a:spAutoFit/>
           </a:bodyPr>
           <a:p>
-            <a:pPr marL="0" indent="0" algn="l"/>
-            <a:r>
-              <a:rPr sz="1600" b="0" i="0">
-                <a:solidFill>
-                  <a:srgbClr val="191D17"/>
-                </a:solidFill>
-                <a:latin typeface="monospace"/>
-                <a:ea typeface="monospace"/>
-              </a:rPr>
-              <a:t>Xavier/Glorat And He Weight Initialization in Deep Learning</a:t>
-            </a:r>
-            <a:endParaRPr sz="1600" b="0" i="0">
-              <a:solidFill>
-                <a:srgbClr val="191D17"/>
-              </a:solidFill>
-              <a:latin typeface="monospace"/>
-              <a:ea typeface="monospace"/>
-            </a:endParaRPr>
+            <a:pPr>
+              <a:spcAft>
+                <a:spcPct val="60000"/>
+              </a:spcAft>
+            </a:pPr>
+            <a:r>
+              <a:rPr sz="2300" b="1"/>
+              <a:t>📌 Regularization Rate (Lambda, λ)</a:t>
+            </a:r>
+            <a:endParaRPr sz="2300" b="1"/>
+          </a:p>
+          <a:p>
+            <a:r>
+              <a:rPr sz="1600"/>
+              <a:t>The regularization rateλ\lambdaλ controls how much penalty is applied to large weights:</a:t>
+            </a:r>
+            <a:endParaRPr sz="1600"/>
+          </a:p>
+          <a:p>
+            <a:pPr>
+              <a:buFont typeface="Arial" panose="020B0604020202020204"/>
+              <a:buChar char="•"/>
+            </a:pPr>
+            <a:r>
+              <a:rPr sz="1600"/>
+              <a:t>Low λ → Less penalty (model can overfit).</a:t>
+            </a:r>
+            <a:endParaRPr sz="1600"/>
+          </a:p>
+          <a:p>
+            <a:pPr>
+              <a:buFont typeface="Arial" panose="020B0604020202020204"/>
+              <a:buChar char="•"/>
+            </a:pPr>
+            <a:r>
+              <a:rPr sz="1600"/>
+              <a:t>High λ → More penalty (model can underfit).</a:t>
+            </a:r>
+            <a:endParaRPr sz="1600"/>
+          </a:p>
+          <a:p>
+            <a:pPr>
+              <a:buFont typeface="Arial" panose="020B0604020202020204"/>
+              <a:buChar char="•"/>
+            </a:pPr>
+            <a:r>
+              <a:rPr sz="1600"/>
+              <a:t>Optimal λ → Found using hyperparameter tuning.</a:t>
+            </a:r>
+            <a:endParaRPr sz="1600"/>
+          </a:p>
+          <a:p>
+            <a:pPr>
+              <a:spcAft>
+                <a:spcPct val="60000"/>
+              </a:spcAft>
+            </a:pPr>
+            <a:endParaRPr sz="2300" b="1"/>
           </a:p>
         </p:txBody>
       </p:sp>
@@ -4944,8 +6377,8 @@
         </p:nvSpPr>
         <p:spPr>
           <a:xfrm>
-            <a:off x="3556000" y="5238432"/>
-            <a:ext cx="5080000" cy="583565"/>
+            <a:off x="504825" y="4781867"/>
+            <a:ext cx="5080000" cy="1842770"/>
           </a:xfrm>
           <a:prstGeom prst="rect">
             <a:avLst/>
@@ -4956,24 +6389,52 @@
             <a:spAutoFit/>
           </a:bodyPr>
           <a:p>
-            <a:pPr marL="0" indent="0" algn="l"/>
-            <a:r>
-              <a:rPr sz="1600" b="0" i="0">
-                <a:solidFill>
-                  <a:srgbClr val="191D17"/>
-                </a:solidFill>
-                <a:latin typeface="monospace"/>
-                <a:ea typeface="monospace"/>
-              </a:rPr>
-              <a:t>Exponentially Weighted Moving Average or Exponential Weighted Average </a:t>
-            </a:r>
-            <a:endParaRPr sz="1600" b="0" i="0">
-              <a:solidFill>
-                <a:srgbClr val="191D17"/>
-              </a:solidFill>
-              <a:latin typeface="monospace"/>
-              <a:ea typeface="monospace"/>
-            </a:endParaRPr>
+            <a:endParaRPr sz="2600"/>
+          </a:p>
+          <a:p>
+            <a:pPr>
+              <a:spcAft>
+                <a:spcPct val="60000"/>
+              </a:spcAft>
+            </a:pPr>
+            <a:r>
+              <a:rPr sz="2300" b="1"/>
+              <a:t>📌 Which One Should You Use?</a:t>
+            </a:r>
+            <a:endParaRPr sz="2300" b="1"/>
+          </a:p>
+          <a:p>
+            <a:pPr>
+              <a:buFont typeface="Arial" panose="020B0604020202020204"/>
+              <a:buChar char="•"/>
+            </a:pPr>
+            <a:r>
+              <a:rPr sz="1600"/>
+              <a:t>If you want feature selection → L1 (Lasso).</a:t>
+            </a:r>
+            <a:endParaRPr sz="1600"/>
+          </a:p>
+          <a:p>
+            <a:pPr>
+              <a:buFont typeface="Arial" panose="020B0604020202020204"/>
+              <a:buChar char="•"/>
+            </a:pPr>
+            <a:r>
+              <a:rPr sz="1600"/>
+              <a:t>If you want smooth weight shrinkage → L2 (Ridge).</a:t>
+            </a:r>
+            <a:endParaRPr sz="1600"/>
+          </a:p>
+          <a:p>
+            <a:pPr>
+              <a:buFont typeface="Arial" panose="020B0604020202020204"/>
+              <a:buChar char="•"/>
+            </a:pPr>
+            <a:r>
+              <a:rPr sz="1600"/>
+              <a:t>If your data has correlated features → ElasticNet.</a:t>
+            </a:r>
+            <a:endParaRPr sz="1600"/>
           </a:p>
         </p:txBody>
       </p:sp>
@@ -5003,171 +6464,193 @@
         </p:nvSpPr>
         <p:spPr>
           <a:xfrm>
-            <a:off x="3048000" y="3075305"/>
-            <a:ext cx="6096000" cy="2630170"/>
+            <a:off x="546100" y="122555"/>
+            <a:ext cx="9099550" cy="5628640"/>
           </a:xfrm>
           <a:prstGeom prst="rect">
             <a:avLst/>
           </a:prstGeom>
-          <a:noFill/>
         </p:spPr>
         <p:txBody>
-          <a:bodyPr wrap="square" rtlCol="0" anchor="t">
+          <a:bodyPr wrap="square">
             <a:spAutoFit/>
           </a:bodyPr>
           <a:p>
-            <a:pPr marL="0" indent="0" fontAlgn="base">
-              <a:spcBef>
-                <a:spcPct val="0"/>
-              </a:spcBef>
+            <a:pPr>
               <a:spcAft>
-                <a:spcPts val="200"/>
+                <a:spcPct val="60000"/>
               </a:spcAft>
             </a:pPr>
             <a:r>
-              <a:rPr lang="en-IN" sz="4000" b="1">
-                <a:solidFill>
-                  <a:srgbClr val="FF0000"/>
-                </a:solidFill>
-                <a:effectLst>
-                  <a:outerShdw blurRad="38100" dist="38100" dir="2700000" algn="tl">
-                    <a:srgbClr val="000000">
-                      <a:alpha val="43137"/>
-                    </a:srgbClr>
-                  </a:outerShdw>
-                </a:effectLst>
-                <a:latin typeface="Georgia" panose="02040502050405020303"/>
-                <a:ea typeface="Georgia" panose="02040502050405020303"/>
-                <a:sym typeface="+mn-ea"/>
-              </a:rPr>
-              <a:t>Model Expainlibility</a:t>
-            </a:r>
-            <a:endParaRPr lang="en-IN" sz="4000" b="1">
-              <a:solidFill>
-                <a:srgbClr val="FF0000"/>
-              </a:solidFill>
-              <a:effectLst>
-                <a:outerShdw blurRad="38100" dist="38100" dir="2700000" algn="tl">
-                  <a:srgbClr val="000000">
-                    <a:alpha val="43137"/>
-                  </a:srgbClr>
-                </a:outerShdw>
-              </a:effectLst>
-              <a:latin typeface="Georgia" panose="02040502050405020303"/>
-              <a:ea typeface="Georgia" panose="02040502050405020303"/>
-              <a:sym typeface="+mn-ea"/>
-            </a:endParaRPr>
-          </a:p>
-          <a:p>
-            <a:pPr marL="0" indent="0" fontAlgn="base">
-              <a:spcBef>
-                <a:spcPct val="0"/>
-              </a:spcBef>
-              <a:spcAft>
-                <a:spcPts val="200"/>
-              </a:spcAft>
-            </a:pPr>
-            <a:endParaRPr lang="en-IN" sz="4000" b="1">
-              <a:solidFill>
-                <a:srgbClr val="FF0000"/>
-              </a:solidFill>
-              <a:effectLst>
-                <a:outerShdw blurRad="38100" dist="38100" dir="2700000" algn="tl">
-                  <a:srgbClr val="000000">
-                    <a:alpha val="43137"/>
-                  </a:srgbClr>
-                </a:outerShdw>
-              </a:effectLst>
-              <a:latin typeface="Georgia" panose="02040502050405020303"/>
-              <a:ea typeface="Georgia" panose="02040502050405020303"/>
-              <a:sym typeface="+mn-ea"/>
-            </a:endParaRPr>
-          </a:p>
-          <a:p>
-            <a:pPr marL="0" indent="0" fontAlgn="base">
-              <a:spcBef>
-                <a:spcPct val="0"/>
-              </a:spcBef>
-              <a:spcAft>
-                <a:spcPts val="200"/>
-              </a:spcAft>
-            </a:pPr>
-            <a:r>
-              <a:rPr lang="en-IN" sz="4000" b="1">
-                <a:solidFill>
-                  <a:srgbClr val="FF0000"/>
-                </a:solidFill>
-                <a:effectLst>
-                  <a:outerShdw blurRad="38100" dist="38100" dir="2700000" algn="tl">
-                    <a:srgbClr val="000000">
-                      <a:alpha val="43137"/>
-                    </a:srgbClr>
-                  </a:outerShdw>
-                </a:effectLst>
-                <a:latin typeface="Georgia" panose="02040502050405020303"/>
-                <a:ea typeface="Georgia" panose="02040502050405020303"/>
-                <a:sym typeface="+mn-ea"/>
-              </a:rPr>
-              <a:t>LIME</a:t>
-            </a:r>
-            <a:endParaRPr lang="en-IN" sz="4000" b="1">
-              <a:solidFill>
-                <a:srgbClr val="FF0000"/>
-              </a:solidFill>
-              <a:effectLst>
-                <a:outerShdw blurRad="38100" dist="38100" dir="2700000" algn="tl">
-                  <a:srgbClr val="000000">
-                    <a:alpha val="43137"/>
-                  </a:srgbClr>
-                </a:outerShdw>
-              </a:effectLst>
-              <a:latin typeface="Georgia" panose="02040502050405020303"/>
-              <a:ea typeface="Georgia" panose="02040502050405020303"/>
-              <a:sym typeface="+mn-ea"/>
-            </a:endParaRPr>
-          </a:p>
-          <a:p>
-            <a:pPr marL="0" indent="0" fontAlgn="base">
-              <a:spcBef>
-                <a:spcPct val="0"/>
-              </a:spcBef>
-              <a:spcAft>
-                <a:spcPts val="200"/>
-              </a:spcAft>
-            </a:pPr>
-            <a:r>
-              <a:rPr lang="en-IN" sz="4000" b="1">
-                <a:solidFill>
-                  <a:srgbClr val="FF0000"/>
-                </a:solidFill>
-                <a:effectLst>
-                  <a:outerShdw blurRad="38100" dist="38100" dir="2700000" algn="tl">
-                    <a:srgbClr val="000000">
-                      <a:alpha val="43137"/>
-                    </a:srgbClr>
-                  </a:outerShdw>
-                </a:effectLst>
-                <a:latin typeface="Georgia" panose="02040502050405020303"/>
-                <a:ea typeface="Georgia" panose="02040502050405020303"/>
-                <a:sym typeface="+mn-ea"/>
-              </a:rPr>
-              <a:t>SHAPY</a:t>
-            </a:r>
-            <a:endParaRPr lang="en-IN" sz="4000" b="1">
-              <a:solidFill>
-                <a:srgbClr val="FF0000"/>
-              </a:solidFill>
-              <a:effectLst>
-                <a:outerShdw blurRad="38100" dist="38100" dir="2700000" algn="tl">
-                  <a:srgbClr val="000000">
-                    <a:alpha val="43137"/>
-                  </a:srgbClr>
-                </a:outerShdw>
-              </a:effectLst>
-              <a:latin typeface="Georgia" panose="02040502050405020303"/>
-              <a:ea typeface="Georgia" panose="02040502050405020303"/>
-              <a:sym typeface="+mn-ea"/>
-            </a:endParaRPr>
+              <a:rPr sz="2300" b="1"/>
+              <a:t>Why Use Absolute Value in L1 (Lasso)?</a:t>
+            </a:r>
+            <a:endParaRPr sz="2300" b="1"/>
+          </a:p>
+          <a:p>
+            <a:r>
+              <a:rPr sz="1600"/>
+              <a:t>L1 Regularization adds the sum of the absolute values of weights to the loss function:</a:t>
+            </a:r>
+            <a:endParaRPr sz="1600"/>
+          </a:p>
+          <a:p>
+            <a:r>
+              <a:rPr sz="1600"/>
+              <a:t>L=Loss+λ∑∣wi∣i​∣</a:t>
+            </a:r>
+            <a:endParaRPr sz="1600"/>
+          </a:p>
+          <a:p>
+            <a:endParaRPr sz="1600"/>
+          </a:p>
+          <a:p>
+            <a:r>
+              <a:rPr sz="1600"/>
+              <a:t>📌 Key Properties of Absolute Value |w</a:t>
+            </a:r>
+            <a:r>
+              <a:rPr lang="en-US" sz="1600"/>
+              <a:t>|</a:t>
+            </a:r>
+            <a:r>
+              <a:rPr sz="1600"/>
+              <a:t>:</a:t>
+            </a:r>
+            <a:endParaRPr sz="1600"/>
+          </a:p>
+          <a:p>
+            <a:pPr>
+              <a:buFont typeface="Arial" panose="020B0604020202020204"/>
+              <a:buChar char="•"/>
+            </a:pPr>
+            <a:r>
+              <a:rPr sz="1600"/>
+              <a:t>The derivative of |w| is constant (except at zero): </a:t>
+            </a:r>
+            <a:endParaRPr sz="1600"/>
+          </a:p>
+          <a:p>
+            <a:pPr lvl="1">
+              <a:buFont typeface="Arial" panose="020B0604020202020204"/>
+              <a:buChar char="◦"/>
+            </a:pPr>
+            <a:r>
+              <a:rPr sz="1600"/>
+              <a:t>If w&gt;0w &gt; 0w&gt;0, derivative = +1+1+1.</a:t>
+            </a:r>
+            <a:endParaRPr sz="1600"/>
+          </a:p>
+          <a:p>
+            <a:pPr lvl="1">
+              <a:buFont typeface="Arial" panose="020B0604020202020204"/>
+              <a:buChar char="◦"/>
+            </a:pPr>
+            <a:r>
+              <a:rPr sz="1600"/>
+              <a:t>If w&lt;0w &lt; 0w&lt;0, derivative = −1-1−1.</a:t>
+            </a:r>
+            <a:endParaRPr sz="1600"/>
+          </a:p>
+          <a:p>
+            <a:pPr lvl="1">
+              <a:buFont typeface="Arial" panose="020B0604020202020204"/>
+              <a:buChar char="◦"/>
+            </a:pPr>
+            <a:r>
+              <a:rPr sz="1600"/>
+              <a:t>If w=0w = 0w=0, derivative is undefined, but typically set to 0.</a:t>
+            </a:r>
+            <a:endParaRPr sz="1600"/>
+          </a:p>
+          <a:p>
+            <a:endParaRPr sz="1600" b="1"/>
+          </a:p>
+          <a:p>
+            <a:r>
+              <a:rPr sz="1600" b="1"/>
+              <a:t>📌 Effect on Weights:</a:t>
+            </a:r>
+            <a:endParaRPr sz="1600" b="1"/>
+          </a:p>
+          <a:p>
+            <a:pPr>
+              <a:buFont typeface="Arial" panose="020B0604020202020204"/>
+              <a:buChar char="•"/>
+            </a:pPr>
+            <a:r>
+              <a:rPr sz="1600"/>
+              <a:t>L1 applies equal pressure on all nonzero weights, regardless of size.</a:t>
+            </a:r>
+            <a:endParaRPr sz="1600"/>
+          </a:p>
+          <a:p>
+            <a:pPr>
+              <a:buFont typeface="Arial" panose="020B0604020202020204"/>
+              <a:buChar char="•"/>
+            </a:pPr>
+            <a:r>
+              <a:rPr sz="1600"/>
+              <a:t>This forces some weights to become exactly zero, leading to feature selection (sparse models).</a:t>
+            </a:r>
+            <a:endParaRPr sz="1600"/>
+          </a:p>
+          <a:p>
+            <a:endParaRPr sz="1600" b="1"/>
+          </a:p>
+          <a:p>
+            <a:r>
+              <a:rPr sz="1600" b="1"/>
+              <a:t>💡 Intuition: </a:t>
+            </a:r>
+            <a:r>
+              <a:rPr sz="1600"/>
+              <a:t>Imagine you want to shrink some weights to zero while allowing others to stay significant. The absolute value enforces this by applying a constant force that drives small weights to exactly zero.</a:t>
+            </a:r>
+            <a:endParaRPr sz="1600"/>
+          </a:p>
+          <a:p>
+            <a:endParaRPr sz="1600"/>
+          </a:p>
+          <a:p>
+            <a:r>
+              <a:rPr sz="1600" b="1"/>
+              <a:t>🔍 Example Weight Update (Gradient Descent in L1):</a:t>
+            </a:r>
+            <a:endParaRPr sz="1600" b="1"/>
+          </a:p>
+          <a:p>
+            <a:pPr>
+              <a:buFont typeface="Arial" panose="020B0604020202020204"/>
+              <a:buChar char="•"/>
+            </a:pPr>
+            <a:r>
+              <a:rPr sz="1600"/>
+              <a:t>If a weight is positive, it gets decreased.</a:t>
+            </a:r>
+            <a:endParaRPr sz="1600"/>
+          </a:p>
+          <a:p>
+            <a:pPr>
+              <a:buFont typeface="Arial" panose="020B0604020202020204"/>
+              <a:buChar char="•"/>
+            </a:pPr>
+            <a:r>
+              <a:rPr sz="1600"/>
+              <a:t>If a weight is negative, it gets increased.</a:t>
+            </a:r>
+            <a:endParaRPr sz="1600"/>
+          </a:p>
+          <a:p>
+            <a:pPr>
+              <a:buFont typeface="Arial" panose="020B0604020202020204"/>
+              <a:buChar char="•"/>
+            </a:pPr>
+            <a:r>
+              <a:rPr sz="1600"/>
+              <a:t>If a weight is small, it is forced to zero (sparse model).</a:t>
+            </a:r>
+            <a:endParaRPr sz="1600"/>
           </a:p>
         </p:txBody>
       </p:sp>

--- a/9.Deep_learning/class_4_module_9_deep learning_Regularization,CallBacks_drouput_batchNormalization_Weight_hyper_parameter.pptx
+++ b/9.Deep_learning/class_4_module_9_deep learning_Regularization,CallBacks_drouput_batchNormalization_Weight_hyper_parameter.pptx
@@ -5,27 +5,34 @@
     <p:sldMasterId id="2147483648" r:id="rId1"/>
   </p:sldMasterIdLst>
   <p:notesMasterIdLst>
-    <p:notesMasterId r:id="rId21"/>
+    <p:notesMasterId r:id="rId28"/>
   </p:notesMasterIdLst>
   <p:sldIdLst>
     <p:sldId id="368" r:id="rId3"/>
-    <p:sldId id="318" r:id="rId4"/>
-    <p:sldId id="280" r:id="rId5"/>
-    <p:sldId id="391" r:id="rId6"/>
-    <p:sldId id="398" r:id="rId7"/>
-    <p:sldId id="399" r:id="rId8"/>
-    <p:sldId id="400" r:id="rId9"/>
-    <p:sldId id="401" r:id="rId10"/>
-    <p:sldId id="402" r:id="rId11"/>
-    <p:sldId id="403" r:id="rId12"/>
-    <p:sldId id="407" r:id="rId13"/>
-    <p:sldId id="404" r:id="rId14"/>
-    <p:sldId id="392" r:id="rId15"/>
-    <p:sldId id="393" r:id="rId16"/>
-    <p:sldId id="394" r:id="rId17"/>
-    <p:sldId id="395" r:id="rId18"/>
-    <p:sldId id="396" r:id="rId19"/>
-    <p:sldId id="397" r:id="rId20"/>
+    <p:sldId id="280" r:id="rId4"/>
+    <p:sldId id="411" r:id="rId5"/>
+    <p:sldId id="410" r:id="rId6"/>
+    <p:sldId id="412" r:id="rId7"/>
+    <p:sldId id="413" r:id="rId8"/>
+    <p:sldId id="391" r:id="rId9"/>
+    <p:sldId id="398" r:id="rId10"/>
+    <p:sldId id="399" r:id="rId11"/>
+    <p:sldId id="400" r:id="rId12"/>
+    <p:sldId id="401" r:id="rId13"/>
+    <p:sldId id="402" r:id="rId14"/>
+    <p:sldId id="403" r:id="rId15"/>
+    <p:sldId id="407" r:id="rId16"/>
+    <p:sldId id="404" r:id="rId17"/>
+    <p:sldId id="392" r:id="rId18"/>
+    <p:sldId id="414" r:id="rId19"/>
+    <p:sldId id="415" r:id="rId20"/>
+    <p:sldId id="393" r:id="rId21"/>
+    <p:sldId id="394" r:id="rId22"/>
+    <p:sldId id="395" r:id="rId23"/>
+    <p:sldId id="408" r:id="rId24"/>
+    <p:sldId id="409" r:id="rId25"/>
+    <p:sldId id="396" r:id="rId26"/>
+    <p:sldId id="397" r:id="rId27"/>
   </p:sldIdLst>
   <p:sldSz cx="12192000" cy="6858000"/>
   <p:notesSz cx="6858000" cy="9144000"/>
@@ -3458,7 +3465,7 @@
         <p:spPr>
           <a:xfrm>
             <a:off x="991235" y="713105"/>
-            <a:ext cx="6096000" cy="3271520"/>
+            <a:ext cx="8688070" cy="3912870"/>
           </a:xfrm>
           <a:prstGeom prst="rect">
             <a:avLst/>
@@ -3513,16 +3520,17 @@
             </a:endParaRPr>
           </a:p>
           <a:p>
-            <a:pPr marL="0" indent="0" fontAlgn="base">
+            <a:pPr marL="1200150" lvl="1" indent="-742950" fontAlgn="base">
               <a:spcBef>
                 <a:spcPct val="0"/>
               </a:spcBef>
               <a:spcAft>
                 <a:spcPts val="200"/>
               </a:spcAft>
-            </a:pPr>
-            <a:r>
-              <a:rPr lang="en-IN" sz="4000" b="1">
+              <a:buAutoNum type="arabicPeriod"/>
+            </a:pPr>
+            <a:r>
+              <a:rPr lang="en-US" altLang="en-IN" sz="4000" b="1">
                 <a:solidFill>
                   <a:srgbClr val="FF0000"/>
                 </a:solidFill>
@@ -3537,7 +3545,7 @@
                 <a:ea typeface="Georgia" panose="02040502050405020303"/>
                 <a:sym typeface="+mn-ea"/>
               </a:rPr>
-              <a:t>Dropout</a:t>
+              <a:t>L1 and L2</a:t>
             </a:r>
             <a:endParaRPr lang="en-IN" sz="4000" b="1">
               <a:solidFill>
@@ -3556,13 +3564,14 @@
             </a:endParaRPr>
           </a:p>
           <a:p>
-            <a:pPr marL="0" indent="0" fontAlgn="base">
+            <a:pPr marL="1200150" lvl="1" indent="-742950" fontAlgn="base">
               <a:spcBef>
                 <a:spcPct val="0"/>
               </a:spcBef>
               <a:spcAft>
                 <a:spcPts val="200"/>
               </a:spcAft>
+              <a:buAutoNum type="arabicPeriod"/>
             </a:pPr>
             <a:r>
               <a:rPr lang="en-IN" sz="4000" b="1">
@@ -3580,7 +3589,7 @@
                 <a:ea typeface="Georgia" panose="02040502050405020303"/>
                 <a:sym typeface="+mn-ea"/>
               </a:rPr>
-              <a:t>Call backs</a:t>
+              <a:t>Dropout</a:t>
             </a:r>
             <a:endParaRPr lang="en-IN" sz="4000" b="1">
               <a:solidFill>
@@ -3599,13 +3608,14 @@
             </a:endParaRPr>
           </a:p>
           <a:p>
-            <a:pPr marL="0" indent="0" fontAlgn="base">
+            <a:pPr marL="1200150" lvl="1" indent="-742950" fontAlgn="base">
               <a:spcBef>
                 <a:spcPct val="0"/>
               </a:spcBef>
               <a:spcAft>
                 <a:spcPts val="200"/>
               </a:spcAft>
+              <a:buAutoNum type="arabicPeriod"/>
             </a:pPr>
             <a:r>
               <a:rPr lang="en-IN" sz="4000" b="1">
@@ -3623,7 +3633,7 @@
                 <a:ea typeface="Georgia" panose="02040502050405020303"/>
                 <a:sym typeface="+mn-ea"/>
               </a:rPr>
-              <a:t>Batch  Normalizations</a:t>
+              <a:t>Call backs</a:t>
             </a:r>
             <a:endParaRPr lang="en-IN" sz="4000" b="1">
               <a:solidFill>
@@ -3642,13 +3652,14 @@
             </a:endParaRPr>
           </a:p>
           <a:p>
-            <a:pPr marL="0" indent="0" fontAlgn="base">
+            <a:pPr marL="1200150" lvl="1" indent="-742950" fontAlgn="base">
               <a:spcBef>
                 <a:spcPct val="0"/>
               </a:spcBef>
               <a:spcAft>
                 <a:spcPts val="200"/>
               </a:spcAft>
+              <a:buAutoNum type="arabicPeriod"/>
             </a:pPr>
             <a:r>
               <a:rPr lang="en-IN" sz="4000" b="1">
@@ -3666,7 +3677,7 @@
                 <a:ea typeface="Georgia" panose="02040502050405020303"/>
                 <a:sym typeface="+mn-ea"/>
               </a:rPr>
-              <a:t>Weight Initializations</a:t>
+              <a:t>Batch  Normalizations</a:t>
             </a:r>
             <a:endParaRPr lang="en-IN" sz="4000" b="1">
               <a:solidFill>
@@ -3684,6 +3695,50 @@
               <a:sym typeface="+mn-ea"/>
             </a:endParaRPr>
           </a:p>
+          <a:p>
+            <a:pPr marL="1200150" lvl="1" indent="-742950" fontAlgn="base">
+              <a:spcBef>
+                <a:spcPct val="0"/>
+              </a:spcBef>
+              <a:spcAft>
+                <a:spcPts val="200"/>
+              </a:spcAft>
+              <a:buAutoNum type="arabicPeriod"/>
+            </a:pPr>
+            <a:r>
+              <a:rPr lang="en-IN" sz="4000" b="1">
+                <a:solidFill>
+                  <a:srgbClr val="FF0000"/>
+                </a:solidFill>
+                <a:effectLst>
+                  <a:outerShdw blurRad="38100" dist="38100" dir="2700000" algn="tl">
+                    <a:srgbClr val="000000">
+                      <a:alpha val="43137"/>
+                    </a:srgbClr>
+                  </a:outerShdw>
+                </a:effectLst>
+                <a:latin typeface="Georgia" panose="02040502050405020303"/>
+                <a:ea typeface="Georgia" panose="02040502050405020303"/>
+                <a:sym typeface="+mn-ea"/>
+              </a:rPr>
+              <a:t>Weight Initializations</a:t>
+            </a:r>
+            <a:endParaRPr lang="en-IN" sz="4000" b="1">
+              <a:solidFill>
+                <a:srgbClr val="FF0000"/>
+              </a:solidFill>
+              <a:effectLst>
+                <a:outerShdw blurRad="38100" dist="38100" dir="2700000" algn="tl">
+                  <a:srgbClr val="000000">
+                    <a:alpha val="43137"/>
+                  </a:srgbClr>
+                </a:outerShdw>
+              </a:effectLst>
+              <a:latin typeface="Georgia" panose="02040502050405020303"/>
+              <a:ea typeface="Georgia" panose="02040502050405020303"/>
+              <a:sym typeface="+mn-ea"/>
+            </a:endParaRPr>
+          </a:p>
         </p:txBody>
       </p:sp>
     </p:spTree>
@@ -3695,6 +3750,632 @@
 </file>
 
 <file path=ppt/slides/slide10.xml><?xml version="1.0" encoding="utf-8"?>
+<p:sld xmlns:a="http://schemas.openxmlformats.org/drawingml/2006/main" xmlns:r="http://schemas.openxmlformats.org/officeDocument/2006/relationships" xmlns:p="http://schemas.openxmlformats.org/presentationml/2006/main">
+  <p:cSld>
+    <p:spTree>
+      <p:nvGrpSpPr>
+        <p:cNvPr id="1" name=""/>
+        <p:cNvGrpSpPr/>
+        <p:nvPr/>
+      </p:nvGrpSpPr>
+      <p:grpSpPr/>
+      <p:sp>
+        <p:nvSpPr>
+          <p:cNvPr id="2" name="Text Box 1"/>
+          <p:cNvSpPr txBox="1"/>
+          <p:nvPr/>
+        </p:nvSpPr>
+        <p:spPr>
+          <a:xfrm>
+            <a:off x="127635" y="0"/>
+            <a:ext cx="11581765" cy="5604510"/>
+          </a:xfrm>
+          <a:prstGeom prst="rect">
+            <a:avLst/>
+          </a:prstGeom>
+        </p:spPr>
+        <p:txBody>
+          <a:bodyPr wrap="square">
+            <a:spAutoFit/>
+          </a:bodyPr>
+          <a:p>
+            <a:pPr>
+              <a:spcAft>
+                <a:spcPct val="60000"/>
+              </a:spcAft>
+            </a:pPr>
+            <a:r>
+              <a:rPr sz="2300" b="1">
+                <a:solidFill>
+                  <a:srgbClr val="FF0000"/>
+                </a:solidFill>
+                <a:effectLst>
+                  <a:outerShdw blurRad="38100" dist="38100" dir="2700000" algn="tl">
+                    <a:srgbClr val="000000">
+                      <a:alpha val="43137"/>
+                    </a:srgbClr>
+                  </a:outerShdw>
+                </a:effectLst>
+              </a:rPr>
+              <a:t>3</a:t>
+            </a:r>
+            <a:r>
+              <a:rPr lang="en-US" sz="2300" b="1">
+                <a:solidFill>
+                  <a:srgbClr val="FF0000"/>
+                </a:solidFill>
+                <a:effectLst>
+                  <a:outerShdw blurRad="38100" dist="38100" dir="2700000" algn="tl">
+                    <a:srgbClr val="000000">
+                      <a:alpha val="43137"/>
+                    </a:srgbClr>
+                  </a:outerShdw>
+                </a:effectLst>
+              </a:rPr>
+              <a:t>.</a:t>
+            </a:r>
+            <a:r>
+              <a:rPr sz="2300" b="1">
+                <a:solidFill>
+                  <a:srgbClr val="FF0000"/>
+                </a:solidFill>
+                <a:effectLst>
+                  <a:outerShdw blurRad="38100" dist="38100" dir="2700000" algn="tl">
+                    <a:srgbClr val="000000">
+                      <a:alpha val="43137"/>
+                    </a:srgbClr>
+                  </a:outerShdw>
+                </a:effectLst>
+              </a:rPr>
+              <a:t> ElasticNet Regularization (Combination of L1 &amp; L2)</a:t>
+            </a:r>
+            <a:endParaRPr sz="2300" b="1">
+              <a:solidFill>
+                <a:srgbClr val="FF0000"/>
+              </a:solidFill>
+              <a:effectLst>
+                <a:outerShdw blurRad="38100" dist="38100" dir="2700000" algn="tl">
+                  <a:srgbClr val="000000">
+                    <a:alpha val="43137"/>
+                  </a:srgbClr>
+                </a:outerShdw>
+              </a:effectLst>
+            </a:endParaRPr>
+          </a:p>
+          <a:p>
+            <a:pPr>
+              <a:spcAft>
+                <a:spcPct val="60000"/>
+              </a:spcAft>
+            </a:pPr>
+            <a:r>
+              <a:rPr sz="2200" b="1"/>
+              <a:t>📖 Definition:</a:t>
+            </a:r>
+            <a:endParaRPr sz="2200" b="1"/>
+          </a:p>
+          <a:p>
+            <a:r>
+              <a:rPr sz="1600"/>
+              <a:t>ElasticNet is a hybrid of L1 and L2 regularization. It balances sparsity and smooth weight shrinkage.</a:t>
+            </a:r>
+            <a:endParaRPr sz="1600"/>
+          </a:p>
+          <a:p>
+            <a:r>
+              <a:rPr sz="1600"/>
+              <a:t>📌 ElasticNet Regularization Formula:</a:t>
+            </a:r>
+            <a:endParaRPr sz="1600"/>
+          </a:p>
+          <a:p>
+            <a:pPr>
+              <a:spcAft>
+                <a:spcPct val="60000"/>
+              </a:spcAft>
+            </a:pPr>
+            <a:endParaRPr sz="2200" b="1"/>
+          </a:p>
+          <a:p>
+            <a:pPr>
+              <a:spcAft>
+                <a:spcPct val="60000"/>
+              </a:spcAft>
+            </a:pPr>
+            <a:r>
+              <a:rPr sz="2200" b="1"/>
+              <a:t>✅ Pros:</a:t>
+            </a:r>
+            <a:endParaRPr sz="2200" b="1"/>
+          </a:p>
+          <a:p>
+            <a:r>
+              <a:rPr sz="1600"/>
+              <a:t>✔ Provides the best of both L1 and L2.</a:t>
+            </a:r>
+            <a:endParaRPr sz="1600"/>
+          </a:p>
+          <a:p>
+            <a:r>
+              <a:rPr sz="1600"/>
+              <a:t> ✔ Works well when features are highly correlated.</a:t>
+            </a:r>
+            <a:endParaRPr sz="1600"/>
+          </a:p>
+          <a:p>
+            <a:pPr>
+              <a:spcAft>
+                <a:spcPct val="60000"/>
+              </a:spcAft>
+            </a:pPr>
+            <a:r>
+              <a:rPr sz="2200" b="1"/>
+              <a:t>❌ Cons:</a:t>
+            </a:r>
+            <a:endParaRPr sz="2200" b="1"/>
+          </a:p>
+          <a:p>
+            <a:r>
+              <a:rPr sz="1600"/>
+              <a:t>❌ Requires tuning of both</a:t>
+            </a:r>
+            <a:r>
+              <a:rPr lang="en-US" sz="1600"/>
+              <a:t> </a:t>
+            </a:r>
+            <a:r>
+              <a:rPr sz="1600"/>
+              <a:t>λ1</a:t>
+            </a:r>
+            <a:r>
+              <a:rPr lang="en-US" sz="1600"/>
+              <a:t> </a:t>
+            </a:r>
+            <a:r>
+              <a:rPr sz="1600"/>
+              <a:t>and λ2​.</a:t>
+            </a:r>
+            <a:endParaRPr sz="1600"/>
+          </a:p>
+          <a:p>
+            <a:pPr>
+              <a:spcAft>
+                <a:spcPct val="60000"/>
+              </a:spcAft>
+            </a:pPr>
+            <a:r>
+              <a:rPr sz="2200" b="1"/>
+              <a:t>💻 Code Example (ElasticNet in TensorFlow/Keras):</a:t>
+            </a:r>
+            <a:endParaRPr sz="2200" b="1"/>
+          </a:p>
+          <a:p>
+            <a:r>
+              <a:rPr sz="1600"/>
+              <a:t>from tensorflow.keras.regularizers import l1_l2
+model.add(Dense(64, activation='relu', kernel_regularizer=l1_l2(l1=0.01, l2=0.01)))</a:t>
+            </a:r>
+            <a:endParaRPr sz="1600"/>
+          </a:p>
+        </p:txBody>
+      </p:sp>
+      <p:pic>
+        <p:nvPicPr>
+          <p:cNvPr id="3" name="Picture 2"/>
+          <p:cNvPicPr>
+            <a:picLocks noChangeAspect="1"/>
+          </p:cNvPicPr>
+          <p:nvPr/>
+        </p:nvPicPr>
+        <p:blipFill>
+          <a:blip r:embed="rId1"/>
+          <a:stretch>
+            <a:fillRect/>
+          </a:stretch>
+        </p:blipFill>
+        <p:spPr>
+          <a:xfrm>
+            <a:off x="5118735" y="1605915"/>
+            <a:ext cx="5838825" cy="2114550"/>
+          </a:xfrm>
+          <a:prstGeom prst="rect">
+            <a:avLst/>
+          </a:prstGeom>
+        </p:spPr>
+      </p:pic>
+    </p:spTree>
+  </p:cSld>
+  <p:clrMapOvr>
+    <a:masterClrMapping/>
+  </p:clrMapOvr>
+</p:sld>
+</file>
+
+<file path=ppt/slides/slide11.xml><?xml version="1.0" encoding="utf-8"?>
+<p:sld xmlns:a="http://schemas.openxmlformats.org/drawingml/2006/main" xmlns:r="http://schemas.openxmlformats.org/officeDocument/2006/relationships" xmlns:p="http://schemas.openxmlformats.org/presentationml/2006/main">
+  <p:cSld>
+    <p:spTree>
+      <p:nvGrpSpPr>
+        <p:cNvPr id="1" name=""/>
+        <p:cNvGrpSpPr/>
+        <p:nvPr/>
+      </p:nvGrpSpPr>
+      <p:grpSpPr/>
+      <p:sp>
+        <p:nvSpPr>
+          <p:cNvPr id="2" name="Text Box 1"/>
+          <p:cNvSpPr txBox="1"/>
+          <p:nvPr/>
+        </p:nvSpPr>
+        <p:spPr>
+          <a:xfrm>
+            <a:off x="299720" y="130810"/>
+            <a:ext cx="7958455" cy="2042795"/>
+          </a:xfrm>
+          <a:prstGeom prst="rect">
+            <a:avLst/>
+          </a:prstGeom>
+        </p:spPr>
+        <p:txBody>
+          <a:bodyPr wrap="square">
+            <a:spAutoFit/>
+          </a:bodyPr>
+          <a:p>
+            <a:pPr>
+              <a:spcAft>
+                <a:spcPct val="60000"/>
+              </a:spcAft>
+            </a:pPr>
+            <a:r>
+              <a:rPr sz="2300" b="1"/>
+              <a:t>📌 Regularization Rate (Lambda, λ)</a:t>
+            </a:r>
+            <a:endParaRPr sz="2300" b="1"/>
+          </a:p>
+          <a:p>
+            <a:r>
+              <a:rPr sz="1600"/>
+              <a:t>The regularization rateλ\lambdaλ controls how much penalty is applied to large weights:</a:t>
+            </a:r>
+            <a:endParaRPr sz="1600"/>
+          </a:p>
+          <a:p>
+            <a:pPr>
+              <a:buFont typeface="Arial" panose="020B0604020202020204"/>
+              <a:buChar char="•"/>
+            </a:pPr>
+            <a:r>
+              <a:rPr sz="1600"/>
+              <a:t>Low λ → Less penalty (model can overfit).</a:t>
+            </a:r>
+            <a:endParaRPr sz="1600"/>
+          </a:p>
+          <a:p>
+            <a:pPr>
+              <a:buFont typeface="Arial" panose="020B0604020202020204"/>
+              <a:buChar char="•"/>
+            </a:pPr>
+            <a:r>
+              <a:rPr sz="1600"/>
+              <a:t>High λ → More penalty (model can underfit).</a:t>
+            </a:r>
+            <a:endParaRPr sz="1600"/>
+          </a:p>
+          <a:p>
+            <a:pPr>
+              <a:buFont typeface="Arial" panose="020B0604020202020204"/>
+              <a:buChar char="•"/>
+            </a:pPr>
+            <a:r>
+              <a:rPr sz="1600"/>
+              <a:t>Optimal λ → Found using hyperparameter tuning.</a:t>
+            </a:r>
+            <a:endParaRPr sz="1600"/>
+          </a:p>
+          <a:p>
+            <a:pPr>
+              <a:spcAft>
+                <a:spcPct val="60000"/>
+              </a:spcAft>
+            </a:pPr>
+            <a:endParaRPr sz="2300" b="1"/>
+          </a:p>
+        </p:txBody>
+      </p:sp>
+      <p:sp>
+        <p:nvSpPr>
+          <p:cNvPr id="4" name="Text Box 3"/>
+          <p:cNvSpPr txBox="1"/>
+          <p:nvPr/>
+        </p:nvSpPr>
+        <p:spPr>
+          <a:xfrm>
+            <a:off x="504825" y="4781867"/>
+            <a:ext cx="5080000" cy="1842770"/>
+          </a:xfrm>
+          <a:prstGeom prst="rect">
+            <a:avLst/>
+          </a:prstGeom>
+        </p:spPr>
+        <p:txBody>
+          <a:bodyPr>
+            <a:spAutoFit/>
+          </a:bodyPr>
+          <a:p>
+            <a:endParaRPr sz="2600"/>
+          </a:p>
+          <a:p>
+            <a:pPr>
+              <a:spcAft>
+                <a:spcPct val="60000"/>
+              </a:spcAft>
+            </a:pPr>
+            <a:r>
+              <a:rPr sz="2300" b="1"/>
+              <a:t>📌 Which One Should You Use?</a:t>
+            </a:r>
+            <a:endParaRPr sz="2300" b="1"/>
+          </a:p>
+          <a:p>
+            <a:pPr>
+              <a:buFont typeface="Arial" panose="020B0604020202020204"/>
+              <a:buChar char="•"/>
+            </a:pPr>
+            <a:r>
+              <a:rPr sz="1600"/>
+              <a:t>If you want feature selection → L1 (Lasso).</a:t>
+            </a:r>
+            <a:endParaRPr sz="1600"/>
+          </a:p>
+          <a:p>
+            <a:pPr>
+              <a:buFont typeface="Arial" panose="020B0604020202020204"/>
+              <a:buChar char="•"/>
+            </a:pPr>
+            <a:r>
+              <a:rPr sz="1600"/>
+              <a:t>If you want smooth weight shrinkage → L2 (Ridge).</a:t>
+            </a:r>
+            <a:endParaRPr sz="1600"/>
+          </a:p>
+          <a:p>
+            <a:pPr>
+              <a:buFont typeface="Arial" panose="020B0604020202020204"/>
+              <a:buChar char="•"/>
+            </a:pPr>
+            <a:r>
+              <a:rPr sz="1600"/>
+              <a:t>If your data has correlated features → ElasticNet.</a:t>
+            </a:r>
+            <a:endParaRPr sz="1600"/>
+          </a:p>
+        </p:txBody>
+      </p:sp>
+    </p:spTree>
+  </p:cSld>
+  <p:clrMapOvr>
+    <a:masterClrMapping/>
+  </p:clrMapOvr>
+</p:sld>
+</file>
+
+<file path=ppt/slides/slide12.xml><?xml version="1.0" encoding="utf-8"?>
+<p:sld xmlns:a="http://schemas.openxmlformats.org/drawingml/2006/main" xmlns:r="http://schemas.openxmlformats.org/officeDocument/2006/relationships" xmlns:p="http://schemas.openxmlformats.org/presentationml/2006/main">
+  <p:cSld>
+    <p:spTree>
+      <p:nvGrpSpPr>
+        <p:cNvPr id="1" name=""/>
+        <p:cNvGrpSpPr/>
+        <p:nvPr/>
+      </p:nvGrpSpPr>
+      <p:grpSpPr/>
+      <p:sp>
+        <p:nvSpPr>
+          <p:cNvPr id="2" name="Text Box 1"/>
+          <p:cNvSpPr txBox="1"/>
+          <p:nvPr/>
+        </p:nvSpPr>
+        <p:spPr>
+          <a:xfrm>
+            <a:off x="546100" y="122555"/>
+            <a:ext cx="9099550" cy="5628640"/>
+          </a:xfrm>
+          <a:prstGeom prst="rect">
+            <a:avLst/>
+          </a:prstGeom>
+        </p:spPr>
+        <p:txBody>
+          <a:bodyPr wrap="square">
+            <a:spAutoFit/>
+          </a:bodyPr>
+          <a:p>
+            <a:pPr>
+              <a:spcAft>
+                <a:spcPct val="60000"/>
+              </a:spcAft>
+            </a:pPr>
+            <a:r>
+              <a:rPr sz="2300" b="1"/>
+              <a:t>Why Use Absolute Value in L1 (Lasso)?</a:t>
+            </a:r>
+            <a:endParaRPr sz="2300" b="1"/>
+          </a:p>
+          <a:p>
+            <a:r>
+              <a:rPr sz="1600"/>
+              <a:t>L1 Regularization adds the sum of the absolute values of weights to the loss function:</a:t>
+            </a:r>
+            <a:endParaRPr sz="1600"/>
+          </a:p>
+          <a:p>
+            <a:r>
+              <a:rPr sz="1600"/>
+              <a:t>L=Loss+λ∑∣wi∣i​∣</a:t>
+            </a:r>
+            <a:endParaRPr sz="1600"/>
+          </a:p>
+          <a:p>
+            <a:endParaRPr sz="1600"/>
+          </a:p>
+          <a:p>
+            <a:r>
+              <a:rPr sz="1600"/>
+              <a:t>📌 Key Properties of Absolute Value |w</a:t>
+            </a:r>
+            <a:r>
+              <a:rPr lang="en-US" sz="1600"/>
+              <a:t>|</a:t>
+            </a:r>
+            <a:r>
+              <a:rPr sz="1600"/>
+              <a:t>:</a:t>
+            </a:r>
+            <a:endParaRPr sz="1600"/>
+          </a:p>
+          <a:p>
+            <a:pPr>
+              <a:buFont typeface="Arial" panose="020B0604020202020204"/>
+              <a:buChar char="•"/>
+            </a:pPr>
+            <a:r>
+              <a:rPr sz="1600"/>
+              <a:t>The derivative of |w| is constant (except at zero): </a:t>
+            </a:r>
+            <a:endParaRPr sz="1600"/>
+          </a:p>
+          <a:p>
+            <a:pPr lvl="1">
+              <a:buFont typeface="Arial" panose="020B0604020202020204"/>
+              <a:buChar char="◦"/>
+            </a:pPr>
+            <a:r>
+              <a:rPr sz="1600"/>
+              <a:t>If w&gt;0w &gt; 0w&gt;0, derivative = +1+1+1.</a:t>
+            </a:r>
+            <a:endParaRPr sz="1600"/>
+          </a:p>
+          <a:p>
+            <a:pPr lvl="1">
+              <a:buFont typeface="Arial" panose="020B0604020202020204"/>
+              <a:buChar char="◦"/>
+            </a:pPr>
+            <a:r>
+              <a:rPr sz="1600"/>
+              <a:t>If w&lt;0w &lt; 0w&lt;0, derivative = −1-1−1.</a:t>
+            </a:r>
+            <a:endParaRPr sz="1600"/>
+          </a:p>
+          <a:p>
+            <a:pPr lvl="1">
+              <a:buFont typeface="Arial" panose="020B0604020202020204"/>
+              <a:buChar char="◦"/>
+            </a:pPr>
+            <a:r>
+              <a:rPr sz="1600"/>
+              <a:t>If w=0w = 0w=0, derivative is undefined, but typically set to 0.</a:t>
+            </a:r>
+            <a:endParaRPr sz="1600"/>
+          </a:p>
+          <a:p>
+            <a:endParaRPr sz="1600" b="1"/>
+          </a:p>
+          <a:p>
+            <a:r>
+              <a:rPr sz="1600" b="1"/>
+              <a:t>📌 Effect on Weights:</a:t>
+            </a:r>
+            <a:endParaRPr sz="1600" b="1"/>
+          </a:p>
+          <a:p>
+            <a:pPr>
+              <a:buFont typeface="Arial" panose="020B0604020202020204"/>
+              <a:buChar char="•"/>
+            </a:pPr>
+            <a:r>
+              <a:rPr sz="1600"/>
+              <a:t>L1 applies equal pressure on all nonzero weights, regardless of size.</a:t>
+            </a:r>
+            <a:endParaRPr sz="1600"/>
+          </a:p>
+          <a:p>
+            <a:pPr>
+              <a:buFont typeface="Arial" panose="020B0604020202020204"/>
+              <a:buChar char="•"/>
+            </a:pPr>
+            <a:r>
+              <a:rPr sz="1600"/>
+              <a:t>This forces some weights to become exactly zero, leading to feature selection (sparse models).</a:t>
+            </a:r>
+            <a:endParaRPr sz="1600"/>
+          </a:p>
+          <a:p>
+            <a:endParaRPr sz="1600" b="1"/>
+          </a:p>
+          <a:p>
+            <a:r>
+              <a:rPr sz="1600" b="1"/>
+              <a:t>💡 Intuition: </a:t>
+            </a:r>
+            <a:r>
+              <a:rPr sz="1600"/>
+              <a:t>Imagine you want to shrink some weights to zero while allowing others to stay significant. The absolute value enforces this by applying a constant force that drives small weights to exactly zero.</a:t>
+            </a:r>
+            <a:endParaRPr sz="1600"/>
+          </a:p>
+          <a:p>
+            <a:endParaRPr sz="1600"/>
+          </a:p>
+          <a:p>
+            <a:r>
+              <a:rPr sz="1600" b="1"/>
+              <a:t>🔍 Example Weight Update (Gradient Descent in L1):</a:t>
+            </a:r>
+            <a:endParaRPr sz="1600" b="1"/>
+          </a:p>
+          <a:p>
+            <a:pPr>
+              <a:buFont typeface="Arial" panose="020B0604020202020204"/>
+              <a:buChar char="•"/>
+            </a:pPr>
+            <a:r>
+              <a:rPr sz="1600"/>
+              <a:t>If a weight is positive, it gets decreased.</a:t>
+            </a:r>
+            <a:endParaRPr sz="1600"/>
+          </a:p>
+          <a:p>
+            <a:pPr>
+              <a:buFont typeface="Arial" panose="020B0604020202020204"/>
+              <a:buChar char="•"/>
+            </a:pPr>
+            <a:r>
+              <a:rPr sz="1600"/>
+              <a:t>If a weight is negative, it gets increased.</a:t>
+            </a:r>
+            <a:endParaRPr sz="1600"/>
+          </a:p>
+          <a:p>
+            <a:pPr>
+              <a:buFont typeface="Arial" panose="020B0604020202020204"/>
+              <a:buChar char="•"/>
+            </a:pPr>
+            <a:r>
+              <a:rPr sz="1600"/>
+              <a:t>If a weight is small, it is forced to zero (sparse model).</a:t>
+            </a:r>
+            <a:endParaRPr sz="1600"/>
+          </a:p>
+        </p:txBody>
+      </p:sp>
+    </p:spTree>
+  </p:cSld>
+  <p:clrMapOvr>
+    <a:masterClrMapping/>
+  </p:clrMapOvr>
+</p:sld>
+</file>
+
+<file path=ppt/slides/slide13.xml><?xml version="1.0" encoding="utf-8"?>
 <p:sld xmlns:a="http://schemas.openxmlformats.org/drawingml/2006/main" xmlns:r="http://schemas.openxmlformats.org/officeDocument/2006/relationships" xmlns:p="http://schemas.openxmlformats.org/presentationml/2006/main">
   <p:cSld>
     <p:spTree>
@@ -3914,15 +4595,15 @@
         </p:nvSpPr>
         <p:spPr>
           <a:xfrm>
-            <a:off x="6981190" y="746760"/>
-            <a:ext cx="5080000" cy="5364480"/>
+            <a:off x="6461760" y="746760"/>
+            <a:ext cx="5730240" cy="5502910"/>
           </a:xfrm>
           <a:prstGeom prst="rect">
             <a:avLst/>
           </a:prstGeom>
         </p:spPr>
         <p:txBody>
-          <a:bodyPr>
+          <a:bodyPr wrap="square">
             <a:spAutoFit/>
           </a:bodyPr>
           <a:p>
@@ -3933,15 +4614,88 @@
             </a:pPr>
             <a:r>
               <a:rPr sz="2300" b="1"/>
-              <a:t> Why L1 Uses ∣w∣|w|∣w∣ and L2 Uses w2w^2w2?</a:t>
+              <a:t> Why L1 Uses |w| and L2 Uses w^2?</a:t>
             </a:r>
             <a:endParaRPr sz="2300" b="1"/>
           </a:p>
           <a:p>
             <a:r>
               <a:rPr sz="1600"/>
-              <a:t>| Property | L1 Regularization (|w|) | L2 Regularization (w^2) | |-----------|----------------|----------------| | Penalty Type | Absolute value | Squared value | | Effect on Weights | Some weights shrink to zero (sparse) | Weights shrink smoothly (small, but nonzero) | | Best For | Feature selection (removes unnecessary weights) | Preventing overfitting (reduces large weights) | | Weight Shrinkage | Equal shrinkage for all weights | Proportional shrinkage (larger weights shrink more) |</a:t>
-            </a:r>
+              <a:t>| Property </a:t>
+            </a:r>
+            <a:r>
+              <a:rPr lang="en-US" sz="1600"/>
+              <a:t>  </a:t>
+            </a:r>
+            <a:r>
+              <a:rPr sz="1600"/>
+              <a:t>| L1 Regularization (|w|) </a:t>
+            </a:r>
+            <a:r>
+              <a:rPr lang="en-US" sz="1600"/>
+              <a:t>   </a:t>
+            </a:r>
+            <a:r>
+              <a:rPr sz="1600"/>
+              <a:t>| L2 Regularization (w^2) | </a:t>
+            </a:r>
+            <a:endParaRPr sz="1600"/>
+          </a:p>
+          <a:p>
+            <a:r>
+              <a:rPr sz="1600"/>
+              <a:t>|-----------</a:t>
+            </a:r>
+            <a:r>
+              <a:rPr lang="en-US" sz="1600"/>
+              <a:t>     </a:t>
+            </a:r>
+            <a:r>
+              <a:rPr sz="1600"/>
+              <a:t>|----------------</a:t>
+            </a:r>
+            <a:r>
+              <a:rPr lang="en-US" sz="1600"/>
+              <a:t>                         </a:t>
+            </a:r>
+            <a:r>
+              <a:rPr sz="1600"/>
+              <a:t>|----------------| </a:t>
+            </a:r>
+            <a:endParaRPr sz="1600"/>
+          </a:p>
+          <a:p>
+            <a:r>
+              <a:rPr sz="1600"/>
+              <a:t>| Penalty Type | Absolute value | Squared value | </a:t>
+            </a:r>
+            <a:endParaRPr sz="1600"/>
+          </a:p>
+          <a:p>
+            <a:r>
+              <a:rPr sz="1600"/>
+              <a:t>| Effect on Weights | Some weights shrink to zero (sparse) | Weights shrink smoothly (small, but nonzero) | </a:t>
+            </a:r>
+            <a:endParaRPr sz="1600"/>
+          </a:p>
+          <a:p>
+            <a:r>
+              <a:rPr sz="1600"/>
+              <a:t>| Best For | Feature selection (removes unnecessary weights) | Preventing overfitting (reduces large weights) | </a:t>
+            </a:r>
+            <a:endParaRPr sz="1600"/>
+          </a:p>
+          <a:p>
+            <a:r>
+              <a:rPr sz="1600"/>
+              <a:t>| Weight Shrinkage | Equal shrinkage for all weights | Proportional shrinkage (larger weights shrink more) |</a:t>
+            </a:r>
+            <a:endParaRPr sz="1600"/>
+          </a:p>
+          <a:p>
+            <a:endParaRPr sz="1600"/>
+          </a:p>
+          <a:p>
             <a:endParaRPr sz="1600"/>
           </a:p>
           <a:p>
@@ -3952,7 +4706,7 @@
             </a:pPr>
             <a:r>
               <a:rPr sz="2300" b="1"/>
-              <a:t>4️⃣ Why Not Swap Them?</a:t>
+              <a:t>4 Why Not Swap Them?</a:t>
             </a:r>
             <a:endParaRPr sz="2300" b="1"/>
           </a:p>
@@ -3999,7 +4753,7 @@
 </p:sld>
 </file>
 
-<file path=ppt/slides/slide11.xml><?xml version="1.0" encoding="utf-8"?>
+<file path=ppt/slides/slide14.xml><?xml version="1.0" encoding="utf-8"?>
 <p:sld xmlns:a="http://schemas.openxmlformats.org/drawingml/2006/main" xmlns:r="http://schemas.openxmlformats.org/officeDocument/2006/relationships" xmlns:p="http://schemas.openxmlformats.org/presentationml/2006/main">
   <p:cSld>
     <p:spTree>
@@ -4041,440 +4795,6 @@
 </p:sld>
 </file>
 
-<file path=ppt/slides/slide12.xml><?xml version="1.0" encoding="utf-8"?>
-<p:sld xmlns:a="http://schemas.openxmlformats.org/drawingml/2006/main" xmlns:r="http://schemas.openxmlformats.org/officeDocument/2006/relationships" xmlns:p="http://schemas.openxmlformats.org/presentationml/2006/main">
-  <p:cSld>
-    <p:spTree>
-      <p:nvGrpSpPr>
-        <p:cNvPr id="1" name=""/>
-        <p:cNvGrpSpPr/>
-        <p:nvPr/>
-      </p:nvGrpSpPr>
-      <p:grpSpPr/>
-      <p:sp>
-        <p:nvSpPr>
-          <p:cNvPr id="2" name="Text Box 1"/>
-          <p:cNvSpPr txBox="1"/>
-          <p:nvPr/>
-        </p:nvSpPr>
-        <p:spPr>
-          <a:xfrm>
-            <a:off x="3048000" y="3106420"/>
-            <a:ext cx="6096000" cy="645160"/>
-          </a:xfrm>
-          <a:prstGeom prst="rect">
-            <a:avLst/>
-          </a:prstGeom>
-          <a:noFill/>
-        </p:spPr>
-        <p:txBody>
-          <a:bodyPr wrap="square" rtlCol="0" anchor="t">
-            <a:spAutoFit/>
-          </a:bodyPr>
-          <a:p>
-            <a:r>
-              <a:rPr lang="en-US" altLang="en-US"/>
-              <a:t>https://www.pinecone.io/learn/regularization-in-neural-networks/</a:t>
-            </a:r>
-            <a:endParaRPr lang="en-US"/>
-          </a:p>
-        </p:txBody>
-      </p:sp>
-      <p:sp>
-        <p:nvSpPr>
-          <p:cNvPr id="3" name="Text Box 2"/>
-          <p:cNvSpPr txBox="1"/>
-          <p:nvPr/>
-        </p:nvSpPr>
-        <p:spPr>
-          <a:xfrm>
-            <a:off x="3048000" y="3612515"/>
-            <a:ext cx="6096000" cy="922020"/>
-          </a:xfrm>
-          <a:prstGeom prst="rect">
-            <a:avLst/>
-          </a:prstGeom>
-          <a:noFill/>
-        </p:spPr>
-        <p:txBody>
-          <a:bodyPr wrap="square" rtlCol="0" anchor="t">
-            <a:spAutoFit/>
-          </a:bodyPr>
-          <a:p>
-            <a:r>
-              <a:rPr lang="en-US" altLang="en-US"/>
-              <a:t>https://www.analyticsvidhya.com/blog/2018/04/fundamentals-deep-learning-regularization-techniques/#h-l2-amp-l1-regularization</a:t>
-            </a:r>
-            <a:endParaRPr lang="en-US"/>
-          </a:p>
-        </p:txBody>
-      </p:sp>
-      <p:sp>
-        <p:nvSpPr>
-          <p:cNvPr id="4" name="Text Box 3"/>
-          <p:cNvSpPr txBox="1"/>
-          <p:nvPr/>
-        </p:nvSpPr>
-        <p:spPr>
-          <a:xfrm>
-            <a:off x="3048000" y="2394585"/>
-            <a:ext cx="6096000" cy="645160"/>
-          </a:xfrm>
-          <a:prstGeom prst="rect">
-            <a:avLst/>
-          </a:prstGeom>
-          <a:noFill/>
-        </p:spPr>
-        <p:txBody>
-          <a:bodyPr wrap="square" rtlCol="0" anchor="t">
-            <a:spAutoFit/>
-          </a:bodyPr>
-          <a:p>
-            <a:r>
-              <a:rPr lang="en-US" altLang="en-US"/>
-              <a:t>https://www.kaggle.com/code/sid321axn/regularization-techniques-in-deep-learning</a:t>
-            </a:r>
-            <a:endParaRPr lang="en-US"/>
-          </a:p>
-        </p:txBody>
-      </p:sp>
-      <p:sp>
-        <p:nvSpPr>
-          <p:cNvPr id="5" name="Text Box 4"/>
-          <p:cNvSpPr txBox="1"/>
-          <p:nvPr/>
-        </p:nvSpPr>
-        <p:spPr>
-          <a:xfrm>
-            <a:off x="2827020" y="5165090"/>
-            <a:ext cx="6096000" cy="645160"/>
-          </a:xfrm>
-          <a:prstGeom prst="rect">
-            <a:avLst/>
-          </a:prstGeom>
-          <a:noFill/>
-        </p:spPr>
-        <p:txBody>
-          <a:bodyPr wrap="square" rtlCol="0" anchor="t">
-            <a:spAutoFit/>
-          </a:bodyPr>
-          <a:p>
-            <a:r>
-              <a:rPr lang="en-US" altLang="en-US"/>
-              <a:t>https://www.geeksforgeeks.org/regularization-in-machine-learning/</a:t>
-            </a:r>
-            <a:endParaRPr lang="en-US"/>
-          </a:p>
-        </p:txBody>
-      </p:sp>
-    </p:spTree>
-  </p:cSld>
-  <p:clrMapOvr>
-    <a:masterClrMapping/>
-  </p:clrMapOvr>
-</p:sld>
-</file>
-
-<file path=ppt/slides/slide13.xml><?xml version="1.0" encoding="utf-8"?>
-<p:sld xmlns:a="http://schemas.openxmlformats.org/drawingml/2006/main" xmlns:r="http://schemas.openxmlformats.org/officeDocument/2006/relationships" xmlns:p="http://schemas.openxmlformats.org/presentationml/2006/main">
-  <p:cSld>
-    <p:spTree>
-      <p:nvGrpSpPr>
-        <p:cNvPr id="1" name=""/>
-        <p:cNvGrpSpPr/>
-        <p:nvPr/>
-      </p:nvGrpSpPr>
-      <p:grpSpPr/>
-      <p:sp>
-        <p:nvSpPr>
-          <p:cNvPr id="2" name="Text Box 1"/>
-          <p:cNvSpPr txBox="1"/>
-          <p:nvPr/>
-        </p:nvSpPr>
-        <p:spPr>
-          <a:xfrm>
-            <a:off x="1297305" y="765810"/>
-            <a:ext cx="6096000" cy="1348105"/>
-          </a:xfrm>
-          <a:prstGeom prst="rect">
-            <a:avLst/>
-          </a:prstGeom>
-          <a:noFill/>
-        </p:spPr>
-        <p:txBody>
-          <a:bodyPr wrap="square" rtlCol="0" anchor="t">
-            <a:spAutoFit/>
-          </a:bodyPr>
-          <a:p>
-            <a:pPr marL="0" indent="0" fontAlgn="base">
-              <a:spcBef>
-                <a:spcPct val="0"/>
-              </a:spcBef>
-              <a:spcAft>
-                <a:spcPts val="200"/>
-              </a:spcAft>
-            </a:pPr>
-            <a:r>
-              <a:rPr lang="en-IN" sz="4000" b="1">
-                <a:solidFill>
-                  <a:srgbClr val="FF0000"/>
-                </a:solidFill>
-                <a:effectLst>
-                  <a:outerShdw blurRad="38100" dist="38100" dir="2700000" algn="tl">
-                    <a:srgbClr val="000000">
-                      <a:alpha val="43137"/>
-                    </a:srgbClr>
-                  </a:outerShdw>
-                </a:effectLst>
-                <a:latin typeface="Georgia" panose="02040502050405020303"/>
-                <a:ea typeface="Georgia" panose="02040502050405020303"/>
-                <a:sym typeface="+mn-ea"/>
-              </a:rPr>
-              <a:t>Dropout</a:t>
-            </a:r>
-            <a:endParaRPr lang="en-IN" sz="4000" b="1">
-              <a:solidFill>
-                <a:srgbClr val="FF0000"/>
-              </a:solidFill>
-              <a:effectLst>
-                <a:outerShdw blurRad="38100" dist="38100" dir="2700000" algn="tl">
-                  <a:srgbClr val="000000">
-                    <a:alpha val="43137"/>
-                  </a:srgbClr>
-                </a:outerShdw>
-              </a:effectLst>
-              <a:latin typeface="Georgia" panose="02040502050405020303"/>
-              <a:ea typeface="Georgia" panose="02040502050405020303"/>
-              <a:sym typeface="+mn-ea"/>
-            </a:endParaRPr>
-          </a:p>
-          <a:p>
-            <a:pPr marL="0" indent="0" fontAlgn="base">
-              <a:spcBef>
-                <a:spcPct val="0"/>
-              </a:spcBef>
-              <a:spcAft>
-                <a:spcPts val="200"/>
-              </a:spcAft>
-            </a:pPr>
-            <a:endParaRPr lang="en-IN" sz="4000" b="1">
-              <a:solidFill>
-                <a:srgbClr val="FF0000"/>
-              </a:solidFill>
-              <a:effectLst>
-                <a:outerShdw blurRad="38100" dist="38100" dir="2700000" algn="tl">
-                  <a:srgbClr val="000000">
-                    <a:alpha val="43137"/>
-                  </a:srgbClr>
-                </a:outerShdw>
-              </a:effectLst>
-              <a:latin typeface="Georgia" panose="02040502050405020303"/>
-              <a:ea typeface="Georgia" panose="02040502050405020303"/>
-              <a:sym typeface="+mn-ea"/>
-            </a:endParaRPr>
-          </a:p>
-        </p:txBody>
-      </p:sp>
-    </p:spTree>
-  </p:cSld>
-  <p:clrMapOvr>
-    <a:masterClrMapping/>
-  </p:clrMapOvr>
-</p:sld>
-</file>
-
-<file path=ppt/slides/slide14.xml><?xml version="1.0" encoding="utf-8"?>
-<p:sld xmlns:a="http://schemas.openxmlformats.org/drawingml/2006/main" xmlns:r="http://schemas.openxmlformats.org/officeDocument/2006/relationships" xmlns:p="http://schemas.openxmlformats.org/presentationml/2006/main">
-  <p:cSld>
-    <p:spTree>
-      <p:nvGrpSpPr>
-        <p:cNvPr id="1" name=""/>
-        <p:cNvGrpSpPr/>
-        <p:nvPr/>
-      </p:nvGrpSpPr>
-      <p:grpSpPr/>
-      <p:sp>
-        <p:nvSpPr>
-          <p:cNvPr id="2" name="Text Box 1"/>
-          <p:cNvSpPr txBox="1"/>
-          <p:nvPr/>
-        </p:nvSpPr>
-        <p:spPr>
-          <a:xfrm>
-            <a:off x="3048000" y="2433955"/>
-            <a:ext cx="6096000" cy="1348105"/>
-          </a:xfrm>
-          <a:prstGeom prst="rect">
-            <a:avLst/>
-          </a:prstGeom>
-          <a:noFill/>
-        </p:spPr>
-        <p:txBody>
-          <a:bodyPr wrap="square" rtlCol="0" anchor="t">
-            <a:spAutoFit/>
-          </a:bodyPr>
-          <a:p>
-            <a:pPr marL="0" indent="0" fontAlgn="base">
-              <a:spcBef>
-                <a:spcPct val="0"/>
-              </a:spcBef>
-              <a:spcAft>
-                <a:spcPts val="200"/>
-              </a:spcAft>
-            </a:pPr>
-            <a:r>
-              <a:rPr lang="en-IN" sz="4000" b="1">
-                <a:solidFill>
-                  <a:srgbClr val="FF0000"/>
-                </a:solidFill>
-                <a:effectLst>
-                  <a:outerShdw blurRad="38100" dist="38100" dir="2700000" algn="tl">
-                    <a:srgbClr val="000000">
-                      <a:alpha val="43137"/>
-                    </a:srgbClr>
-                  </a:outerShdw>
-                </a:effectLst>
-                <a:latin typeface="Georgia" panose="02040502050405020303"/>
-                <a:ea typeface="Georgia" panose="02040502050405020303"/>
-                <a:sym typeface="+mn-ea"/>
-              </a:rPr>
-              <a:t>Call backs</a:t>
-            </a:r>
-            <a:endParaRPr lang="en-IN" sz="4000" b="1">
-              <a:solidFill>
-                <a:srgbClr val="FF0000"/>
-              </a:solidFill>
-              <a:effectLst>
-                <a:outerShdw blurRad="38100" dist="38100" dir="2700000" algn="tl">
-                  <a:srgbClr val="000000">
-                    <a:alpha val="43137"/>
-                  </a:srgbClr>
-                </a:outerShdw>
-              </a:effectLst>
-              <a:latin typeface="Georgia" panose="02040502050405020303"/>
-              <a:ea typeface="Georgia" panose="02040502050405020303"/>
-              <a:sym typeface="+mn-ea"/>
-            </a:endParaRPr>
-          </a:p>
-          <a:p>
-            <a:pPr marL="0" indent="0" fontAlgn="base">
-              <a:spcBef>
-                <a:spcPct val="0"/>
-              </a:spcBef>
-              <a:spcAft>
-                <a:spcPts val="200"/>
-              </a:spcAft>
-            </a:pPr>
-            <a:endParaRPr lang="en-IN" sz="4000" b="1">
-              <a:solidFill>
-                <a:srgbClr val="FF0000"/>
-              </a:solidFill>
-              <a:effectLst>
-                <a:outerShdw blurRad="38100" dist="38100" dir="2700000" algn="tl">
-                  <a:srgbClr val="000000">
-                    <a:alpha val="43137"/>
-                  </a:srgbClr>
-                </a:outerShdw>
-              </a:effectLst>
-              <a:latin typeface="Georgia" panose="02040502050405020303"/>
-              <a:ea typeface="Georgia" panose="02040502050405020303"/>
-              <a:sym typeface="+mn-ea"/>
-            </a:endParaRPr>
-          </a:p>
-        </p:txBody>
-      </p:sp>
-      <p:sp>
-        <p:nvSpPr>
-          <p:cNvPr id="3" name="Text Box 2"/>
-          <p:cNvSpPr txBox="1"/>
-          <p:nvPr/>
-        </p:nvSpPr>
-        <p:spPr>
-          <a:xfrm>
-            <a:off x="3048000" y="3068320"/>
-            <a:ext cx="6096000" cy="978535"/>
-          </a:xfrm>
-          <a:prstGeom prst="rect">
-            <a:avLst/>
-          </a:prstGeom>
-          <a:noFill/>
-        </p:spPr>
-        <p:txBody>
-          <a:bodyPr wrap="square" rtlCol="0" anchor="t">
-            <a:spAutoFit/>
-          </a:bodyPr>
-          <a:p>
-            <a:pPr marL="0" indent="0" fontAlgn="base">
-              <a:spcBef>
-                <a:spcPct val="0"/>
-              </a:spcBef>
-              <a:spcAft>
-                <a:spcPts val="200"/>
-              </a:spcAft>
-            </a:pPr>
-            <a:r>
-              <a:rPr lang="en-IN" sz="2800">
-                <a:solidFill>
-                  <a:schemeClr val="tx1"/>
-                </a:solidFill>
-                <a:effectLst/>
-                <a:latin typeface="Georgia" panose="02040502050405020303"/>
-                <a:ea typeface="Georgia" panose="02040502050405020303"/>
-                <a:sym typeface="+mn-ea"/>
-              </a:rPr>
-              <a:t>Model Checkpoint</a:t>
-            </a:r>
-            <a:endParaRPr lang="en-IN" sz="2800">
-              <a:solidFill>
-                <a:schemeClr val="tx1"/>
-              </a:solidFill>
-              <a:effectLst/>
-              <a:latin typeface="Georgia" panose="02040502050405020303"/>
-              <a:ea typeface="Georgia" panose="02040502050405020303"/>
-              <a:sym typeface="+mn-ea"/>
-            </a:endParaRPr>
-          </a:p>
-          <a:p>
-            <a:pPr marL="0" indent="0" fontAlgn="base">
-              <a:spcBef>
-                <a:spcPct val="0"/>
-              </a:spcBef>
-              <a:spcAft>
-                <a:spcPts val="200"/>
-              </a:spcAft>
-            </a:pPr>
-            <a:r>
-              <a:rPr lang="en-IN" sz="2800">
-                <a:solidFill>
-                  <a:schemeClr val="tx1"/>
-                </a:solidFill>
-                <a:effectLst/>
-                <a:latin typeface="Georgia" panose="02040502050405020303"/>
-                <a:ea typeface="Georgia" panose="02040502050405020303"/>
-                <a:sym typeface="+mn-ea"/>
-              </a:rPr>
-              <a:t>Early stoping</a:t>
-            </a:r>
-            <a:endParaRPr lang="en-IN" sz="2800">
-              <a:solidFill>
-                <a:schemeClr val="tx1"/>
-              </a:solidFill>
-              <a:effectLst/>
-              <a:latin typeface="Georgia" panose="02040502050405020303"/>
-              <a:ea typeface="Georgia" panose="02040502050405020303"/>
-              <a:sym typeface="+mn-ea"/>
-            </a:endParaRPr>
-          </a:p>
-        </p:txBody>
-      </p:sp>
-    </p:spTree>
-  </p:cSld>
-  <p:clrMapOvr>
-    <a:masterClrMapping/>
-  </p:clrMapOvr>
-</p:sld>
-</file>
-
 <file path=ppt/slides/slide15.xml><?xml version="1.0" encoding="utf-8"?>
 <p:sld xmlns:a="http://schemas.openxmlformats.org/drawingml/2006/main" xmlns:r="http://schemas.openxmlformats.org/officeDocument/2006/relationships" xmlns:p="http://schemas.openxmlformats.org/presentationml/2006/main">
   <p:cSld>
@@ -4493,8 +4813,8 @@
         </p:nvSpPr>
         <p:spPr>
           <a:xfrm>
-            <a:off x="3048000" y="2754630"/>
-            <a:ext cx="6096000" cy="1348105"/>
+            <a:off x="610235" y="1265555"/>
+            <a:ext cx="9406890" cy="368300"/>
           </a:xfrm>
           <a:prstGeom prst="rect">
             <a:avLst/>
@@ -4506,72 +4826,137 @@
             <a:spAutoFit/>
           </a:bodyPr>
           <a:p>
-            <a:pPr marL="0" indent="0" fontAlgn="base">
-              <a:spcBef>
-                <a:spcPct val="0"/>
-              </a:spcBef>
-              <a:spcAft>
-                <a:spcPts val="200"/>
-              </a:spcAft>
-            </a:pPr>
-            <a:r>
-              <a:rPr lang="en-IN" sz="4000" b="1">
-                <a:solidFill>
-                  <a:srgbClr val="FF0000"/>
-                </a:solidFill>
-                <a:effectLst>
-                  <a:outerShdw blurRad="38100" dist="38100" dir="2700000" algn="tl">
-                    <a:srgbClr val="000000">
-                      <a:alpha val="43137"/>
-                    </a:srgbClr>
-                  </a:outerShdw>
-                </a:effectLst>
-                <a:latin typeface="Georgia" panose="02040502050405020303"/>
-                <a:ea typeface="Georgia" panose="02040502050405020303"/>
-                <a:sym typeface="+mn-ea"/>
-              </a:rPr>
-              <a:t>Batch  Normalizations</a:t>
-            </a:r>
-            <a:endParaRPr lang="en-IN" sz="4000" b="1">
-              <a:solidFill>
-                <a:srgbClr val="FF0000"/>
-              </a:solidFill>
-              <a:effectLst>
-                <a:outerShdw blurRad="38100" dist="38100" dir="2700000" algn="tl">
-                  <a:srgbClr val="000000">
-                    <a:alpha val="43137"/>
-                  </a:srgbClr>
-                </a:outerShdw>
-              </a:effectLst>
-              <a:latin typeface="Georgia" panose="02040502050405020303"/>
-              <a:ea typeface="Georgia" panose="02040502050405020303"/>
-              <a:sym typeface="+mn-ea"/>
-            </a:endParaRPr>
-          </a:p>
-          <a:p>
-            <a:pPr marL="0" indent="0" fontAlgn="base">
-              <a:spcBef>
-                <a:spcPct val="0"/>
-              </a:spcBef>
-              <a:spcAft>
-                <a:spcPts val="200"/>
-              </a:spcAft>
-            </a:pPr>
-            <a:endParaRPr lang="en-IN" sz="4000" b="1">
-              <a:solidFill>
-                <a:srgbClr val="FF0000"/>
-              </a:solidFill>
-              <a:effectLst>
-                <a:outerShdw blurRad="38100" dist="38100" dir="2700000" algn="tl">
-                  <a:srgbClr val="000000">
-                    <a:alpha val="43137"/>
-                  </a:srgbClr>
-                </a:outerShdw>
-              </a:effectLst>
-              <a:latin typeface="Georgia" panose="02040502050405020303"/>
-              <a:ea typeface="Georgia" panose="02040502050405020303"/>
-              <a:sym typeface="+mn-ea"/>
-            </a:endParaRPr>
+            <a:r>
+              <a:rPr lang="en-US" altLang="en-US"/>
+              <a:t>https://www.pinecone.io/learn/regularization-in-neural-networks/</a:t>
+            </a:r>
+            <a:endParaRPr lang="en-US"/>
+          </a:p>
+        </p:txBody>
+      </p:sp>
+      <p:sp>
+        <p:nvSpPr>
+          <p:cNvPr id="3" name="Text Box 2"/>
+          <p:cNvSpPr txBox="1"/>
+          <p:nvPr/>
+        </p:nvSpPr>
+        <p:spPr>
+          <a:xfrm>
+            <a:off x="610235" y="1633855"/>
+            <a:ext cx="9070340" cy="645160"/>
+          </a:xfrm>
+          <a:prstGeom prst="rect">
+            <a:avLst/>
+          </a:prstGeom>
+          <a:noFill/>
+        </p:spPr>
+        <p:txBody>
+          <a:bodyPr wrap="square" rtlCol="0" anchor="t">
+            <a:spAutoFit/>
+          </a:bodyPr>
+          <a:p>
+            <a:r>
+              <a:rPr lang="en-US" altLang="en-US"/>
+              <a:t>https://www.analyticsvidhya.com/blog/2018/04/fundamentals-deep-learning-regularization-techniques/#h-l2-amp-l1-regularization</a:t>
+            </a:r>
+            <a:endParaRPr lang="en-US"/>
+          </a:p>
+        </p:txBody>
+      </p:sp>
+      <p:sp>
+        <p:nvSpPr>
+          <p:cNvPr id="4" name="Text Box 3"/>
+          <p:cNvSpPr txBox="1"/>
+          <p:nvPr/>
+        </p:nvSpPr>
+        <p:spPr>
+          <a:xfrm>
+            <a:off x="610235" y="897255"/>
+            <a:ext cx="9330690" cy="368300"/>
+          </a:xfrm>
+          <a:prstGeom prst="rect">
+            <a:avLst/>
+          </a:prstGeom>
+          <a:noFill/>
+        </p:spPr>
+        <p:txBody>
+          <a:bodyPr wrap="square" rtlCol="0" anchor="t">
+            <a:spAutoFit/>
+          </a:bodyPr>
+          <a:p>
+            <a:r>
+              <a:rPr lang="en-US" altLang="en-US"/>
+              <a:t>https://www.kaggle.com/code/sid321axn/regularization-techniques-in-deep-learning</a:t>
+            </a:r>
+            <a:endParaRPr lang="en-US"/>
+          </a:p>
+        </p:txBody>
+      </p:sp>
+      <p:sp>
+        <p:nvSpPr>
+          <p:cNvPr id="5" name="Text Box 4"/>
+          <p:cNvSpPr txBox="1"/>
+          <p:nvPr/>
+        </p:nvSpPr>
+        <p:spPr>
+          <a:xfrm>
+            <a:off x="610235" y="2279015"/>
+            <a:ext cx="9237980" cy="922020"/>
+          </a:xfrm>
+          <a:prstGeom prst="rect">
+            <a:avLst/>
+          </a:prstGeom>
+          <a:noFill/>
+        </p:spPr>
+        <p:txBody>
+          <a:bodyPr wrap="square" rtlCol="0" anchor="t">
+            <a:spAutoFit/>
+          </a:bodyPr>
+          <a:p>
+            <a:r>
+              <a:rPr lang="en-US" altLang="en-US"/>
+              <a:t>https://www.geeksforgeeks.org/regularization-in-machine-learning/</a:t>
+            </a:r>
+            <a:endParaRPr lang="en-US" altLang="en-US"/>
+          </a:p>
+          <a:p>
+            <a:endParaRPr lang="en-US"/>
+          </a:p>
+          <a:p>
+            <a:r>
+              <a:rPr lang="en-US" altLang="en-US"/>
+              <a:t>https://dotnettutorials.net/lesson/dropout-layer-in-cnn/</a:t>
+            </a:r>
+            <a:endParaRPr lang="en-US" altLang="en-US"/>
+          </a:p>
+        </p:txBody>
+      </p:sp>
+      <p:sp>
+        <p:nvSpPr>
+          <p:cNvPr id="6" name="Text Box 5"/>
+          <p:cNvSpPr txBox="1"/>
+          <p:nvPr/>
+        </p:nvSpPr>
+        <p:spPr>
+          <a:xfrm>
+            <a:off x="610235" y="436880"/>
+            <a:ext cx="4064000" cy="460375"/>
+          </a:xfrm>
+          <a:prstGeom prst="rect">
+            <a:avLst/>
+          </a:prstGeom>
+          <a:noFill/>
+        </p:spPr>
+        <p:txBody>
+          <a:bodyPr wrap="square" rtlCol="0">
+            <a:spAutoFit/>
+          </a:bodyPr>
+          <a:p>
+            <a:r>
+              <a:rPr lang="en-US" sz="2400" b="1"/>
+              <a:t>Reference </a:t>
+            </a:r>
+            <a:endParaRPr lang="en-US" sz="2400" b="1"/>
           </a:p>
         </p:txBody>
       </p:sp>
@@ -4601,8 +4986,8 @@
         </p:nvSpPr>
         <p:spPr>
           <a:xfrm>
-            <a:off x="3048000" y="3075305"/>
-            <a:ext cx="6096000" cy="706755"/>
+            <a:off x="1057910" y="262890"/>
+            <a:ext cx="4487545" cy="788670"/>
           </a:xfrm>
           <a:prstGeom prst="rect">
             <a:avLst/>
@@ -4611,7 +4996,7 @@
         </p:spPr>
         <p:txBody>
           <a:bodyPr wrap="square" rtlCol="0" anchor="t">
-            <a:spAutoFit/>
+            <a:noAutofit/>
           </a:bodyPr>
           <a:p>
             <a:pPr marL="0" indent="0" fontAlgn="base">
@@ -4623,7 +5008,7 @@
               </a:spcAft>
             </a:pPr>
             <a:r>
-              <a:rPr lang="en-IN" sz="4000" b="1">
+              <a:rPr lang="en-US" altLang="en-IN" sz="4000" b="1">
                 <a:solidFill>
                   <a:srgbClr val="FF0000"/>
                 </a:solidFill>
@@ -4638,7 +5023,25 @@
                 <a:ea typeface="Georgia" panose="02040502050405020303"/>
                 <a:sym typeface="+mn-ea"/>
               </a:rPr>
-              <a:t>Weight Initializations</a:t>
+              <a:t>2. </a:t>
+            </a:r>
+            <a:r>
+              <a:rPr lang="en-IN" sz="4000" b="1">
+                <a:solidFill>
+                  <a:srgbClr val="FF0000"/>
+                </a:solidFill>
+                <a:effectLst>
+                  <a:outerShdw blurRad="38100" dist="38100" dir="2700000" algn="tl">
+                    <a:srgbClr val="000000">
+                      <a:alpha val="43137"/>
+                    </a:srgbClr>
+                  </a:outerShdw>
+                </a:effectLst>
+                <a:latin typeface="Georgia" panose="02040502050405020303"/>
+                <a:ea typeface="Georgia" panose="02040502050405020303"/>
+                <a:sym typeface="+mn-ea"/>
+              </a:rPr>
+              <a:t>Dropout</a:t>
             </a:r>
             <a:endParaRPr lang="en-IN" sz="4000" b="1">
               <a:solidFill>
@@ -4656,6 +5059,31 @@
               <a:sym typeface="+mn-ea"/>
             </a:endParaRPr>
           </a:p>
+          <a:p>
+            <a:pPr marL="0" indent="0" fontAlgn="base">
+              <a:spcBef>
+                <a:spcPct val="0"/>
+              </a:spcBef>
+              <a:spcAft>
+                <a:spcPts val="200"/>
+              </a:spcAft>
+            </a:pPr>
+            <a:endParaRPr lang="en-IN" sz="4000" b="1">
+              <a:solidFill>
+                <a:srgbClr val="FF0000"/>
+              </a:solidFill>
+              <a:effectLst>
+                <a:outerShdw blurRad="38100" dist="38100" dir="2700000" algn="tl">
+                  <a:srgbClr val="000000">
+                    <a:alpha val="43137"/>
+                  </a:srgbClr>
+                </a:outerShdw>
+              </a:effectLst>
+              <a:latin typeface="Georgia" panose="02040502050405020303"/>
+              <a:ea typeface="Georgia" panose="02040502050405020303"/>
+              <a:sym typeface="+mn-ea"/>
+            </a:endParaRPr>
+          </a:p>
         </p:txBody>
       </p:sp>
       <p:sp>
@@ -4666,8 +5094,8 @@
         </p:nvSpPr>
         <p:spPr>
           <a:xfrm>
-            <a:off x="3451860" y="4465002"/>
-            <a:ext cx="5080000" cy="583565"/>
+            <a:off x="1128395" y="921385"/>
+            <a:ext cx="9912350" cy="2593340"/>
           </a:xfrm>
           <a:prstGeom prst="rect">
             <a:avLst/>
@@ -4675,68 +5103,169 @@
         </p:spPr>
         <p:txBody>
           <a:bodyPr>
-            <a:spAutoFit/>
+            <a:noAutofit/>
           </a:bodyPr>
           <a:p>
-            <a:pPr marL="0" indent="0" algn="l"/>
-            <a:r>
-              <a:rPr sz="1600" b="0" i="0">
-                <a:solidFill>
-                  <a:srgbClr val="191D17"/>
-                </a:solidFill>
-                <a:latin typeface="monospace"/>
-                <a:ea typeface="monospace"/>
-              </a:rPr>
-              <a:t>Xavier/Glorat And He Weight Initialization in Deep Learning</a:t>
-            </a:r>
-            <a:endParaRPr sz="1600" b="0" i="0">
+            <a:pPr marL="0" indent="0">
+              <a:lnSpc>
+                <a:spcPct val="120000"/>
+              </a:lnSpc>
+              <a:spcBef>
+                <a:spcPts val="600"/>
+              </a:spcBef>
+              <a:spcAft>
+                <a:spcPts val="600"/>
+              </a:spcAft>
+            </a:pPr>
+            <a:r>
+              <a:rPr b="1" i="0">
+                <a:solidFill>
+                  <a:srgbClr val="1F1F1F"/>
+                </a:solidFill>
+                <a:latin typeface="Arial" panose="020B0604020202020204" pitchFamily="34" charset="0"/>
+                <a:ea typeface="Google Sans"/>
+                <a:cs typeface="Arial" panose="020B0604020202020204" pitchFamily="34" charset="0"/>
+              </a:rPr>
+              <a:t>What is a dropout in neural networks?</a:t>
+            </a:r>
+            <a:endParaRPr b="1" i="0">
               <a:solidFill>
-                <a:srgbClr val="191D17"/>
+                <a:srgbClr val="1F1F1F"/>
               </a:solidFill>
-              <a:latin typeface="monospace"/>
-              <a:ea typeface="monospace"/>
+              <a:latin typeface="Arial" panose="020B0604020202020204" pitchFamily="34" charset="0"/>
+              <a:ea typeface="Google Sans"/>
+              <a:cs typeface="Arial" panose="020B0604020202020204" pitchFamily="34" charset="0"/>
             </a:endParaRPr>
           </a:p>
-        </p:txBody>
-      </p:sp>
-      <p:sp>
-        <p:nvSpPr>
-          <p:cNvPr id="4" name="Text Box 3"/>
-          <p:cNvSpPr txBox="1"/>
+          <a:p>
+            <a:pPr marL="0" indent="0">
+              <a:lnSpc>
+                <a:spcPct val="120000"/>
+              </a:lnSpc>
+              <a:spcBef>
+                <a:spcPct val="0"/>
+              </a:spcBef>
+              <a:spcAft>
+                <a:spcPts val="500"/>
+              </a:spcAft>
+            </a:pPr>
+            <a:r>
+              <a:rPr lang="en-GB" b="0" i="0">
+                <a:solidFill>
+                  <a:srgbClr val="1F1F1F"/>
+                </a:solidFill>
+                <a:latin typeface="Arial" panose="020B0604020202020204" pitchFamily="34" charset="0"/>
+                <a:cs typeface="Arial" panose="020B0604020202020204" pitchFamily="34" charset="0"/>
+              </a:rPr>
+              <a:t>Dropout </a:t>
+            </a:r>
+            <a:r>
+              <a:rPr lang="en-GB" b="0" i="0">
+                <a:solidFill>
+                  <a:srgbClr val="040C28"/>
+                </a:solidFill>
+                <a:latin typeface="Arial" panose="020B0604020202020204" pitchFamily="34" charset="0"/>
+                <a:cs typeface="Arial" panose="020B0604020202020204" pitchFamily="34" charset="0"/>
+              </a:rPr>
+              <a:t>helps prevent overfitting by randomly nullifying outputs from neurons during the training process</a:t>
+            </a:r>
+            <a:r>
+              <a:rPr lang="en-GB" b="0" i="0">
+                <a:solidFill>
+                  <a:srgbClr val="1F1F1F"/>
+                </a:solidFill>
+                <a:latin typeface="Arial" panose="020B0604020202020204" pitchFamily="34" charset="0"/>
+                <a:cs typeface="Arial" panose="020B0604020202020204" pitchFamily="34" charset="0"/>
+              </a:rPr>
+              <a:t>. This encourages the network to learn redundant representations for everything and hence, increases the model's ability to generalize.</a:t>
+            </a:r>
+            <a:endParaRPr lang="en-GB" b="0" i="0">
+              <a:solidFill>
+                <a:srgbClr val="1F1F1F"/>
+              </a:solidFill>
+              <a:latin typeface="Arial" panose="020B0604020202020204" pitchFamily="34" charset="0"/>
+              <a:cs typeface="Arial" panose="020B0604020202020204" pitchFamily="34" charset="0"/>
+            </a:endParaRPr>
+          </a:p>
+        </p:txBody>
+      </p:sp>
+      <p:pic>
+        <p:nvPicPr>
+          <p:cNvPr id="4" name="Picture 3"/>
+          <p:cNvPicPr/>
           <p:nvPr/>
-        </p:nvSpPr>
+        </p:nvPicPr>
+        <p:blipFill>
+          <a:blip r:embed="rId1"/>
+          <a:stretch>
+            <a:fillRect/>
+          </a:stretch>
+        </p:blipFill>
         <p:spPr>
           <a:xfrm>
-            <a:off x="3556000" y="5238432"/>
-            <a:ext cx="5080000" cy="583565"/>
+            <a:off x="894715" y="2520950"/>
+            <a:ext cx="10243185" cy="4336415"/>
           </a:xfrm>
           <a:prstGeom prst="rect">
             <a:avLst/>
           </a:prstGeom>
         </p:spPr>
-        <p:txBody>
-          <a:bodyPr>
+      </p:pic>
+      <p:sp>
+        <p:nvSpPr>
+          <p:cNvPr id="5" name="Text Box 4"/>
+          <p:cNvSpPr txBox="1"/>
+          <p:nvPr/>
+        </p:nvSpPr>
+        <p:spPr>
+          <a:xfrm>
+            <a:off x="679450" y="6212205"/>
+            <a:ext cx="10079990" cy="368300"/>
+          </a:xfrm>
+          <a:prstGeom prst="rect">
+            <a:avLst/>
+          </a:prstGeom>
+          <a:noFill/>
+        </p:spPr>
+        <p:txBody>
+          <a:bodyPr wrap="square" rtlCol="0" anchor="t">
             <a:spAutoFit/>
           </a:bodyPr>
           <a:p>
-            <a:pPr marL="0" indent="0" algn="l"/>
-            <a:r>
-              <a:rPr sz="1600" b="0" i="0">
-                <a:solidFill>
-                  <a:srgbClr val="191D17"/>
-                </a:solidFill>
-                <a:latin typeface="monospace"/>
-                <a:ea typeface="monospace"/>
-              </a:rPr>
-              <a:t>Exponentially Weighted Moving Average or Exponential Weighted Average </a:t>
-            </a:r>
-            <a:endParaRPr sz="1600" b="0" i="0">
-              <a:solidFill>
-                <a:srgbClr val="191D17"/>
-              </a:solidFill>
-              <a:latin typeface="monospace"/>
-              <a:ea typeface="monospace"/>
-            </a:endParaRPr>
+            <a:r>
+              <a:rPr lang="en-US" altLang="en-US"/>
+              <a:t>https://www.analyticsvidhya.com/blog/2022/08/dropout-regularization-in-deep-learning/</a:t>
+            </a:r>
+            <a:endParaRPr lang="en-US"/>
+          </a:p>
+        </p:txBody>
+      </p:sp>
+      <p:sp>
+        <p:nvSpPr>
+          <p:cNvPr id="6" name="Text Box 5"/>
+          <p:cNvSpPr txBox="1"/>
+          <p:nvPr/>
+        </p:nvSpPr>
+        <p:spPr>
+          <a:xfrm>
+            <a:off x="2487295" y="2358390"/>
+            <a:ext cx="6096000" cy="368300"/>
+          </a:xfrm>
+          <a:prstGeom prst="rect">
+            <a:avLst/>
+          </a:prstGeom>
+          <a:noFill/>
+        </p:spPr>
+        <p:txBody>
+          <a:bodyPr wrap="square" rtlCol="0" anchor="t">
+            <a:spAutoFit/>
+          </a:bodyPr>
+          <a:p>
+            <a:r>
+              <a:rPr lang="en-US" altLang="en-US"/>
+              <a:t>self.dropout = nn.Dropout(0.25) </a:t>
+            </a:r>
+            <a:endParaRPr lang="en-US"/>
           </a:p>
         </p:txBody>
       </p:sp>
@@ -4766,8 +5295,8 @@
         </p:nvSpPr>
         <p:spPr>
           <a:xfrm>
-            <a:off x="3048000" y="3075305"/>
-            <a:ext cx="6096000" cy="2630170"/>
+            <a:off x="985520" y="130175"/>
+            <a:ext cx="6096000" cy="706755"/>
           </a:xfrm>
           <a:prstGeom prst="rect">
             <a:avLst/>
@@ -4779,16 +5308,17 @@
             <a:spAutoFit/>
           </a:bodyPr>
           <a:p>
-            <a:pPr marL="0" indent="0" fontAlgn="base">
+            <a:pPr lvl="0" indent="0" fontAlgn="base">
               <a:spcBef>
                 <a:spcPct val="0"/>
               </a:spcBef>
               <a:spcAft>
                 <a:spcPts val="200"/>
               </a:spcAft>
-            </a:pPr>
-            <a:r>
-              <a:rPr lang="en-IN" sz="4000" b="1">
+              <a:buNone/>
+            </a:pPr>
+            <a:r>
+              <a:rPr lang="en-US" altLang="en-IN" sz="4000" b="1">
                 <a:solidFill>
                   <a:srgbClr val="FF0000"/>
                 </a:solidFill>
@@ -4803,7 +5333,7 @@
                 <a:ea typeface="Georgia" panose="02040502050405020303"/>
                 <a:sym typeface="+mn-ea"/>
               </a:rPr>
-              <a:t>Model Expainlibility</a:t>
+              <a:t>EarlyStop</a:t>
             </a:r>
             <a:endParaRPr lang="en-IN" sz="4000" b="1">
               <a:solidFill>
@@ -4821,115 +5351,153 @@
               <a:sym typeface="+mn-ea"/>
             </a:endParaRPr>
           </a:p>
-          <a:p>
-            <a:pPr marL="0" indent="0" fontAlgn="base">
+        </p:txBody>
+      </p:sp>
+      <p:sp>
+        <p:nvSpPr>
+          <p:cNvPr id="3" name="Text Box 2"/>
+          <p:cNvSpPr txBox="1"/>
+          <p:nvPr/>
+        </p:nvSpPr>
+        <p:spPr>
+          <a:xfrm>
+            <a:off x="1298575" y="836930"/>
+            <a:ext cx="9366885" cy="829945"/>
+          </a:xfrm>
+          <a:prstGeom prst="rect">
+            <a:avLst/>
+          </a:prstGeom>
+        </p:spPr>
+        <p:txBody>
+          <a:bodyPr wrap="square">
+            <a:spAutoFit/>
+          </a:bodyPr>
+          <a:p>
+            <a:pPr marL="0" indent="0" algn="l" fontAlgn="base">
               <a:spcBef>
                 <a:spcPct val="0"/>
               </a:spcBef>
               <a:spcAft>
-                <a:spcPts val="200"/>
+                <a:spcPts val="1000"/>
               </a:spcAft>
             </a:pPr>
-            <a:endParaRPr lang="en-IN" sz="4000" b="1">
-              <a:solidFill>
-                <a:srgbClr val="FF0000"/>
-              </a:solidFill>
-              <a:effectLst>
-                <a:outerShdw blurRad="38100" dist="38100" dir="2700000" algn="tl">
-                  <a:srgbClr val="000000">
-                    <a:alpha val="43137"/>
-                  </a:srgbClr>
-                </a:outerShdw>
-              </a:effectLst>
-              <a:latin typeface="Georgia" panose="02040502050405020303"/>
-              <a:ea typeface="Georgia" panose="02040502050405020303"/>
-              <a:sym typeface="+mn-ea"/>
+            <a:r>
+              <a:rPr sz="1600" b="0" i="0">
+                <a:latin typeface="Arial" panose="020B0604020202020204" pitchFamily="34" charset="0"/>
+                <a:ea typeface="system-ui"/>
+                <a:cs typeface="Arial" panose="020B0604020202020204" pitchFamily="34" charset="0"/>
+              </a:rPr>
+              <a:t>Early stopping is a kind of cross-validation strategy where we keep one part of the training set as the validation set. When we see that the performance on the validation set is getting worse, we immediately stop the training on the model. This is known as </a:t>
+            </a:r>
+            <a:r>
+              <a:rPr sz="1600" b="1" i="0">
+                <a:latin typeface="Arial" panose="020B0604020202020204" pitchFamily="34" charset="0"/>
+                <a:ea typeface="system-ui"/>
+                <a:cs typeface="Arial" panose="020B0604020202020204" pitchFamily="34" charset="0"/>
+              </a:rPr>
+              <a:t>early stopping.</a:t>
+            </a:r>
+            <a:endParaRPr sz="1600" b="1" i="0">
+              <a:latin typeface="Arial" panose="020B0604020202020204" pitchFamily="34" charset="0"/>
+              <a:ea typeface="system-ui"/>
+              <a:cs typeface="Arial" panose="020B0604020202020204" pitchFamily="34" charset="0"/>
             </a:endParaRPr>
           </a:p>
-          <a:p>
-            <a:pPr marL="0" indent="0" fontAlgn="base">
+        </p:txBody>
+      </p:sp>
+      <p:pic>
+        <p:nvPicPr>
+          <p:cNvPr id="4" name="Picture 3"/>
+          <p:cNvPicPr/>
+          <p:nvPr/>
+        </p:nvPicPr>
+        <p:blipFill>
+          <a:blip r:embed="rId1"/>
+          <a:stretch>
+            <a:fillRect/>
+          </a:stretch>
+        </p:blipFill>
+        <p:spPr>
+          <a:xfrm>
+            <a:off x="1367155" y="1673860"/>
+            <a:ext cx="7118985" cy="3510280"/>
+          </a:xfrm>
+          <a:prstGeom prst="rect">
+            <a:avLst/>
+          </a:prstGeom>
+        </p:spPr>
+      </p:pic>
+      <p:sp>
+        <p:nvSpPr>
+          <p:cNvPr id="5" name="Text Box 4"/>
+          <p:cNvSpPr txBox="1"/>
+          <p:nvPr/>
+        </p:nvSpPr>
+        <p:spPr>
+          <a:xfrm>
+            <a:off x="985520" y="5636895"/>
+            <a:ext cx="10485120" cy="1076325"/>
+          </a:xfrm>
+          <a:prstGeom prst="rect">
+            <a:avLst/>
+          </a:prstGeom>
+        </p:spPr>
+        <p:txBody>
+          <a:bodyPr wrap="square">
+            <a:spAutoFit/>
+          </a:bodyPr>
+          <a:p>
+            <a:r>
+              <a:rPr sz="1600" b="0" i="0">
+                <a:latin typeface="Arial" panose="020B0604020202020204" pitchFamily="34" charset="0"/>
+                <a:ea typeface="system-ui"/>
+                <a:cs typeface="Arial" panose="020B0604020202020204" pitchFamily="34" charset="0"/>
+              </a:rPr>
+              <a:t> In the above image, we will stop training at the dotted line since after that our model will start overfitting on the training data.</a:t>
+            </a:r>
+            <a:endParaRPr sz="1600" b="0" i="0">
+              <a:latin typeface="Arial" panose="020B0604020202020204" pitchFamily="34" charset="0"/>
+              <a:ea typeface="system-ui"/>
+              <a:cs typeface="Arial" panose="020B0604020202020204" pitchFamily="34" charset="0"/>
+            </a:endParaRPr>
+          </a:p>
+          <a:p>
+            <a:pPr marL="0" indent="0" algn="l" fontAlgn="base">
               <a:spcBef>
                 <a:spcPct val="0"/>
               </a:spcBef>
               <a:spcAft>
-                <a:spcPts val="200"/>
+                <a:spcPts val="500"/>
               </a:spcAft>
             </a:pPr>
             <a:r>
-              <a:rPr lang="en-IN" sz="4000" b="1">
-                <a:solidFill>
-                  <a:srgbClr val="FF0000"/>
-                </a:solidFill>
-                <a:effectLst>
-                  <a:outerShdw blurRad="38100" dist="38100" dir="2700000" algn="tl">
-                    <a:srgbClr val="000000">
-                      <a:alpha val="43137"/>
-                    </a:srgbClr>
-                  </a:outerShdw>
-                </a:effectLst>
-                <a:latin typeface="Georgia" panose="02040502050405020303"/>
-                <a:ea typeface="Georgia" panose="02040502050405020303"/>
-                <a:sym typeface="+mn-ea"/>
-              </a:rPr>
-              <a:t>LIME</a:t>
-            </a:r>
-            <a:endParaRPr lang="en-IN" sz="4000" b="1">
-              <a:solidFill>
-                <a:srgbClr val="FF0000"/>
-              </a:solidFill>
-              <a:effectLst>
-                <a:outerShdw blurRad="38100" dist="38100" dir="2700000" algn="tl">
-                  <a:srgbClr val="000000">
-                    <a:alpha val="43137"/>
-                  </a:srgbClr>
-                </a:outerShdw>
-              </a:effectLst>
-              <a:latin typeface="Georgia" panose="02040502050405020303"/>
-              <a:ea typeface="Georgia" panose="02040502050405020303"/>
-              <a:sym typeface="+mn-ea"/>
-            </a:endParaRPr>
-          </a:p>
-          <a:p>
-            <a:pPr marL="0" indent="0" fontAlgn="base">
-              <a:spcBef>
-                <a:spcPct val="0"/>
-              </a:spcBef>
-              <a:spcAft>
-                <a:spcPts val="200"/>
-              </a:spcAft>
-            </a:pPr>
-            <a:r>
-              <a:rPr lang="en-IN" sz="4000" b="1">
-                <a:solidFill>
-                  <a:srgbClr val="FF0000"/>
-                </a:solidFill>
-                <a:effectLst>
-                  <a:outerShdw blurRad="38100" dist="38100" dir="2700000" algn="tl">
-                    <a:srgbClr val="000000">
-                      <a:alpha val="43137"/>
-                    </a:srgbClr>
-                  </a:outerShdw>
-                </a:effectLst>
-                <a:latin typeface="Georgia" panose="02040502050405020303"/>
-                <a:ea typeface="Georgia" panose="02040502050405020303"/>
-                <a:sym typeface="+mn-ea"/>
-              </a:rPr>
-              <a:t>SHAPY</a:t>
-            </a:r>
-            <a:endParaRPr lang="en-IN" sz="4000" b="1">
-              <a:solidFill>
-                <a:srgbClr val="FF0000"/>
-              </a:solidFill>
-              <a:effectLst>
-                <a:outerShdw blurRad="38100" dist="38100" dir="2700000" algn="tl">
-                  <a:srgbClr val="000000">
-                    <a:alpha val="43137"/>
-                  </a:srgbClr>
-                </a:outerShdw>
-              </a:effectLst>
-              <a:latin typeface="Georgia" panose="02040502050405020303"/>
-              <a:ea typeface="Georgia" panose="02040502050405020303"/>
-              <a:sym typeface="+mn-ea"/>
+              <a:rPr sz="1600" b="0" i="0">
+                <a:latin typeface="Arial" panose="020B0604020202020204" pitchFamily="34" charset="0"/>
+                <a:ea typeface="system-ui"/>
+                <a:cs typeface="Arial" panose="020B0604020202020204" pitchFamily="34" charset="0"/>
+              </a:rPr>
+              <a:t>In keras, we can apply early stopping using the </a:t>
+            </a:r>
+            <a:r>
+              <a:rPr sz="1600" b="1" i="0">
+                <a:latin typeface="Arial" panose="020B0604020202020204" pitchFamily="34" charset="0"/>
+                <a:ea typeface="system-ui"/>
+                <a:cs typeface="Arial" panose="020B0604020202020204" pitchFamily="34" charset="0"/>
+              </a:rPr>
+              <a:t>callbacks</a:t>
+            </a:r>
+            <a:r>
+              <a:rPr sz="1600" b="0" i="0">
+                <a:latin typeface="Arial" panose="020B0604020202020204" pitchFamily="34" charset="0"/>
+                <a:ea typeface="system-ui"/>
+                <a:cs typeface="Arial" panose="020B0604020202020204" pitchFamily="34" charset="0"/>
+              </a:rPr>
+              <a:t> function. Below is the implementation code for it.I have applied early stopping so that it will stop immendiately if validation error will not decreased after 3 epochs.</a:t>
+            </a:r>
+            <a:endParaRPr sz="1600" b="0" i="0">
+              <a:latin typeface="Arial" panose="020B0604020202020204" pitchFamily="34" charset="0"/>
+              <a:ea typeface="system-ui"/>
+              <a:cs typeface="Arial" panose="020B0604020202020204" pitchFamily="34" charset="0"/>
             </a:endParaRPr>
           </a:p>
         </p:txBody>
@@ -4960,8 +5528,349 @@
         </p:nvSpPr>
         <p:spPr>
           <a:xfrm>
-            <a:off x="3048000" y="3075305"/>
-            <a:ext cx="6096000" cy="1963420"/>
+            <a:off x="1579245" y="922655"/>
+            <a:ext cx="8792845" cy="1938020"/>
+          </a:xfrm>
+          <a:prstGeom prst="rect">
+            <a:avLst/>
+          </a:prstGeom>
+        </p:spPr>
+        <p:txBody>
+          <a:bodyPr wrap="square">
+            <a:spAutoFit/>
+          </a:bodyPr>
+          <a:p>
+            <a:pPr marL="0" indent="0" fontAlgn="base" latinLnBrk="1">
+              <a:spcBef>
+                <a:spcPct val="0"/>
+              </a:spcBef>
+              <a:spcAft>
+                <a:spcPct val="0"/>
+              </a:spcAft>
+            </a:pPr>
+            <a:r>
+              <a:rPr sz="2000" b="0" i="0">
+                <a:solidFill>
+                  <a:srgbClr val="007B00"/>
+                </a:solidFill>
+                <a:latin typeface="Roboto Mono"/>
+                <a:ea typeface="Roboto Mono"/>
+              </a:rPr>
+              <a:t>from</a:t>
+            </a:r>
+            <a:r>
+              <a:rPr sz="2000" b="0" i="0">
+                <a:solidFill>
+                  <a:srgbClr val="3C4043"/>
+                </a:solidFill>
+                <a:latin typeface="Roboto Mono"/>
+                <a:ea typeface="Roboto Mono"/>
+              </a:rPr>
+              <a:t>keras.callbacks</a:t>
+            </a:r>
+            <a:r>
+              <a:rPr sz="2000" b="0" i="0">
+                <a:solidFill>
+                  <a:srgbClr val="007B00"/>
+                </a:solidFill>
+                <a:latin typeface="Roboto Mono"/>
+                <a:ea typeface="Roboto Mono"/>
+              </a:rPr>
+              <a:t>import</a:t>
+            </a:r>
+            <a:r>
+              <a:rPr sz="2000" b="0" i="0">
+                <a:solidFill>
+                  <a:srgbClr val="3C4043"/>
+                </a:solidFill>
+                <a:latin typeface="Roboto Mono"/>
+                <a:ea typeface="Roboto Mono"/>
+              </a:rPr>
+              <a:t>EarlyStopping</a:t>
+            </a:r>
+            <a:endParaRPr sz="2000" b="0" i="0">
+              <a:solidFill>
+                <a:srgbClr val="3C4043"/>
+              </a:solidFill>
+              <a:latin typeface="Roboto Mono"/>
+              <a:ea typeface="Roboto Mono"/>
+            </a:endParaRPr>
+          </a:p>
+          <a:p>
+            <a:pPr marL="0" indent="0" fontAlgn="base" latinLnBrk="1">
+              <a:spcBef>
+                <a:spcPct val="0"/>
+              </a:spcBef>
+              <a:spcAft>
+                <a:spcPct val="0"/>
+              </a:spcAft>
+            </a:pPr>
+            <a:endParaRPr sz="2000" b="0" i="0">
+              <a:solidFill>
+                <a:srgbClr val="3C4043"/>
+              </a:solidFill>
+              <a:latin typeface="Roboto Mono"/>
+              <a:ea typeface="Roboto Mono"/>
+            </a:endParaRPr>
+          </a:p>
+          <a:p>
+            <a:pPr marL="0" indent="0" fontAlgn="base" latinLnBrk="1">
+              <a:spcBef>
+                <a:spcPct val="0"/>
+              </a:spcBef>
+              <a:spcAft>
+                <a:spcPct val="0"/>
+              </a:spcAft>
+            </a:pPr>
+            <a:r>
+              <a:rPr sz="2000" b="0" i="0">
+                <a:solidFill>
+                  <a:srgbClr val="3C4043"/>
+                </a:solidFill>
+                <a:latin typeface="Roboto Mono"/>
+                <a:ea typeface="Roboto Mono"/>
+              </a:rPr>
+              <a:t>earlystop</a:t>
+            </a:r>
+            <a:r>
+              <a:rPr sz="2000" b="0" i="0">
+                <a:solidFill>
+                  <a:srgbClr val="008ABC"/>
+                </a:solidFill>
+                <a:latin typeface="Roboto Mono"/>
+                <a:ea typeface="Roboto Mono"/>
+              </a:rPr>
+              <a:t>=</a:t>
+            </a:r>
+            <a:r>
+              <a:rPr sz="2000" b="0" i="0">
+                <a:solidFill>
+                  <a:srgbClr val="3C4043"/>
+                </a:solidFill>
+                <a:latin typeface="Roboto Mono"/>
+                <a:ea typeface="Roboto Mono"/>
+              </a:rPr>
+              <a:t>EarlyStopping(monitor</a:t>
+            </a:r>
+            <a:r>
+              <a:rPr sz="2000" b="0" i="0">
+                <a:solidFill>
+                  <a:srgbClr val="008ABC"/>
+                </a:solidFill>
+                <a:latin typeface="Roboto Mono"/>
+                <a:ea typeface="Roboto Mono"/>
+              </a:rPr>
+              <a:t>=</a:t>
+            </a:r>
+            <a:r>
+              <a:rPr sz="2000" b="0" i="0">
+                <a:solidFill>
+                  <a:srgbClr val="BB2323"/>
+                </a:solidFill>
+                <a:latin typeface="Roboto Mono"/>
+                <a:ea typeface="Roboto Mono"/>
+              </a:rPr>
+              <a:t>'val_acc'</a:t>
+            </a:r>
+            <a:r>
+              <a:rPr sz="2000" b="0" i="0">
+                <a:solidFill>
+                  <a:srgbClr val="3C4043"/>
+                </a:solidFill>
+                <a:latin typeface="Roboto Mono"/>
+                <a:ea typeface="Roboto Mono"/>
+              </a:rPr>
+              <a:t>,patience</a:t>
+            </a:r>
+            <a:r>
+              <a:rPr sz="2000" b="0" i="0">
+                <a:solidFill>
+                  <a:srgbClr val="008ABC"/>
+                </a:solidFill>
+                <a:latin typeface="Roboto Mono"/>
+                <a:ea typeface="Roboto Mono"/>
+              </a:rPr>
+              <a:t>=</a:t>
+            </a:r>
+            <a:r>
+              <a:rPr sz="2000" b="0" i="0">
+                <a:solidFill>
+                  <a:srgbClr val="666666"/>
+                </a:solidFill>
+                <a:latin typeface="Roboto Mono"/>
+                <a:ea typeface="Roboto Mono"/>
+              </a:rPr>
+              <a:t>3</a:t>
+            </a:r>
+            <a:r>
+              <a:rPr sz="2000" b="0" i="0">
+                <a:solidFill>
+                  <a:srgbClr val="3C4043"/>
+                </a:solidFill>
+                <a:latin typeface="Roboto Mono"/>
+                <a:ea typeface="Roboto Mono"/>
+              </a:rPr>
+              <a:t>)</a:t>
+            </a:r>
+            <a:endParaRPr sz="2000" b="0" i="0">
+              <a:solidFill>
+                <a:srgbClr val="3C4043"/>
+              </a:solidFill>
+              <a:latin typeface="Roboto Mono"/>
+              <a:ea typeface="Roboto Mono"/>
+            </a:endParaRPr>
+          </a:p>
+          <a:p>
+            <a:pPr marL="0" indent="0" fontAlgn="base" latinLnBrk="1">
+              <a:spcBef>
+                <a:spcPct val="0"/>
+              </a:spcBef>
+              <a:spcAft>
+                <a:spcPct val="0"/>
+              </a:spcAft>
+            </a:pPr>
+            <a:endParaRPr sz="2000" b="0" i="0">
+              <a:solidFill>
+                <a:srgbClr val="3C4043"/>
+              </a:solidFill>
+              <a:latin typeface="Roboto Mono"/>
+              <a:ea typeface="Roboto Mono"/>
+            </a:endParaRPr>
+          </a:p>
+          <a:p>
+            <a:pPr marL="0" indent="0" fontAlgn="base" latinLnBrk="1">
+              <a:spcBef>
+                <a:spcPct val="0"/>
+              </a:spcBef>
+              <a:spcAft>
+                <a:spcPct val="0"/>
+              </a:spcAft>
+            </a:pPr>
+            <a:r>
+              <a:rPr sz="2000" b="0" i="0">
+                <a:solidFill>
+                  <a:srgbClr val="3C4043"/>
+                </a:solidFill>
+                <a:latin typeface="Roboto Mono"/>
+                <a:ea typeface="Roboto Mono"/>
+              </a:rPr>
+              <a:t>epochs</a:t>
+            </a:r>
+            <a:r>
+              <a:rPr sz="2000" b="0" i="0">
+                <a:solidFill>
+                  <a:srgbClr val="008ABC"/>
+                </a:solidFill>
+                <a:latin typeface="Roboto Mono"/>
+                <a:ea typeface="Roboto Mono"/>
+              </a:rPr>
+              <a:t>=</a:t>
+            </a:r>
+            <a:r>
+              <a:rPr sz="2000" b="0" i="0">
+                <a:solidFill>
+                  <a:srgbClr val="666666"/>
+                </a:solidFill>
+                <a:latin typeface="Roboto Mono"/>
+                <a:ea typeface="Roboto Mono"/>
+              </a:rPr>
+              <a:t>20</a:t>
+            </a:r>
+            <a:r>
+              <a:rPr sz="2000" b="0" i="1">
+                <a:solidFill>
+                  <a:srgbClr val="3C4043"/>
+                </a:solidFill>
+                <a:latin typeface="Roboto Mono"/>
+                <a:ea typeface="Roboto Mono"/>
+              </a:rPr>
+              <a:t># </a:t>
+            </a:r>
+            <a:endParaRPr sz="2000" b="0" i="1">
+              <a:solidFill>
+                <a:srgbClr val="3C4043"/>
+              </a:solidFill>
+              <a:latin typeface="Roboto Mono"/>
+              <a:ea typeface="Roboto Mono"/>
+            </a:endParaRPr>
+          </a:p>
+          <a:p>
+            <a:pPr marL="0" indent="0" fontAlgn="base" latinLnBrk="1">
+              <a:spcBef>
+                <a:spcPct val="0"/>
+              </a:spcBef>
+              <a:spcAft>
+                <a:spcPct val="0"/>
+              </a:spcAft>
+            </a:pPr>
+            <a:r>
+              <a:rPr sz="2000" b="0" i="0">
+                <a:solidFill>
+                  <a:srgbClr val="3C4043"/>
+                </a:solidFill>
+                <a:latin typeface="Roboto Mono"/>
+                <a:ea typeface="Roboto Mono"/>
+              </a:rPr>
+              <a:t>batch_size</a:t>
+            </a:r>
+            <a:r>
+              <a:rPr sz="2000" b="0" i="0">
+                <a:solidFill>
+                  <a:srgbClr val="008ABC"/>
+                </a:solidFill>
+                <a:latin typeface="Roboto Mono"/>
+                <a:ea typeface="Roboto Mono"/>
+              </a:rPr>
+              <a:t>=</a:t>
+            </a:r>
+            <a:r>
+              <a:rPr sz="2000" b="0" i="0">
+                <a:solidFill>
+                  <a:srgbClr val="666666"/>
+                </a:solidFill>
+                <a:latin typeface="Roboto Mono"/>
+                <a:ea typeface="Roboto Mono"/>
+              </a:rPr>
+              <a:t>256</a:t>
+            </a:r>
+            <a:endParaRPr sz="2000" b="0" i="0">
+              <a:solidFill>
+                <a:srgbClr val="666666"/>
+              </a:solidFill>
+              <a:latin typeface="Roboto Mono"/>
+              <a:ea typeface="Roboto Mono"/>
+            </a:endParaRPr>
+          </a:p>
+        </p:txBody>
+      </p:sp>
+    </p:spTree>
+  </p:cSld>
+  <p:clrMapOvr>
+    <a:masterClrMapping/>
+  </p:clrMapOvr>
+</p:sld>
+</file>
+
+<file path=ppt/slides/slide19.xml><?xml version="1.0" encoding="utf-8"?>
+<p:sld xmlns:a="http://schemas.openxmlformats.org/drawingml/2006/main" xmlns:r="http://schemas.openxmlformats.org/officeDocument/2006/relationships" xmlns:p="http://schemas.openxmlformats.org/presentationml/2006/main">
+  <p:cSld>
+    <p:spTree>
+      <p:nvGrpSpPr>
+        <p:cNvPr id="1" name=""/>
+        <p:cNvGrpSpPr/>
+        <p:nvPr/>
+      </p:nvGrpSpPr>
+      <p:grpSpPr/>
+      <p:sp>
+        <p:nvSpPr>
+          <p:cNvPr id="2" name="Text Box 1"/>
+          <p:cNvSpPr txBox="1"/>
+          <p:nvPr/>
+        </p:nvSpPr>
+        <p:spPr>
+          <a:xfrm>
+            <a:off x="762635" y="445770"/>
+            <a:ext cx="6096000" cy="1348105"/>
           </a:xfrm>
           <a:prstGeom prst="rect">
             <a:avLst/>
@@ -4997,7 +5906,7 @@
                 <a:ea typeface="Georgia" panose="02040502050405020303"/>
                 <a:sym typeface="+mn-ea"/>
               </a:rPr>
-              <a:t>HyperParameter tuning</a:t>
+              <a:t>Call backs</a:t>
             </a:r>
             <a:endParaRPr lang="en-IN" sz="4000" b="1">
               <a:solidFill>
@@ -5050,8 +5959,8 @@
         </p:nvSpPr>
         <p:spPr>
           <a:xfrm>
-            <a:off x="4250055" y="5633720"/>
-            <a:ext cx="4064000" cy="368300"/>
+            <a:off x="1939290" y="1365885"/>
+            <a:ext cx="6096000" cy="978535"/>
           </a:xfrm>
           <a:prstGeom prst="rect">
             <a:avLst/>
@@ -5059,15 +5968,70 @@
           <a:noFill/>
         </p:spPr>
         <p:txBody>
-          <a:bodyPr wrap="square" rtlCol="0">
+          <a:bodyPr wrap="square" rtlCol="0" anchor="t">
             <a:spAutoFit/>
           </a:bodyPr>
           <a:p>
-            <a:r>
-              <a:rPr lang="en-IN" altLang="en-US"/>
-              <a:t>keras tunier</a:t>
-            </a:r>
-            <a:endParaRPr lang="en-IN" altLang="en-US"/>
+            <a:pPr marL="0" indent="0" fontAlgn="base">
+              <a:spcBef>
+                <a:spcPct val="0"/>
+              </a:spcBef>
+              <a:spcAft>
+                <a:spcPts val="200"/>
+              </a:spcAft>
+            </a:pPr>
+            <a:r>
+              <a:rPr lang="en-IN" sz="2800">
+                <a:solidFill>
+                  <a:schemeClr val="tx1"/>
+                </a:solidFill>
+                <a:effectLst/>
+                <a:latin typeface="Georgia" panose="02040502050405020303"/>
+                <a:ea typeface="Georgia" panose="02040502050405020303"/>
+                <a:sym typeface="+mn-ea"/>
+              </a:rPr>
+              <a:t>Model Checkpoint</a:t>
+            </a:r>
+            <a:endParaRPr lang="en-IN" sz="2800">
+              <a:solidFill>
+                <a:schemeClr val="tx1"/>
+              </a:solidFill>
+              <a:effectLst/>
+              <a:latin typeface="Georgia" panose="02040502050405020303"/>
+              <a:ea typeface="Georgia" panose="02040502050405020303"/>
+              <a:sym typeface="+mn-ea"/>
+            </a:endParaRPr>
+          </a:p>
+          <a:p>
+            <a:pPr marL="0" indent="0" fontAlgn="base">
+              <a:spcBef>
+                <a:spcPct val="0"/>
+              </a:spcBef>
+              <a:spcAft>
+                <a:spcPts val="200"/>
+              </a:spcAft>
+            </a:pPr>
+            <a:r>
+              <a:rPr lang="en-IN" sz="2800">
+                <a:solidFill>
+                  <a:schemeClr val="tx1"/>
+                </a:solidFill>
+                <a:effectLst/>
+                <a:latin typeface="Georgia" panose="02040502050405020303"/>
+                <a:ea typeface="Georgia" panose="02040502050405020303"/>
+                <a:sym typeface="+mn-ea"/>
+              </a:rPr>
+              <a:t>Early stoping</a:t>
+            </a:r>
+            <a:endParaRPr lang="en-IN" sz="2800">
+              <a:solidFill>
+                <a:schemeClr val="tx1"/>
+              </a:solidFill>
+              <a:effectLst/>
+              <a:latin typeface="Georgia" panose="02040502050405020303"/>
+              <a:ea typeface="Georgia" panose="02040502050405020303"/>
+              <a:sym typeface="+mn-ea"/>
+            </a:endParaRPr>
           </a:p>
         </p:txBody>
       </p:sp>
@@ -5080,46 +6044,6 @@
 </file>
 
 <file path=ppt/slides/slide2.xml><?xml version="1.0" encoding="utf-8"?>
-<p:sld xmlns:a="http://schemas.openxmlformats.org/drawingml/2006/main" xmlns:r="http://schemas.openxmlformats.org/officeDocument/2006/relationships" xmlns:p="http://schemas.openxmlformats.org/presentationml/2006/main">
-  <p:cSld>
-    <p:spTree>
-      <p:nvGrpSpPr>
-        <p:cNvPr id="1" name=""/>
-        <p:cNvGrpSpPr/>
-        <p:nvPr/>
-      </p:nvGrpSpPr>
-      <p:grpSpPr/>
-      <p:pic>
-        <p:nvPicPr>
-          <p:cNvPr id="4" name="Picture 3"/>
-          <p:cNvPicPr/>
-          <p:nvPr/>
-        </p:nvPicPr>
-        <p:blipFill>
-          <a:blip r:embed="rId1"/>
-          <a:stretch>
-            <a:fillRect/>
-          </a:stretch>
-        </p:blipFill>
-        <p:spPr>
-          <a:xfrm>
-            <a:off x="772160" y="568960"/>
-            <a:ext cx="10530205" cy="5314315"/>
-          </a:xfrm>
-          <a:prstGeom prst="rect">
-            <a:avLst/>
-          </a:prstGeom>
-        </p:spPr>
-      </p:pic>
-    </p:spTree>
-  </p:cSld>
-  <p:clrMapOvr>
-    <a:masterClrMapping/>
-  </p:clrMapOvr>
-</p:sld>
-</file>
-
-<file path=ppt/slides/slide3.xml><?xml version="1.0" encoding="utf-8"?>
 <p:sld xmlns:a="http://schemas.openxmlformats.org/drawingml/2006/main" xmlns:r="http://schemas.openxmlformats.org/officeDocument/2006/relationships" xmlns:p="http://schemas.openxmlformats.org/presentationml/2006/main">
   <p:cSld>
     <p:spTree>
@@ -5402,7 +6326,7 @@
 </p:sld>
 </file>
 
-<file path=ppt/slides/slide4.xml><?xml version="1.0" encoding="utf-8"?>
+<file path=ppt/slides/slide20.xml><?xml version="1.0" encoding="utf-8"?>
 <p:sld xmlns:a="http://schemas.openxmlformats.org/drawingml/2006/main" xmlns:r="http://schemas.openxmlformats.org/officeDocument/2006/relationships" xmlns:p="http://schemas.openxmlformats.org/presentationml/2006/main">
   <p:cSld>
     <p:spTree>
@@ -5420,7 +6344,7 @@
         </p:nvSpPr>
         <p:spPr>
           <a:xfrm>
-            <a:off x="3048000" y="1793240"/>
+            <a:off x="3048000" y="2754630"/>
             <a:ext cx="6096000" cy="1348105"/>
           </a:xfrm>
           <a:prstGeom prst="rect">
@@ -5457,7 +6381,7 @@
                 <a:ea typeface="Georgia" panose="02040502050405020303"/>
                 <a:sym typeface="+mn-ea"/>
               </a:rPr>
-              <a:t>Regularizations</a:t>
+              <a:t>Batch  Normalizations</a:t>
             </a:r>
             <a:endParaRPr lang="en-IN" sz="4000" b="1">
               <a:solidFill>
@@ -5502,16 +6426,34 @@
           </a:p>
         </p:txBody>
       </p:sp>
-      <p:sp>
-        <p:nvSpPr>
-          <p:cNvPr id="3" name="Text Box 2"/>
+    </p:spTree>
+  </p:cSld>
+  <p:clrMapOvr>
+    <a:masterClrMapping/>
+  </p:clrMapOvr>
+</p:sld>
+</file>
+
+<file path=ppt/slides/slide21.xml><?xml version="1.0" encoding="utf-8"?>
+<p:sld xmlns:a="http://schemas.openxmlformats.org/drawingml/2006/main" xmlns:r="http://schemas.openxmlformats.org/officeDocument/2006/relationships" xmlns:p="http://schemas.openxmlformats.org/presentationml/2006/main">
+  <p:cSld>
+    <p:spTree>
+      <p:nvGrpSpPr>
+        <p:cNvPr id="1" name=""/>
+        <p:cNvGrpSpPr/>
+        <p:nvPr/>
+      </p:nvGrpSpPr>
+      <p:grpSpPr/>
+      <p:sp>
+        <p:nvSpPr>
+          <p:cNvPr id="2" name="Text Box 1"/>
           <p:cNvSpPr txBox="1"/>
           <p:nvPr/>
         </p:nvSpPr>
         <p:spPr>
           <a:xfrm>
-            <a:off x="3048000" y="3106420"/>
-            <a:ext cx="7535545" cy="368300"/>
+            <a:off x="3048000" y="3075305"/>
+            <a:ext cx="6096000" cy="706755"/>
           </a:xfrm>
           <a:prstGeom prst="rect">
             <a:avLst/>
@@ -5523,9 +6465,1574 @@
             <a:spAutoFit/>
           </a:bodyPr>
           <a:p>
+            <a:pPr marL="0" indent="0" fontAlgn="base">
+              <a:spcBef>
+                <a:spcPct val="0"/>
+              </a:spcBef>
+              <a:spcAft>
+                <a:spcPts val="200"/>
+              </a:spcAft>
+            </a:pPr>
+            <a:r>
+              <a:rPr lang="en-IN" sz="4000" b="1">
+                <a:solidFill>
+                  <a:srgbClr val="FF0000"/>
+                </a:solidFill>
+                <a:effectLst>
+                  <a:outerShdw blurRad="38100" dist="38100" dir="2700000" algn="tl">
+                    <a:srgbClr val="000000">
+                      <a:alpha val="43137"/>
+                    </a:srgbClr>
+                  </a:outerShdw>
+                </a:effectLst>
+                <a:latin typeface="Georgia" panose="02040502050405020303"/>
+                <a:ea typeface="Georgia" panose="02040502050405020303"/>
+                <a:sym typeface="+mn-ea"/>
+              </a:rPr>
+              <a:t>Weight Initializations</a:t>
+            </a:r>
+            <a:endParaRPr lang="en-IN" sz="4000" b="1">
+              <a:solidFill>
+                <a:srgbClr val="FF0000"/>
+              </a:solidFill>
+              <a:effectLst>
+                <a:outerShdw blurRad="38100" dist="38100" dir="2700000" algn="tl">
+                  <a:srgbClr val="000000">
+                    <a:alpha val="43137"/>
+                  </a:srgbClr>
+                </a:outerShdw>
+              </a:effectLst>
+              <a:latin typeface="Georgia" panose="02040502050405020303"/>
+              <a:ea typeface="Georgia" panose="02040502050405020303"/>
+              <a:sym typeface="+mn-ea"/>
+            </a:endParaRPr>
+          </a:p>
+        </p:txBody>
+      </p:sp>
+      <p:sp>
+        <p:nvSpPr>
+          <p:cNvPr id="3" name="Text Box 2"/>
+          <p:cNvSpPr txBox="1"/>
+          <p:nvPr/>
+        </p:nvSpPr>
+        <p:spPr>
+          <a:xfrm>
+            <a:off x="3451860" y="4465002"/>
+            <a:ext cx="5080000" cy="583565"/>
+          </a:xfrm>
+          <a:prstGeom prst="rect">
+            <a:avLst/>
+          </a:prstGeom>
+        </p:spPr>
+        <p:txBody>
+          <a:bodyPr>
+            <a:spAutoFit/>
+          </a:bodyPr>
+          <a:p>
+            <a:pPr marL="0" indent="0" algn="l"/>
+            <a:r>
+              <a:rPr sz="1600" b="0" i="0">
+                <a:solidFill>
+                  <a:srgbClr val="191D17"/>
+                </a:solidFill>
+                <a:latin typeface="monospace"/>
+                <a:ea typeface="monospace"/>
+              </a:rPr>
+              <a:t>Xavier/Glorat And He Weight Initialization in Deep Learning</a:t>
+            </a:r>
+            <a:endParaRPr sz="1600" b="0" i="0">
+              <a:solidFill>
+                <a:srgbClr val="191D17"/>
+              </a:solidFill>
+              <a:latin typeface="monospace"/>
+              <a:ea typeface="monospace"/>
+            </a:endParaRPr>
+          </a:p>
+        </p:txBody>
+      </p:sp>
+      <p:sp>
+        <p:nvSpPr>
+          <p:cNvPr id="4" name="Text Box 3"/>
+          <p:cNvSpPr txBox="1"/>
+          <p:nvPr/>
+        </p:nvSpPr>
+        <p:spPr>
+          <a:xfrm>
+            <a:off x="3556000" y="5238432"/>
+            <a:ext cx="5080000" cy="583565"/>
+          </a:xfrm>
+          <a:prstGeom prst="rect">
+            <a:avLst/>
+          </a:prstGeom>
+        </p:spPr>
+        <p:txBody>
+          <a:bodyPr>
+            <a:spAutoFit/>
+          </a:bodyPr>
+          <a:p>
+            <a:pPr marL="0" indent="0" algn="l"/>
+            <a:r>
+              <a:rPr sz="1600" b="0" i="0">
+                <a:solidFill>
+                  <a:srgbClr val="191D17"/>
+                </a:solidFill>
+                <a:latin typeface="monospace"/>
+                <a:ea typeface="monospace"/>
+              </a:rPr>
+              <a:t>Exponentially Weighted Moving Average or Exponential Weighted Average </a:t>
+            </a:r>
+            <a:endParaRPr sz="1600" b="0" i="0">
+              <a:solidFill>
+                <a:srgbClr val="191D17"/>
+              </a:solidFill>
+              <a:latin typeface="monospace"/>
+              <a:ea typeface="monospace"/>
+            </a:endParaRPr>
+          </a:p>
+        </p:txBody>
+      </p:sp>
+    </p:spTree>
+  </p:cSld>
+  <p:clrMapOvr>
+    <a:masterClrMapping/>
+  </p:clrMapOvr>
+</p:sld>
+</file>
+
+<file path=ppt/slides/slide22.xml><?xml version="1.0" encoding="utf-8"?>
+<p:sld xmlns:a="http://schemas.openxmlformats.org/drawingml/2006/main" xmlns:r="http://schemas.openxmlformats.org/officeDocument/2006/relationships" xmlns:p="http://schemas.openxmlformats.org/presentationml/2006/main">
+  <p:cSld>
+    <p:spTree>
+      <p:nvGrpSpPr>
+        <p:cNvPr id="1" name=""/>
+        <p:cNvGrpSpPr/>
+        <p:nvPr/>
+      </p:nvGrpSpPr>
+      <p:grpSpPr/>
+      <p:sp>
+        <p:nvSpPr>
+          <p:cNvPr id="2" name="Text Box 1"/>
+          <p:cNvSpPr txBox="1"/>
+          <p:nvPr/>
+        </p:nvSpPr>
+        <p:spPr>
+          <a:xfrm>
+            <a:off x="749935" y="465455"/>
+            <a:ext cx="10107295" cy="3846195"/>
+          </a:xfrm>
+          <a:prstGeom prst="rect">
+            <a:avLst/>
+          </a:prstGeom>
+        </p:spPr>
+        <p:txBody>
+          <a:bodyPr wrap="square">
+            <a:spAutoFit/>
+          </a:bodyPr>
+          <a:p>
+            <a:pPr marL="0" indent="0" fontAlgn="base">
+              <a:spcBef>
+                <a:spcPct val="0"/>
+              </a:spcBef>
+              <a:spcAft>
+                <a:spcPts val="400"/>
+              </a:spcAft>
+            </a:pPr>
+            <a:r>
+              <a:rPr sz="3200" b="1" i="0">
+                <a:solidFill>
+                  <a:srgbClr val="C00000"/>
+                </a:solidFill>
+                <a:effectLst>
+                  <a:outerShdw blurRad="38100" dist="38100" dir="2700000" algn="tl">
+                    <a:srgbClr val="000000">
+                      <a:alpha val="43137"/>
+                    </a:srgbClr>
+                  </a:outerShdw>
+                </a:effectLst>
+                <a:latin typeface="Arial" panose="020B0604020202020204" pitchFamily="34" charset="0"/>
+                <a:ea typeface="Inter"/>
+                <a:cs typeface="Arial" panose="020B0604020202020204" pitchFamily="34" charset="0"/>
+              </a:rPr>
+              <a:t>Data Augmentation</a:t>
+            </a:r>
+            <a:endParaRPr sz="3200" b="1" i="0">
+              <a:solidFill>
+                <a:srgbClr val="C00000"/>
+              </a:solidFill>
+              <a:effectLst>
+                <a:outerShdw blurRad="38100" dist="38100" dir="2700000" algn="tl">
+                  <a:srgbClr val="000000">
+                    <a:alpha val="43137"/>
+                  </a:srgbClr>
+                </a:outerShdw>
+              </a:effectLst>
+              <a:latin typeface="Arial" panose="020B0604020202020204" pitchFamily="34" charset="0"/>
+              <a:ea typeface="Inter"/>
+              <a:cs typeface="Arial" panose="020B0604020202020204" pitchFamily="34" charset="0"/>
+            </a:endParaRPr>
+          </a:p>
+          <a:p>
+            <a:pPr marL="0" indent="0" fontAlgn="base">
+              <a:spcBef>
+                <a:spcPct val="0"/>
+              </a:spcBef>
+              <a:spcAft>
+                <a:spcPts val="400"/>
+              </a:spcAft>
+            </a:pPr>
+            <a:endParaRPr sz="3200" b="1" i="0" u="sng">
+              <a:solidFill>
+                <a:srgbClr val="008ABC"/>
+              </a:solidFill>
+              <a:effectLst>
+                <a:outerShdw blurRad="38100" dist="38100" dir="2700000" algn="tl">
+                  <a:srgbClr val="000000">
+                    <a:alpha val="43137"/>
+                  </a:srgbClr>
+                </a:outerShdw>
+              </a:effectLst>
+              <a:latin typeface="Arial" panose="020B0604020202020204" pitchFamily="34" charset="0"/>
+              <a:ea typeface="Inter"/>
+              <a:cs typeface="Arial" panose="020B0604020202020204" pitchFamily="34" charset="0"/>
+              <a:hlinkClick r:id="rId1"/>
+            </a:endParaRPr>
+          </a:p>
+          <a:p>
+            <a:pPr marL="0" indent="0" algn="l" fontAlgn="base">
+              <a:spcBef>
+                <a:spcPct val="0"/>
+              </a:spcBef>
+              <a:spcAft>
+                <a:spcPts val="800"/>
+              </a:spcAft>
+            </a:pPr>
+            <a:r>
+              <a:rPr sz="2000" b="0" i="0">
+                <a:solidFill>
+                  <a:srgbClr val="3C4043"/>
+                </a:solidFill>
+                <a:latin typeface="Arial" panose="020B0604020202020204" pitchFamily="34" charset="0"/>
+                <a:ea typeface="Inter"/>
+                <a:cs typeface="Arial" panose="020B0604020202020204" pitchFamily="34" charset="0"/>
+              </a:rPr>
+              <a:t>The simplest way to reduce overfitting is to increase the size of the training data. In machine learning, we were not able to increase the size of training data as the labeled data was too costly.</a:t>
+            </a:r>
+            <a:endParaRPr sz="2000" b="0" i="0">
+              <a:solidFill>
+                <a:srgbClr val="3C4043"/>
+              </a:solidFill>
+              <a:latin typeface="Arial" panose="020B0604020202020204" pitchFamily="34" charset="0"/>
+              <a:ea typeface="Inter"/>
+              <a:cs typeface="Arial" panose="020B0604020202020204" pitchFamily="34" charset="0"/>
+            </a:endParaRPr>
+          </a:p>
+          <a:p>
+            <a:pPr marL="0" indent="0" algn="l" fontAlgn="base">
+              <a:spcBef>
+                <a:spcPct val="0"/>
+              </a:spcBef>
+              <a:spcAft>
+                <a:spcPts val="800"/>
+              </a:spcAft>
+            </a:pPr>
+            <a:endParaRPr sz="2000" b="0" i="0">
+              <a:solidFill>
+                <a:srgbClr val="3C4043"/>
+              </a:solidFill>
+              <a:latin typeface="Arial" panose="020B0604020202020204" pitchFamily="34" charset="0"/>
+              <a:ea typeface="Inter"/>
+              <a:cs typeface="Arial" panose="020B0604020202020204" pitchFamily="34" charset="0"/>
+            </a:endParaRPr>
+          </a:p>
+          <a:p>
+            <a:pPr marL="0" indent="0" algn="l" fontAlgn="base">
+              <a:spcBef>
+                <a:spcPct val="0"/>
+              </a:spcBef>
+              <a:spcAft>
+                <a:spcPts val="800"/>
+              </a:spcAft>
+            </a:pPr>
+            <a:r>
+              <a:rPr sz="2000" b="0" i="0">
+                <a:solidFill>
+                  <a:srgbClr val="3C4043"/>
+                </a:solidFill>
+                <a:latin typeface="Arial" panose="020B0604020202020204" pitchFamily="34" charset="0"/>
+                <a:ea typeface="Inter"/>
+                <a:cs typeface="Arial" panose="020B0604020202020204" pitchFamily="34" charset="0"/>
+              </a:rPr>
+              <a:t>But, now let’s consider we are dealing with images. In this case, there are a few ways of increasing the size of the training data – rotating the image, flipping, scaling, shifting, etc. In the below image, some transformation has been done on the handwritten digits dataset.</a:t>
+            </a:r>
+            <a:endParaRPr sz="2000" b="0" i="0">
+              <a:solidFill>
+                <a:srgbClr val="3C4043"/>
+              </a:solidFill>
+              <a:latin typeface="Arial" panose="020B0604020202020204" pitchFamily="34" charset="0"/>
+              <a:ea typeface="Inter"/>
+              <a:cs typeface="Arial" panose="020B0604020202020204" pitchFamily="34" charset="0"/>
+            </a:endParaRPr>
+          </a:p>
+        </p:txBody>
+      </p:sp>
+      <p:pic>
+        <p:nvPicPr>
+          <p:cNvPr id="4" name="Picture 3"/>
+          <p:cNvPicPr/>
+          <p:nvPr/>
+        </p:nvPicPr>
+        <p:blipFill>
+          <a:blip r:embed="rId2"/>
+          <a:stretch>
+            <a:fillRect/>
+          </a:stretch>
+        </p:blipFill>
+        <p:spPr>
+          <a:xfrm>
+            <a:off x="749935" y="4397375"/>
+            <a:ext cx="9201150" cy="2104390"/>
+          </a:xfrm>
+          <a:prstGeom prst="rect">
+            <a:avLst/>
+          </a:prstGeom>
+        </p:spPr>
+      </p:pic>
+    </p:spTree>
+  </p:cSld>
+  <p:clrMapOvr>
+    <a:masterClrMapping/>
+  </p:clrMapOvr>
+</p:sld>
+</file>
+
+<file path=ppt/slides/slide23.xml><?xml version="1.0" encoding="utf-8"?>
+<p:sld xmlns:a="http://schemas.openxmlformats.org/drawingml/2006/main" xmlns:r="http://schemas.openxmlformats.org/officeDocument/2006/relationships" xmlns:p="http://schemas.openxmlformats.org/presentationml/2006/main">
+  <p:cSld>
+    <p:spTree>
+      <p:nvGrpSpPr>
+        <p:cNvPr id="1" name=""/>
+        <p:cNvGrpSpPr/>
+        <p:nvPr/>
+      </p:nvGrpSpPr>
+      <p:grpSpPr/>
+      <p:sp>
+        <p:nvSpPr>
+          <p:cNvPr id="2" name="Text Box 1"/>
+          <p:cNvSpPr txBox="1"/>
+          <p:nvPr/>
+        </p:nvSpPr>
+        <p:spPr>
+          <a:xfrm>
+            <a:off x="828675" y="1290955"/>
+            <a:ext cx="7807325" cy="4304030"/>
+          </a:xfrm>
+          <a:prstGeom prst="rect">
+            <a:avLst/>
+          </a:prstGeom>
+        </p:spPr>
+        <p:txBody>
+          <a:bodyPr wrap="square">
+            <a:noAutofit/>
+          </a:bodyPr>
+          <a:p>
+            <a:pPr marL="0" indent="0" fontAlgn="base" latinLnBrk="1">
+              <a:spcBef>
+                <a:spcPct val="0"/>
+              </a:spcBef>
+              <a:spcAft>
+                <a:spcPct val="0"/>
+              </a:spcAft>
+            </a:pPr>
+            <a:r>
+              <a:rPr sz="1600" b="0" i="0">
+                <a:solidFill>
+                  <a:srgbClr val="007B00"/>
+                </a:solidFill>
+                <a:latin typeface="Roboto Mono"/>
+                <a:ea typeface="Roboto Mono"/>
+              </a:rPr>
+              <a:t>from</a:t>
+            </a:r>
+            <a:r>
+              <a:rPr sz="1600" b="0" i="0">
+                <a:solidFill>
+                  <a:srgbClr val="3C4043"/>
+                </a:solidFill>
+                <a:latin typeface="Roboto Mono"/>
+                <a:ea typeface="Roboto Mono"/>
+              </a:rPr>
+              <a:t>keras.preprocessing.image</a:t>
+            </a:r>
+            <a:r>
+              <a:rPr sz="1600" b="0" i="0">
+                <a:solidFill>
+                  <a:srgbClr val="007B00"/>
+                </a:solidFill>
+                <a:latin typeface="Roboto Mono"/>
+                <a:ea typeface="Roboto Mono"/>
+              </a:rPr>
+              <a:t>import</a:t>
+            </a:r>
+            <a:r>
+              <a:rPr sz="1600" b="0" i="0">
+                <a:solidFill>
+                  <a:srgbClr val="3C4043"/>
+                </a:solidFill>
+                <a:latin typeface="Roboto Mono"/>
+                <a:ea typeface="Roboto Mono"/>
+              </a:rPr>
+              <a:t>ImageDataGenerator</a:t>
+            </a:r>
+            <a:endParaRPr sz="1600" b="0" i="0">
+              <a:solidFill>
+                <a:srgbClr val="3C4043"/>
+              </a:solidFill>
+              <a:latin typeface="Roboto Mono"/>
+              <a:ea typeface="Roboto Mono"/>
+            </a:endParaRPr>
+          </a:p>
+          <a:p>
+            <a:pPr marL="0" indent="0" fontAlgn="base" latinLnBrk="1">
+              <a:spcBef>
+                <a:spcPct val="0"/>
+              </a:spcBef>
+              <a:spcAft>
+                <a:spcPct val="0"/>
+              </a:spcAft>
+            </a:pPr>
+            <a:endParaRPr sz="1600" b="0" i="0">
+              <a:solidFill>
+                <a:srgbClr val="3C4043"/>
+              </a:solidFill>
+              <a:latin typeface="Roboto Mono"/>
+              <a:ea typeface="Roboto Mono"/>
+            </a:endParaRPr>
+          </a:p>
+          <a:p>
+            <a:pPr marL="0" indent="0" fontAlgn="base" latinLnBrk="1">
+              <a:spcBef>
+                <a:spcPct val="0"/>
+              </a:spcBef>
+              <a:spcAft>
+                <a:spcPct val="0"/>
+              </a:spcAft>
+            </a:pPr>
+            <a:r>
+              <a:rPr sz="1600" b="0" i="0">
+                <a:solidFill>
+                  <a:srgbClr val="3C4043"/>
+                </a:solidFill>
+                <a:latin typeface="Roboto Mono"/>
+                <a:ea typeface="Roboto Mono"/>
+              </a:rPr>
+              <a:t>datagen</a:t>
+            </a:r>
+            <a:r>
+              <a:rPr sz="1600" b="0" i="0">
+                <a:solidFill>
+                  <a:srgbClr val="008ABC"/>
+                </a:solidFill>
+                <a:latin typeface="Roboto Mono"/>
+                <a:ea typeface="Roboto Mono"/>
+              </a:rPr>
+              <a:t>=</a:t>
+            </a:r>
+            <a:r>
+              <a:rPr sz="1600" b="0" i="0">
+                <a:solidFill>
+                  <a:srgbClr val="3C4043"/>
+                </a:solidFill>
+                <a:latin typeface="Roboto Mono"/>
+                <a:ea typeface="Roboto Mono"/>
+              </a:rPr>
+              <a:t>ImageDataGenerator(featurewise_center</a:t>
+            </a:r>
+            <a:r>
+              <a:rPr sz="1600" b="0" i="0">
+                <a:solidFill>
+                  <a:srgbClr val="008ABC"/>
+                </a:solidFill>
+                <a:latin typeface="Roboto Mono"/>
+                <a:ea typeface="Roboto Mono"/>
+              </a:rPr>
+              <a:t>=</a:t>
+            </a:r>
+            <a:r>
+              <a:rPr sz="1600" b="0" i="0">
+                <a:solidFill>
+                  <a:srgbClr val="007B00"/>
+                </a:solidFill>
+                <a:latin typeface="Roboto Mono"/>
+                <a:ea typeface="Roboto Mono"/>
+              </a:rPr>
+              <a:t>False</a:t>
+            </a:r>
+            <a:r>
+              <a:rPr sz="1600" b="0" i="0">
+                <a:solidFill>
+                  <a:srgbClr val="3C4043"/>
+                </a:solidFill>
+                <a:latin typeface="Roboto Mono"/>
+                <a:ea typeface="Roboto Mono"/>
+              </a:rPr>
+              <a:t>,</a:t>
+            </a:r>
+            <a:endParaRPr sz="1600" b="0" i="0">
+              <a:solidFill>
+                <a:srgbClr val="3C4043"/>
+              </a:solidFill>
+              <a:latin typeface="Roboto Mono"/>
+              <a:ea typeface="Roboto Mono"/>
+            </a:endParaRPr>
+          </a:p>
+          <a:p>
+            <a:pPr marL="0" indent="0" fontAlgn="base" latinLnBrk="1">
+              <a:spcBef>
+                <a:spcPct val="0"/>
+              </a:spcBef>
+              <a:spcAft>
+                <a:spcPct val="0"/>
+              </a:spcAft>
+            </a:pPr>
+            <a:r>
+              <a:rPr sz="1600" b="0" i="1">
+                <a:solidFill>
+                  <a:srgbClr val="3C4043"/>
+                </a:solidFill>
+                <a:latin typeface="Roboto Mono"/>
+                <a:ea typeface="Roboto Mono"/>
+              </a:rPr>
+              <a:t># set input mean to 0 over the dataset</a:t>
+            </a:r>
+            <a:r>
+              <a:rPr sz="1600" b="0" i="0">
+                <a:solidFill>
+                  <a:srgbClr val="3C4043"/>
+                </a:solidFill>
+                <a:latin typeface="Roboto Mono"/>
+                <a:ea typeface="Roboto Mono"/>
+              </a:rPr>
+              <a:t>samplewise_center</a:t>
+            </a:r>
+            <a:r>
+              <a:rPr sz="1600" b="0" i="0">
+                <a:solidFill>
+                  <a:srgbClr val="008ABC"/>
+                </a:solidFill>
+                <a:latin typeface="Roboto Mono"/>
+                <a:ea typeface="Roboto Mono"/>
+              </a:rPr>
+              <a:t>=</a:t>
+            </a:r>
+            <a:r>
+              <a:rPr sz="1600" b="0" i="0">
+                <a:solidFill>
+                  <a:srgbClr val="007B00"/>
+                </a:solidFill>
+                <a:latin typeface="Roboto Mono"/>
+                <a:ea typeface="Roboto Mono"/>
+              </a:rPr>
+              <a:t>False</a:t>
+            </a:r>
+            <a:r>
+              <a:rPr sz="1600" b="0" i="0">
+                <a:solidFill>
+                  <a:srgbClr val="3C4043"/>
+                </a:solidFill>
+                <a:latin typeface="Roboto Mono"/>
+                <a:ea typeface="Roboto Mono"/>
+              </a:rPr>
+              <a:t>,</a:t>
+            </a:r>
+            <a:r>
+              <a:rPr sz="1600" b="0" i="1">
+                <a:solidFill>
+                  <a:srgbClr val="3C4043"/>
+                </a:solidFill>
+                <a:latin typeface="Roboto Mono"/>
+                <a:ea typeface="Roboto Mono"/>
+              </a:rPr>
+              <a:t># set each sample mean to 0</a:t>
+            </a:r>
+            <a:r>
+              <a:rPr sz="1600" b="0" i="0">
+                <a:solidFill>
+                  <a:srgbClr val="3C4043"/>
+                </a:solidFill>
+                <a:latin typeface="Roboto Mono"/>
+                <a:ea typeface="Roboto Mono"/>
+              </a:rPr>
+              <a:t>featurewise_std_normalization</a:t>
+            </a:r>
+            <a:r>
+              <a:rPr sz="1600" b="0" i="0">
+                <a:solidFill>
+                  <a:srgbClr val="008ABC"/>
+                </a:solidFill>
+                <a:latin typeface="Roboto Mono"/>
+                <a:ea typeface="Roboto Mono"/>
+              </a:rPr>
+              <a:t>=</a:t>
+            </a:r>
+            <a:r>
+              <a:rPr sz="1600" b="0" i="0">
+                <a:solidFill>
+                  <a:srgbClr val="007B00"/>
+                </a:solidFill>
+                <a:latin typeface="Roboto Mono"/>
+                <a:ea typeface="Roboto Mono"/>
+              </a:rPr>
+              <a:t>False</a:t>
+            </a:r>
+            <a:r>
+              <a:rPr sz="1600" b="0" i="0">
+                <a:solidFill>
+                  <a:srgbClr val="3C4043"/>
+                </a:solidFill>
+                <a:latin typeface="Roboto Mono"/>
+                <a:ea typeface="Roboto Mono"/>
+              </a:rPr>
+              <a:t>,</a:t>
+            </a:r>
+            <a:r>
+              <a:rPr sz="1600" b="0" i="1">
+                <a:solidFill>
+                  <a:srgbClr val="3C4043"/>
+                </a:solidFill>
+                <a:latin typeface="Roboto Mono"/>
+                <a:ea typeface="Roboto Mono"/>
+              </a:rPr>
+              <a:t># divide inputs by std of the dataset</a:t>
+            </a:r>
+            <a:r>
+              <a:rPr sz="1600" b="0" i="0">
+                <a:solidFill>
+                  <a:srgbClr val="3C4043"/>
+                </a:solidFill>
+                <a:latin typeface="Roboto Mono"/>
+                <a:ea typeface="Roboto Mono"/>
+              </a:rPr>
+              <a:t>samplewise_std_normalization</a:t>
+            </a:r>
+            <a:r>
+              <a:rPr sz="1600" b="0" i="0">
+                <a:solidFill>
+                  <a:srgbClr val="008ABC"/>
+                </a:solidFill>
+                <a:latin typeface="Roboto Mono"/>
+                <a:ea typeface="Roboto Mono"/>
+              </a:rPr>
+              <a:t>=</a:t>
+            </a:r>
+            <a:r>
+              <a:rPr sz="1600" b="0" i="0">
+                <a:solidFill>
+                  <a:srgbClr val="007B00"/>
+                </a:solidFill>
+                <a:latin typeface="Roboto Mono"/>
+                <a:ea typeface="Roboto Mono"/>
+              </a:rPr>
+              <a:t>False</a:t>
+            </a:r>
+            <a:r>
+              <a:rPr sz="1600" b="0" i="0">
+                <a:solidFill>
+                  <a:srgbClr val="3C4043"/>
+                </a:solidFill>
+                <a:latin typeface="Roboto Mono"/>
+                <a:ea typeface="Roboto Mono"/>
+              </a:rPr>
+              <a:t>,</a:t>
+            </a:r>
+            <a:r>
+              <a:rPr sz="1600" b="0" i="1">
+                <a:solidFill>
+                  <a:srgbClr val="3C4043"/>
+                </a:solidFill>
+                <a:latin typeface="Roboto Mono"/>
+                <a:ea typeface="Roboto Mono"/>
+              </a:rPr>
+              <a:t># divide each input by its std</a:t>
+            </a:r>
+            <a:r>
+              <a:rPr sz="1600" b="0" i="0">
+                <a:solidFill>
+                  <a:srgbClr val="3C4043"/>
+                </a:solidFill>
+                <a:latin typeface="Roboto Mono"/>
+                <a:ea typeface="Roboto Mono"/>
+              </a:rPr>
+              <a:t>zca_whitening</a:t>
+            </a:r>
+            <a:r>
+              <a:rPr sz="1600" b="0" i="0">
+                <a:solidFill>
+                  <a:srgbClr val="008ABC"/>
+                </a:solidFill>
+                <a:latin typeface="Roboto Mono"/>
+                <a:ea typeface="Roboto Mono"/>
+              </a:rPr>
+              <a:t>=</a:t>
+            </a:r>
+            <a:r>
+              <a:rPr sz="1600" b="0" i="0">
+                <a:solidFill>
+                  <a:srgbClr val="007B00"/>
+                </a:solidFill>
+                <a:latin typeface="Roboto Mono"/>
+                <a:ea typeface="Roboto Mono"/>
+              </a:rPr>
+              <a:t>False</a:t>
+            </a:r>
+            <a:r>
+              <a:rPr sz="1600" b="0" i="0">
+                <a:solidFill>
+                  <a:srgbClr val="3C4043"/>
+                </a:solidFill>
+                <a:latin typeface="Roboto Mono"/>
+                <a:ea typeface="Roboto Mono"/>
+              </a:rPr>
+              <a:t>,</a:t>
+            </a:r>
+            <a:r>
+              <a:rPr sz="1600" b="0" i="1">
+                <a:solidFill>
+                  <a:srgbClr val="3C4043"/>
+                </a:solidFill>
+                <a:latin typeface="Roboto Mono"/>
+                <a:ea typeface="Roboto Mono"/>
+              </a:rPr>
+              <a:t># apply ZCA whitening</a:t>
+            </a:r>
+            <a:r>
+              <a:rPr sz="1600" b="0" i="0">
+                <a:solidFill>
+                  <a:srgbClr val="3C4043"/>
+                </a:solidFill>
+                <a:latin typeface="Roboto Mono"/>
+                <a:ea typeface="Roboto Mono"/>
+              </a:rPr>
+              <a:t>rotation_range</a:t>
+            </a:r>
+            <a:r>
+              <a:rPr sz="1600" b="0" i="0">
+                <a:solidFill>
+                  <a:srgbClr val="008ABC"/>
+                </a:solidFill>
+                <a:latin typeface="Roboto Mono"/>
+                <a:ea typeface="Roboto Mono"/>
+              </a:rPr>
+              <a:t>=</a:t>
+            </a:r>
+            <a:r>
+              <a:rPr sz="1600" b="0" i="0">
+                <a:solidFill>
+                  <a:srgbClr val="666666"/>
+                </a:solidFill>
+                <a:latin typeface="Roboto Mono"/>
+                <a:ea typeface="Roboto Mono"/>
+              </a:rPr>
+              <a:t>10</a:t>
+            </a:r>
+            <a:r>
+              <a:rPr sz="1600" b="0" i="0">
+                <a:solidFill>
+                  <a:srgbClr val="3C4043"/>
+                </a:solidFill>
+                <a:latin typeface="Roboto Mono"/>
+                <a:ea typeface="Roboto Mono"/>
+              </a:rPr>
+              <a:t>,</a:t>
+            </a:r>
+            <a:r>
+              <a:rPr sz="1600" b="0" i="1">
+                <a:solidFill>
+                  <a:srgbClr val="3C4043"/>
+                </a:solidFill>
+                <a:latin typeface="Roboto Mono"/>
+                <a:ea typeface="Roboto Mono"/>
+              </a:rPr>
+              <a:t># randomly rotate images in the range (degrees, 0 to 180)</a:t>
+            </a:r>
+            <a:r>
+              <a:rPr sz="1600" b="0" i="0">
+                <a:solidFill>
+                  <a:srgbClr val="3C4043"/>
+                </a:solidFill>
+                <a:latin typeface="Roboto Mono"/>
+                <a:ea typeface="Roboto Mono"/>
+              </a:rPr>
+              <a:t>zoom_range</a:t>
+            </a:r>
+            <a:r>
+              <a:rPr sz="1600" b="0" i="0">
+                <a:solidFill>
+                  <a:srgbClr val="008ABC"/>
+                </a:solidFill>
+                <a:latin typeface="Roboto Mono"/>
+                <a:ea typeface="Roboto Mono"/>
+              </a:rPr>
+              <a:t>=</a:t>
+            </a:r>
+            <a:r>
+              <a:rPr sz="1600" b="0" i="0">
+                <a:solidFill>
+                  <a:srgbClr val="666666"/>
+                </a:solidFill>
+                <a:latin typeface="Roboto Mono"/>
+                <a:ea typeface="Roboto Mono"/>
+              </a:rPr>
+              <a:t>0.1</a:t>
+            </a:r>
+            <a:r>
+              <a:rPr sz="1600" b="0" i="0">
+                <a:solidFill>
+                  <a:srgbClr val="3C4043"/>
+                </a:solidFill>
+                <a:latin typeface="Roboto Mono"/>
+                <a:ea typeface="Roboto Mono"/>
+              </a:rPr>
+              <a:t>,</a:t>
+            </a:r>
+            <a:r>
+              <a:rPr sz="1600" b="0" i="1">
+                <a:solidFill>
+                  <a:srgbClr val="3C4043"/>
+                </a:solidFill>
+                <a:latin typeface="Roboto Mono"/>
+                <a:ea typeface="Roboto Mono"/>
+              </a:rPr>
+              <a:t># Randomly zoom image </a:t>
+            </a:r>
+            <a:r>
+              <a:rPr sz="1600" b="0" i="0">
+                <a:solidFill>
+                  <a:srgbClr val="3C4043"/>
+                </a:solidFill>
+                <a:latin typeface="Roboto Mono"/>
+                <a:ea typeface="Roboto Mono"/>
+              </a:rPr>
+              <a:t>width_shift_range</a:t>
+            </a:r>
+            <a:r>
+              <a:rPr sz="1600" b="0" i="0">
+                <a:solidFill>
+                  <a:srgbClr val="008ABC"/>
+                </a:solidFill>
+                <a:latin typeface="Roboto Mono"/>
+                <a:ea typeface="Roboto Mono"/>
+              </a:rPr>
+              <a:t>=</a:t>
+            </a:r>
+            <a:r>
+              <a:rPr sz="1600" b="0" i="0">
+                <a:solidFill>
+                  <a:srgbClr val="666666"/>
+                </a:solidFill>
+                <a:latin typeface="Roboto Mono"/>
+                <a:ea typeface="Roboto Mono"/>
+              </a:rPr>
+              <a:t>0.1</a:t>
+            </a:r>
+            <a:r>
+              <a:rPr sz="1600" b="0" i="0">
+                <a:solidFill>
+                  <a:srgbClr val="3C4043"/>
+                </a:solidFill>
+                <a:latin typeface="Roboto Mono"/>
+                <a:ea typeface="Roboto Mono"/>
+              </a:rPr>
+              <a:t>,</a:t>
+            </a:r>
+            <a:r>
+              <a:rPr sz="1600" b="0" i="1">
+                <a:solidFill>
+                  <a:srgbClr val="3C4043"/>
+                </a:solidFill>
+                <a:latin typeface="Roboto Mono"/>
+                <a:ea typeface="Roboto Mono"/>
+              </a:rPr>
+              <a:t># randomly shift images horizontally (fraction of total width)</a:t>
+            </a:r>
+            <a:r>
+              <a:rPr sz="1600" b="0" i="0">
+                <a:solidFill>
+                  <a:srgbClr val="3C4043"/>
+                </a:solidFill>
+                <a:latin typeface="Roboto Mono"/>
+                <a:ea typeface="Roboto Mono"/>
+              </a:rPr>
+              <a:t>height_shift_range</a:t>
+            </a:r>
+            <a:r>
+              <a:rPr sz="1600" b="0" i="0">
+                <a:solidFill>
+                  <a:srgbClr val="008ABC"/>
+                </a:solidFill>
+                <a:latin typeface="Roboto Mono"/>
+                <a:ea typeface="Roboto Mono"/>
+              </a:rPr>
+              <a:t>=</a:t>
+            </a:r>
+            <a:r>
+              <a:rPr sz="1600" b="0" i="0">
+                <a:solidFill>
+                  <a:srgbClr val="666666"/>
+                </a:solidFill>
+                <a:latin typeface="Roboto Mono"/>
+                <a:ea typeface="Roboto Mono"/>
+              </a:rPr>
+              <a:t>0.1</a:t>
+            </a:r>
+            <a:r>
+              <a:rPr sz="1600" b="0" i="0">
+                <a:solidFill>
+                  <a:srgbClr val="3C4043"/>
+                </a:solidFill>
+                <a:latin typeface="Roboto Mono"/>
+                <a:ea typeface="Roboto Mono"/>
+              </a:rPr>
+              <a:t>,</a:t>
+            </a:r>
+            <a:r>
+              <a:rPr sz="1600" b="0" i="1">
+                <a:solidFill>
+                  <a:srgbClr val="3C4043"/>
+                </a:solidFill>
+                <a:latin typeface="Roboto Mono"/>
+                <a:ea typeface="Roboto Mono"/>
+              </a:rPr>
+              <a:t># randomly shift images vertically (fraction of total height)</a:t>
+            </a:r>
+            <a:r>
+              <a:rPr sz="1600" b="0" i="0">
+                <a:solidFill>
+                  <a:srgbClr val="3C4043"/>
+                </a:solidFill>
+                <a:latin typeface="Roboto Mono"/>
+                <a:ea typeface="Roboto Mono"/>
+              </a:rPr>
+              <a:t>horizontal_flip</a:t>
+            </a:r>
+            <a:r>
+              <a:rPr sz="1600" b="0" i="0">
+                <a:solidFill>
+                  <a:srgbClr val="008ABC"/>
+                </a:solidFill>
+                <a:latin typeface="Roboto Mono"/>
+                <a:ea typeface="Roboto Mono"/>
+              </a:rPr>
+              <a:t>=</a:t>
+            </a:r>
+            <a:r>
+              <a:rPr sz="1600" b="0" i="0">
+                <a:solidFill>
+                  <a:srgbClr val="007B00"/>
+                </a:solidFill>
+                <a:latin typeface="Roboto Mono"/>
+                <a:ea typeface="Roboto Mono"/>
+              </a:rPr>
+              <a:t>False</a:t>
+            </a:r>
+            <a:r>
+              <a:rPr sz="1600" b="0" i="0">
+                <a:solidFill>
+                  <a:srgbClr val="3C4043"/>
+                </a:solidFill>
+                <a:latin typeface="Roboto Mono"/>
+                <a:ea typeface="Roboto Mono"/>
+              </a:rPr>
+              <a:t>,</a:t>
+            </a:r>
+            <a:r>
+              <a:rPr sz="1600" b="0" i="1">
+                <a:solidFill>
+                  <a:srgbClr val="3C4043"/>
+                </a:solidFill>
+                <a:latin typeface="Roboto Mono"/>
+                <a:ea typeface="Roboto Mono"/>
+              </a:rPr>
+              <a:t># randomly flip images</a:t>
+            </a:r>
+            <a:r>
+              <a:rPr sz="1600" b="0" i="0">
+                <a:solidFill>
+                  <a:srgbClr val="3C4043"/>
+                </a:solidFill>
+                <a:latin typeface="Roboto Mono"/>
+                <a:ea typeface="Roboto Mono"/>
+              </a:rPr>
+              <a:t>vertical_flip</a:t>
+            </a:r>
+            <a:r>
+              <a:rPr sz="1600" b="0" i="0">
+                <a:solidFill>
+                  <a:srgbClr val="008ABC"/>
+                </a:solidFill>
+                <a:latin typeface="Roboto Mono"/>
+                <a:ea typeface="Roboto Mono"/>
+              </a:rPr>
+              <a:t>=</a:t>
+            </a:r>
+            <a:r>
+              <a:rPr sz="1600" b="0" i="0">
+                <a:solidFill>
+                  <a:srgbClr val="007B00"/>
+                </a:solidFill>
+                <a:latin typeface="Roboto Mono"/>
+                <a:ea typeface="Roboto Mono"/>
+              </a:rPr>
+              <a:t>False</a:t>
+            </a:r>
+            <a:r>
+              <a:rPr sz="1600" b="0" i="0">
+                <a:solidFill>
+                  <a:srgbClr val="3C4043"/>
+                </a:solidFill>
+                <a:latin typeface="Roboto Mono"/>
+                <a:ea typeface="Roboto Mono"/>
+              </a:rPr>
+              <a:t>)</a:t>
+            </a:r>
+            <a:r>
+              <a:rPr sz="1600" b="0" i="1">
+                <a:solidFill>
+                  <a:srgbClr val="3C4043"/>
+                </a:solidFill>
+                <a:latin typeface="Roboto Mono"/>
+                <a:ea typeface="Roboto Mono"/>
+              </a:rPr>
+              <a:t># randomly flip images</a:t>
+            </a:r>
+            <a:r>
+              <a:rPr sz="1600" b="0" i="0">
+                <a:solidFill>
+                  <a:srgbClr val="3C4043"/>
+                </a:solidFill>
+                <a:latin typeface="Roboto Mono"/>
+                <a:ea typeface="Roboto Mono"/>
+              </a:rPr>
+              <a:t>datagen</a:t>
+            </a:r>
+            <a:r>
+              <a:rPr sz="1600" b="0" i="0">
+                <a:solidFill>
+                  <a:srgbClr val="008ABC"/>
+                </a:solidFill>
+                <a:latin typeface="Roboto Mono"/>
+                <a:ea typeface="Roboto Mono"/>
+              </a:rPr>
+              <a:t>.</a:t>
+            </a:r>
+            <a:r>
+              <a:rPr sz="1600" b="0" i="0">
+                <a:solidFill>
+                  <a:srgbClr val="3C4043"/>
+                </a:solidFill>
+                <a:latin typeface="Roboto Mono"/>
+                <a:ea typeface="Roboto Mono"/>
+              </a:rPr>
+              <a:t>fit(x_train)</a:t>
+            </a:r>
+            <a:endParaRPr sz="1600" b="0" i="0">
+              <a:solidFill>
+                <a:srgbClr val="3C4043"/>
+              </a:solidFill>
+              <a:latin typeface="Roboto Mono"/>
+              <a:ea typeface="Roboto Mono"/>
+            </a:endParaRPr>
+          </a:p>
+        </p:txBody>
+      </p:sp>
+    </p:spTree>
+  </p:cSld>
+  <p:clrMapOvr>
+    <a:masterClrMapping/>
+  </p:clrMapOvr>
+</p:sld>
+</file>
+
+<file path=ppt/slides/slide24.xml><?xml version="1.0" encoding="utf-8"?>
+<p:sld xmlns:a="http://schemas.openxmlformats.org/drawingml/2006/main" xmlns:r="http://schemas.openxmlformats.org/officeDocument/2006/relationships" xmlns:p="http://schemas.openxmlformats.org/presentationml/2006/main">
+  <p:cSld>
+    <p:spTree>
+      <p:nvGrpSpPr>
+        <p:cNvPr id="1" name=""/>
+        <p:cNvGrpSpPr/>
+        <p:nvPr/>
+      </p:nvGrpSpPr>
+      <p:grpSpPr/>
+      <p:sp>
+        <p:nvSpPr>
+          <p:cNvPr id="2" name="Text Box 1"/>
+          <p:cNvSpPr txBox="1"/>
+          <p:nvPr/>
+        </p:nvSpPr>
+        <p:spPr>
+          <a:xfrm>
+            <a:off x="3048000" y="3075305"/>
+            <a:ext cx="6096000" cy="2630170"/>
+          </a:xfrm>
+          <a:prstGeom prst="rect">
+            <a:avLst/>
+          </a:prstGeom>
+          <a:noFill/>
+        </p:spPr>
+        <p:txBody>
+          <a:bodyPr wrap="square" rtlCol="0" anchor="t">
+            <a:spAutoFit/>
+          </a:bodyPr>
+          <a:p>
+            <a:pPr marL="0" indent="0" fontAlgn="base">
+              <a:spcBef>
+                <a:spcPct val="0"/>
+              </a:spcBef>
+              <a:spcAft>
+                <a:spcPts val="200"/>
+              </a:spcAft>
+            </a:pPr>
+            <a:r>
+              <a:rPr lang="en-IN" sz="4000" b="1">
+                <a:solidFill>
+                  <a:srgbClr val="FF0000"/>
+                </a:solidFill>
+                <a:effectLst>
+                  <a:outerShdw blurRad="38100" dist="38100" dir="2700000" algn="tl">
+                    <a:srgbClr val="000000">
+                      <a:alpha val="43137"/>
+                    </a:srgbClr>
+                  </a:outerShdw>
+                </a:effectLst>
+                <a:latin typeface="Georgia" panose="02040502050405020303"/>
+                <a:ea typeface="Georgia" panose="02040502050405020303"/>
+                <a:sym typeface="+mn-ea"/>
+              </a:rPr>
+              <a:t>Model Expainlibility</a:t>
+            </a:r>
+            <a:endParaRPr lang="en-IN" sz="4000" b="1">
+              <a:solidFill>
+                <a:srgbClr val="FF0000"/>
+              </a:solidFill>
+              <a:effectLst>
+                <a:outerShdw blurRad="38100" dist="38100" dir="2700000" algn="tl">
+                  <a:srgbClr val="000000">
+                    <a:alpha val="43137"/>
+                  </a:srgbClr>
+                </a:outerShdw>
+              </a:effectLst>
+              <a:latin typeface="Georgia" panose="02040502050405020303"/>
+              <a:ea typeface="Georgia" panose="02040502050405020303"/>
+              <a:sym typeface="+mn-ea"/>
+            </a:endParaRPr>
+          </a:p>
+          <a:p>
+            <a:pPr marL="0" indent="0" fontAlgn="base">
+              <a:spcBef>
+                <a:spcPct val="0"/>
+              </a:spcBef>
+              <a:spcAft>
+                <a:spcPts val="200"/>
+              </a:spcAft>
+            </a:pPr>
+            <a:endParaRPr lang="en-IN" sz="4000" b="1">
+              <a:solidFill>
+                <a:srgbClr val="FF0000"/>
+              </a:solidFill>
+              <a:effectLst>
+                <a:outerShdw blurRad="38100" dist="38100" dir="2700000" algn="tl">
+                  <a:srgbClr val="000000">
+                    <a:alpha val="43137"/>
+                  </a:srgbClr>
+                </a:outerShdw>
+              </a:effectLst>
+              <a:latin typeface="Georgia" panose="02040502050405020303"/>
+              <a:ea typeface="Georgia" panose="02040502050405020303"/>
+              <a:sym typeface="+mn-ea"/>
+            </a:endParaRPr>
+          </a:p>
+          <a:p>
+            <a:pPr marL="0" indent="0" fontAlgn="base">
+              <a:spcBef>
+                <a:spcPct val="0"/>
+              </a:spcBef>
+              <a:spcAft>
+                <a:spcPts val="200"/>
+              </a:spcAft>
+            </a:pPr>
+            <a:r>
+              <a:rPr lang="en-IN" sz="4000" b="1">
+                <a:solidFill>
+                  <a:srgbClr val="FF0000"/>
+                </a:solidFill>
+                <a:effectLst>
+                  <a:outerShdw blurRad="38100" dist="38100" dir="2700000" algn="tl">
+                    <a:srgbClr val="000000">
+                      <a:alpha val="43137"/>
+                    </a:srgbClr>
+                  </a:outerShdw>
+                </a:effectLst>
+                <a:latin typeface="Georgia" panose="02040502050405020303"/>
+                <a:ea typeface="Georgia" panose="02040502050405020303"/>
+                <a:sym typeface="+mn-ea"/>
+              </a:rPr>
+              <a:t>LIME</a:t>
+            </a:r>
+            <a:endParaRPr lang="en-IN" sz="4000" b="1">
+              <a:solidFill>
+                <a:srgbClr val="FF0000"/>
+              </a:solidFill>
+              <a:effectLst>
+                <a:outerShdw blurRad="38100" dist="38100" dir="2700000" algn="tl">
+                  <a:srgbClr val="000000">
+                    <a:alpha val="43137"/>
+                  </a:srgbClr>
+                </a:outerShdw>
+              </a:effectLst>
+              <a:latin typeface="Georgia" panose="02040502050405020303"/>
+              <a:ea typeface="Georgia" panose="02040502050405020303"/>
+              <a:sym typeface="+mn-ea"/>
+            </a:endParaRPr>
+          </a:p>
+          <a:p>
+            <a:pPr marL="0" indent="0" fontAlgn="base">
+              <a:spcBef>
+                <a:spcPct val="0"/>
+              </a:spcBef>
+              <a:spcAft>
+                <a:spcPts val="200"/>
+              </a:spcAft>
+            </a:pPr>
+            <a:r>
+              <a:rPr lang="en-IN" sz="4000" b="1">
+                <a:solidFill>
+                  <a:srgbClr val="FF0000"/>
+                </a:solidFill>
+                <a:effectLst>
+                  <a:outerShdw blurRad="38100" dist="38100" dir="2700000" algn="tl">
+                    <a:srgbClr val="000000">
+                      <a:alpha val="43137"/>
+                    </a:srgbClr>
+                  </a:outerShdw>
+                </a:effectLst>
+                <a:latin typeface="Georgia" panose="02040502050405020303"/>
+                <a:ea typeface="Georgia" panose="02040502050405020303"/>
+                <a:sym typeface="+mn-ea"/>
+              </a:rPr>
+              <a:t>SHAPY</a:t>
+            </a:r>
+            <a:endParaRPr lang="en-IN" sz="4000" b="1">
+              <a:solidFill>
+                <a:srgbClr val="FF0000"/>
+              </a:solidFill>
+              <a:effectLst>
+                <a:outerShdw blurRad="38100" dist="38100" dir="2700000" algn="tl">
+                  <a:srgbClr val="000000">
+                    <a:alpha val="43137"/>
+                  </a:srgbClr>
+                </a:outerShdw>
+              </a:effectLst>
+              <a:latin typeface="Georgia" panose="02040502050405020303"/>
+              <a:ea typeface="Georgia" panose="02040502050405020303"/>
+              <a:sym typeface="+mn-ea"/>
+            </a:endParaRPr>
+          </a:p>
+        </p:txBody>
+      </p:sp>
+    </p:spTree>
+  </p:cSld>
+  <p:clrMapOvr>
+    <a:masterClrMapping/>
+  </p:clrMapOvr>
+</p:sld>
+</file>
+
+<file path=ppt/slides/slide25.xml><?xml version="1.0" encoding="utf-8"?>
+<p:sld xmlns:a="http://schemas.openxmlformats.org/drawingml/2006/main" xmlns:r="http://schemas.openxmlformats.org/officeDocument/2006/relationships" xmlns:p="http://schemas.openxmlformats.org/presentationml/2006/main">
+  <p:cSld>
+    <p:spTree>
+      <p:nvGrpSpPr>
+        <p:cNvPr id="1" name=""/>
+        <p:cNvGrpSpPr/>
+        <p:nvPr/>
+      </p:nvGrpSpPr>
+      <p:grpSpPr/>
+      <p:sp>
+        <p:nvSpPr>
+          <p:cNvPr id="2" name="Text Box 1"/>
+          <p:cNvSpPr txBox="1"/>
+          <p:nvPr/>
+        </p:nvSpPr>
+        <p:spPr>
+          <a:xfrm>
+            <a:off x="3048000" y="3075305"/>
+            <a:ext cx="6096000" cy="1963420"/>
+          </a:xfrm>
+          <a:prstGeom prst="rect">
+            <a:avLst/>
+          </a:prstGeom>
+          <a:noFill/>
+        </p:spPr>
+        <p:txBody>
+          <a:bodyPr wrap="square" rtlCol="0" anchor="t">
+            <a:spAutoFit/>
+          </a:bodyPr>
+          <a:p>
+            <a:pPr marL="0" indent="0" fontAlgn="base">
+              <a:spcBef>
+                <a:spcPct val="0"/>
+              </a:spcBef>
+              <a:spcAft>
+                <a:spcPts val="200"/>
+              </a:spcAft>
+            </a:pPr>
+            <a:r>
+              <a:rPr lang="en-IN" sz="4000" b="1">
+                <a:solidFill>
+                  <a:srgbClr val="FF0000"/>
+                </a:solidFill>
+                <a:effectLst>
+                  <a:outerShdw blurRad="38100" dist="38100" dir="2700000" algn="tl">
+                    <a:srgbClr val="000000">
+                      <a:alpha val="43137"/>
+                    </a:srgbClr>
+                  </a:outerShdw>
+                </a:effectLst>
+                <a:latin typeface="Georgia" panose="02040502050405020303"/>
+                <a:ea typeface="Georgia" panose="02040502050405020303"/>
+                <a:sym typeface="+mn-ea"/>
+              </a:rPr>
+              <a:t>HyperParameter tuning</a:t>
+            </a:r>
+            <a:endParaRPr lang="en-IN" sz="4000" b="1">
+              <a:solidFill>
+                <a:srgbClr val="FF0000"/>
+              </a:solidFill>
+              <a:effectLst>
+                <a:outerShdw blurRad="38100" dist="38100" dir="2700000" algn="tl">
+                  <a:srgbClr val="000000">
+                    <a:alpha val="43137"/>
+                  </a:srgbClr>
+                </a:outerShdw>
+              </a:effectLst>
+              <a:latin typeface="Georgia" panose="02040502050405020303"/>
+              <a:ea typeface="Georgia" panose="02040502050405020303"/>
+              <a:sym typeface="+mn-ea"/>
+            </a:endParaRPr>
+          </a:p>
+          <a:p>
+            <a:pPr marL="0" indent="0" fontAlgn="base">
+              <a:spcBef>
+                <a:spcPct val="0"/>
+              </a:spcBef>
+              <a:spcAft>
+                <a:spcPts val="200"/>
+              </a:spcAft>
+            </a:pPr>
+            <a:endParaRPr lang="en-IN" sz="4000" b="1">
+              <a:solidFill>
+                <a:srgbClr val="FF0000"/>
+              </a:solidFill>
+              <a:effectLst>
+                <a:outerShdw blurRad="38100" dist="38100" dir="2700000" algn="tl">
+                  <a:srgbClr val="000000">
+                    <a:alpha val="43137"/>
+                  </a:srgbClr>
+                </a:outerShdw>
+              </a:effectLst>
+              <a:latin typeface="Georgia" panose="02040502050405020303"/>
+              <a:ea typeface="Georgia" panose="02040502050405020303"/>
+              <a:sym typeface="+mn-ea"/>
+            </a:endParaRPr>
+          </a:p>
+        </p:txBody>
+      </p:sp>
+      <p:sp>
+        <p:nvSpPr>
+          <p:cNvPr id="3" name="Text Box 2"/>
+          <p:cNvSpPr txBox="1"/>
+          <p:nvPr/>
+        </p:nvSpPr>
+        <p:spPr>
+          <a:xfrm>
+            <a:off x="4250055" y="5633720"/>
+            <a:ext cx="4064000" cy="368300"/>
+          </a:xfrm>
+          <a:prstGeom prst="rect">
+            <a:avLst/>
+          </a:prstGeom>
+          <a:noFill/>
+        </p:spPr>
+        <p:txBody>
+          <a:bodyPr wrap="square" rtlCol="0">
+            <a:spAutoFit/>
+          </a:bodyPr>
+          <a:p>
+            <a:r>
+              <a:rPr lang="en-IN" altLang="en-US"/>
+              <a:t>keras tunier</a:t>
+            </a:r>
+            <a:endParaRPr lang="en-IN" altLang="en-US"/>
+          </a:p>
+        </p:txBody>
+      </p:sp>
+    </p:spTree>
+  </p:cSld>
+  <p:clrMapOvr>
+    <a:masterClrMapping/>
+  </p:clrMapOvr>
+</p:sld>
+</file>
+
+<file path=ppt/slides/slide3.xml><?xml version="1.0" encoding="utf-8"?>
+<p:sld xmlns:a="http://schemas.openxmlformats.org/drawingml/2006/main" xmlns:r="http://schemas.openxmlformats.org/officeDocument/2006/relationships" xmlns:p="http://schemas.openxmlformats.org/presentationml/2006/main">
+  <p:cSld>
+    <p:spTree>
+      <p:nvGrpSpPr>
+        <p:cNvPr id="1" name=""/>
+        <p:cNvGrpSpPr/>
+        <p:nvPr/>
+      </p:nvGrpSpPr>
+      <p:grpSpPr/>
+      <p:pic>
+        <p:nvPicPr>
+          <p:cNvPr id="8" name="Picture 7" descr="image 2 copy"/>
+          <p:cNvPicPr>
+            <a:picLocks noChangeAspect="1"/>
+          </p:cNvPicPr>
+          <p:nvPr/>
+        </p:nvPicPr>
+        <p:blipFill>
+          <a:blip r:embed="rId1"/>
+          <a:srcRect t="2076" b="3690"/>
+          <a:stretch>
+            <a:fillRect/>
+          </a:stretch>
+        </p:blipFill>
+        <p:spPr>
+          <a:xfrm>
+            <a:off x="2296795" y="0"/>
+            <a:ext cx="7238365" cy="6821170"/>
+          </a:xfrm>
+          <a:prstGeom prst="rect">
+            <a:avLst/>
+          </a:prstGeom>
+        </p:spPr>
+      </p:pic>
+    </p:spTree>
+  </p:cSld>
+  <p:clrMapOvr>
+    <a:masterClrMapping/>
+  </p:clrMapOvr>
+</p:sld>
+</file>
+
+<file path=ppt/slides/slide4.xml><?xml version="1.0" encoding="utf-8"?>
+<p:sld xmlns:a="http://schemas.openxmlformats.org/drawingml/2006/main" xmlns:r="http://schemas.openxmlformats.org/officeDocument/2006/relationships" xmlns:p="http://schemas.openxmlformats.org/presentationml/2006/main">
+  <p:cSld>
+    <p:spTree>
+      <p:nvGrpSpPr>
+        <p:cNvPr id="1" name=""/>
+        <p:cNvGrpSpPr/>
+        <p:nvPr/>
+      </p:nvGrpSpPr>
+      <p:grpSpPr/>
+      <p:pic>
+        <p:nvPicPr>
+          <p:cNvPr id="2" name="Picture 1"/>
+          <p:cNvPicPr/>
+          <p:nvPr/>
+        </p:nvPicPr>
+        <p:blipFill>
+          <a:blip r:embed="rId1"/>
+          <a:stretch>
+            <a:fillRect/>
+          </a:stretch>
+        </p:blipFill>
+        <p:spPr>
+          <a:xfrm>
+            <a:off x="972503" y="1226503"/>
+            <a:ext cx="7172325" cy="5191125"/>
+          </a:xfrm>
+          <a:prstGeom prst="rect">
+            <a:avLst/>
+          </a:prstGeom>
+        </p:spPr>
+      </p:pic>
+      <p:sp>
+        <p:nvSpPr>
+          <p:cNvPr id="3" name="Text Box 2"/>
+          <p:cNvSpPr txBox="1"/>
+          <p:nvPr/>
+        </p:nvSpPr>
+        <p:spPr>
+          <a:xfrm>
+            <a:off x="1117600" y="369570"/>
+            <a:ext cx="4064000" cy="583565"/>
+          </a:xfrm>
+          <a:prstGeom prst="rect">
+            <a:avLst/>
+          </a:prstGeom>
+          <a:noFill/>
+        </p:spPr>
+        <p:txBody>
+          <a:bodyPr wrap="square" rtlCol="0">
+            <a:spAutoFit/>
+          </a:bodyPr>
+          <a:p>
+            <a:r>
+              <a:rPr lang="en-US" sz="3200" b="1">
+                <a:solidFill>
+                  <a:srgbClr val="C00000"/>
+                </a:solidFill>
+                <a:effectLst>
+                  <a:outerShdw blurRad="38100" dist="38100" dir="2700000" algn="tl">
+                    <a:srgbClr val="000000">
+                      <a:alpha val="43137"/>
+                    </a:srgbClr>
+                  </a:outerShdw>
+                </a:effectLst>
+              </a:rPr>
+              <a:t>Bias Variance </a:t>
+            </a:r>
+            <a:endParaRPr lang="en-US" sz="3200" b="1">
+              <a:solidFill>
+                <a:srgbClr val="C00000"/>
+              </a:solidFill>
+              <a:effectLst>
+                <a:outerShdw blurRad="38100" dist="38100" dir="2700000" algn="tl">
+                  <a:srgbClr val="000000">
+                    <a:alpha val="43137"/>
+                  </a:srgbClr>
+                </a:outerShdw>
+              </a:effectLst>
+            </a:endParaRPr>
+          </a:p>
+        </p:txBody>
+      </p:sp>
+      <p:sp>
+        <p:nvSpPr>
+          <p:cNvPr id="4" name="Text Box 3"/>
+          <p:cNvSpPr txBox="1"/>
+          <p:nvPr/>
+        </p:nvSpPr>
+        <p:spPr>
+          <a:xfrm>
+            <a:off x="511175" y="6417945"/>
+            <a:ext cx="9765665" cy="368300"/>
+          </a:xfrm>
+          <a:prstGeom prst="rect">
+            <a:avLst/>
+          </a:prstGeom>
+          <a:noFill/>
+        </p:spPr>
+        <p:txBody>
+          <a:bodyPr wrap="square" rtlCol="0" anchor="t">
+            <a:spAutoFit/>
+          </a:bodyPr>
+          <a:p>
             <a:r>
               <a:rPr lang="en-US" altLang="en-US"/>
-              <a:t>https://zilliz.com/learn/understanding-regularization-in-nueral-networks</a:t>
+              <a:t>https://uniathena.com/understanding-bias-variance-tradeoff-balance-model-performance</a:t>
             </a:r>
             <a:endParaRPr lang="en-US"/>
           </a:p>
@@ -5540,6 +8047,580 @@
 </file>
 
 <file path=ppt/slides/slide5.xml><?xml version="1.0" encoding="utf-8"?>
+<p:sld xmlns:a="http://schemas.openxmlformats.org/drawingml/2006/main" xmlns:r="http://schemas.openxmlformats.org/officeDocument/2006/relationships" xmlns:p="http://schemas.openxmlformats.org/presentationml/2006/main">
+  <p:cSld>
+    <p:spTree>
+      <p:nvGrpSpPr>
+        <p:cNvPr id="1" name=""/>
+        <p:cNvGrpSpPr/>
+        <p:nvPr/>
+      </p:nvGrpSpPr>
+      <p:grpSpPr/>
+      <p:pic>
+        <p:nvPicPr>
+          <p:cNvPr id="3" name="Picture 2" descr="Bias-variance-trade-off-in-machine-learning-This-figure-illustrates-the-trade-off"/>
+          <p:cNvPicPr>
+            <a:picLocks noChangeAspect="1"/>
+          </p:cNvPicPr>
+          <p:nvPr/>
+        </p:nvPicPr>
+        <p:blipFill>
+          <a:blip r:embed="rId1"/>
+          <a:stretch>
+            <a:fillRect/>
+          </a:stretch>
+        </p:blipFill>
+        <p:spPr>
+          <a:xfrm>
+            <a:off x="1701800" y="123825"/>
+            <a:ext cx="7172325" cy="6734175"/>
+          </a:xfrm>
+          <a:prstGeom prst="rect">
+            <a:avLst/>
+          </a:prstGeom>
+        </p:spPr>
+      </p:pic>
+    </p:spTree>
+  </p:cSld>
+  <p:clrMapOvr>
+    <a:masterClrMapping/>
+  </p:clrMapOvr>
+</p:sld>
+</file>
+
+<file path=ppt/slides/slide6.xml><?xml version="1.0" encoding="utf-8"?>
+<p:sld xmlns:a="http://schemas.openxmlformats.org/drawingml/2006/main" xmlns:r="http://schemas.openxmlformats.org/officeDocument/2006/relationships" xmlns:p="http://schemas.openxmlformats.org/presentationml/2006/main">
+  <p:cSld>
+    <p:spTree>
+      <p:nvGrpSpPr>
+        <p:cNvPr id="1" name=""/>
+        <p:cNvGrpSpPr/>
+        <p:nvPr/>
+      </p:nvGrpSpPr>
+      <p:grpSpPr/>
+      <p:sp>
+        <p:nvSpPr>
+          <p:cNvPr id="2" name="Text Box 1"/>
+          <p:cNvSpPr txBox="1"/>
+          <p:nvPr/>
+        </p:nvSpPr>
+        <p:spPr>
+          <a:xfrm>
+            <a:off x="1603375" y="948690"/>
+            <a:ext cx="8503285" cy="583565"/>
+          </a:xfrm>
+          <a:prstGeom prst="rect">
+            <a:avLst/>
+          </a:prstGeom>
+        </p:spPr>
+        <p:txBody>
+          <a:bodyPr wrap="square">
+            <a:spAutoFit/>
+          </a:bodyPr>
+          <a:p>
+            <a:pPr marL="0" indent="0" fontAlgn="base">
+              <a:spcAft>
+                <a:spcPct val="60000"/>
+              </a:spcAft>
+            </a:pPr>
+            <a:r>
+              <a:rPr sz="3200" b="1" i="0">
+                <a:solidFill>
+                  <a:srgbClr val="C00000"/>
+                </a:solidFill>
+                <a:effectLst>
+                  <a:outerShdw blurRad="38100" dist="38100" dir="2700000" algn="tl">
+                    <a:srgbClr val="000000">
+                      <a:alpha val="43137"/>
+                    </a:srgbClr>
+                  </a:outerShdw>
+                </a:effectLst>
+                <a:latin typeface="Arial" panose="020B0604020202020204" pitchFamily="34" charset="0"/>
+                <a:ea typeface="system-ui"/>
+                <a:cs typeface="Arial" panose="020B0604020202020204" pitchFamily="34" charset="0"/>
+              </a:rPr>
+              <a:t> Regularization help reduce Overfitting?</a:t>
+            </a:r>
+            <a:endParaRPr sz="3200" b="1" i="0">
+              <a:solidFill>
+                <a:srgbClr val="C00000"/>
+              </a:solidFill>
+              <a:effectLst>
+                <a:outerShdw blurRad="38100" dist="38100" dir="2700000" algn="tl">
+                  <a:srgbClr val="000000">
+                    <a:alpha val="43137"/>
+                  </a:srgbClr>
+                </a:outerShdw>
+              </a:effectLst>
+              <a:latin typeface="Arial" panose="020B0604020202020204" pitchFamily="34" charset="0"/>
+              <a:ea typeface="system-ui"/>
+              <a:cs typeface="Arial" panose="020B0604020202020204" pitchFamily="34" charset="0"/>
+            </a:endParaRPr>
+          </a:p>
+        </p:txBody>
+      </p:sp>
+    </p:spTree>
+  </p:cSld>
+  <p:clrMapOvr>
+    <a:masterClrMapping/>
+  </p:clrMapOvr>
+</p:sld>
+</file>
+
+<file path=ppt/slides/slide7.xml><?xml version="1.0" encoding="utf-8"?>
+<p:sld xmlns:a="http://schemas.openxmlformats.org/drawingml/2006/main" xmlns:r="http://schemas.openxmlformats.org/officeDocument/2006/relationships" xmlns:p="http://schemas.openxmlformats.org/presentationml/2006/main">
+  <p:cSld>
+    <p:spTree>
+      <p:nvGrpSpPr>
+        <p:cNvPr id="1" name=""/>
+        <p:cNvGrpSpPr/>
+        <p:nvPr/>
+      </p:nvGrpSpPr>
+      <p:grpSpPr/>
+      <p:sp>
+        <p:nvSpPr>
+          <p:cNvPr id="2" name="Text Box 1"/>
+          <p:cNvSpPr txBox="1"/>
+          <p:nvPr/>
+        </p:nvSpPr>
+        <p:spPr>
+          <a:xfrm>
+            <a:off x="1285240" y="704215"/>
+            <a:ext cx="6096000" cy="1348105"/>
+          </a:xfrm>
+          <a:prstGeom prst="rect">
+            <a:avLst/>
+          </a:prstGeom>
+          <a:noFill/>
+        </p:spPr>
+        <p:txBody>
+          <a:bodyPr wrap="square" rtlCol="0" anchor="t">
+            <a:spAutoFit/>
+          </a:bodyPr>
+          <a:p>
+            <a:pPr marL="0" indent="0" fontAlgn="base">
+              <a:spcBef>
+                <a:spcPct val="0"/>
+              </a:spcBef>
+              <a:spcAft>
+                <a:spcPts val="200"/>
+              </a:spcAft>
+            </a:pPr>
+            <a:r>
+              <a:rPr lang="en-IN" sz="4000" b="1">
+                <a:solidFill>
+                  <a:srgbClr val="FF0000"/>
+                </a:solidFill>
+                <a:effectLst>
+                  <a:outerShdw blurRad="38100" dist="38100" dir="2700000" algn="tl">
+                    <a:srgbClr val="000000">
+                      <a:alpha val="43137"/>
+                    </a:srgbClr>
+                  </a:outerShdw>
+                </a:effectLst>
+                <a:latin typeface="Georgia" panose="02040502050405020303"/>
+                <a:ea typeface="Georgia" panose="02040502050405020303"/>
+                <a:sym typeface="+mn-ea"/>
+              </a:rPr>
+              <a:t>Regularizations</a:t>
+            </a:r>
+            <a:endParaRPr lang="en-IN" sz="4000" b="1">
+              <a:solidFill>
+                <a:srgbClr val="FF0000"/>
+              </a:solidFill>
+              <a:effectLst>
+                <a:outerShdw blurRad="38100" dist="38100" dir="2700000" algn="tl">
+                  <a:srgbClr val="000000">
+                    <a:alpha val="43137"/>
+                  </a:srgbClr>
+                </a:outerShdw>
+              </a:effectLst>
+              <a:latin typeface="Georgia" panose="02040502050405020303"/>
+              <a:ea typeface="Georgia" panose="02040502050405020303"/>
+              <a:sym typeface="+mn-ea"/>
+            </a:endParaRPr>
+          </a:p>
+          <a:p>
+            <a:pPr marL="0" indent="0" fontAlgn="base">
+              <a:spcBef>
+                <a:spcPct val="0"/>
+              </a:spcBef>
+              <a:spcAft>
+                <a:spcPts val="200"/>
+              </a:spcAft>
+            </a:pPr>
+            <a:endParaRPr lang="en-IN" sz="4000" b="1">
+              <a:solidFill>
+                <a:srgbClr val="FF0000"/>
+              </a:solidFill>
+              <a:effectLst>
+                <a:outerShdw blurRad="38100" dist="38100" dir="2700000" algn="tl">
+                  <a:srgbClr val="000000">
+                    <a:alpha val="43137"/>
+                  </a:srgbClr>
+                </a:outerShdw>
+              </a:effectLst>
+              <a:latin typeface="Georgia" panose="02040502050405020303"/>
+              <a:ea typeface="Georgia" panose="02040502050405020303"/>
+              <a:sym typeface="+mn-ea"/>
+            </a:endParaRPr>
+          </a:p>
+        </p:txBody>
+      </p:sp>
+      <p:sp>
+        <p:nvSpPr>
+          <p:cNvPr id="3" name="Text Box 2"/>
+          <p:cNvSpPr txBox="1"/>
+          <p:nvPr/>
+        </p:nvSpPr>
+        <p:spPr>
+          <a:xfrm>
+            <a:off x="968375" y="6339840"/>
+            <a:ext cx="7535545" cy="368300"/>
+          </a:xfrm>
+          <a:prstGeom prst="rect">
+            <a:avLst/>
+          </a:prstGeom>
+          <a:noFill/>
+        </p:spPr>
+        <p:txBody>
+          <a:bodyPr wrap="square" rtlCol="0" anchor="t">
+            <a:spAutoFit/>
+          </a:bodyPr>
+          <a:p>
+            <a:r>
+              <a:rPr lang="en-US" altLang="en-US"/>
+              <a:t>https://zilliz.com/learn/understanding-regularization-in-nueral-networks</a:t>
+            </a:r>
+            <a:endParaRPr lang="en-US"/>
+          </a:p>
+        </p:txBody>
+      </p:sp>
+      <p:sp>
+        <p:nvSpPr>
+          <p:cNvPr id="4" name="Text Box 3"/>
+          <p:cNvSpPr txBox="1"/>
+          <p:nvPr/>
+        </p:nvSpPr>
+        <p:spPr>
+          <a:xfrm>
+            <a:off x="1179195" y="1644650"/>
+            <a:ext cx="9387205" cy="4769485"/>
+          </a:xfrm>
+          <a:prstGeom prst="rect">
+            <a:avLst/>
+          </a:prstGeom>
+        </p:spPr>
+        <p:txBody>
+          <a:bodyPr wrap="square">
+            <a:spAutoFit/>
+          </a:bodyPr>
+          <a:p>
+            <a:pPr marL="0" indent="0">
+              <a:spcAft>
+                <a:spcPct val="0"/>
+              </a:spcAft>
+            </a:pPr>
+            <a:r>
+              <a:rPr sz="2000" b="0" i="0">
+                <a:latin typeface="Arial" panose="020B0604020202020204" pitchFamily="34" charset="0"/>
+                <a:ea typeface="__gtPlanar_9a6492"/>
+                <a:cs typeface="Arial" panose="020B0604020202020204" pitchFamily="34" charset="0"/>
+              </a:rPr>
+              <a:t>Regularization techniques help improve a neural network’s generalization ability by reducing overfitting. They do this by minimizing needless complexity and exposing the network to more diverse data. This article will cover common regularization techniques:</a:t>
+            </a:r>
+            <a:endParaRPr sz="2000" b="0" i="0">
+              <a:latin typeface="Arial" panose="020B0604020202020204" pitchFamily="34" charset="0"/>
+              <a:ea typeface="__gtPlanar_9a6492"/>
+              <a:cs typeface="Arial" panose="020B0604020202020204" pitchFamily="34" charset="0"/>
+            </a:endParaRPr>
+          </a:p>
+          <a:p>
+            <a:pPr marL="457200" lvl="1" indent="0">
+              <a:spcBef>
+                <a:spcPct val="0"/>
+              </a:spcBef>
+              <a:spcAft>
+                <a:spcPct val="0"/>
+              </a:spcAft>
+              <a:buFont typeface="Arial" panose="020B0604020202020204"/>
+              <a:buChar char="•"/>
+            </a:pPr>
+            <a:endParaRPr sz="2800" b="0" i="0">
+              <a:solidFill>
+                <a:srgbClr val="000000"/>
+              </a:solidFill>
+              <a:latin typeface="Arial" panose="020B0604020202020204" pitchFamily="34" charset="0"/>
+              <a:ea typeface="__gtPlanar_9a6492"/>
+              <a:cs typeface="Arial" panose="020B0604020202020204" pitchFamily="34" charset="0"/>
+            </a:endParaRPr>
+          </a:p>
+          <a:p>
+            <a:pPr marL="457200" lvl="1" indent="0">
+              <a:spcBef>
+                <a:spcPct val="0"/>
+              </a:spcBef>
+              <a:spcAft>
+                <a:spcPct val="0"/>
+              </a:spcAft>
+              <a:buFont typeface="Arial" panose="020B0604020202020204"/>
+              <a:buChar char="•"/>
+            </a:pPr>
+            <a:r>
+              <a:rPr sz="2800" b="0" i="0">
+                <a:solidFill>
+                  <a:srgbClr val="000000"/>
+                </a:solidFill>
+                <a:latin typeface="Arial" panose="020B0604020202020204" pitchFamily="34" charset="0"/>
+                <a:ea typeface="__gtPlanar_9a6492"/>
+                <a:cs typeface="Arial" panose="020B0604020202020204" pitchFamily="34" charset="0"/>
+              </a:rPr>
+              <a:t>L1</a:t>
+            </a:r>
+            <a:r>
+              <a:rPr lang="en-US" sz="2800" b="0" i="0">
+                <a:solidFill>
+                  <a:srgbClr val="000000"/>
+                </a:solidFill>
+                <a:latin typeface="Arial" panose="020B0604020202020204" pitchFamily="34" charset="0"/>
+                <a:ea typeface="__gtPlanar_9a6492"/>
+                <a:cs typeface="Arial" panose="020B0604020202020204" pitchFamily="34" charset="0"/>
+              </a:rPr>
+              <a:t>(lasso)</a:t>
+            </a:r>
+            <a:r>
+              <a:rPr sz="2800" b="0" i="0">
+                <a:solidFill>
+                  <a:srgbClr val="000000"/>
+                </a:solidFill>
+                <a:latin typeface="Arial" panose="020B0604020202020204" pitchFamily="34" charset="0"/>
+                <a:ea typeface="__gtPlanar_9a6492"/>
+                <a:cs typeface="Arial" panose="020B0604020202020204" pitchFamily="34" charset="0"/>
+              </a:rPr>
+              <a:t> and L2</a:t>
+            </a:r>
+            <a:r>
+              <a:rPr lang="en-US" sz="2800" b="0" i="0">
+                <a:solidFill>
+                  <a:srgbClr val="000000"/>
+                </a:solidFill>
+                <a:latin typeface="Arial" panose="020B0604020202020204" pitchFamily="34" charset="0"/>
+                <a:ea typeface="__gtPlanar_9a6492"/>
+                <a:cs typeface="Arial" panose="020B0604020202020204" pitchFamily="34" charset="0"/>
+              </a:rPr>
+              <a:t>(Ridge)</a:t>
+            </a:r>
+            <a:r>
+              <a:rPr sz="2800" b="0" i="0">
+                <a:solidFill>
+                  <a:srgbClr val="000000"/>
+                </a:solidFill>
+                <a:latin typeface="Arial" panose="020B0604020202020204" pitchFamily="34" charset="0"/>
+                <a:ea typeface="__gtPlanar_9a6492"/>
+                <a:cs typeface="Arial" panose="020B0604020202020204" pitchFamily="34" charset="0"/>
+              </a:rPr>
+              <a:t> regularization</a:t>
+            </a:r>
+            <a:endParaRPr sz="2800" b="0" i="0">
+              <a:solidFill>
+                <a:srgbClr val="000000"/>
+              </a:solidFill>
+              <a:latin typeface="Arial" panose="020B0604020202020204" pitchFamily="34" charset="0"/>
+              <a:ea typeface="__gtPlanar_9a6492"/>
+              <a:cs typeface="Arial" panose="020B0604020202020204" pitchFamily="34" charset="0"/>
+            </a:endParaRPr>
+          </a:p>
+          <a:p>
+            <a:pPr marL="457200" lvl="1" indent="0">
+              <a:spcBef>
+                <a:spcPct val="0"/>
+              </a:spcBef>
+              <a:spcAft>
+                <a:spcPct val="0"/>
+              </a:spcAft>
+              <a:buFont typeface="Arial" panose="020B0604020202020204"/>
+              <a:buChar char="•"/>
+            </a:pPr>
+            <a:r>
+              <a:rPr sz="2800">
+                <a:solidFill>
+                  <a:srgbClr val="000000"/>
+                </a:solidFill>
+                <a:latin typeface="Arial" panose="020B0604020202020204" pitchFamily="34" charset="0"/>
+                <a:ea typeface="__gtPlanar_9a6492"/>
+                <a:cs typeface="Arial" panose="020B0604020202020204" pitchFamily="34" charset="0"/>
+                <a:sym typeface="+mn-ea"/>
+              </a:rPr>
+              <a:t>Early stopping</a:t>
+            </a:r>
+            <a:endParaRPr sz="2800">
+              <a:solidFill>
+                <a:srgbClr val="000000"/>
+              </a:solidFill>
+              <a:latin typeface="Arial" panose="020B0604020202020204" pitchFamily="34" charset="0"/>
+              <a:ea typeface="__gtPlanar_9a6492"/>
+              <a:cs typeface="Arial" panose="020B0604020202020204" pitchFamily="34" charset="0"/>
+              <a:sym typeface="+mn-ea"/>
+            </a:endParaRPr>
+          </a:p>
+          <a:p>
+            <a:pPr marL="457200" lvl="1" indent="0">
+              <a:spcBef>
+                <a:spcPct val="0"/>
+              </a:spcBef>
+              <a:spcAft>
+                <a:spcPct val="0"/>
+              </a:spcAft>
+              <a:buFont typeface="Arial" panose="020B0604020202020204"/>
+              <a:buChar char="•"/>
+            </a:pPr>
+            <a:r>
+              <a:rPr sz="2800">
+                <a:solidFill>
+                  <a:srgbClr val="000000"/>
+                </a:solidFill>
+                <a:latin typeface="Arial" panose="020B0604020202020204" pitchFamily="34" charset="0"/>
+                <a:ea typeface="__gtPlanar_9a6492"/>
+                <a:cs typeface="Arial" panose="020B0604020202020204" pitchFamily="34" charset="0"/>
+                <a:sym typeface="+mn-ea"/>
+              </a:rPr>
+              <a:t>Dropout</a:t>
+            </a:r>
+            <a:endParaRPr sz="2800">
+              <a:solidFill>
+                <a:srgbClr val="000000"/>
+              </a:solidFill>
+              <a:latin typeface="Arial" panose="020B0604020202020204" pitchFamily="34" charset="0"/>
+              <a:ea typeface="__gtPlanar_9a6492"/>
+              <a:cs typeface="Arial" panose="020B0604020202020204" pitchFamily="34" charset="0"/>
+              <a:sym typeface="+mn-ea"/>
+            </a:endParaRPr>
+          </a:p>
+          <a:p>
+            <a:pPr marL="457200" lvl="1" indent="0">
+              <a:spcBef>
+                <a:spcPct val="0"/>
+              </a:spcBef>
+              <a:spcAft>
+                <a:spcPct val="0"/>
+              </a:spcAft>
+              <a:buFont typeface="Arial" panose="020B0604020202020204"/>
+              <a:buChar char="•"/>
+            </a:pPr>
+            <a:r>
+              <a:rPr lang="en-US" sz="2800">
+                <a:solidFill>
+                  <a:srgbClr val="000000"/>
+                </a:solidFill>
+                <a:latin typeface="Arial" panose="020B0604020202020204" pitchFamily="34" charset="0"/>
+                <a:ea typeface="__gtPlanar_9a6492"/>
+                <a:cs typeface="Arial" panose="020B0604020202020204" pitchFamily="34" charset="0"/>
+                <a:sym typeface="+mn-ea"/>
+              </a:rPr>
+              <a:t>CallBack</a:t>
+            </a:r>
+            <a:endParaRPr sz="2800" b="0" i="0">
+              <a:solidFill>
+                <a:srgbClr val="000000"/>
+              </a:solidFill>
+              <a:latin typeface="Arial" panose="020B0604020202020204" pitchFamily="34" charset="0"/>
+              <a:ea typeface="__gtPlanar_9a6492"/>
+              <a:cs typeface="Arial" panose="020B0604020202020204" pitchFamily="34" charset="0"/>
+            </a:endParaRPr>
+          </a:p>
+          <a:p>
+            <a:pPr marL="457200" lvl="1" indent="0">
+              <a:spcBef>
+                <a:spcPct val="0"/>
+              </a:spcBef>
+              <a:spcAft>
+                <a:spcPct val="0"/>
+              </a:spcAft>
+              <a:buFont typeface="Arial" panose="020B0604020202020204"/>
+              <a:buChar char="•"/>
+            </a:pPr>
+            <a:r>
+              <a:rPr sz="2800" b="0" i="0">
+                <a:solidFill>
+                  <a:srgbClr val="000000"/>
+                </a:solidFill>
+                <a:latin typeface="Arial" panose="020B0604020202020204" pitchFamily="34" charset="0"/>
+                <a:ea typeface="__gtPlanar_9a6492"/>
+                <a:cs typeface="Arial" panose="020B0604020202020204" pitchFamily="34" charset="0"/>
+              </a:rPr>
+              <a:t>Data augmentation</a:t>
+            </a:r>
+            <a:endParaRPr sz="2800" b="0" i="0">
+              <a:solidFill>
+                <a:srgbClr val="000000"/>
+              </a:solidFill>
+              <a:latin typeface="Arial" panose="020B0604020202020204" pitchFamily="34" charset="0"/>
+              <a:ea typeface="__gtPlanar_9a6492"/>
+              <a:cs typeface="Arial" panose="020B0604020202020204" pitchFamily="34" charset="0"/>
+            </a:endParaRPr>
+          </a:p>
+          <a:p>
+            <a:pPr marL="457200" lvl="1" indent="0">
+              <a:spcBef>
+                <a:spcPct val="0"/>
+              </a:spcBef>
+              <a:spcAft>
+                <a:spcPct val="0"/>
+              </a:spcAft>
+              <a:buFont typeface="Arial" panose="020B0604020202020204"/>
+              <a:buChar char="•"/>
+            </a:pPr>
+            <a:r>
+              <a:rPr sz="2800" b="0" i="0">
+                <a:solidFill>
+                  <a:srgbClr val="000000"/>
+                </a:solidFill>
+                <a:latin typeface="Arial" panose="020B0604020202020204" pitchFamily="34" charset="0"/>
+                <a:ea typeface="__gtPlanar_9a6492"/>
+                <a:cs typeface="Arial" panose="020B0604020202020204" pitchFamily="34" charset="0"/>
+              </a:rPr>
+              <a:t>Addition of noise</a:t>
+            </a:r>
+            <a:endParaRPr sz="2800" b="0" i="0">
+              <a:solidFill>
+                <a:srgbClr val="000000"/>
+              </a:solidFill>
+              <a:latin typeface="Arial" panose="020B0604020202020204" pitchFamily="34" charset="0"/>
+              <a:ea typeface="__gtPlanar_9a6492"/>
+              <a:cs typeface="Arial" panose="020B0604020202020204" pitchFamily="34" charset="0"/>
+            </a:endParaRPr>
+          </a:p>
+          <a:p>
+            <a:pPr marL="457200" lvl="1" indent="0">
+              <a:spcBef>
+                <a:spcPct val="0"/>
+              </a:spcBef>
+              <a:spcAft>
+                <a:spcPct val="0"/>
+              </a:spcAft>
+              <a:buFont typeface="Arial" panose="020B0604020202020204"/>
+              <a:buChar char="•"/>
+            </a:pPr>
+            <a:endParaRPr sz="2800" b="0" i="0">
+              <a:solidFill>
+                <a:srgbClr val="000000"/>
+              </a:solidFill>
+              <a:latin typeface="Arial" panose="020B0604020202020204" pitchFamily="34" charset="0"/>
+              <a:ea typeface="__gtPlanar_9a6492"/>
+              <a:cs typeface="Arial" panose="020B0604020202020204" pitchFamily="34" charset="0"/>
+            </a:endParaRPr>
+          </a:p>
+        </p:txBody>
+      </p:sp>
+    </p:spTree>
+  </p:cSld>
+  <p:clrMapOvr>
+    <a:masterClrMapping/>
+  </p:clrMapOvr>
+</p:sld>
+</file>
+
+<file path=ppt/slides/slide8.xml><?xml version="1.0" encoding="utf-8"?>
 <p:sld xmlns:a="http://schemas.openxmlformats.org/drawingml/2006/main" xmlns:r="http://schemas.openxmlformats.org/officeDocument/2006/relationships" xmlns:p="http://schemas.openxmlformats.org/presentationml/2006/main">
   <p:cSld>
     <p:spTree>
@@ -5620,7 +8701,7 @@
               <a:t>1</a:t>
             </a:r>
             <a:r>
-              <a:rPr lang="" altLang="en-US" sz="2400" b="1">
+              <a:rPr lang="en-US" altLang="en-US" sz="2400" b="1">
                 <a:solidFill>
                   <a:srgbClr val="FF0000"/>
                 </a:solidFill>
@@ -5781,7 +8862,7 @@
 </p:sld>
 </file>
 
-<file path=ppt/slides/slide6.xml><?xml version="1.0" encoding="utf-8"?>
+<file path=ppt/slides/slide9.xml><?xml version="1.0" encoding="utf-8"?>
 <p:sld xmlns:a="http://schemas.openxmlformats.org/drawingml/2006/main" xmlns:r="http://schemas.openxmlformats.org/officeDocument/2006/relationships" xmlns:p="http://schemas.openxmlformats.org/presentationml/2006/main">
   <p:cSld>
     <p:spTree>
@@ -6014,646 +9095,6 @@
           </a:prstGeom>
         </p:spPr>
       </p:pic>
-    </p:spTree>
-  </p:cSld>
-  <p:clrMapOvr>
-    <a:masterClrMapping/>
-  </p:clrMapOvr>
-</p:sld>
-</file>
-
-<file path=ppt/slides/slide7.xml><?xml version="1.0" encoding="utf-8"?>
-<p:sld xmlns:a="http://schemas.openxmlformats.org/drawingml/2006/main" xmlns:r="http://schemas.openxmlformats.org/officeDocument/2006/relationships" xmlns:p="http://schemas.openxmlformats.org/presentationml/2006/main">
-  <p:cSld>
-    <p:spTree>
-      <p:nvGrpSpPr>
-        <p:cNvPr id="1" name=""/>
-        <p:cNvGrpSpPr/>
-        <p:nvPr/>
-      </p:nvGrpSpPr>
-      <p:grpSpPr/>
-      <p:sp>
-        <p:nvSpPr>
-          <p:cNvPr id="2" name="Text Box 1"/>
-          <p:cNvSpPr txBox="1"/>
-          <p:nvPr/>
-        </p:nvSpPr>
-        <p:spPr>
-          <a:xfrm>
-            <a:off x="127635" y="0"/>
-            <a:ext cx="11581765" cy="6096635"/>
-          </a:xfrm>
-          <a:prstGeom prst="rect">
-            <a:avLst/>
-          </a:prstGeom>
-        </p:spPr>
-        <p:txBody>
-          <a:bodyPr wrap="square">
-            <a:spAutoFit/>
-          </a:bodyPr>
-          <a:p>
-            <a:pPr>
-              <a:spcAft>
-                <a:spcPct val="60000"/>
-              </a:spcAft>
-            </a:pPr>
-            <a:r>
-              <a:rPr sz="2300" b="1">
-                <a:solidFill>
-                  <a:srgbClr val="FF0000"/>
-                </a:solidFill>
-                <a:effectLst>
-                  <a:outerShdw blurRad="38100" dist="38100" dir="2700000" algn="tl">
-                    <a:srgbClr val="000000">
-                      <a:alpha val="43137"/>
-                    </a:srgbClr>
-                  </a:outerShdw>
-                </a:effectLst>
-              </a:rPr>
-              <a:t>3</a:t>
-            </a:r>
-            <a:r>
-              <a:rPr lang="en-US" sz="2300" b="1">
-                <a:solidFill>
-                  <a:srgbClr val="FF0000"/>
-                </a:solidFill>
-                <a:effectLst>
-                  <a:outerShdw blurRad="38100" dist="38100" dir="2700000" algn="tl">
-                    <a:srgbClr val="000000">
-                      <a:alpha val="43137"/>
-                    </a:srgbClr>
-                  </a:outerShdw>
-                </a:effectLst>
-              </a:rPr>
-              <a:t>.</a:t>
-            </a:r>
-            <a:r>
-              <a:rPr sz="2300" b="1">
-                <a:solidFill>
-                  <a:srgbClr val="FF0000"/>
-                </a:solidFill>
-                <a:effectLst>
-                  <a:outerShdw blurRad="38100" dist="38100" dir="2700000" algn="tl">
-                    <a:srgbClr val="000000">
-                      <a:alpha val="43137"/>
-                    </a:srgbClr>
-                  </a:outerShdw>
-                </a:effectLst>
-              </a:rPr>
-              <a:t> ElasticNet Regularization (Combination of L1 &amp; L2)</a:t>
-            </a:r>
-            <a:endParaRPr sz="2300" b="1">
-              <a:solidFill>
-                <a:srgbClr val="FF0000"/>
-              </a:solidFill>
-              <a:effectLst>
-                <a:outerShdw blurRad="38100" dist="38100" dir="2700000" algn="tl">
-                  <a:srgbClr val="000000">
-                    <a:alpha val="43137"/>
-                  </a:srgbClr>
-                </a:outerShdw>
-              </a:effectLst>
-            </a:endParaRPr>
-          </a:p>
-          <a:p>
-            <a:pPr>
-              <a:spcAft>
-                <a:spcPct val="60000"/>
-              </a:spcAft>
-            </a:pPr>
-            <a:r>
-              <a:rPr sz="2200" b="1"/>
-              <a:t>📖 Definition:</a:t>
-            </a:r>
-            <a:endParaRPr sz="2200" b="1"/>
-          </a:p>
-          <a:p>
-            <a:r>
-              <a:rPr sz="1600"/>
-              <a:t>ElasticNet is a hybrid of L1 and L2 regularization. It balances sparsity and smooth weight shrinkage.</a:t>
-            </a:r>
-            <a:endParaRPr sz="1600"/>
-          </a:p>
-          <a:p>
-            <a:r>
-              <a:rPr sz="1600"/>
-              <a:t>📌 ElasticNet Regularization Formula:</a:t>
-            </a:r>
-            <a:endParaRPr sz="1600"/>
-          </a:p>
-          <a:p>
-            <a:pPr>
-              <a:spcAft>
-                <a:spcPct val="60000"/>
-              </a:spcAft>
-            </a:pPr>
-            <a:endParaRPr sz="2200" b="1"/>
-          </a:p>
-          <a:p>
-            <a:pPr>
-              <a:spcAft>
-                <a:spcPct val="60000"/>
-              </a:spcAft>
-            </a:pPr>
-            <a:r>
-              <a:rPr sz="2200" b="1"/>
-              <a:t>✅ Pros:</a:t>
-            </a:r>
-            <a:endParaRPr sz="2200" b="1"/>
-          </a:p>
-          <a:p>
-            <a:r>
-              <a:rPr sz="1600"/>
-              <a:t>✔ Provides the best of both L1 and L2.</a:t>
-            </a:r>
-            <a:endParaRPr sz="1600"/>
-          </a:p>
-          <a:p>
-            <a:r>
-              <a:rPr sz="1600"/>
-              <a:t> ✔ Works well when features are highly correlated.</a:t>
-            </a:r>
-            <a:endParaRPr sz="1600"/>
-          </a:p>
-          <a:p>
-            <a:pPr>
-              <a:spcAft>
-                <a:spcPct val="60000"/>
-              </a:spcAft>
-            </a:pPr>
-            <a:r>
-              <a:rPr sz="2200" b="1"/>
-              <a:t>❌ Cons:</a:t>
-            </a:r>
-            <a:endParaRPr sz="2200" b="1"/>
-          </a:p>
-          <a:p>
-            <a:r>
-              <a:rPr sz="1600"/>
-              <a:t>❌ Requires tuning of both</a:t>
-            </a:r>
-            <a:r>
-              <a:rPr lang="en-US" sz="1600"/>
-              <a:t> </a:t>
-            </a:r>
-            <a:r>
-              <a:rPr sz="1600"/>
-              <a:t>λ1</a:t>
-            </a:r>
-            <a:r>
-              <a:rPr lang="en-US" sz="1600"/>
-              <a:t> </a:t>
-            </a:r>
-            <a:r>
-              <a:rPr sz="1600"/>
-              <a:t>and λ2​.</a:t>
-            </a:r>
-            <a:endParaRPr sz="1600"/>
-          </a:p>
-          <a:p>
-            <a:pPr>
-              <a:spcAft>
-                <a:spcPct val="60000"/>
-              </a:spcAft>
-            </a:pPr>
-            <a:r>
-              <a:rPr sz="2200" b="1"/>
-              <a:t>💻 Code Example (ElasticNet in TensorFlow/Keras):</a:t>
-            </a:r>
-            <a:endParaRPr sz="2200" b="1"/>
-          </a:p>
-          <a:p>
-            <a:r>
-              <a:rPr sz="1600"/>
-              <a:t>python</a:t>
-            </a:r>
-            <a:endParaRPr sz="1600"/>
-          </a:p>
-          <a:p>
-            <a:r>
-              <a:rPr sz="1600"/>
-              <a:t>CopyEdit</a:t>
-            </a:r>
-            <a:endParaRPr sz="1600"/>
-          </a:p>
-          <a:p>
-            <a:r>
-              <a:rPr sz="1600"/>
-              <a:t>from tensorflow.keras.regularizers import l1_l2
-model.add(Dense(64, activation='relu', kernel_regularizer=l1_l2(l1=0.01, l2=0.01)))</a:t>
-            </a:r>
-            <a:endParaRPr sz="1600"/>
-          </a:p>
-        </p:txBody>
-      </p:sp>
-      <p:pic>
-        <p:nvPicPr>
-          <p:cNvPr id="3" name="Picture 2"/>
-          <p:cNvPicPr>
-            <a:picLocks noChangeAspect="1"/>
-          </p:cNvPicPr>
-          <p:nvPr/>
-        </p:nvPicPr>
-        <p:blipFill>
-          <a:blip r:embed="rId1"/>
-          <a:stretch>
-            <a:fillRect/>
-          </a:stretch>
-        </p:blipFill>
-        <p:spPr>
-          <a:xfrm>
-            <a:off x="5118735" y="1605915"/>
-            <a:ext cx="5838825" cy="2114550"/>
-          </a:xfrm>
-          <a:prstGeom prst="rect">
-            <a:avLst/>
-          </a:prstGeom>
-        </p:spPr>
-      </p:pic>
-    </p:spTree>
-  </p:cSld>
-  <p:clrMapOvr>
-    <a:masterClrMapping/>
-  </p:clrMapOvr>
-</p:sld>
-</file>
-
-<file path=ppt/slides/slide8.xml><?xml version="1.0" encoding="utf-8"?>
-<p:sld xmlns:a="http://schemas.openxmlformats.org/drawingml/2006/main" xmlns:r="http://schemas.openxmlformats.org/officeDocument/2006/relationships" xmlns:p="http://schemas.openxmlformats.org/presentationml/2006/main">
-  <p:cSld>
-    <p:spTree>
-      <p:nvGrpSpPr>
-        <p:cNvPr id="1" name=""/>
-        <p:cNvGrpSpPr/>
-        <p:nvPr/>
-      </p:nvGrpSpPr>
-      <p:grpSpPr/>
-      <p:sp>
-        <p:nvSpPr>
-          <p:cNvPr id="2" name="Text Box 1"/>
-          <p:cNvSpPr txBox="1"/>
-          <p:nvPr/>
-        </p:nvSpPr>
-        <p:spPr>
-          <a:xfrm>
-            <a:off x="299720" y="130810"/>
-            <a:ext cx="7958455" cy="2042795"/>
-          </a:xfrm>
-          <a:prstGeom prst="rect">
-            <a:avLst/>
-          </a:prstGeom>
-        </p:spPr>
-        <p:txBody>
-          <a:bodyPr wrap="square">
-            <a:spAutoFit/>
-          </a:bodyPr>
-          <a:p>
-            <a:pPr>
-              <a:spcAft>
-                <a:spcPct val="60000"/>
-              </a:spcAft>
-            </a:pPr>
-            <a:r>
-              <a:rPr sz="2300" b="1"/>
-              <a:t>📌 Regularization Rate (Lambda, λ)</a:t>
-            </a:r>
-            <a:endParaRPr sz="2300" b="1"/>
-          </a:p>
-          <a:p>
-            <a:r>
-              <a:rPr sz="1600"/>
-              <a:t>The regularization rateλ\lambdaλ controls how much penalty is applied to large weights:</a:t>
-            </a:r>
-            <a:endParaRPr sz="1600"/>
-          </a:p>
-          <a:p>
-            <a:pPr>
-              <a:buFont typeface="Arial" panose="020B0604020202020204"/>
-              <a:buChar char="•"/>
-            </a:pPr>
-            <a:r>
-              <a:rPr sz="1600"/>
-              <a:t>Low λ → Less penalty (model can overfit).</a:t>
-            </a:r>
-            <a:endParaRPr sz="1600"/>
-          </a:p>
-          <a:p>
-            <a:pPr>
-              <a:buFont typeface="Arial" panose="020B0604020202020204"/>
-              <a:buChar char="•"/>
-            </a:pPr>
-            <a:r>
-              <a:rPr sz="1600"/>
-              <a:t>High λ → More penalty (model can underfit).</a:t>
-            </a:r>
-            <a:endParaRPr sz="1600"/>
-          </a:p>
-          <a:p>
-            <a:pPr>
-              <a:buFont typeface="Arial" panose="020B0604020202020204"/>
-              <a:buChar char="•"/>
-            </a:pPr>
-            <a:r>
-              <a:rPr sz="1600"/>
-              <a:t>Optimal λ → Found using hyperparameter tuning.</a:t>
-            </a:r>
-            <a:endParaRPr sz="1600"/>
-          </a:p>
-          <a:p>
-            <a:pPr>
-              <a:spcAft>
-                <a:spcPct val="60000"/>
-              </a:spcAft>
-            </a:pPr>
-            <a:endParaRPr sz="2300" b="1"/>
-          </a:p>
-        </p:txBody>
-      </p:sp>
-      <p:sp>
-        <p:nvSpPr>
-          <p:cNvPr id="4" name="Text Box 3"/>
-          <p:cNvSpPr txBox="1"/>
-          <p:nvPr/>
-        </p:nvSpPr>
-        <p:spPr>
-          <a:xfrm>
-            <a:off x="504825" y="4781867"/>
-            <a:ext cx="5080000" cy="1842770"/>
-          </a:xfrm>
-          <a:prstGeom prst="rect">
-            <a:avLst/>
-          </a:prstGeom>
-        </p:spPr>
-        <p:txBody>
-          <a:bodyPr>
-            <a:spAutoFit/>
-          </a:bodyPr>
-          <a:p>
-            <a:endParaRPr sz="2600"/>
-          </a:p>
-          <a:p>
-            <a:pPr>
-              <a:spcAft>
-                <a:spcPct val="60000"/>
-              </a:spcAft>
-            </a:pPr>
-            <a:r>
-              <a:rPr sz="2300" b="1"/>
-              <a:t>📌 Which One Should You Use?</a:t>
-            </a:r>
-            <a:endParaRPr sz="2300" b="1"/>
-          </a:p>
-          <a:p>
-            <a:pPr>
-              <a:buFont typeface="Arial" panose="020B0604020202020204"/>
-              <a:buChar char="•"/>
-            </a:pPr>
-            <a:r>
-              <a:rPr sz="1600"/>
-              <a:t>If you want feature selection → L1 (Lasso).</a:t>
-            </a:r>
-            <a:endParaRPr sz="1600"/>
-          </a:p>
-          <a:p>
-            <a:pPr>
-              <a:buFont typeface="Arial" panose="020B0604020202020204"/>
-              <a:buChar char="•"/>
-            </a:pPr>
-            <a:r>
-              <a:rPr sz="1600"/>
-              <a:t>If you want smooth weight shrinkage → L2 (Ridge).</a:t>
-            </a:r>
-            <a:endParaRPr sz="1600"/>
-          </a:p>
-          <a:p>
-            <a:pPr>
-              <a:buFont typeface="Arial" panose="020B0604020202020204"/>
-              <a:buChar char="•"/>
-            </a:pPr>
-            <a:r>
-              <a:rPr sz="1600"/>
-              <a:t>If your data has correlated features → ElasticNet.</a:t>
-            </a:r>
-            <a:endParaRPr sz="1600"/>
-          </a:p>
-        </p:txBody>
-      </p:sp>
-    </p:spTree>
-  </p:cSld>
-  <p:clrMapOvr>
-    <a:masterClrMapping/>
-  </p:clrMapOvr>
-</p:sld>
-</file>
-
-<file path=ppt/slides/slide9.xml><?xml version="1.0" encoding="utf-8"?>
-<p:sld xmlns:a="http://schemas.openxmlformats.org/drawingml/2006/main" xmlns:r="http://schemas.openxmlformats.org/officeDocument/2006/relationships" xmlns:p="http://schemas.openxmlformats.org/presentationml/2006/main">
-  <p:cSld>
-    <p:spTree>
-      <p:nvGrpSpPr>
-        <p:cNvPr id="1" name=""/>
-        <p:cNvGrpSpPr/>
-        <p:nvPr/>
-      </p:nvGrpSpPr>
-      <p:grpSpPr/>
-      <p:sp>
-        <p:nvSpPr>
-          <p:cNvPr id="2" name="Text Box 1"/>
-          <p:cNvSpPr txBox="1"/>
-          <p:nvPr/>
-        </p:nvSpPr>
-        <p:spPr>
-          <a:xfrm>
-            <a:off x="546100" y="122555"/>
-            <a:ext cx="9099550" cy="5628640"/>
-          </a:xfrm>
-          <a:prstGeom prst="rect">
-            <a:avLst/>
-          </a:prstGeom>
-        </p:spPr>
-        <p:txBody>
-          <a:bodyPr wrap="square">
-            <a:spAutoFit/>
-          </a:bodyPr>
-          <a:p>
-            <a:pPr>
-              <a:spcAft>
-                <a:spcPct val="60000"/>
-              </a:spcAft>
-            </a:pPr>
-            <a:r>
-              <a:rPr sz="2300" b="1"/>
-              <a:t>Why Use Absolute Value in L1 (Lasso)?</a:t>
-            </a:r>
-            <a:endParaRPr sz="2300" b="1"/>
-          </a:p>
-          <a:p>
-            <a:r>
-              <a:rPr sz="1600"/>
-              <a:t>L1 Regularization adds the sum of the absolute values of weights to the loss function:</a:t>
-            </a:r>
-            <a:endParaRPr sz="1600"/>
-          </a:p>
-          <a:p>
-            <a:r>
-              <a:rPr sz="1600"/>
-              <a:t>L=Loss+λ∑∣wi∣i​∣</a:t>
-            </a:r>
-            <a:endParaRPr sz="1600"/>
-          </a:p>
-          <a:p>
-            <a:endParaRPr sz="1600"/>
-          </a:p>
-          <a:p>
-            <a:r>
-              <a:rPr sz="1600"/>
-              <a:t>📌 Key Properties of Absolute Value |w</a:t>
-            </a:r>
-            <a:r>
-              <a:rPr lang="en-US" sz="1600"/>
-              <a:t>|</a:t>
-            </a:r>
-            <a:r>
-              <a:rPr sz="1600"/>
-              <a:t>:</a:t>
-            </a:r>
-            <a:endParaRPr sz="1600"/>
-          </a:p>
-          <a:p>
-            <a:pPr>
-              <a:buFont typeface="Arial" panose="020B0604020202020204"/>
-              <a:buChar char="•"/>
-            </a:pPr>
-            <a:r>
-              <a:rPr sz="1600"/>
-              <a:t>The derivative of |w| is constant (except at zero): </a:t>
-            </a:r>
-            <a:endParaRPr sz="1600"/>
-          </a:p>
-          <a:p>
-            <a:pPr lvl="1">
-              <a:buFont typeface="Arial" panose="020B0604020202020204"/>
-              <a:buChar char="◦"/>
-            </a:pPr>
-            <a:r>
-              <a:rPr sz="1600"/>
-              <a:t>If w&gt;0w &gt; 0w&gt;0, derivative = +1+1+1.</a:t>
-            </a:r>
-            <a:endParaRPr sz="1600"/>
-          </a:p>
-          <a:p>
-            <a:pPr lvl="1">
-              <a:buFont typeface="Arial" panose="020B0604020202020204"/>
-              <a:buChar char="◦"/>
-            </a:pPr>
-            <a:r>
-              <a:rPr sz="1600"/>
-              <a:t>If w&lt;0w &lt; 0w&lt;0, derivative = −1-1−1.</a:t>
-            </a:r>
-            <a:endParaRPr sz="1600"/>
-          </a:p>
-          <a:p>
-            <a:pPr lvl="1">
-              <a:buFont typeface="Arial" panose="020B0604020202020204"/>
-              <a:buChar char="◦"/>
-            </a:pPr>
-            <a:r>
-              <a:rPr sz="1600"/>
-              <a:t>If w=0w = 0w=0, derivative is undefined, but typically set to 0.</a:t>
-            </a:r>
-            <a:endParaRPr sz="1600"/>
-          </a:p>
-          <a:p>
-            <a:endParaRPr sz="1600" b="1"/>
-          </a:p>
-          <a:p>
-            <a:r>
-              <a:rPr sz="1600" b="1"/>
-              <a:t>📌 Effect on Weights:</a:t>
-            </a:r>
-            <a:endParaRPr sz="1600" b="1"/>
-          </a:p>
-          <a:p>
-            <a:pPr>
-              <a:buFont typeface="Arial" panose="020B0604020202020204"/>
-              <a:buChar char="•"/>
-            </a:pPr>
-            <a:r>
-              <a:rPr sz="1600"/>
-              <a:t>L1 applies equal pressure on all nonzero weights, regardless of size.</a:t>
-            </a:r>
-            <a:endParaRPr sz="1600"/>
-          </a:p>
-          <a:p>
-            <a:pPr>
-              <a:buFont typeface="Arial" panose="020B0604020202020204"/>
-              <a:buChar char="•"/>
-            </a:pPr>
-            <a:r>
-              <a:rPr sz="1600"/>
-              <a:t>This forces some weights to become exactly zero, leading to feature selection (sparse models).</a:t>
-            </a:r>
-            <a:endParaRPr sz="1600"/>
-          </a:p>
-          <a:p>
-            <a:endParaRPr sz="1600" b="1"/>
-          </a:p>
-          <a:p>
-            <a:r>
-              <a:rPr sz="1600" b="1"/>
-              <a:t>💡 Intuition: </a:t>
-            </a:r>
-            <a:r>
-              <a:rPr sz="1600"/>
-              <a:t>Imagine you want to shrink some weights to zero while allowing others to stay significant. The absolute value enforces this by applying a constant force that drives small weights to exactly zero.</a:t>
-            </a:r>
-            <a:endParaRPr sz="1600"/>
-          </a:p>
-          <a:p>
-            <a:endParaRPr sz="1600"/>
-          </a:p>
-          <a:p>
-            <a:r>
-              <a:rPr sz="1600" b="1"/>
-              <a:t>🔍 Example Weight Update (Gradient Descent in L1):</a:t>
-            </a:r>
-            <a:endParaRPr sz="1600" b="1"/>
-          </a:p>
-          <a:p>
-            <a:pPr>
-              <a:buFont typeface="Arial" panose="020B0604020202020204"/>
-              <a:buChar char="•"/>
-            </a:pPr>
-            <a:r>
-              <a:rPr sz="1600"/>
-              <a:t>If a weight is positive, it gets decreased.</a:t>
-            </a:r>
-            <a:endParaRPr sz="1600"/>
-          </a:p>
-          <a:p>
-            <a:pPr>
-              <a:buFont typeface="Arial" panose="020B0604020202020204"/>
-              <a:buChar char="•"/>
-            </a:pPr>
-            <a:r>
-              <a:rPr sz="1600"/>
-              <a:t>If a weight is negative, it gets increased.</a:t>
-            </a:r>
-            <a:endParaRPr sz="1600"/>
-          </a:p>
-          <a:p>
-            <a:pPr>
-              <a:buFont typeface="Arial" panose="020B0604020202020204"/>
-              <a:buChar char="•"/>
-            </a:pPr>
-            <a:r>
-              <a:rPr sz="1600"/>
-              <a:t>If a weight is small, it is forced to zero (sparse model).</a:t>
-            </a:r>
-            <a:endParaRPr sz="1600"/>
-          </a:p>
-        </p:txBody>
-      </p:sp>
     </p:spTree>
   </p:cSld>
   <p:clrMapOvr>

--- a/9.Deep_learning/class_4_module_9_deep learning_Regularization,CallBacks_drouput_batchNormalization_Weight_hyper_parameter.pptx
+++ b/9.Deep_learning/class_4_module_9_deep learning_Regularization,CallBacks_drouput_batchNormalization_Weight_hyper_parameter.pptx
@@ -5,7 +5,7 @@
     <p:sldMasterId id="2147483648" r:id="rId1"/>
   </p:sldMasterIdLst>
   <p:notesMasterIdLst>
-    <p:notesMasterId r:id="rId28"/>
+    <p:notesMasterId r:id="rId37"/>
   </p:notesMasterIdLst>
   <p:sldIdLst>
     <p:sldId id="368" r:id="rId3"/>
@@ -27,12 +27,23 @@
     <p:sldId id="414" r:id="rId19"/>
     <p:sldId id="415" r:id="rId20"/>
     <p:sldId id="393" r:id="rId21"/>
-    <p:sldId id="394" r:id="rId22"/>
-    <p:sldId id="395" r:id="rId23"/>
-    <p:sldId id="408" r:id="rId24"/>
-    <p:sldId id="409" r:id="rId25"/>
-    <p:sldId id="396" r:id="rId26"/>
-    <p:sldId id="397" r:id="rId27"/>
+    <p:sldId id="416" r:id="rId22"/>
+    <p:sldId id="394" r:id="rId23"/>
+    <p:sldId id="417" r:id="rId24"/>
+    <p:sldId id="395" r:id="rId25"/>
+    <p:sldId id="420" r:id="rId26"/>
+    <p:sldId id="418" r:id="rId27"/>
+    <p:sldId id="419" r:id="rId28"/>
+    <p:sldId id="408" r:id="rId29"/>
+    <p:sldId id="421" r:id="rId30"/>
+    <p:sldId id="409" r:id="rId31"/>
+    <p:sldId id="396" r:id="rId32"/>
+    <p:sldId id="422" r:id="rId33"/>
+    <p:sldId id="423" r:id="rId34"/>
+    <p:sldId id="397" r:id="rId35"/>
+    <p:sldId id="424" r:id="rId36"/>
+    <p:sldId id="425" r:id="rId38"/>
+    <p:sldId id="426" r:id="rId39"/>
   </p:sldIdLst>
   <p:sldSz cx="12192000" cy="6858000"/>
   <p:notesSz cx="6858000" cy="9144000"/>
@@ -479,6 +490,54 @@
     </a:lvl9pPr>
   </p:notesStyle>
 </p:notesMaster>
+</file>
+
+<file path=ppt/notesSlides/notesSlide1.xml><?xml version="1.0" encoding="utf-8"?>
+<p:notes xmlns:a="http://schemas.openxmlformats.org/drawingml/2006/main" xmlns:r="http://schemas.openxmlformats.org/officeDocument/2006/relationships" xmlns:p="http://schemas.openxmlformats.org/presentationml/2006/main">
+  <p:cSld>
+    <p:spTree>
+      <p:nvGrpSpPr>
+        <p:cNvPr id="1" name=""/>
+        <p:cNvGrpSpPr/>
+        <p:nvPr/>
+      </p:nvGrpSpPr>
+      <p:grpSpPr/>
+      <p:sp>
+        <p:nvSpPr>
+          <p:cNvPr id="2" name="Slide Image Placeholder 1"/>
+          <p:cNvSpPr>
+            <a:spLocks noGrp="1"/>
+          </p:cNvSpPr>
+          <p:nvPr>
+            <p:ph type="sldImg" idx="2"/>
+          </p:nvPr>
+        </p:nvSpPr>
+        <p:spPr/>
+      </p:sp>
+      <p:sp>
+        <p:nvSpPr>
+          <p:cNvPr id="3" name="Text Placeholder 2"/>
+          <p:cNvSpPr>
+            <a:spLocks noGrp="1"/>
+          </p:cNvSpPr>
+          <p:nvPr>
+            <p:ph type="body" idx="3"/>
+          </p:nvPr>
+        </p:nvSpPr>
+        <p:spPr/>
+        <p:txBody>
+          <a:bodyPr/>
+          <a:p>
+            <a:endParaRPr lang="en-US"/>
+          </a:p>
+        </p:txBody>
+      </p:sp>
+    </p:spTree>
+  </p:cSld>
+  <p:clrMapOvr>
+    <a:masterClrMapping/>
+  </p:clrMapOvr>
+</p:notes>
 </file>
 
 <file path=ppt/slideLayouts/slideLayout1.xml><?xml version="1.0" encoding="utf-8"?>
@@ -5553,38 +5612,75 @@
                 <a:solidFill>
                   <a:srgbClr val="007B00"/>
                 </a:solidFill>
-                <a:latin typeface="Roboto Mono"/>
+                <a:latin typeface="Calibri" panose="020F0502020204030204" charset="0"/>
                 <a:ea typeface="Roboto Mono"/>
+                <a:cs typeface="Calibri" panose="020F0502020204030204" charset="0"/>
               </a:rPr>
               <a:t>from</a:t>
             </a:r>
             <a:r>
+              <a:rPr lang="en-IN" sz="2000" b="0" i="0">
+                <a:solidFill>
+                  <a:srgbClr val="007B00"/>
+                </a:solidFill>
+                <a:latin typeface="Calibri" panose="020F0502020204030204" charset="0"/>
+                <a:ea typeface="Roboto Mono"/>
+                <a:cs typeface="Calibri" panose="020F0502020204030204" charset="0"/>
+              </a:rPr>
+              <a:t> </a:t>
+            </a:r>
+            <a:r>
               <a:rPr sz="2000" b="0" i="0">
                 <a:solidFill>
                   <a:srgbClr val="3C4043"/>
                 </a:solidFill>
-                <a:latin typeface="Roboto Mono"/>
+                <a:latin typeface="Calibri" panose="020F0502020204030204" charset="0"/>
                 <a:ea typeface="Roboto Mono"/>
+                <a:cs typeface="Calibri" panose="020F0502020204030204" charset="0"/>
               </a:rPr>
               <a:t>keras.callbacks</a:t>
             </a:r>
             <a:r>
+              <a:rPr lang="en-IN" sz="2000" b="0" i="0">
+                <a:solidFill>
+                  <a:srgbClr val="3C4043"/>
+                </a:solidFill>
+                <a:latin typeface="Calibri" panose="020F0502020204030204" charset="0"/>
+                <a:ea typeface="Roboto Mono"/>
+                <a:cs typeface="Calibri" panose="020F0502020204030204" charset="0"/>
+              </a:rPr>
+              <a:t> </a:t>
+            </a:r>
+            <a:r>
               <a:rPr sz="2000" b="0" i="0">
                 <a:solidFill>
                   <a:srgbClr val="007B00"/>
                 </a:solidFill>
-                <a:latin typeface="Roboto Mono"/>
+                <a:latin typeface="Calibri" panose="020F0502020204030204" charset="0"/>
                 <a:ea typeface="Roboto Mono"/>
+                <a:cs typeface="Calibri" panose="020F0502020204030204" charset="0"/>
               </a:rPr>
               <a:t>import</a:t>
             </a:r>
             <a:r>
+              <a:rPr lang="en-IN" sz="2000" b="0" i="0">
+                <a:solidFill>
+                  <a:srgbClr val="007B00"/>
+                </a:solidFill>
+                <a:latin typeface="Calibri" panose="020F0502020204030204" charset="0"/>
+                <a:ea typeface="Roboto Mono"/>
+                <a:cs typeface="Calibri" panose="020F0502020204030204" charset="0"/>
+              </a:rPr>
+              <a:t> </a:t>
+            </a:r>
+            <a:r>
               <a:rPr sz="2000" b="0" i="0">
                 <a:solidFill>
                   <a:srgbClr val="3C4043"/>
                 </a:solidFill>
-                <a:latin typeface="Roboto Mono"/>
+                <a:latin typeface="Calibri" panose="020F0502020204030204" charset="0"/>
                 <a:ea typeface="Roboto Mono"/>
+                <a:cs typeface="Calibri" panose="020F0502020204030204" charset="0"/>
               </a:rPr>
               <a:t>EarlyStopping</a:t>
             </a:r>
@@ -5592,8 +5688,9 @@
               <a:solidFill>
                 <a:srgbClr val="3C4043"/>
               </a:solidFill>
-              <a:latin typeface="Roboto Mono"/>
+              <a:latin typeface="Calibri" panose="020F0502020204030204" charset="0"/>
               <a:ea typeface="Roboto Mono"/>
+              <a:cs typeface="Calibri" panose="020F0502020204030204" charset="0"/>
             </a:endParaRPr>
           </a:p>
           <a:p>
@@ -5609,8 +5706,9 @@
               <a:solidFill>
                 <a:srgbClr val="3C4043"/>
               </a:solidFill>
-              <a:latin typeface="Roboto Mono"/>
+              <a:latin typeface="Calibri" panose="020F0502020204030204" charset="0"/>
               <a:ea typeface="Roboto Mono"/>
+              <a:cs typeface="Calibri" panose="020F0502020204030204" charset="0"/>
             </a:endParaRPr>
           </a:p>
           <a:p>
@@ -5627,8 +5725,9 @@
                 <a:solidFill>
                   <a:srgbClr val="3C4043"/>
                 </a:solidFill>
-                <a:latin typeface="Roboto Mono"/>
+                <a:latin typeface="Calibri" panose="020F0502020204030204" charset="0"/>
                 <a:ea typeface="Roboto Mono"/>
+                <a:cs typeface="Calibri" panose="020F0502020204030204" charset="0"/>
               </a:rPr>
               <a:t>earlystop</a:t>
             </a:r>
@@ -5637,8 +5736,9 @@
                 <a:solidFill>
                   <a:srgbClr val="008ABC"/>
                 </a:solidFill>
-                <a:latin typeface="Roboto Mono"/>
+                <a:latin typeface="Calibri" panose="020F0502020204030204" charset="0"/>
                 <a:ea typeface="Roboto Mono"/>
+                <a:cs typeface="Calibri" panose="020F0502020204030204" charset="0"/>
               </a:rPr>
               <a:t>=</a:t>
             </a:r>
@@ -5647,8 +5747,9 @@
                 <a:solidFill>
                   <a:srgbClr val="3C4043"/>
                 </a:solidFill>
-                <a:latin typeface="Roboto Mono"/>
+                <a:latin typeface="Calibri" panose="020F0502020204030204" charset="0"/>
                 <a:ea typeface="Roboto Mono"/>
+                <a:cs typeface="Calibri" panose="020F0502020204030204" charset="0"/>
               </a:rPr>
               <a:t>EarlyStopping(monitor</a:t>
             </a:r>
@@ -5657,8 +5758,9 @@
                 <a:solidFill>
                   <a:srgbClr val="008ABC"/>
                 </a:solidFill>
-                <a:latin typeface="Roboto Mono"/>
+                <a:latin typeface="Calibri" panose="020F0502020204030204" charset="0"/>
                 <a:ea typeface="Roboto Mono"/>
+                <a:cs typeface="Calibri" panose="020F0502020204030204" charset="0"/>
               </a:rPr>
               <a:t>=</a:t>
             </a:r>
@@ -5667,8 +5769,9 @@
                 <a:solidFill>
                   <a:srgbClr val="BB2323"/>
                 </a:solidFill>
-                <a:latin typeface="Roboto Mono"/>
+                <a:latin typeface="Calibri" panose="020F0502020204030204" charset="0"/>
                 <a:ea typeface="Roboto Mono"/>
+                <a:cs typeface="Calibri" panose="020F0502020204030204" charset="0"/>
               </a:rPr>
               <a:t>'val_acc'</a:t>
             </a:r>
@@ -5677,8 +5780,9 @@
                 <a:solidFill>
                   <a:srgbClr val="3C4043"/>
                 </a:solidFill>
-                <a:latin typeface="Roboto Mono"/>
+                <a:latin typeface="Calibri" panose="020F0502020204030204" charset="0"/>
                 <a:ea typeface="Roboto Mono"/>
+                <a:cs typeface="Calibri" panose="020F0502020204030204" charset="0"/>
               </a:rPr>
               <a:t>,patience</a:t>
             </a:r>
@@ -5687,8 +5791,9 @@
                 <a:solidFill>
                   <a:srgbClr val="008ABC"/>
                 </a:solidFill>
-                <a:latin typeface="Roboto Mono"/>
+                <a:latin typeface="Calibri" panose="020F0502020204030204" charset="0"/>
                 <a:ea typeface="Roboto Mono"/>
+                <a:cs typeface="Calibri" panose="020F0502020204030204" charset="0"/>
               </a:rPr>
               <a:t>=</a:t>
             </a:r>
@@ -5697,8 +5802,9 @@
                 <a:solidFill>
                   <a:srgbClr val="666666"/>
                 </a:solidFill>
-                <a:latin typeface="Roboto Mono"/>
+                <a:latin typeface="Calibri" panose="020F0502020204030204" charset="0"/>
                 <a:ea typeface="Roboto Mono"/>
+                <a:cs typeface="Calibri" panose="020F0502020204030204" charset="0"/>
               </a:rPr>
               <a:t>3</a:t>
             </a:r>
@@ -5707,8 +5813,9 @@
                 <a:solidFill>
                   <a:srgbClr val="3C4043"/>
                 </a:solidFill>
-                <a:latin typeface="Roboto Mono"/>
+                <a:latin typeface="Calibri" panose="020F0502020204030204" charset="0"/>
                 <a:ea typeface="Roboto Mono"/>
+                <a:cs typeface="Calibri" panose="020F0502020204030204" charset="0"/>
               </a:rPr>
               <a:t>)</a:t>
             </a:r>
@@ -5716,8 +5823,9 @@
               <a:solidFill>
                 <a:srgbClr val="3C4043"/>
               </a:solidFill>
-              <a:latin typeface="Roboto Mono"/>
+              <a:latin typeface="Calibri" panose="020F0502020204030204" charset="0"/>
               <a:ea typeface="Roboto Mono"/>
+              <a:cs typeface="Calibri" panose="020F0502020204030204" charset="0"/>
             </a:endParaRPr>
           </a:p>
           <a:p>
@@ -5733,8 +5841,9 @@
               <a:solidFill>
                 <a:srgbClr val="3C4043"/>
               </a:solidFill>
-              <a:latin typeface="Roboto Mono"/>
+              <a:latin typeface="Calibri" panose="020F0502020204030204" charset="0"/>
               <a:ea typeface="Roboto Mono"/>
+              <a:cs typeface="Calibri" panose="020F0502020204030204" charset="0"/>
             </a:endParaRPr>
           </a:p>
           <a:p>
@@ -5751,8 +5860,9 @@
                 <a:solidFill>
                   <a:srgbClr val="3C4043"/>
                 </a:solidFill>
-                <a:latin typeface="Roboto Mono"/>
+                <a:latin typeface="Calibri" panose="020F0502020204030204" charset="0"/>
                 <a:ea typeface="Roboto Mono"/>
+                <a:cs typeface="Calibri" panose="020F0502020204030204" charset="0"/>
               </a:rPr>
               <a:t>epochs</a:t>
             </a:r>
@@ -5761,8 +5871,9 @@
                 <a:solidFill>
                   <a:srgbClr val="008ABC"/>
                 </a:solidFill>
-                <a:latin typeface="Roboto Mono"/>
+                <a:latin typeface="Calibri" panose="020F0502020204030204" charset="0"/>
                 <a:ea typeface="Roboto Mono"/>
+                <a:cs typeface="Calibri" panose="020F0502020204030204" charset="0"/>
               </a:rPr>
               <a:t>=</a:t>
             </a:r>
@@ -5771,8 +5882,9 @@
                 <a:solidFill>
                   <a:srgbClr val="666666"/>
                 </a:solidFill>
-                <a:latin typeface="Roboto Mono"/>
+                <a:latin typeface="Calibri" panose="020F0502020204030204" charset="0"/>
                 <a:ea typeface="Roboto Mono"/>
+                <a:cs typeface="Calibri" panose="020F0502020204030204" charset="0"/>
               </a:rPr>
               <a:t>20</a:t>
             </a:r>
@@ -5781,8 +5893,9 @@
                 <a:solidFill>
                   <a:srgbClr val="3C4043"/>
                 </a:solidFill>
-                <a:latin typeface="Roboto Mono"/>
+                <a:latin typeface="Calibri" panose="020F0502020204030204" charset="0"/>
                 <a:ea typeface="Roboto Mono"/>
+                <a:cs typeface="Calibri" panose="020F0502020204030204" charset="0"/>
               </a:rPr>
               <a:t># </a:t>
             </a:r>
@@ -5790,8 +5903,9 @@
               <a:solidFill>
                 <a:srgbClr val="3C4043"/>
               </a:solidFill>
-              <a:latin typeface="Roboto Mono"/>
+              <a:latin typeface="Calibri" panose="020F0502020204030204" charset="0"/>
               <a:ea typeface="Roboto Mono"/>
+              <a:cs typeface="Calibri" panose="020F0502020204030204" charset="0"/>
             </a:endParaRPr>
           </a:p>
           <a:p>
@@ -5808,8 +5922,9 @@
                 <a:solidFill>
                   <a:srgbClr val="3C4043"/>
                 </a:solidFill>
-                <a:latin typeface="Roboto Mono"/>
+                <a:latin typeface="Calibri" panose="020F0502020204030204" charset="0"/>
                 <a:ea typeface="Roboto Mono"/>
+                <a:cs typeface="Calibri" panose="020F0502020204030204" charset="0"/>
               </a:rPr>
               <a:t>batch_size</a:t>
             </a:r>
@@ -5818,8 +5933,9 @@
                 <a:solidFill>
                   <a:srgbClr val="008ABC"/>
                 </a:solidFill>
-                <a:latin typeface="Roboto Mono"/>
+                <a:latin typeface="Calibri" panose="020F0502020204030204" charset="0"/>
                 <a:ea typeface="Roboto Mono"/>
+                <a:cs typeface="Calibri" panose="020F0502020204030204" charset="0"/>
               </a:rPr>
               <a:t>=</a:t>
             </a:r>
@@ -5828,8 +5944,9 @@
                 <a:solidFill>
                   <a:srgbClr val="666666"/>
                 </a:solidFill>
-                <a:latin typeface="Roboto Mono"/>
+                <a:latin typeface="Calibri" panose="020F0502020204030204" charset="0"/>
                 <a:ea typeface="Roboto Mono"/>
+                <a:cs typeface="Calibri" panose="020F0502020204030204" charset="0"/>
               </a:rPr>
               <a:t>256</a:t>
             </a:r>
@@ -5837,8 +5954,9 @@
               <a:solidFill>
                 <a:srgbClr val="666666"/>
               </a:solidFill>
-              <a:latin typeface="Roboto Mono"/>
+              <a:latin typeface="Calibri" panose="020F0502020204030204" charset="0"/>
               <a:ea typeface="Roboto Mono"/>
+              <a:cs typeface="Calibri" panose="020F0502020204030204" charset="0"/>
             </a:endParaRPr>
           </a:p>
         </p:txBody>
@@ -5869,8 +5987,8 @@
         </p:nvSpPr>
         <p:spPr>
           <a:xfrm>
-            <a:off x="762635" y="445770"/>
-            <a:ext cx="6096000" cy="1348105"/>
+            <a:off x="579755" y="68580"/>
+            <a:ext cx="6096000" cy="706755"/>
           </a:xfrm>
           <a:prstGeom prst="rect">
             <a:avLst/>
@@ -5924,31 +6042,6 @@
               <a:sym typeface="+mn-ea"/>
             </a:endParaRPr>
           </a:p>
-          <a:p>
-            <a:pPr marL="0" indent="0" fontAlgn="base">
-              <a:spcBef>
-                <a:spcPct val="0"/>
-              </a:spcBef>
-              <a:spcAft>
-                <a:spcPts val="200"/>
-              </a:spcAft>
-            </a:pPr>
-            <a:endParaRPr lang="en-IN" sz="4000" b="1">
-              <a:solidFill>
-                <a:srgbClr val="FF0000"/>
-              </a:solidFill>
-              <a:effectLst>
-                <a:outerShdw blurRad="38100" dist="38100" dir="2700000" algn="tl">
-                  <a:srgbClr val="000000">
-                    <a:alpha val="43137"/>
-                  </a:srgbClr>
-                </a:outerShdw>
-              </a:effectLst>
-              <a:latin typeface="Georgia" panose="02040502050405020303"/>
-              <a:ea typeface="Georgia" panose="02040502050405020303"/>
-              <a:sym typeface="+mn-ea"/>
-            </a:endParaRPr>
-          </a:p>
         </p:txBody>
       </p:sp>
       <p:sp>
@@ -5959,8 +6052,8 @@
         </p:nvSpPr>
         <p:spPr>
           <a:xfrm>
-            <a:off x="1939290" y="1365885"/>
-            <a:ext cx="6096000" cy="978535"/>
+            <a:off x="8820150" y="68580"/>
+            <a:ext cx="3371850" cy="978535"/>
           </a:xfrm>
           <a:prstGeom prst="rect">
             <a:avLst/>
@@ -6032,6 +6125,493 @@
               <a:ea typeface="Georgia" panose="02040502050405020303"/>
               <a:sym typeface="+mn-ea"/>
             </a:endParaRPr>
+          </a:p>
+        </p:txBody>
+      </p:sp>
+      <p:sp>
+        <p:nvSpPr>
+          <p:cNvPr id="4" name="Text Box 3"/>
+          <p:cNvSpPr txBox="1"/>
+          <p:nvPr/>
+        </p:nvSpPr>
+        <p:spPr>
+          <a:xfrm>
+            <a:off x="659765" y="915670"/>
+            <a:ext cx="10666095" cy="5785485"/>
+          </a:xfrm>
+          <a:prstGeom prst="rect">
+            <a:avLst/>
+          </a:prstGeom>
+        </p:spPr>
+        <p:txBody>
+          <a:bodyPr wrap="square">
+            <a:spAutoFit/>
+          </a:bodyPr>
+          <a:p>
+            <a:pPr marL="0" indent="0">
+              <a:spcBef>
+                <a:spcPct val="0"/>
+              </a:spcBef>
+              <a:spcAft>
+                <a:spcPts val="400"/>
+              </a:spcAft>
+              <a:buFont typeface="Arial" panose="020B0604020202020204"/>
+              <a:buChar char="•"/>
+            </a:pPr>
+            <a:r>
+              <a:rPr b="1" i="0">
+                <a:solidFill>
+                  <a:srgbClr val="001D35"/>
+                </a:solidFill>
+                <a:latin typeface="Arial" panose="020B0604020202020204" pitchFamily="34" charset="0"/>
+                <a:ea typeface="Google Sans"/>
+                <a:cs typeface="Arial" panose="020B0604020202020204" pitchFamily="34" charset="0"/>
+              </a:rPr>
+              <a:t>What are Callbacks?</a:t>
+            </a:r>
+            <a:r>
+              <a:rPr sz="1600" b="0" i="0">
+                <a:solidFill>
+                  <a:srgbClr val="001D35"/>
+                </a:solidFill>
+                <a:latin typeface="Arial" panose="020B0604020202020204" pitchFamily="34" charset="0"/>
+                <a:ea typeface="Google Sans"/>
+                <a:cs typeface="Arial" panose="020B0604020202020204" pitchFamily="34" charset="0"/>
+              </a:rPr>
+              <a:t> </a:t>
+            </a:r>
+            <a:endParaRPr sz="1600" b="0" i="0">
+              <a:solidFill>
+                <a:srgbClr val="001D35"/>
+              </a:solidFill>
+              <a:latin typeface="Arial" panose="020B0604020202020204" pitchFamily="34" charset="0"/>
+              <a:ea typeface="Google Sans"/>
+              <a:cs typeface="Arial" panose="020B0604020202020204" pitchFamily="34" charset="0"/>
+            </a:endParaRPr>
+          </a:p>
+          <a:p>
+            <a:pPr lvl="2" indent="0">
+              <a:spcBef>
+                <a:spcPts val="400"/>
+              </a:spcBef>
+              <a:spcAft>
+                <a:spcPts val="400"/>
+              </a:spcAft>
+              <a:buFont typeface="Arial" panose="020B0604020202020204"/>
+              <a:buChar char="◦"/>
+            </a:pPr>
+            <a:r>
+              <a:rPr sz="1600" b="0" i="0">
+                <a:solidFill>
+                  <a:srgbClr val="001D35"/>
+                </a:solidFill>
+                <a:latin typeface="Arial" panose="020B0604020202020204" pitchFamily="34" charset="0"/>
+                <a:ea typeface="Google Sans"/>
+                <a:cs typeface="Arial" panose="020B0604020202020204" pitchFamily="34" charset="0"/>
+              </a:rPr>
+              <a:t>Callbacks are essentially functions or objects that are called at various points during the training process of a deep learning model. </a:t>
+            </a:r>
+            <a:endParaRPr sz="1600" b="0" i="0">
+              <a:solidFill>
+                <a:srgbClr val="001D35"/>
+              </a:solidFill>
+              <a:latin typeface="Arial" panose="020B0604020202020204" pitchFamily="34" charset="0"/>
+              <a:ea typeface="Google Sans"/>
+              <a:cs typeface="Arial" panose="020B0604020202020204" pitchFamily="34" charset="0"/>
+            </a:endParaRPr>
+          </a:p>
+          <a:p>
+            <a:pPr lvl="2" indent="0">
+              <a:spcBef>
+                <a:spcPts val="400"/>
+              </a:spcBef>
+              <a:spcAft>
+                <a:spcPts val="400"/>
+              </a:spcAft>
+              <a:buFont typeface="Arial" panose="020B0604020202020204"/>
+              <a:buChar char="◦"/>
+            </a:pPr>
+            <a:r>
+              <a:rPr sz="1600" b="0" i="0">
+                <a:solidFill>
+                  <a:srgbClr val="001D35"/>
+                </a:solidFill>
+                <a:latin typeface="Arial" panose="020B0604020202020204" pitchFamily="34" charset="0"/>
+                <a:ea typeface="Google Sans"/>
+                <a:cs typeface="Arial" panose="020B0604020202020204" pitchFamily="34" charset="0"/>
+              </a:rPr>
+              <a:t>They provide a way to inject custom behavior into the training process, allowing for greater control and flexibility. </a:t>
+            </a:r>
+            <a:endParaRPr sz="1600" b="0" i="0">
+              <a:solidFill>
+                <a:srgbClr val="001D35"/>
+              </a:solidFill>
+              <a:latin typeface="Arial" panose="020B0604020202020204" pitchFamily="34" charset="0"/>
+              <a:ea typeface="Google Sans"/>
+              <a:cs typeface="Arial" panose="020B0604020202020204" pitchFamily="34" charset="0"/>
+            </a:endParaRPr>
+          </a:p>
+          <a:p>
+            <a:pPr lvl="2" indent="0">
+              <a:spcBef>
+                <a:spcPts val="400"/>
+              </a:spcBef>
+              <a:spcAft>
+                <a:spcPct val="0"/>
+              </a:spcAft>
+              <a:buFont typeface="Arial" panose="020B0604020202020204"/>
+              <a:buChar char="◦"/>
+            </a:pPr>
+            <a:r>
+              <a:rPr sz="1600" b="0" i="0">
+                <a:solidFill>
+                  <a:srgbClr val="001D35"/>
+                </a:solidFill>
+                <a:latin typeface="Arial" panose="020B0604020202020204" pitchFamily="34" charset="0"/>
+                <a:ea typeface="Google Sans"/>
+                <a:cs typeface="Arial" panose="020B0604020202020204" pitchFamily="34" charset="0"/>
+              </a:rPr>
+              <a:t>You can use callbacks to automate tasks, monitor the training process, and even modify the training parameters dynamically. </a:t>
+            </a:r>
+            <a:endParaRPr sz="1600" b="0" i="0">
+              <a:solidFill>
+                <a:srgbClr val="001D35"/>
+              </a:solidFill>
+              <a:latin typeface="Arial" panose="020B0604020202020204" pitchFamily="34" charset="0"/>
+              <a:ea typeface="Google Sans"/>
+              <a:cs typeface="Arial" panose="020B0604020202020204" pitchFamily="34" charset="0"/>
+            </a:endParaRPr>
+          </a:p>
+          <a:p>
+            <a:pPr marL="0" lvl="1" indent="0">
+              <a:spcBef>
+                <a:spcPts val="400"/>
+              </a:spcBef>
+              <a:spcAft>
+                <a:spcPct val="0"/>
+              </a:spcAft>
+              <a:buFont typeface="Arial" panose="020B0604020202020204"/>
+              <a:buChar char="◦"/>
+            </a:pPr>
+            <a:endParaRPr sz="1600" b="0" i="0">
+              <a:solidFill>
+                <a:srgbClr val="001D35"/>
+              </a:solidFill>
+              <a:latin typeface="Arial" panose="020B0604020202020204" pitchFamily="34" charset="0"/>
+              <a:ea typeface="Google Sans"/>
+              <a:cs typeface="Arial" panose="020B0604020202020204" pitchFamily="34" charset="0"/>
+            </a:endParaRPr>
+          </a:p>
+          <a:p>
+            <a:pPr marL="0" indent="0">
+              <a:spcBef>
+                <a:spcPct val="0"/>
+              </a:spcBef>
+              <a:spcAft>
+                <a:spcPts val="400"/>
+              </a:spcAft>
+              <a:buFont typeface="Arial" panose="020B0604020202020204"/>
+              <a:buChar char="•"/>
+            </a:pPr>
+            <a:r>
+              <a:rPr b="0" i="0">
+                <a:solidFill>
+                  <a:srgbClr val="001D35"/>
+                </a:solidFill>
+                <a:effectLst>
+                  <a:outerShdw blurRad="38100" dist="38100" dir="2700000" algn="tl">
+                    <a:srgbClr val="000000">
+                      <a:alpha val="43137"/>
+                    </a:srgbClr>
+                  </a:outerShdw>
+                </a:effectLst>
+                <a:latin typeface="Arial" panose="020B0604020202020204" pitchFamily="34" charset="0"/>
+                <a:ea typeface="Google Sans"/>
+                <a:cs typeface="Arial" panose="020B0604020202020204" pitchFamily="34" charset="0"/>
+              </a:rPr>
+              <a:t>Common Use Cases for Callbacks: </a:t>
+            </a:r>
+            <a:endParaRPr b="0" i="0">
+              <a:solidFill>
+                <a:srgbClr val="001D35"/>
+              </a:solidFill>
+              <a:effectLst>
+                <a:outerShdw blurRad="38100" dist="38100" dir="2700000" algn="tl">
+                  <a:srgbClr val="000000">
+                    <a:alpha val="43137"/>
+                  </a:srgbClr>
+                </a:outerShdw>
+              </a:effectLst>
+              <a:latin typeface="Arial" panose="020B0604020202020204" pitchFamily="34" charset="0"/>
+              <a:ea typeface="Google Sans"/>
+              <a:cs typeface="Arial" panose="020B0604020202020204" pitchFamily="34" charset="0"/>
+            </a:endParaRPr>
+          </a:p>
+          <a:p>
+            <a:pPr marL="0" indent="0">
+              <a:spcBef>
+                <a:spcPct val="0"/>
+              </a:spcBef>
+              <a:spcAft>
+                <a:spcPts val="400"/>
+              </a:spcAft>
+              <a:buFont typeface="Arial" panose="020B0604020202020204"/>
+              <a:buNone/>
+            </a:pPr>
+            <a:endParaRPr b="0" i="0">
+              <a:solidFill>
+                <a:srgbClr val="001D35"/>
+              </a:solidFill>
+              <a:effectLst>
+                <a:outerShdw blurRad="38100" dist="38100" dir="2700000" algn="tl">
+                  <a:srgbClr val="000000">
+                    <a:alpha val="43137"/>
+                  </a:srgbClr>
+                </a:outerShdw>
+              </a:effectLst>
+              <a:latin typeface="Arial" panose="020B0604020202020204" pitchFamily="34" charset="0"/>
+              <a:ea typeface="Google Sans"/>
+              <a:cs typeface="Arial" panose="020B0604020202020204" pitchFamily="34" charset="0"/>
+            </a:endParaRPr>
+          </a:p>
+          <a:p>
+            <a:pPr marL="0" lvl="1" indent="0">
+              <a:spcBef>
+                <a:spcPts val="400"/>
+              </a:spcBef>
+              <a:spcAft>
+                <a:spcPts val="400"/>
+              </a:spcAft>
+              <a:buFont typeface="Arial" panose="020B0604020202020204"/>
+              <a:buChar char="◦"/>
+            </a:pPr>
+            <a:r>
+              <a:rPr sz="1600" b="1" i="0">
+                <a:solidFill>
+                  <a:srgbClr val="001D35"/>
+                </a:solidFill>
+                <a:latin typeface="Arial" panose="020B0604020202020204" pitchFamily="34" charset="0"/>
+                <a:ea typeface="Google Sans"/>
+                <a:cs typeface="Arial" panose="020B0604020202020204" pitchFamily="34" charset="0"/>
+              </a:rPr>
+              <a:t>Saving Checkpoints:</a:t>
+            </a:r>
+            <a:r>
+              <a:rPr sz="1600" b="0" i="0">
+                <a:solidFill>
+                  <a:srgbClr val="001D35"/>
+                </a:solidFill>
+                <a:latin typeface="Arial" panose="020B0604020202020204" pitchFamily="34" charset="0"/>
+                <a:ea typeface="Google Sans"/>
+                <a:cs typeface="Arial" panose="020B0604020202020204" pitchFamily="34" charset="0"/>
+              </a:rPr>
+              <a:t> Periodically save the model's weights to disk, allowing you to resume training from a specific point or revert to the best performing model. </a:t>
+            </a:r>
+            <a:endParaRPr sz="1600" b="0" i="0">
+              <a:solidFill>
+                <a:srgbClr val="001D35"/>
+              </a:solidFill>
+              <a:latin typeface="Arial" panose="020B0604020202020204" pitchFamily="34" charset="0"/>
+              <a:ea typeface="Google Sans"/>
+              <a:cs typeface="Arial" panose="020B0604020202020204" pitchFamily="34" charset="0"/>
+            </a:endParaRPr>
+          </a:p>
+          <a:p>
+            <a:pPr marL="0" lvl="1" indent="0">
+              <a:spcBef>
+                <a:spcPts val="400"/>
+              </a:spcBef>
+              <a:spcAft>
+                <a:spcPts val="400"/>
+              </a:spcAft>
+              <a:buFont typeface="Arial" panose="020B0604020202020204"/>
+              <a:buChar char="◦"/>
+            </a:pPr>
+            <a:r>
+              <a:rPr sz="1600" b="1" i="0">
+                <a:solidFill>
+                  <a:srgbClr val="001D35"/>
+                </a:solidFill>
+                <a:latin typeface="Arial" panose="020B0604020202020204" pitchFamily="34" charset="0"/>
+                <a:ea typeface="Google Sans"/>
+                <a:cs typeface="Arial" panose="020B0604020202020204" pitchFamily="34" charset="0"/>
+              </a:rPr>
+              <a:t>Early Stopping</a:t>
+            </a:r>
+            <a:r>
+              <a:rPr sz="1600" b="0" i="0">
+                <a:solidFill>
+                  <a:srgbClr val="001D35"/>
+                </a:solidFill>
+                <a:latin typeface="Arial" panose="020B0604020202020204" pitchFamily="34" charset="0"/>
+                <a:ea typeface="Google Sans"/>
+                <a:cs typeface="Arial" panose="020B0604020202020204" pitchFamily="34" charset="0"/>
+              </a:rPr>
+              <a:t>: Stop the training process if the model's performance on a validation set doesn't improve for a certain number of epochs, preventing overfitting. </a:t>
+            </a:r>
+            <a:endParaRPr sz="1600" b="0" i="0">
+              <a:solidFill>
+                <a:srgbClr val="001D35"/>
+              </a:solidFill>
+              <a:latin typeface="Arial" panose="020B0604020202020204" pitchFamily="34" charset="0"/>
+              <a:ea typeface="Google Sans"/>
+              <a:cs typeface="Arial" panose="020B0604020202020204" pitchFamily="34" charset="0"/>
+            </a:endParaRPr>
+          </a:p>
+          <a:p>
+            <a:pPr marL="0" lvl="1" indent="0">
+              <a:spcBef>
+                <a:spcPts val="400"/>
+              </a:spcBef>
+              <a:spcAft>
+                <a:spcPts val="400"/>
+              </a:spcAft>
+              <a:buFont typeface="Arial" panose="020B0604020202020204"/>
+              <a:buChar char="◦"/>
+            </a:pPr>
+            <a:r>
+              <a:rPr sz="1600" b="1" i="0">
+                <a:solidFill>
+                  <a:srgbClr val="001D35"/>
+                </a:solidFill>
+                <a:latin typeface="Arial" panose="020B0604020202020204" pitchFamily="34" charset="0"/>
+                <a:ea typeface="Google Sans"/>
+                <a:cs typeface="Arial" panose="020B0604020202020204" pitchFamily="34" charset="0"/>
+              </a:rPr>
+              <a:t>Learning Rate Scheduling:</a:t>
+            </a:r>
+            <a:r>
+              <a:rPr sz="1600" b="0" i="0">
+                <a:solidFill>
+                  <a:srgbClr val="001D35"/>
+                </a:solidFill>
+                <a:latin typeface="Arial" panose="020B0604020202020204" pitchFamily="34" charset="0"/>
+                <a:ea typeface="Google Sans"/>
+                <a:cs typeface="Arial" panose="020B0604020202020204" pitchFamily="34" charset="0"/>
+              </a:rPr>
+              <a:t> Dynamically adjust the learning rate during training, which can help the model converge faster or escape local minima. </a:t>
+            </a:r>
+            <a:endParaRPr sz="1600" b="0" i="0">
+              <a:solidFill>
+                <a:srgbClr val="001D35"/>
+              </a:solidFill>
+              <a:latin typeface="Arial" panose="020B0604020202020204" pitchFamily="34" charset="0"/>
+              <a:ea typeface="Google Sans"/>
+              <a:cs typeface="Arial" panose="020B0604020202020204" pitchFamily="34" charset="0"/>
+            </a:endParaRPr>
+          </a:p>
+          <a:p>
+            <a:pPr marL="0" lvl="1" indent="0">
+              <a:spcBef>
+                <a:spcPts val="400"/>
+              </a:spcBef>
+              <a:spcAft>
+                <a:spcPts val="400"/>
+              </a:spcAft>
+              <a:buFont typeface="Arial" panose="020B0604020202020204"/>
+              <a:buChar char="◦"/>
+            </a:pPr>
+            <a:r>
+              <a:rPr sz="1600" b="1" i="0">
+                <a:solidFill>
+                  <a:srgbClr val="001D35"/>
+                </a:solidFill>
+                <a:latin typeface="Arial" panose="020B0604020202020204" pitchFamily="34" charset="0"/>
+                <a:ea typeface="Google Sans"/>
+                <a:cs typeface="Arial" panose="020B0604020202020204" pitchFamily="34" charset="0"/>
+              </a:rPr>
+              <a:t>Logging Metrics:</a:t>
+            </a:r>
+            <a:r>
+              <a:rPr sz="1600" b="0" i="0">
+                <a:solidFill>
+                  <a:srgbClr val="001D35"/>
+                </a:solidFill>
+                <a:latin typeface="Arial" panose="020B0604020202020204" pitchFamily="34" charset="0"/>
+                <a:ea typeface="Google Sans"/>
+                <a:cs typeface="Arial" panose="020B0604020202020204" pitchFamily="34" charset="0"/>
+              </a:rPr>
+              <a:t> Log training metrics (e.g., loss, accuracy) to a file or visualize them using tools like TensorBoard. </a:t>
+            </a:r>
+            <a:endParaRPr sz="1600" b="0" i="0">
+              <a:solidFill>
+                <a:srgbClr val="001D35"/>
+              </a:solidFill>
+              <a:latin typeface="Arial" panose="020B0604020202020204" pitchFamily="34" charset="0"/>
+              <a:ea typeface="Google Sans"/>
+              <a:cs typeface="Arial" panose="020B0604020202020204" pitchFamily="34" charset="0"/>
+            </a:endParaRPr>
+          </a:p>
+          <a:p>
+            <a:pPr marL="0" lvl="1" indent="0">
+              <a:spcBef>
+                <a:spcPts val="400"/>
+              </a:spcBef>
+              <a:spcAft>
+                <a:spcPct val="0"/>
+              </a:spcAft>
+              <a:buFont typeface="Arial" panose="020B0604020202020204"/>
+              <a:buChar char="◦"/>
+            </a:pPr>
+            <a:r>
+              <a:rPr sz="1600" b="1" i="0">
+                <a:solidFill>
+                  <a:srgbClr val="001D35"/>
+                </a:solidFill>
+                <a:latin typeface="Arial" panose="020B0604020202020204" pitchFamily="34" charset="0"/>
+                <a:ea typeface="Google Sans"/>
+                <a:cs typeface="Arial" panose="020B0604020202020204" pitchFamily="34" charset="0"/>
+              </a:rPr>
+              <a:t>Custom Actions:</a:t>
+            </a:r>
+            <a:r>
+              <a:rPr sz="1600" b="0" i="0">
+                <a:solidFill>
+                  <a:srgbClr val="001D35"/>
+                </a:solidFill>
+                <a:latin typeface="Arial" panose="020B0604020202020204" pitchFamily="34" charset="0"/>
+                <a:ea typeface="Google Sans"/>
+                <a:cs typeface="Arial" panose="020B0604020202020204" pitchFamily="34" charset="0"/>
+              </a:rPr>
+              <a:t> Implement custom actions, such as printing information, saving intermediate results, or triggering external events. </a:t>
+            </a:r>
+            <a:endParaRPr sz="1600" b="0" i="0">
+              <a:solidFill>
+                <a:srgbClr val="001D35"/>
+              </a:solidFill>
+              <a:latin typeface="Arial" panose="020B0604020202020204" pitchFamily="34" charset="0"/>
+              <a:ea typeface="Google Sans"/>
+              <a:cs typeface="Arial" panose="020B0604020202020204" pitchFamily="34" charset="0"/>
+            </a:endParaRPr>
+          </a:p>
+        </p:txBody>
+      </p:sp>
+      <p:sp>
+        <p:nvSpPr>
+          <p:cNvPr id="5" name="Text Box 4"/>
+          <p:cNvSpPr txBox="1"/>
+          <p:nvPr/>
+        </p:nvSpPr>
+        <p:spPr>
+          <a:xfrm>
+            <a:off x="3559810" y="238125"/>
+            <a:ext cx="3115945" cy="368300"/>
+          </a:xfrm>
+          <a:prstGeom prst="rect">
+            <a:avLst/>
+          </a:prstGeom>
+          <a:noFill/>
+        </p:spPr>
+        <p:txBody>
+          <a:bodyPr wrap="square" rtlCol="0" anchor="t">
+            <a:spAutoFit/>
+          </a:bodyPr>
+          <a:p>
+            <a:r>
+              <a:rPr lang="en-US" altLang="en-US"/>
+              <a:t>https://keras.io/api/callbacks/</a:t>
+            </a:r>
+            <a:endParaRPr lang="en-US"/>
           </a:p>
         </p:txBody>
       </p:sp>
@@ -6336,16 +6916,62 @@
         <p:nvPr/>
       </p:nvGrpSpPr>
       <p:grpSpPr/>
+      <p:pic>
+        <p:nvPicPr>
+          <p:cNvPr id="2" name="Picture 1"/>
+          <p:cNvPicPr/>
+          <p:nvPr/>
+        </p:nvPicPr>
+        <p:blipFill>
+          <a:blip r:embed="rId1"/>
+          <a:srcRect r="59527" b="65250"/>
+          <a:stretch>
+            <a:fillRect/>
+          </a:stretch>
+        </p:blipFill>
+        <p:spPr>
+          <a:xfrm>
+            <a:off x="0" y="0"/>
+            <a:ext cx="3813175" cy="3582035"/>
+          </a:xfrm>
+          <a:prstGeom prst="rect">
+            <a:avLst/>
+          </a:prstGeom>
+        </p:spPr>
+      </p:pic>
+      <p:pic>
+        <p:nvPicPr>
+          <p:cNvPr id="4" name="Picture 3"/>
+          <p:cNvPicPr/>
+          <p:nvPr/>
+        </p:nvPicPr>
+        <p:blipFill>
+          <a:blip r:embed="rId1"/>
+          <a:srcRect t="34750"/>
+          <a:stretch>
+            <a:fillRect/>
+          </a:stretch>
+        </p:blipFill>
+        <p:spPr>
+          <a:xfrm>
+            <a:off x="3812540" y="635"/>
+            <a:ext cx="8379460" cy="6857365"/>
+          </a:xfrm>
+          <a:prstGeom prst="rect">
+            <a:avLst/>
+          </a:prstGeom>
+        </p:spPr>
+      </p:pic>
       <p:sp>
         <p:nvSpPr>
-          <p:cNvPr id="2" name="Text Box 1"/>
+          <p:cNvPr id="5" name="Text Box 4"/>
           <p:cNvSpPr txBox="1"/>
           <p:nvPr/>
         </p:nvSpPr>
         <p:spPr>
           <a:xfrm>
-            <a:off x="3048000" y="2754630"/>
-            <a:ext cx="6096000" cy="1348105"/>
+            <a:off x="100330" y="5908040"/>
+            <a:ext cx="3712845" cy="922020"/>
           </a:xfrm>
           <a:prstGeom prst="rect">
             <a:avLst/>
@@ -6357,72 +6983,11 @@
             <a:spAutoFit/>
           </a:bodyPr>
           <a:p>
-            <a:pPr marL="0" indent="0" fontAlgn="base">
-              <a:spcBef>
-                <a:spcPct val="0"/>
-              </a:spcBef>
-              <a:spcAft>
-                <a:spcPts val="200"/>
-              </a:spcAft>
-            </a:pPr>
-            <a:r>
-              <a:rPr lang="en-IN" sz="4000" b="1">
-                <a:solidFill>
-                  <a:srgbClr val="FF0000"/>
-                </a:solidFill>
-                <a:effectLst>
-                  <a:outerShdw blurRad="38100" dist="38100" dir="2700000" algn="tl">
-                    <a:srgbClr val="000000">
-                      <a:alpha val="43137"/>
-                    </a:srgbClr>
-                  </a:outerShdw>
-                </a:effectLst>
-                <a:latin typeface="Georgia" panose="02040502050405020303"/>
-                <a:ea typeface="Georgia" panose="02040502050405020303"/>
-                <a:sym typeface="+mn-ea"/>
-              </a:rPr>
-              <a:t>Batch  Normalizations</a:t>
-            </a:r>
-            <a:endParaRPr lang="en-IN" sz="4000" b="1">
-              <a:solidFill>
-                <a:srgbClr val="FF0000"/>
-              </a:solidFill>
-              <a:effectLst>
-                <a:outerShdw blurRad="38100" dist="38100" dir="2700000" algn="tl">
-                  <a:srgbClr val="000000">
-                    <a:alpha val="43137"/>
-                  </a:srgbClr>
-                </a:outerShdw>
-              </a:effectLst>
-              <a:latin typeface="Georgia" panose="02040502050405020303"/>
-              <a:ea typeface="Georgia" panose="02040502050405020303"/>
-              <a:sym typeface="+mn-ea"/>
-            </a:endParaRPr>
-          </a:p>
-          <a:p>
-            <a:pPr marL="0" indent="0" fontAlgn="base">
-              <a:spcBef>
-                <a:spcPct val="0"/>
-              </a:spcBef>
-              <a:spcAft>
-                <a:spcPts val="200"/>
-              </a:spcAft>
-            </a:pPr>
-            <a:endParaRPr lang="en-IN" sz="4000" b="1">
-              <a:solidFill>
-                <a:srgbClr val="FF0000"/>
-              </a:solidFill>
-              <a:effectLst>
-                <a:outerShdw blurRad="38100" dist="38100" dir="2700000" algn="tl">
-                  <a:srgbClr val="000000">
-                    <a:alpha val="43137"/>
-                  </a:srgbClr>
-                </a:outerShdw>
-              </a:effectLst>
-              <a:latin typeface="Georgia" panose="02040502050405020303"/>
-              <a:ea typeface="Georgia" panose="02040502050405020303"/>
-              <a:sym typeface="+mn-ea"/>
-            </a:endParaRPr>
+            <a:r>
+              <a:rPr lang="en-US" altLang="en-US"/>
+              <a:t>https://medium.com/@ompramod9921/callbacks-your-secret-weapon-in-machine-learning-b08ded5678f0</a:t>
+            </a:r>
+            <a:endParaRPr lang="en-US"/>
           </a:p>
         </p:txBody>
       </p:sp>
@@ -6452,7 +7017,7 @@
         </p:nvSpPr>
         <p:spPr>
           <a:xfrm>
-            <a:off x="3048000" y="3075305"/>
+            <a:off x="2274570" y="1824355"/>
             <a:ext cx="6096000" cy="706755"/>
           </a:xfrm>
           <a:prstGeom prst="rect">
@@ -6489,7 +7054,7 @@
                 <a:ea typeface="Georgia" panose="02040502050405020303"/>
                 <a:sym typeface="+mn-ea"/>
               </a:rPr>
-              <a:t>Weight Initializations</a:t>
+              <a:t>Batch  Normalizations</a:t>
             </a:r>
             <a:endParaRPr lang="en-IN" sz="4000" b="1">
               <a:solidFill>
@@ -6517,35 +7082,40 @@
         </p:nvSpPr>
         <p:spPr>
           <a:xfrm>
-            <a:off x="3451860" y="4465002"/>
-            <a:ext cx="5080000" cy="583565"/>
+            <a:off x="2971165" y="2906395"/>
+            <a:ext cx="7839710" cy="922020"/>
           </a:xfrm>
           <a:prstGeom prst="rect">
             <a:avLst/>
           </a:prstGeom>
         </p:spPr>
         <p:txBody>
-          <a:bodyPr>
+          <a:bodyPr wrap="square">
             <a:spAutoFit/>
           </a:bodyPr>
           <a:p>
-            <a:pPr marL="0" indent="0" algn="l"/>
-            <a:r>
-              <a:rPr sz="1600" b="0" i="0">
-                <a:solidFill>
-                  <a:srgbClr val="191D17"/>
-                </a:solidFill>
-                <a:latin typeface="monospace"/>
-                <a:ea typeface="monospace"/>
-              </a:rPr>
-              <a:t>Xavier/Glorat And He Weight Initialization in Deep Learning</a:t>
-            </a:r>
-            <a:endParaRPr sz="1600" b="0" i="0">
-              <a:solidFill>
-                <a:srgbClr val="191D17"/>
-              </a:solidFill>
-              <a:latin typeface="monospace"/>
-              <a:ea typeface="monospace"/>
+            <a:pPr marL="0" indent="0"/>
+            <a:r>
+              <a:rPr b="0" i="0">
+                <a:solidFill>
+                  <a:srgbClr val="001D35"/>
+                </a:solidFill>
+                <a:latin typeface="Arial" panose="020B0604020202020204" pitchFamily="34" charset="0"/>
+                <a:ea typeface="Google Sans"/>
+                <a:cs typeface="Arial" panose="020B0604020202020204" pitchFamily="34" charset="0"/>
+              </a:rPr>
+              <a:t>Batch normalization is </a:t>
+            </a:r>
+            <a:r>
+              <a:rPr>
+                <a:latin typeface="Arial" panose="020B0604020202020204" pitchFamily="34" charset="0"/>
+                <a:cs typeface="Arial" panose="020B0604020202020204" pitchFamily="34" charset="0"/>
+              </a:rPr>
+              <a:t>a technique used in deep learning to improve the training process by normalizing the activations of each layer, leading to faster convergence, higher learning rates, and improved generalization</a:t>
+            </a:r>
+            <a:endParaRPr>
+              <a:latin typeface="Arial" panose="020B0604020202020204" pitchFamily="34" charset="0"/>
+              <a:cs typeface="Arial" panose="020B0604020202020204" pitchFamily="34" charset="0"/>
             </a:endParaRPr>
           </a:p>
         </p:txBody>
@@ -6558,36 +7128,24 @@
         </p:nvSpPr>
         <p:spPr>
           <a:xfrm>
-            <a:off x="3556000" y="5238432"/>
-            <a:ext cx="5080000" cy="583565"/>
+            <a:off x="1772920" y="6012815"/>
+            <a:ext cx="7767955" cy="368300"/>
           </a:xfrm>
           <a:prstGeom prst="rect">
             <a:avLst/>
           </a:prstGeom>
+          <a:noFill/>
         </p:spPr>
         <p:txBody>
-          <a:bodyPr>
+          <a:bodyPr wrap="square" rtlCol="0" anchor="t">
             <a:spAutoFit/>
           </a:bodyPr>
           <a:p>
-            <a:pPr marL="0" indent="0" algn="l"/>
-            <a:r>
-              <a:rPr sz="1600" b="0" i="0">
-                <a:solidFill>
-                  <a:srgbClr val="191D17"/>
-                </a:solidFill>
-                <a:latin typeface="monospace"/>
-                <a:ea typeface="monospace"/>
-              </a:rPr>
-              <a:t>Exponentially Weighted Moving Average or Exponential Weighted Average </a:t>
-            </a:r>
-            <a:endParaRPr sz="1600" b="0" i="0">
-              <a:solidFill>
-                <a:srgbClr val="191D17"/>
-              </a:solidFill>
-              <a:latin typeface="monospace"/>
-              <a:ea typeface="monospace"/>
-            </a:endParaRPr>
+            <a:r>
+              <a:rPr lang="en-US" altLang="en-US"/>
+              <a:t>https://learnopencv.com/batch-normalization-in-deep-networks/</a:t>
+            </a:r>
+            <a:endParaRPr lang="en-US"/>
           </a:p>
         </p:txBody>
       </p:sp>
@@ -6609,188 +7167,22 @@
         <p:nvPr/>
       </p:nvGrpSpPr>
       <p:grpSpPr/>
-      <p:sp>
-        <p:nvSpPr>
-          <p:cNvPr id="2" name="Text Box 1"/>
-          <p:cNvSpPr txBox="1"/>
-          <p:nvPr/>
-        </p:nvSpPr>
-        <p:spPr>
-          <a:xfrm>
-            <a:off x="749935" y="465455"/>
-            <a:ext cx="10107295" cy="3846195"/>
-          </a:xfrm>
-          <a:prstGeom prst="rect">
-            <a:avLst/>
-          </a:prstGeom>
-        </p:spPr>
-        <p:txBody>
-          <a:bodyPr wrap="square">
-            <a:spAutoFit/>
-          </a:bodyPr>
-          <a:p>
-            <a:pPr marL="0" indent="0" fontAlgn="base">
-              <a:spcBef>
-                <a:spcPct val="0"/>
-              </a:spcBef>
-              <a:spcAft>
-                <a:spcPts val="400"/>
-              </a:spcAft>
-            </a:pPr>
-            <a:r>
-              <a:rPr sz="3200" b="1" i="0">
-                <a:solidFill>
-                  <a:srgbClr val="C00000"/>
-                </a:solidFill>
-                <a:effectLst>
-                  <a:outerShdw blurRad="38100" dist="38100" dir="2700000" algn="tl">
-                    <a:srgbClr val="000000">
-                      <a:alpha val="43137"/>
-                    </a:srgbClr>
-                  </a:outerShdw>
-                </a:effectLst>
-                <a:latin typeface="Arial" panose="020B0604020202020204" pitchFamily="34" charset="0"/>
-                <a:ea typeface="Inter"/>
-                <a:cs typeface="Arial" panose="020B0604020202020204" pitchFamily="34" charset="0"/>
-              </a:rPr>
-              <a:t>Data Augmentation</a:t>
-            </a:r>
-            <a:endParaRPr sz="3200" b="1" i="0">
-              <a:solidFill>
-                <a:srgbClr val="C00000"/>
-              </a:solidFill>
-              <a:effectLst>
-                <a:outerShdw blurRad="38100" dist="38100" dir="2700000" algn="tl">
-                  <a:srgbClr val="000000">
-                    <a:alpha val="43137"/>
-                  </a:srgbClr>
-                </a:outerShdw>
-              </a:effectLst>
-              <a:latin typeface="Arial" panose="020B0604020202020204" pitchFamily="34" charset="0"/>
-              <a:ea typeface="Inter"/>
-              <a:cs typeface="Arial" panose="020B0604020202020204" pitchFamily="34" charset="0"/>
-            </a:endParaRPr>
-          </a:p>
-          <a:p>
-            <a:pPr marL="0" indent="0" fontAlgn="base">
-              <a:spcBef>
-                <a:spcPct val="0"/>
-              </a:spcBef>
-              <a:spcAft>
-                <a:spcPts val="400"/>
-              </a:spcAft>
-            </a:pPr>
-            <a:endParaRPr sz="3200" b="1" i="0" u="sng">
-              <a:solidFill>
-                <a:srgbClr val="008ABC"/>
-              </a:solidFill>
-              <a:effectLst>
-                <a:outerShdw blurRad="38100" dist="38100" dir="2700000" algn="tl">
-                  <a:srgbClr val="000000">
-                    <a:alpha val="43137"/>
-                  </a:srgbClr>
-                </a:outerShdw>
-              </a:effectLst>
-              <a:latin typeface="Arial" panose="020B0604020202020204" pitchFamily="34" charset="0"/>
-              <a:ea typeface="Inter"/>
-              <a:cs typeface="Arial" panose="020B0604020202020204" pitchFamily="34" charset="0"/>
-              <a:hlinkClick r:id="rId1"/>
-            </a:endParaRPr>
-          </a:p>
-          <a:p>
-            <a:pPr marL="0" indent="0" algn="l" fontAlgn="base">
-              <a:spcBef>
-                <a:spcPct val="0"/>
-              </a:spcBef>
-              <a:spcAft>
-                <a:spcPts val="800"/>
-              </a:spcAft>
-            </a:pPr>
-            <a:r>
-              <a:rPr sz="2000" b="0" i="0">
-                <a:solidFill>
-                  <a:srgbClr val="3C4043"/>
-                </a:solidFill>
-                <a:latin typeface="Arial" panose="020B0604020202020204" pitchFamily="34" charset="0"/>
-                <a:ea typeface="Inter"/>
-                <a:cs typeface="Arial" panose="020B0604020202020204" pitchFamily="34" charset="0"/>
-              </a:rPr>
-              <a:t>The simplest way to reduce overfitting is to increase the size of the training data. In machine learning, we were not able to increase the size of training data as the labeled data was too costly.</a:t>
-            </a:r>
-            <a:endParaRPr sz="2000" b="0" i="0">
-              <a:solidFill>
-                <a:srgbClr val="3C4043"/>
-              </a:solidFill>
-              <a:latin typeface="Arial" panose="020B0604020202020204" pitchFamily="34" charset="0"/>
-              <a:ea typeface="Inter"/>
-              <a:cs typeface="Arial" panose="020B0604020202020204" pitchFamily="34" charset="0"/>
-            </a:endParaRPr>
-          </a:p>
-          <a:p>
-            <a:pPr marL="0" indent="0" algn="l" fontAlgn="base">
-              <a:spcBef>
-                <a:spcPct val="0"/>
-              </a:spcBef>
-              <a:spcAft>
-                <a:spcPts val="800"/>
-              </a:spcAft>
-            </a:pPr>
-            <a:endParaRPr sz="2000" b="0" i="0">
-              <a:solidFill>
-                <a:srgbClr val="3C4043"/>
-              </a:solidFill>
-              <a:latin typeface="Arial" panose="020B0604020202020204" pitchFamily="34" charset="0"/>
-              <a:ea typeface="Inter"/>
-              <a:cs typeface="Arial" panose="020B0604020202020204" pitchFamily="34" charset="0"/>
-            </a:endParaRPr>
-          </a:p>
-          <a:p>
-            <a:pPr marL="0" indent="0" algn="l" fontAlgn="base">
-              <a:spcBef>
-                <a:spcPct val="0"/>
-              </a:spcBef>
-              <a:spcAft>
-                <a:spcPts val="800"/>
-              </a:spcAft>
-            </a:pPr>
-            <a:r>
-              <a:rPr sz="2000" b="0" i="0">
-                <a:solidFill>
-                  <a:srgbClr val="3C4043"/>
-                </a:solidFill>
-                <a:latin typeface="Arial" panose="020B0604020202020204" pitchFamily="34" charset="0"/>
-                <a:ea typeface="Inter"/>
-                <a:cs typeface="Arial" panose="020B0604020202020204" pitchFamily="34" charset="0"/>
-              </a:rPr>
-              <a:t>But, now let’s consider we are dealing with images. In this case, there are a few ways of increasing the size of the training data – rotating the image, flipping, scaling, shifting, etc. In the below image, some transformation has been done on the handwritten digits dataset.</a:t>
-            </a:r>
-            <a:endParaRPr sz="2000" b="0" i="0">
-              <a:solidFill>
-                <a:srgbClr val="3C4043"/>
-              </a:solidFill>
-              <a:latin typeface="Arial" panose="020B0604020202020204" pitchFamily="34" charset="0"/>
-              <a:ea typeface="Inter"/>
-              <a:cs typeface="Arial" panose="020B0604020202020204" pitchFamily="34" charset="0"/>
-            </a:endParaRPr>
-          </a:p>
-        </p:txBody>
-      </p:sp>
       <p:pic>
         <p:nvPicPr>
-          <p:cNvPr id="4" name="Picture 3"/>
+          <p:cNvPr id="2" name="Picture 1"/>
           <p:cNvPicPr/>
           <p:nvPr/>
         </p:nvPicPr>
         <p:blipFill>
-          <a:blip r:embed="rId2"/>
+          <a:blip r:embed="rId1"/>
           <a:stretch>
             <a:fillRect/>
           </a:stretch>
         </p:blipFill>
         <p:spPr>
           <a:xfrm>
-            <a:off x="749935" y="4397375"/>
-            <a:ext cx="9201150" cy="2104390"/>
+            <a:off x="825500" y="120650"/>
+            <a:ext cx="10160000" cy="6616700"/>
           </a:xfrm>
           <a:prstGeom prst="rect">
             <a:avLst/>
@@ -6823,727 +7215,86 @@
         </p:nvSpPr>
         <p:spPr>
           <a:xfrm>
-            <a:off x="828675" y="1290955"/>
-            <a:ext cx="7807325" cy="4304030"/>
+            <a:off x="581025" y="65405"/>
+            <a:ext cx="6096000" cy="706755"/>
+          </a:xfrm>
+          <a:prstGeom prst="rect">
+            <a:avLst/>
+          </a:prstGeom>
+          <a:noFill/>
+        </p:spPr>
+        <p:txBody>
+          <a:bodyPr wrap="square" rtlCol="0" anchor="t">
+            <a:spAutoFit/>
+          </a:bodyPr>
+          <a:p>
+            <a:pPr marL="0" indent="0" fontAlgn="base">
+              <a:spcBef>
+                <a:spcPct val="0"/>
+              </a:spcBef>
+              <a:spcAft>
+                <a:spcPts val="200"/>
+              </a:spcAft>
+            </a:pPr>
+            <a:r>
+              <a:rPr lang="en-IN" sz="4000" b="1">
+                <a:solidFill>
+                  <a:srgbClr val="FF0000"/>
+                </a:solidFill>
+                <a:effectLst>
+                  <a:outerShdw blurRad="38100" dist="38100" dir="2700000" algn="tl">
+                    <a:srgbClr val="000000">
+                      <a:alpha val="43137"/>
+                    </a:srgbClr>
+                  </a:outerShdw>
+                </a:effectLst>
+                <a:latin typeface="Georgia" panose="02040502050405020303"/>
+                <a:ea typeface="Georgia" panose="02040502050405020303"/>
+                <a:sym typeface="+mn-ea"/>
+              </a:rPr>
+              <a:t>Weight Initializations</a:t>
+            </a:r>
+            <a:endParaRPr lang="en-IN" sz="4000" b="1">
+              <a:solidFill>
+                <a:srgbClr val="FF0000"/>
+              </a:solidFill>
+              <a:effectLst>
+                <a:outerShdw blurRad="38100" dist="38100" dir="2700000" algn="tl">
+                  <a:srgbClr val="000000">
+                    <a:alpha val="43137"/>
+                  </a:srgbClr>
+                </a:outerShdw>
+              </a:effectLst>
+              <a:latin typeface="Georgia" panose="02040502050405020303"/>
+              <a:ea typeface="Georgia" panose="02040502050405020303"/>
+              <a:sym typeface="+mn-ea"/>
+            </a:endParaRPr>
+          </a:p>
+        </p:txBody>
+      </p:sp>
+      <p:pic>
+        <p:nvPicPr>
+          <p:cNvPr id="6" name="Picture 5"/>
+          <p:cNvPicPr/>
+          <p:nvPr/>
+        </p:nvPicPr>
+        <p:blipFill>
+          <a:blip r:embed="rId1"/>
+          <a:srcRect l="4174" t="18583" r="10775" b="7907"/>
+          <a:stretch>
+            <a:fillRect/>
+          </a:stretch>
+        </p:blipFill>
+        <p:spPr>
+          <a:xfrm>
+            <a:off x="1029970" y="676275"/>
+            <a:ext cx="8793480" cy="4717415"/>
           </a:xfrm>
           <a:prstGeom prst="rect">
             <a:avLst/>
           </a:prstGeom>
         </p:spPr>
-        <p:txBody>
-          <a:bodyPr wrap="square">
-            <a:noAutofit/>
-          </a:bodyPr>
-          <a:p>
-            <a:pPr marL="0" indent="0" fontAlgn="base" latinLnBrk="1">
-              <a:spcBef>
-                <a:spcPct val="0"/>
-              </a:spcBef>
-              <a:spcAft>
-                <a:spcPct val="0"/>
-              </a:spcAft>
-            </a:pPr>
-            <a:r>
-              <a:rPr sz="1600" b="0" i="0">
-                <a:solidFill>
-                  <a:srgbClr val="007B00"/>
-                </a:solidFill>
-                <a:latin typeface="Roboto Mono"/>
-                <a:ea typeface="Roboto Mono"/>
-              </a:rPr>
-              <a:t>from</a:t>
-            </a:r>
-            <a:r>
-              <a:rPr sz="1600" b="0" i="0">
-                <a:solidFill>
-                  <a:srgbClr val="3C4043"/>
-                </a:solidFill>
-                <a:latin typeface="Roboto Mono"/>
-                <a:ea typeface="Roboto Mono"/>
-              </a:rPr>
-              <a:t>keras.preprocessing.image</a:t>
-            </a:r>
-            <a:r>
-              <a:rPr sz="1600" b="0" i="0">
-                <a:solidFill>
-                  <a:srgbClr val="007B00"/>
-                </a:solidFill>
-                <a:latin typeface="Roboto Mono"/>
-                <a:ea typeface="Roboto Mono"/>
-              </a:rPr>
-              <a:t>import</a:t>
-            </a:r>
-            <a:r>
-              <a:rPr sz="1600" b="0" i="0">
-                <a:solidFill>
-                  <a:srgbClr val="3C4043"/>
-                </a:solidFill>
-                <a:latin typeface="Roboto Mono"/>
-                <a:ea typeface="Roboto Mono"/>
-              </a:rPr>
-              <a:t>ImageDataGenerator</a:t>
-            </a:r>
-            <a:endParaRPr sz="1600" b="0" i="0">
-              <a:solidFill>
-                <a:srgbClr val="3C4043"/>
-              </a:solidFill>
-              <a:latin typeface="Roboto Mono"/>
-              <a:ea typeface="Roboto Mono"/>
-            </a:endParaRPr>
-          </a:p>
-          <a:p>
-            <a:pPr marL="0" indent="0" fontAlgn="base" latinLnBrk="1">
-              <a:spcBef>
-                <a:spcPct val="0"/>
-              </a:spcBef>
-              <a:spcAft>
-                <a:spcPct val="0"/>
-              </a:spcAft>
-            </a:pPr>
-            <a:endParaRPr sz="1600" b="0" i="0">
-              <a:solidFill>
-                <a:srgbClr val="3C4043"/>
-              </a:solidFill>
-              <a:latin typeface="Roboto Mono"/>
-              <a:ea typeface="Roboto Mono"/>
-            </a:endParaRPr>
-          </a:p>
-          <a:p>
-            <a:pPr marL="0" indent="0" fontAlgn="base" latinLnBrk="1">
-              <a:spcBef>
-                <a:spcPct val="0"/>
-              </a:spcBef>
-              <a:spcAft>
-                <a:spcPct val="0"/>
-              </a:spcAft>
-            </a:pPr>
-            <a:r>
-              <a:rPr sz="1600" b="0" i="0">
-                <a:solidFill>
-                  <a:srgbClr val="3C4043"/>
-                </a:solidFill>
-                <a:latin typeface="Roboto Mono"/>
-                <a:ea typeface="Roboto Mono"/>
-              </a:rPr>
-              <a:t>datagen</a:t>
-            </a:r>
-            <a:r>
-              <a:rPr sz="1600" b="0" i="0">
-                <a:solidFill>
-                  <a:srgbClr val="008ABC"/>
-                </a:solidFill>
-                <a:latin typeface="Roboto Mono"/>
-                <a:ea typeface="Roboto Mono"/>
-              </a:rPr>
-              <a:t>=</a:t>
-            </a:r>
-            <a:r>
-              <a:rPr sz="1600" b="0" i="0">
-                <a:solidFill>
-                  <a:srgbClr val="3C4043"/>
-                </a:solidFill>
-                <a:latin typeface="Roboto Mono"/>
-                <a:ea typeface="Roboto Mono"/>
-              </a:rPr>
-              <a:t>ImageDataGenerator(featurewise_center</a:t>
-            </a:r>
-            <a:r>
-              <a:rPr sz="1600" b="0" i="0">
-                <a:solidFill>
-                  <a:srgbClr val="008ABC"/>
-                </a:solidFill>
-                <a:latin typeface="Roboto Mono"/>
-                <a:ea typeface="Roboto Mono"/>
-              </a:rPr>
-              <a:t>=</a:t>
-            </a:r>
-            <a:r>
-              <a:rPr sz="1600" b="0" i="0">
-                <a:solidFill>
-                  <a:srgbClr val="007B00"/>
-                </a:solidFill>
-                <a:latin typeface="Roboto Mono"/>
-                <a:ea typeface="Roboto Mono"/>
-              </a:rPr>
-              <a:t>False</a:t>
-            </a:r>
-            <a:r>
-              <a:rPr sz="1600" b="0" i="0">
-                <a:solidFill>
-                  <a:srgbClr val="3C4043"/>
-                </a:solidFill>
-                <a:latin typeface="Roboto Mono"/>
-                <a:ea typeface="Roboto Mono"/>
-              </a:rPr>
-              <a:t>,</a:t>
-            </a:r>
-            <a:endParaRPr sz="1600" b="0" i="0">
-              <a:solidFill>
-                <a:srgbClr val="3C4043"/>
-              </a:solidFill>
-              <a:latin typeface="Roboto Mono"/>
-              <a:ea typeface="Roboto Mono"/>
-            </a:endParaRPr>
-          </a:p>
-          <a:p>
-            <a:pPr marL="0" indent="0" fontAlgn="base" latinLnBrk="1">
-              <a:spcBef>
-                <a:spcPct val="0"/>
-              </a:spcBef>
-              <a:spcAft>
-                <a:spcPct val="0"/>
-              </a:spcAft>
-            </a:pPr>
-            <a:r>
-              <a:rPr sz="1600" b="0" i="1">
-                <a:solidFill>
-                  <a:srgbClr val="3C4043"/>
-                </a:solidFill>
-                <a:latin typeface="Roboto Mono"/>
-                <a:ea typeface="Roboto Mono"/>
-              </a:rPr>
-              <a:t># set input mean to 0 over the dataset</a:t>
-            </a:r>
-            <a:r>
-              <a:rPr sz="1600" b="0" i="0">
-                <a:solidFill>
-                  <a:srgbClr val="3C4043"/>
-                </a:solidFill>
-                <a:latin typeface="Roboto Mono"/>
-                <a:ea typeface="Roboto Mono"/>
-              </a:rPr>
-              <a:t>samplewise_center</a:t>
-            </a:r>
-            <a:r>
-              <a:rPr sz="1600" b="0" i="0">
-                <a:solidFill>
-                  <a:srgbClr val="008ABC"/>
-                </a:solidFill>
-                <a:latin typeface="Roboto Mono"/>
-                <a:ea typeface="Roboto Mono"/>
-              </a:rPr>
-              <a:t>=</a:t>
-            </a:r>
-            <a:r>
-              <a:rPr sz="1600" b="0" i="0">
-                <a:solidFill>
-                  <a:srgbClr val="007B00"/>
-                </a:solidFill>
-                <a:latin typeface="Roboto Mono"/>
-                <a:ea typeface="Roboto Mono"/>
-              </a:rPr>
-              <a:t>False</a:t>
-            </a:r>
-            <a:r>
-              <a:rPr sz="1600" b="0" i="0">
-                <a:solidFill>
-                  <a:srgbClr val="3C4043"/>
-                </a:solidFill>
-                <a:latin typeface="Roboto Mono"/>
-                <a:ea typeface="Roboto Mono"/>
-              </a:rPr>
-              <a:t>,</a:t>
-            </a:r>
-            <a:r>
-              <a:rPr sz="1600" b="0" i="1">
-                <a:solidFill>
-                  <a:srgbClr val="3C4043"/>
-                </a:solidFill>
-                <a:latin typeface="Roboto Mono"/>
-                <a:ea typeface="Roboto Mono"/>
-              </a:rPr>
-              <a:t># set each sample mean to 0</a:t>
-            </a:r>
-            <a:r>
-              <a:rPr sz="1600" b="0" i="0">
-                <a:solidFill>
-                  <a:srgbClr val="3C4043"/>
-                </a:solidFill>
-                <a:latin typeface="Roboto Mono"/>
-                <a:ea typeface="Roboto Mono"/>
-              </a:rPr>
-              <a:t>featurewise_std_normalization</a:t>
-            </a:r>
-            <a:r>
-              <a:rPr sz="1600" b="0" i="0">
-                <a:solidFill>
-                  <a:srgbClr val="008ABC"/>
-                </a:solidFill>
-                <a:latin typeface="Roboto Mono"/>
-                <a:ea typeface="Roboto Mono"/>
-              </a:rPr>
-              <a:t>=</a:t>
-            </a:r>
-            <a:r>
-              <a:rPr sz="1600" b="0" i="0">
-                <a:solidFill>
-                  <a:srgbClr val="007B00"/>
-                </a:solidFill>
-                <a:latin typeface="Roboto Mono"/>
-                <a:ea typeface="Roboto Mono"/>
-              </a:rPr>
-              <a:t>False</a:t>
-            </a:r>
-            <a:r>
-              <a:rPr sz="1600" b="0" i="0">
-                <a:solidFill>
-                  <a:srgbClr val="3C4043"/>
-                </a:solidFill>
-                <a:latin typeface="Roboto Mono"/>
-                <a:ea typeface="Roboto Mono"/>
-              </a:rPr>
-              <a:t>,</a:t>
-            </a:r>
-            <a:r>
-              <a:rPr sz="1600" b="0" i="1">
-                <a:solidFill>
-                  <a:srgbClr val="3C4043"/>
-                </a:solidFill>
-                <a:latin typeface="Roboto Mono"/>
-                <a:ea typeface="Roboto Mono"/>
-              </a:rPr>
-              <a:t># divide inputs by std of the dataset</a:t>
-            </a:r>
-            <a:r>
-              <a:rPr sz="1600" b="0" i="0">
-                <a:solidFill>
-                  <a:srgbClr val="3C4043"/>
-                </a:solidFill>
-                <a:latin typeface="Roboto Mono"/>
-                <a:ea typeface="Roboto Mono"/>
-              </a:rPr>
-              <a:t>samplewise_std_normalization</a:t>
-            </a:r>
-            <a:r>
-              <a:rPr sz="1600" b="0" i="0">
-                <a:solidFill>
-                  <a:srgbClr val="008ABC"/>
-                </a:solidFill>
-                <a:latin typeface="Roboto Mono"/>
-                <a:ea typeface="Roboto Mono"/>
-              </a:rPr>
-              <a:t>=</a:t>
-            </a:r>
-            <a:r>
-              <a:rPr sz="1600" b="0" i="0">
-                <a:solidFill>
-                  <a:srgbClr val="007B00"/>
-                </a:solidFill>
-                <a:latin typeface="Roboto Mono"/>
-                <a:ea typeface="Roboto Mono"/>
-              </a:rPr>
-              <a:t>False</a:t>
-            </a:r>
-            <a:r>
-              <a:rPr sz="1600" b="0" i="0">
-                <a:solidFill>
-                  <a:srgbClr val="3C4043"/>
-                </a:solidFill>
-                <a:latin typeface="Roboto Mono"/>
-                <a:ea typeface="Roboto Mono"/>
-              </a:rPr>
-              <a:t>,</a:t>
-            </a:r>
-            <a:r>
-              <a:rPr sz="1600" b="0" i="1">
-                <a:solidFill>
-                  <a:srgbClr val="3C4043"/>
-                </a:solidFill>
-                <a:latin typeface="Roboto Mono"/>
-                <a:ea typeface="Roboto Mono"/>
-              </a:rPr>
-              <a:t># divide each input by its std</a:t>
-            </a:r>
-            <a:r>
-              <a:rPr sz="1600" b="0" i="0">
-                <a:solidFill>
-                  <a:srgbClr val="3C4043"/>
-                </a:solidFill>
-                <a:latin typeface="Roboto Mono"/>
-                <a:ea typeface="Roboto Mono"/>
-              </a:rPr>
-              <a:t>zca_whitening</a:t>
-            </a:r>
-            <a:r>
-              <a:rPr sz="1600" b="0" i="0">
-                <a:solidFill>
-                  <a:srgbClr val="008ABC"/>
-                </a:solidFill>
-                <a:latin typeface="Roboto Mono"/>
-                <a:ea typeface="Roboto Mono"/>
-              </a:rPr>
-              <a:t>=</a:t>
-            </a:r>
-            <a:r>
-              <a:rPr sz="1600" b="0" i="0">
-                <a:solidFill>
-                  <a:srgbClr val="007B00"/>
-                </a:solidFill>
-                <a:latin typeface="Roboto Mono"/>
-                <a:ea typeface="Roboto Mono"/>
-              </a:rPr>
-              <a:t>False</a:t>
-            </a:r>
-            <a:r>
-              <a:rPr sz="1600" b="0" i="0">
-                <a:solidFill>
-                  <a:srgbClr val="3C4043"/>
-                </a:solidFill>
-                <a:latin typeface="Roboto Mono"/>
-                <a:ea typeface="Roboto Mono"/>
-              </a:rPr>
-              <a:t>,</a:t>
-            </a:r>
-            <a:r>
-              <a:rPr sz="1600" b="0" i="1">
-                <a:solidFill>
-                  <a:srgbClr val="3C4043"/>
-                </a:solidFill>
-                <a:latin typeface="Roboto Mono"/>
-                <a:ea typeface="Roboto Mono"/>
-              </a:rPr>
-              <a:t># apply ZCA whitening</a:t>
-            </a:r>
-            <a:r>
-              <a:rPr sz="1600" b="0" i="0">
-                <a:solidFill>
-                  <a:srgbClr val="3C4043"/>
-                </a:solidFill>
-                <a:latin typeface="Roboto Mono"/>
-                <a:ea typeface="Roboto Mono"/>
-              </a:rPr>
-              <a:t>rotation_range</a:t>
-            </a:r>
-            <a:r>
-              <a:rPr sz="1600" b="0" i="0">
-                <a:solidFill>
-                  <a:srgbClr val="008ABC"/>
-                </a:solidFill>
-                <a:latin typeface="Roboto Mono"/>
-                <a:ea typeface="Roboto Mono"/>
-              </a:rPr>
-              <a:t>=</a:t>
-            </a:r>
-            <a:r>
-              <a:rPr sz="1600" b="0" i="0">
-                <a:solidFill>
-                  <a:srgbClr val="666666"/>
-                </a:solidFill>
-                <a:latin typeface="Roboto Mono"/>
-                <a:ea typeface="Roboto Mono"/>
-              </a:rPr>
-              <a:t>10</a:t>
-            </a:r>
-            <a:r>
-              <a:rPr sz="1600" b="0" i="0">
-                <a:solidFill>
-                  <a:srgbClr val="3C4043"/>
-                </a:solidFill>
-                <a:latin typeface="Roboto Mono"/>
-                <a:ea typeface="Roboto Mono"/>
-              </a:rPr>
-              <a:t>,</a:t>
-            </a:r>
-            <a:r>
-              <a:rPr sz="1600" b="0" i="1">
-                <a:solidFill>
-                  <a:srgbClr val="3C4043"/>
-                </a:solidFill>
-                <a:latin typeface="Roboto Mono"/>
-                <a:ea typeface="Roboto Mono"/>
-              </a:rPr>
-              <a:t># randomly rotate images in the range (degrees, 0 to 180)</a:t>
-            </a:r>
-            <a:r>
-              <a:rPr sz="1600" b="0" i="0">
-                <a:solidFill>
-                  <a:srgbClr val="3C4043"/>
-                </a:solidFill>
-                <a:latin typeface="Roboto Mono"/>
-                <a:ea typeface="Roboto Mono"/>
-              </a:rPr>
-              <a:t>zoom_range</a:t>
-            </a:r>
-            <a:r>
-              <a:rPr sz="1600" b="0" i="0">
-                <a:solidFill>
-                  <a:srgbClr val="008ABC"/>
-                </a:solidFill>
-                <a:latin typeface="Roboto Mono"/>
-                <a:ea typeface="Roboto Mono"/>
-              </a:rPr>
-              <a:t>=</a:t>
-            </a:r>
-            <a:r>
-              <a:rPr sz="1600" b="0" i="0">
-                <a:solidFill>
-                  <a:srgbClr val="666666"/>
-                </a:solidFill>
-                <a:latin typeface="Roboto Mono"/>
-                <a:ea typeface="Roboto Mono"/>
-              </a:rPr>
-              <a:t>0.1</a:t>
-            </a:r>
-            <a:r>
-              <a:rPr sz="1600" b="0" i="0">
-                <a:solidFill>
-                  <a:srgbClr val="3C4043"/>
-                </a:solidFill>
-                <a:latin typeface="Roboto Mono"/>
-                <a:ea typeface="Roboto Mono"/>
-              </a:rPr>
-              <a:t>,</a:t>
-            </a:r>
-            <a:r>
-              <a:rPr sz="1600" b="0" i="1">
-                <a:solidFill>
-                  <a:srgbClr val="3C4043"/>
-                </a:solidFill>
-                <a:latin typeface="Roboto Mono"/>
-                <a:ea typeface="Roboto Mono"/>
-              </a:rPr>
-              <a:t># Randomly zoom image </a:t>
-            </a:r>
-            <a:r>
-              <a:rPr sz="1600" b="0" i="0">
-                <a:solidFill>
-                  <a:srgbClr val="3C4043"/>
-                </a:solidFill>
-                <a:latin typeface="Roboto Mono"/>
-                <a:ea typeface="Roboto Mono"/>
-              </a:rPr>
-              <a:t>width_shift_range</a:t>
-            </a:r>
-            <a:r>
-              <a:rPr sz="1600" b="0" i="0">
-                <a:solidFill>
-                  <a:srgbClr val="008ABC"/>
-                </a:solidFill>
-                <a:latin typeface="Roboto Mono"/>
-                <a:ea typeface="Roboto Mono"/>
-              </a:rPr>
-              <a:t>=</a:t>
-            </a:r>
-            <a:r>
-              <a:rPr sz="1600" b="0" i="0">
-                <a:solidFill>
-                  <a:srgbClr val="666666"/>
-                </a:solidFill>
-                <a:latin typeface="Roboto Mono"/>
-                <a:ea typeface="Roboto Mono"/>
-              </a:rPr>
-              <a:t>0.1</a:t>
-            </a:r>
-            <a:r>
-              <a:rPr sz="1600" b="0" i="0">
-                <a:solidFill>
-                  <a:srgbClr val="3C4043"/>
-                </a:solidFill>
-                <a:latin typeface="Roboto Mono"/>
-                <a:ea typeface="Roboto Mono"/>
-              </a:rPr>
-              <a:t>,</a:t>
-            </a:r>
-            <a:r>
-              <a:rPr sz="1600" b="0" i="1">
-                <a:solidFill>
-                  <a:srgbClr val="3C4043"/>
-                </a:solidFill>
-                <a:latin typeface="Roboto Mono"/>
-                <a:ea typeface="Roboto Mono"/>
-              </a:rPr>
-              <a:t># randomly shift images horizontally (fraction of total width)</a:t>
-            </a:r>
-            <a:r>
-              <a:rPr sz="1600" b="0" i="0">
-                <a:solidFill>
-                  <a:srgbClr val="3C4043"/>
-                </a:solidFill>
-                <a:latin typeface="Roboto Mono"/>
-                <a:ea typeface="Roboto Mono"/>
-              </a:rPr>
-              <a:t>height_shift_range</a:t>
-            </a:r>
-            <a:r>
-              <a:rPr sz="1600" b="0" i="0">
-                <a:solidFill>
-                  <a:srgbClr val="008ABC"/>
-                </a:solidFill>
-                <a:latin typeface="Roboto Mono"/>
-                <a:ea typeface="Roboto Mono"/>
-              </a:rPr>
-              <a:t>=</a:t>
-            </a:r>
-            <a:r>
-              <a:rPr sz="1600" b="0" i="0">
-                <a:solidFill>
-                  <a:srgbClr val="666666"/>
-                </a:solidFill>
-                <a:latin typeface="Roboto Mono"/>
-                <a:ea typeface="Roboto Mono"/>
-              </a:rPr>
-              <a:t>0.1</a:t>
-            </a:r>
-            <a:r>
-              <a:rPr sz="1600" b="0" i="0">
-                <a:solidFill>
-                  <a:srgbClr val="3C4043"/>
-                </a:solidFill>
-                <a:latin typeface="Roboto Mono"/>
-                <a:ea typeface="Roboto Mono"/>
-              </a:rPr>
-              <a:t>,</a:t>
-            </a:r>
-            <a:r>
-              <a:rPr sz="1600" b="0" i="1">
-                <a:solidFill>
-                  <a:srgbClr val="3C4043"/>
-                </a:solidFill>
-                <a:latin typeface="Roboto Mono"/>
-                <a:ea typeface="Roboto Mono"/>
-              </a:rPr>
-              <a:t># randomly shift images vertically (fraction of total height)</a:t>
-            </a:r>
-            <a:r>
-              <a:rPr sz="1600" b="0" i="0">
-                <a:solidFill>
-                  <a:srgbClr val="3C4043"/>
-                </a:solidFill>
-                <a:latin typeface="Roboto Mono"/>
-                <a:ea typeface="Roboto Mono"/>
-              </a:rPr>
-              <a:t>horizontal_flip</a:t>
-            </a:r>
-            <a:r>
-              <a:rPr sz="1600" b="0" i="0">
-                <a:solidFill>
-                  <a:srgbClr val="008ABC"/>
-                </a:solidFill>
-                <a:latin typeface="Roboto Mono"/>
-                <a:ea typeface="Roboto Mono"/>
-              </a:rPr>
-              <a:t>=</a:t>
-            </a:r>
-            <a:r>
-              <a:rPr sz="1600" b="0" i="0">
-                <a:solidFill>
-                  <a:srgbClr val="007B00"/>
-                </a:solidFill>
-                <a:latin typeface="Roboto Mono"/>
-                <a:ea typeface="Roboto Mono"/>
-              </a:rPr>
-              <a:t>False</a:t>
-            </a:r>
-            <a:r>
-              <a:rPr sz="1600" b="0" i="0">
-                <a:solidFill>
-                  <a:srgbClr val="3C4043"/>
-                </a:solidFill>
-                <a:latin typeface="Roboto Mono"/>
-                <a:ea typeface="Roboto Mono"/>
-              </a:rPr>
-              <a:t>,</a:t>
-            </a:r>
-            <a:r>
-              <a:rPr sz="1600" b="0" i="1">
-                <a:solidFill>
-                  <a:srgbClr val="3C4043"/>
-                </a:solidFill>
-                <a:latin typeface="Roboto Mono"/>
-                <a:ea typeface="Roboto Mono"/>
-              </a:rPr>
-              <a:t># randomly flip images</a:t>
-            </a:r>
-            <a:r>
-              <a:rPr sz="1600" b="0" i="0">
-                <a:solidFill>
-                  <a:srgbClr val="3C4043"/>
-                </a:solidFill>
-                <a:latin typeface="Roboto Mono"/>
-                <a:ea typeface="Roboto Mono"/>
-              </a:rPr>
-              <a:t>vertical_flip</a:t>
-            </a:r>
-            <a:r>
-              <a:rPr sz="1600" b="0" i="0">
-                <a:solidFill>
-                  <a:srgbClr val="008ABC"/>
-                </a:solidFill>
-                <a:latin typeface="Roboto Mono"/>
-                <a:ea typeface="Roboto Mono"/>
-              </a:rPr>
-              <a:t>=</a:t>
-            </a:r>
-            <a:r>
-              <a:rPr sz="1600" b="0" i="0">
-                <a:solidFill>
-                  <a:srgbClr val="007B00"/>
-                </a:solidFill>
-                <a:latin typeface="Roboto Mono"/>
-                <a:ea typeface="Roboto Mono"/>
-              </a:rPr>
-              <a:t>False</a:t>
-            </a:r>
-            <a:r>
-              <a:rPr sz="1600" b="0" i="0">
-                <a:solidFill>
-                  <a:srgbClr val="3C4043"/>
-                </a:solidFill>
-                <a:latin typeface="Roboto Mono"/>
-                <a:ea typeface="Roboto Mono"/>
-              </a:rPr>
-              <a:t>)</a:t>
-            </a:r>
-            <a:r>
-              <a:rPr sz="1600" b="0" i="1">
-                <a:solidFill>
-                  <a:srgbClr val="3C4043"/>
-                </a:solidFill>
-                <a:latin typeface="Roboto Mono"/>
-                <a:ea typeface="Roboto Mono"/>
-              </a:rPr>
-              <a:t># randomly flip images</a:t>
-            </a:r>
-            <a:r>
-              <a:rPr sz="1600" b="0" i="0">
-                <a:solidFill>
-                  <a:srgbClr val="3C4043"/>
-                </a:solidFill>
-                <a:latin typeface="Roboto Mono"/>
-                <a:ea typeface="Roboto Mono"/>
-              </a:rPr>
-              <a:t>datagen</a:t>
-            </a:r>
-            <a:r>
-              <a:rPr sz="1600" b="0" i="0">
-                <a:solidFill>
-                  <a:srgbClr val="008ABC"/>
-                </a:solidFill>
-                <a:latin typeface="Roboto Mono"/>
-                <a:ea typeface="Roboto Mono"/>
-              </a:rPr>
-              <a:t>.</a:t>
-            </a:r>
-            <a:r>
-              <a:rPr sz="1600" b="0" i="0">
-                <a:solidFill>
-                  <a:srgbClr val="3C4043"/>
-                </a:solidFill>
-                <a:latin typeface="Roboto Mono"/>
-                <a:ea typeface="Roboto Mono"/>
-              </a:rPr>
-              <a:t>fit(x_train)</a:t>
-            </a:r>
-            <a:endParaRPr sz="1600" b="0" i="0">
-              <a:solidFill>
-                <a:srgbClr val="3C4043"/>
-              </a:solidFill>
-              <a:latin typeface="Roboto Mono"/>
-              <a:ea typeface="Roboto Mono"/>
-            </a:endParaRPr>
-          </a:p>
-        </p:txBody>
-      </p:sp>
+      </p:pic>
     </p:spTree>
   </p:cSld>
   <p:clrMapOvr>
@@ -7564,176 +7315,430 @@
       <p:grpSpPr/>
       <p:sp>
         <p:nvSpPr>
-          <p:cNvPr id="2" name="Text Box 1"/>
+          <p:cNvPr id="5" name="Text Box 4"/>
           <p:cNvSpPr txBox="1"/>
           <p:nvPr/>
         </p:nvSpPr>
         <p:spPr>
           <a:xfrm>
-            <a:off x="3048000" y="3075305"/>
-            <a:ext cx="6096000" cy="2630170"/>
+            <a:off x="727710" y="702945"/>
+            <a:ext cx="9789160" cy="4775835"/>
           </a:xfrm>
           <a:prstGeom prst="rect">
             <a:avLst/>
           </a:prstGeom>
-          <a:noFill/>
         </p:spPr>
         <p:txBody>
-          <a:bodyPr wrap="square" rtlCol="0" anchor="t">
+          <a:bodyPr wrap="square">
+            <a:noAutofit/>
+          </a:bodyPr>
+          <a:p>
+            <a:pPr marL="0" indent="0">
+              <a:spcBef>
+                <a:spcPct val="0"/>
+              </a:spcBef>
+              <a:spcAft>
+                <a:spcPts val="1000"/>
+              </a:spcAft>
+            </a:pPr>
+            <a:r>
+              <a:rPr sz="1600" b="0" i="0">
+                <a:solidFill>
+                  <a:srgbClr val="001D35"/>
+                </a:solidFill>
+                <a:latin typeface="Arial" panose="020B0604020202020204" pitchFamily="34" charset="0"/>
+                <a:ea typeface="Google Sans"/>
+                <a:cs typeface="Arial" panose="020B0604020202020204" pitchFamily="34" charset="0"/>
+              </a:rPr>
+              <a:t>Weight initialization in neural networks is the process of assigning initial values to the network's parameters (weights and biases) before training, and it's crucial for efficient and effective learning, preventing issues like vanishing or exploding gradients. </a:t>
+            </a:r>
+            <a:endParaRPr sz="1600" b="0" i="0">
+              <a:solidFill>
+                <a:srgbClr val="001D35"/>
+              </a:solidFill>
+              <a:latin typeface="Arial" panose="020B0604020202020204" pitchFamily="34" charset="0"/>
+              <a:ea typeface="Google Sans"/>
+              <a:cs typeface="Arial" panose="020B0604020202020204" pitchFamily="34" charset="0"/>
+            </a:endParaRPr>
+          </a:p>
+          <a:p>
+            <a:pPr marL="0" indent="0">
+              <a:spcBef>
+                <a:spcPts val="500"/>
+              </a:spcBef>
+              <a:spcAft>
+                <a:spcPts val="1000"/>
+              </a:spcAft>
+            </a:pPr>
+            <a:r>
+              <a:rPr sz="1600" b="0" i="0">
+                <a:solidFill>
+                  <a:srgbClr val="001D35"/>
+                </a:solidFill>
+                <a:latin typeface="Arial" panose="020B0604020202020204" pitchFamily="34" charset="0"/>
+                <a:ea typeface="Google Sans"/>
+                <a:cs typeface="Arial" panose="020B0604020202020204" pitchFamily="34" charset="0"/>
+              </a:rPr>
+              <a:t>Here's a more detailed explanation:</a:t>
+            </a:r>
+            <a:endParaRPr sz="1600" b="0" i="0">
+              <a:solidFill>
+                <a:srgbClr val="001D35"/>
+              </a:solidFill>
+              <a:latin typeface="Arial" panose="020B0604020202020204" pitchFamily="34" charset="0"/>
+              <a:ea typeface="Google Sans"/>
+              <a:cs typeface="Arial" panose="020B0604020202020204" pitchFamily="34" charset="0"/>
+            </a:endParaRPr>
+          </a:p>
+          <a:p>
+            <a:pPr marL="0" indent="0">
+              <a:spcBef>
+                <a:spcPts val="1000"/>
+              </a:spcBef>
+              <a:spcAft>
+                <a:spcPts val="500"/>
+              </a:spcAft>
+            </a:pPr>
+            <a:r>
+              <a:rPr sz="1600" b="0" i="0">
+                <a:solidFill>
+                  <a:srgbClr val="001D35"/>
+                </a:solidFill>
+                <a:latin typeface="Arial" panose="020B0604020202020204" pitchFamily="34" charset="0"/>
+                <a:ea typeface="Google Sans"/>
+                <a:cs typeface="Arial" panose="020B0604020202020204" pitchFamily="34" charset="0"/>
+              </a:rPr>
+              <a:t>Why is it important?</a:t>
+            </a:r>
+            <a:endParaRPr sz="1600" b="0" i="0">
+              <a:solidFill>
+                <a:srgbClr val="001D35"/>
+              </a:solidFill>
+              <a:latin typeface="Arial" panose="020B0604020202020204" pitchFamily="34" charset="0"/>
+              <a:ea typeface="Google Sans"/>
+              <a:cs typeface="Arial" panose="020B0604020202020204" pitchFamily="34" charset="0"/>
+            </a:endParaRPr>
+          </a:p>
+          <a:p>
+            <a:pPr marL="0" indent="0">
+              <a:spcBef>
+                <a:spcPct val="0"/>
+              </a:spcBef>
+              <a:spcAft>
+                <a:spcPts val="400"/>
+              </a:spcAft>
+              <a:buFont typeface="Arial" panose="020B0604020202020204"/>
+              <a:buChar char="•"/>
+            </a:pPr>
+            <a:r>
+              <a:rPr sz="1600" b="0" i="0">
+                <a:solidFill>
+                  <a:srgbClr val="001D35"/>
+                </a:solidFill>
+                <a:latin typeface="Arial" panose="020B0604020202020204" pitchFamily="34" charset="0"/>
+                <a:ea typeface="Google Sans"/>
+                <a:cs typeface="Arial" panose="020B0604020202020204" pitchFamily="34" charset="0"/>
+              </a:rPr>
+              <a:t>Sets the starting point for learning:</a:t>
+            </a:r>
+            <a:endParaRPr sz="1600" b="0" i="0">
+              <a:solidFill>
+                <a:srgbClr val="001D35"/>
+              </a:solidFill>
+              <a:latin typeface="Arial" panose="020B0604020202020204" pitchFamily="34" charset="0"/>
+              <a:ea typeface="Google Sans"/>
+              <a:cs typeface="Arial" panose="020B0604020202020204" pitchFamily="34" charset="0"/>
+            </a:endParaRPr>
+          </a:p>
+          <a:p>
+            <a:pPr marL="0" indent="0">
+              <a:spcBef>
+                <a:spcPct val="0"/>
+              </a:spcBef>
+              <a:spcAft>
+                <a:spcPts val="400"/>
+              </a:spcAft>
+            </a:pPr>
+            <a:r>
+              <a:rPr sz="1600" b="0" i="0">
+                <a:solidFill>
+                  <a:srgbClr val="001D35"/>
+                </a:solidFill>
+                <a:latin typeface="Arial" panose="020B0604020202020204" pitchFamily="34" charset="0"/>
+                <a:ea typeface="Google Sans"/>
+                <a:cs typeface="Arial" panose="020B0604020202020204" pitchFamily="34" charset="0"/>
+              </a:rPr>
+              <a:t>The initial values of weights and biases determine where the network starts its optimization journey. </a:t>
+            </a:r>
+            <a:endParaRPr sz="1600" b="0" i="0">
+              <a:solidFill>
+                <a:srgbClr val="001D35"/>
+              </a:solidFill>
+              <a:latin typeface="Arial" panose="020B0604020202020204" pitchFamily="34" charset="0"/>
+              <a:ea typeface="Google Sans"/>
+              <a:cs typeface="Arial" panose="020B0604020202020204" pitchFamily="34" charset="0"/>
+            </a:endParaRPr>
+          </a:p>
+          <a:p>
+            <a:pPr marL="0" indent="0">
+              <a:spcBef>
+                <a:spcPct val="0"/>
+              </a:spcBef>
+              <a:spcAft>
+                <a:spcPts val="400"/>
+              </a:spcAft>
+              <a:buFont typeface="Arial" panose="020B0604020202020204"/>
+              <a:buChar char="•"/>
+            </a:pPr>
+            <a:r>
+              <a:rPr sz="1600" b="0" i="0">
+                <a:solidFill>
+                  <a:srgbClr val="001D35"/>
+                </a:solidFill>
+                <a:latin typeface="Arial" panose="020B0604020202020204" pitchFamily="34" charset="0"/>
+                <a:ea typeface="Google Sans"/>
+                <a:cs typeface="Arial" panose="020B0604020202020204" pitchFamily="34" charset="0"/>
+              </a:rPr>
+              <a:t>Influences convergence speed:</a:t>
+            </a:r>
+            <a:endParaRPr sz="1600" b="0" i="0">
+              <a:solidFill>
+                <a:srgbClr val="001D35"/>
+              </a:solidFill>
+              <a:latin typeface="Arial" panose="020B0604020202020204" pitchFamily="34" charset="0"/>
+              <a:ea typeface="Google Sans"/>
+              <a:cs typeface="Arial" panose="020B0604020202020204" pitchFamily="34" charset="0"/>
+            </a:endParaRPr>
+          </a:p>
+          <a:p>
+            <a:pPr marL="0" indent="0">
+              <a:spcBef>
+                <a:spcPct val="0"/>
+              </a:spcBef>
+              <a:spcAft>
+                <a:spcPts val="400"/>
+              </a:spcAft>
+            </a:pPr>
+            <a:r>
+              <a:rPr sz="1600" b="0" i="0">
+                <a:solidFill>
+                  <a:srgbClr val="001D35"/>
+                </a:solidFill>
+                <a:latin typeface="Arial" panose="020B0604020202020204" pitchFamily="34" charset="0"/>
+                <a:ea typeface="Google Sans"/>
+                <a:cs typeface="Arial" panose="020B0604020202020204" pitchFamily="34" charset="0"/>
+              </a:rPr>
+              <a:t>Poor initialization can lead to slow convergence or even prevent the network from learning effectively. </a:t>
+            </a:r>
+            <a:endParaRPr sz="1600" b="0" i="0">
+              <a:solidFill>
+                <a:srgbClr val="001D35"/>
+              </a:solidFill>
+              <a:latin typeface="Arial" panose="020B0604020202020204" pitchFamily="34" charset="0"/>
+              <a:ea typeface="Google Sans"/>
+              <a:cs typeface="Arial" panose="020B0604020202020204" pitchFamily="34" charset="0"/>
+            </a:endParaRPr>
+          </a:p>
+          <a:p>
+            <a:pPr marL="0" indent="0">
+              <a:spcBef>
+                <a:spcPct val="0"/>
+              </a:spcBef>
+              <a:spcAft>
+                <a:spcPts val="400"/>
+              </a:spcAft>
+              <a:buFont typeface="Arial" panose="020B0604020202020204"/>
+              <a:buChar char="•"/>
+            </a:pPr>
+            <a:r>
+              <a:rPr sz="1600" b="0" i="0">
+                <a:solidFill>
+                  <a:srgbClr val="001D35"/>
+                </a:solidFill>
+                <a:latin typeface="Arial" panose="020B0604020202020204" pitchFamily="34" charset="0"/>
+                <a:ea typeface="Google Sans"/>
+                <a:cs typeface="Arial" panose="020B0604020202020204" pitchFamily="34" charset="0"/>
+              </a:rPr>
+              <a:t>Avoids vanishing/exploding gradients:</a:t>
+            </a:r>
+            <a:endParaRPr sz="1600" b="0" i="0">
+              <a:solidFill>
+                <a:srgbClr val="001D35"/>
+              </a:solidFill>
+              <a:latin typeface="Arial" panose="020B0604020202020204" pitchFamily="34" charset="0"/>
+              <a:ea typeface="Google Sans"/>
+              <a:cs typeface="Arial" panose="020B0604020202020204" pitchFamily="34" charset="0"/>
+            </a:endParaRPr>
+          </a:p>
+          <a:p>
+            <a:pPr marL="0" indent="0">
+              <a:spcBef>
+                <a:spcPct val="0"/>
+              </a:spcBef>
+              <a:spcAft>
+                <a:spcPts val="400"/>
+              </a:spcAft>
+            </a:pPr>
+            <a:r>
+              <a:rPr sz="1600" b="0" i="0">
+                <a:solidFill>
+                  <a:srgbClr val="001D35"/>
+                </a:solidFill>
+                <a:latin typeface="Arial" panose="020B0604020202020204" pitchFamily="34" charset="0"/>
+                <a:ea typeface="Google Sans"/>
+                <a:cs typeface="Arial" panose="020B0604020202020204" pitchFamily="34" charset="0"/>
+              </a:rPr>
+              <a:t>If weights are initialized too small or too large, gradients can become extremely small (vanishing) or large (exploding) during backpropagation, hindering training. </a:t>
+            </a:r>
+            <a:endParaRPr sz="1600" b="0" i="0">
+              <a:solidFill>
+                <a:srgbClr val="001D35"/>
+              </a:solidFill>
+              <a:latin typeface="Arial" panose="020B0604020202020204" pitchFamily="34" charset="0"/>
+              <a:ea typeface="Google Sans"/>
+              <a:cs typeface="Arial" panose="020B0604020202020204" pitchFamily="34" charset="0"/>
+            </a:endParaRPr>
+          </a:p>
+          <a:p>
+            <a:pPr marL="0" indent="0">
+              <a:spcBef>
+                <a:spcPct val="0"/>
+              </a:spcBef>
+              <a:spcAft>
+                <a:spcPct val="0"/>
+              </a:spcAft>
+              <a:buFont typeface="Arial" panose="020B0604020202020204"/>
+              <a:buChar char="•"/>
+            </a:pPr>
+            <a:r>
+              <a:rPr sz="1600" b="0" i="0">
+                <a:solidFill>
+                  <a:srgbClr val="001D35"/>
+                </a:solidFill>
+                <a:latin typeface="Arial" panose="020B0604020202020204" pitchFamily="34" charset="0"/>
+                <a:ea typeface="Google Sans"/>
+                <a:cs typeface="Arial" panose="020B0604020202020204" pitchFamily="34" charset="0"/>
+              </a:rPr>
+              <a:t>Impacts activation function saturation:</a:t>
+            </a:r>
+            <a:endParaRPr sz="1600" b="0" i="0">
+              <a:solidFill>
+                <a:srgbClr val="001D35"/>
+              </a:solidFill>
+              <a:latin typeface="Arial" panose="020B0604020202020204" pitchFamily="34" charset="0"/>
+              <a:ea typeface="Google Sans"/>
+              <a:cs typeface="Arial" panose="020B0604020202020204" pitchFamily="34" charset="0"/>
+            </a:endParaRPr>
+          </a:p>
+          <a:p>
+            <a:pPr marL="0" indent="0">
+              <a:spcBef>
+                <a:spcPct val="0"/>
+              </a:spcBef>
+              <a:spcAft>
+                <a:spcPct val="0"/>
+              </a:spcAft>
+            </a:pPr>
+            <a:r>
+              <a:rPr sz="1600" b="0" i="0">
+                <a:solidFill>
+                  <a:srgbClr val="001D35"/>
+                </a:solidFill>
+                <a:latin typeface="Arial" panose="020B0604020202020204" pitchFamily="34" charset="0"/>
+                <a:ea typeface="Google Sans"/>
+                <a:cs typeface="Arial" panose="020B0604020202020204" pitchFamily="34" charset="0"/>
+              </a:rPr>
+              <a:t>Incorrect initialization can lead to activation functions saturating (e.g., sigmoid or tanh), which can also slow down learning. </a:t>
+            </a:r>
+            <a:endParaRPr sz="1600" b="0" i="0">
+              <a:solidFill>
+                <a:srgbClr val="001D35"/>
+              </a:solidFill>
+              <a:latin typeface="Arial" panose="020B0604020202020204" pitchFamily="34" charset="0"/>
+              <a:ea typeface="Google Sans"/>
+              <a:cs typeface="Arial" panose="020B0604020202020204" pitchFamily="34" charset="0"/>
+            </a:endParaRPr>
+          </a:p>
+        </p:txBody>
+      </p:sp>
+      <p:sp>
+        <p:nvSpPr>
+          <p:cNvPr id="3" name="Text Box 2"/>
+          <p:cNvSpPr txBox="1"/>
+          <p:nvPr/>
+        </p:nvSpPr>
+        <p:spPr>
+          <a:xfrm>
+            <a:off x="790575" y="5636895"/>
+            <a:ext cx="6448425" cy="337185"/>
+          </a:xfrm>
+          <a:prstGeom prst="rect">
+            <a:avLst/>
+          </a:prstGeom>
+        </p:spPr>
+        <p:txBody>
+          <a:bodyPr wrap="square">
             <a:spAutoFit/>
           </a:bodyPr>
           <a:p>
-            <a:pPr marL="0" indent="0" fontAlgn="base">
-              <a:spcBef>
-                <a:spcPct val="0"/>
-              </a:spcBef>
-              <a:spcAft>
-                <a:spcPts val="200"/>
-              </a:spcAft>
-            </a:pPr>
-            <a:r>
-              <a:rPr lang="en-IN" sz="4000" b="1">
-                <a:solidFill>
-                  <a:srgbClr val="FF0000"/>
-                </a:solidFill>
-                <a:effectLst>
-                  <a:outerShdw blurRad="38100" dist="38100" dir="2700000" algn="tl">
-                    <a:srgbClr val="000000">
-                      <a:alpha val="43137"/>
-                    </a:srgbClr>
-                  </a:outerShdw>
-                </a:effectLst>
-                <a:latin typeface="Georgia" panose="02040502050405020303"/>
-                <a:ea typeface="Georgia" panose="02040502050405020303"/>
-                <a:sym typeface="+mn-ea"/>
-              </a:rPr>
-              <a:t>Model Expainlibility</a:t>
-            </a:r>
-            <a:endParaRPr lang="en-IN" sz="4000" b="1">
-              <a:solidFill>
-                <a:srgbClr val="FF0000"/>
-              </a:solidFill>
-              <a:effectLst>
-                <a:outerShdw blurRad="38100" dist="38100" dir="2700000" algn="tl">
-                  <a:srgbClr val="000000">
-                    <a:alpha val="43137"/>
-                  </a:srgbClr>
-                </a:outerShdw>
-              </a:effectLst>
-              <a:latin typeface="Georgia" panose="02040502050405020303"/>
-              <a:ea typeface="Georgia" panose="02040502050405020303"/>
-              <a:sym typeface="+mn-ea"/>
-            </a:endParaRPr>
-          </a:p>
-          <a:p>
-            <a:pPr marL="0" indent="0" fontAlgn="base">
-              <a:spcBef>
-                <a:spcPct val="0"/>
-              </a:spcBef>
-              <a:spcAft>
-                <a:spcPts val="200"/>
-              </a:spcAft>
-            </a:pPr>
-            <a:endParaRPr lang="en-IN" sz="4000" b="1">
-              <a:solidFill>
-                <a:srgbClr val="FF0000"/>
-              </a:solidFill>
-              <a:effectLst>
-                <a:outerShdw blurRad="38100" dist="38100" dir="2700000" algn="tl">
-                  <a:srgbClr val="000000">
-                    <a:alpha val="43137"/>
-                  </a:srgbClr>
-                </a:outerShdw>
-              </a:effectLst>
-              <a:latin typeface="Georgia" panose="02040502050405020303"/>
-              <a:ea typeface="Georgia" panose="02040502050405020303"/>
-              <a:sym typeface="+mn-ea"/>
-            </a:endParaRPr>
-          </a:p>
-          <a:p>
-            <a:pPr marL="0" indent="0" fontAlgn="base">
-              <a:spcBef>
-                <a:spcPct val="0"/>
-              </a:spcBef>
-              <a:spcAft>
-                <a:spcPts val="200"/>
-              </a:spcAft>
-            </a:pPr>
-            <a:r>
-              <a:rPr lang="en-IN" sz="4000" b="1">
-                <a:solidFill>
-                  <a:srgbClr val="FF0000"/>
-                </a:solidFill>
-                <a:effectLst>
-                  <a:outerShdw blurRad="38100" dist="38100" dir="2700000" algn="tl">
-                    <a:srgbClr val="000000">
-                      <a:alpha val="43137"/>
-                    </a:srgbClr>
-                  </a:outerShdw>
-                </a:effectLst>
-                <a:latin typeface="Georgia" panose="02040502050405020303"/>
-                <a:ea typeface="Georgia" panose="02040502050405020303"/>
-                <a:sym typeface="+mn-ea"/>
-              </a:rPr>
-              <a:t>LIME</a:t>
-            </a:r>
-            <a:endParaRPr lang="en-IN" sz="4000" b="1">
-              <a:solidFill>
-                <a:srgbClr val="FF0000"/>
-              </a:solidFill>
-              <a:effectLst>
-                <a:outerShdw blurRad="38100" dist="38100" dir="2700000" algn="tl">
-                  <a:srgbClr val="000000">
-                    <a:alpha val="43137"/>
-                  </a:srgbClr>
-                </a:outerShdw>
-              </a:effectLst>
-              <a:latin typeface="Georgia" panose="02040502050405020303"/>
-              <a:ea typeface="Georgia" panose="02040502050405020303"/>
-              <a:sym typeface="+mn-ea"/>
-            </a:endParaRPr>
-          </a:p>
-          <a:p>
-            <a:pPr marL="0" indent="0" fontAlgn="base">
-              <a:spcBef>
-                <a:spcPct val="0"/>
-              </a:spcBef>
-              <a:spcAft>
-                <a:spcPts val="200"/>
-              </a:spcAft>
-            </a:pPr>
-            <a:r>
-              <a:rPr lang="en-IN" sz="4000" b="1">
-                <a:solidFill>
-                  <a:srgbClr val="FF0000"/>
-                </a:solidFill>
-                <a:effectLst>
-                  <a:outerShdw blurRad="38100" dist="38100" dir="2700000" algn="tl">
-                    <a:srgbClr val="000000">
-                      <a:alpha val="43137"/>
-                    </a:srgbClr>
-                  </a:outerShdw>
-                </a:effectLst>
-                <a:latin typeface="Georgia" panose="02040502050405020303"/>
-                <a:ea typeface="Georgia" panose="02040502050405020303"/>
-                <a:sym typeface="+mn-ea"/>
-              </a:rPr>
-              <a:t>SHAPY</a:t>
-            </a:r>
-            <a:endParaRPr lang="en-IN" sz="4000" b="1">
-              <a:solidFill>
-                <a:srgbClr val="FF0000"/>
-              </a:solidFill>
-              <a:effectLst>
-                <a:outerShdw blurRad="38100" dist="38100" dir="2700000" algn="tl">
-                  <a:srgbClr val="000000">
-                    <a:alpha val="43137"/>
-                  </a:srgbClr>
-                </a:outerShdw>
-              </a:effectLst>
-              <a:latin typeface="Georgia" panose="02040502050405020303"/>
-              <a:ea typeface="Georgia" panose="02040502050405020303"/>
-              <a:sym typeface="+mn-ea"/>
+            <a:pPr marL="0" indent="0" algn="l"/>
+            <a:r>
+              <a:rPr sz="1600" b="0" i="0">
+                <a:solidFill>
+                  <a:srgbClr val="191D17"/>
+                </a:solidFill>
+                <a:latin typeface="monospace"/>
+                <a:ea typeface="monospace"/>
+              </a:rPr>
+              <a:t>Xavier/Glorat And He Weight Initialization in Deep Learning</a:t>
+            </a:r>
+            <a:endParaRPr sz="1600" b="0" i="0">
+              <a:solidFill>
+                <a:srgbClr val="191D17"/>
+              </a:solidFill>
+              <a:latin typeface="monospace"/>
+              <a:ea typeface="monospace"/>
+            </a:endParaRPr>
+          </a:p>
+        </p:txBody>
+      </p:sp>
+      <p:sp>
+        <p:nvSpPr>
+          <p:cNvPr id="4" name="Text Box 3"/>
+          <p:cNvSpPr txBox="1"/>
+          <p:nvPr/>
+        </p:nvSpPr>
+        <p:spPr>
+          <a:xfrm>
+            <a:off x="911860" y="5974080"/>
+            <a:ext cx="8214995" cy="337185"/>
+          </a:xfrm>
+          <a:prstGeom prst="rect">
+            <a:avLst/>
+          </a:prstGeom>
+        </p:spPr>
+        <p:txBody>
+          <a:bodyPr wrap="square">
+            <a:spAutoFit/>
+          </a:bodyPr>
+          <a:p>
+            <a:pPr marL="0" indent="0" algn="l"/>
+            <a:r>
+              <a:rPr sz="1600" b="0" i="0">
+                <a:solidFill>
+                  <a:srgbClr val="191D17"/>
+                </a:solidFill>
+                <a:latin typeface="monospace"/>
+                <a:ea typeface="monospace"/>
+              </a:rPr>
+              <a:t>Exponentially Weighted Moving Average or Exponential Weighted Average </a:t>
+            </a:r>
+            <a:endParaRPr sz="1600" b="0" i="0">
+              <a:solidFill>
+                <a:srgbClr val="191D17"/>
+              </a:solidFill>
+              <a:latin typeface="monospace"/>
+              <a:ea typeface="monospace"/>
             </a:endParaRPr>
           </a:p>
         </p:txBody>
@@ -7764,8 +7769,577 @@
         </p:nvSpPr>
         <p:spPr>
           <a:xfrm>
-            <a:off x="3048000" y="3075305"/>
-            <a:ext cx="6096000" cy="1963420"/>
+            <a:off x="598170" y="119380"/>
+            <a:ext cx="9636760" cy="6064885"/>
+          </a:xfrm>
+          <a:prstGeom prst="rect">
+            <a:avLst/>
+          </a:prstGeom>
+        </p:spPr>
+        <p:txBody>
+          <a:bodyPr wrap="square">
+            <a:spAutoFit/>
+          </a:bodyPr>
+          <a:p>
+            <a:pPr marL="0" indent="0">
+              <a:spcBef>
+                <a:spcPts val="1000"/>
+              </a:spcBef>
+              <a:spcAft>
+                <a:spcPts val="500"/>
+              </a:spcAft>
+            </a:pPr>
+            <a:r>
+              <a:rPr sz="2400" b="1" i="0">
+                <a:solidFill>
+                  <a:srgbClr val="001D35"/>
+                </a:solidFill>
+                <a:latin typeface="Arial" panose="020B0604020202020204" pitchFamily="34" charset="0"/>
+                <a:ea typeface="Google Sans"/>
+                <a:cs typeface="Arial" panose="020B0604020202020204" pitchFamily="34" charset="0"/>
+              </a:rPr>
+              <a:t>Common Weight Initialization Techniques:</a:t>
+            </a:r>
+            <a:endParaRPr sz="2400" b="1" i="0">
+              <a:solidFill>
+                <a:srgbClr val="001D35"/>
+              </a:solidFill>
+              <a:latin typeface="Arial" panose="020B0604020202020204" pitchFamily="34" charset="0"/>
+              <a:ea typeface="Google Sans"/>
+              <a:cs typeface="Arial" panose="020B0604020202020204" pitchFamily="34" charset="0"/>
+            </a:endParaRPr>
+          </a:p>
+          <a:p>
+            <a:pPr marL="0" indent="0">
+              <a:spcBef>
+                <a:spcPct val="0"/>
+              </a:spcBef>
+              <a:spcAft>
+                <a:spcPts val="400"/>
+              </a:spcAft>
+              <a:buFont typeface="Arial" panose="020B0604020202020204"/>
+              <a:buChar char="•"/>
+            </a:pPr>
+            <a:r>
+              <a:rPr sz="2000" b="0" i="0">
+                <a:solidFill>
+                  <a:srgbClr val="001D35"/>
+                </a:solidFill>
+                <a:latin typeface="Arial" panose="020B0604020202020204" pitchFamily="34" charset="0"/>
+                <a:ea typeface="Google Sans"/>
+                <a:cs typeface="Arial" panose="020B0604020202020204" pitchFamily="34" charset="0"/>
+              </a:rPr>
+              <a:t>Zero Initialization:</a:t>
+            </a:r>
+            <a:endParaRPr sz="2000" b="0" i="0">
+              <a:solidFill>
+                <a:srgbClr val="001D35"/>
+              </a:solidFill>
+              <a:latin typeface="Arial" panose="020B0604020202020204" pitchFamily="34" charset="0"/>
+              <a:ea typeface="Google Sans"/>
+              <a:cs typeface="Arial" panose="020B0604020202020204" pitchFamily="34" charset="0"/>
+            </a:endParaRPr>
+          </a:p>
+          <a:p>
+            <a:pPr marL="0" indent="0">
+              <a:spcBef>
+                <a:spcPct val="0"/>
+              </a:spcBef>
+              <a:spcAft>
+                <a:spcPts val="400"/>
+              </a:spcAft>
+            </a:pPr>
+            <a:r>
+              <a:rPr sz="2000" b="0" i="0">
+                <a:solidFill>
+                  <a:srgbClr val="001D35"/>
+                </a:solidFill>
+                <a:latin typeface="Arial" panose="020B0604020202020204" pitchFamily="34" charset="0"/>
+                <a:ea typeface="Google Sans"/>
+                <a:cs typeface="Arial" panose="020B0604020202020204" pitchFamily="34" charset="0"/>
+              </a:rPr>
+              <a:t>Initializing all weights to zero. While simple, this approach is generally not recommended because all neurons will learn the same thing, and the network won't be able to break symmetry. </a:t>
+            </a:r>
+            <a:endParaRPr sz="2000" b="0" i="0">
+              <a:solidFill>
+                <a:srgbClr val="001D35"/>
+              </a:solidFill>
+              <a:latin typeface="Arial" panose="020B0604020202020204" pitchFamily="34" charset="0"/>
+              <a:ea typeface="Google Sans"/>
+              <a:cs typeface="Arial" panose="020B0604020202020204" pitchFamily="34" charset="0"/>
+            </a:endParaRPr>
+          </a:p>
+          <a:p>
+            <a:pPr marL="0" indent="0">
+              <a:spcBef>
+                <a:spcPct val="0"/>
+              </a:spcBef>
+              <a:spcAft>
+                <a:spcPts val="400"/>
+              </a:spcAft>
+              <a:buFont typeface="Arial" panose="020B0604020202020204"/>
+              <a:buChar char="•"/>
+            </a:pPr>
+            <a:r>
+              <a:rPr sz="2000" b="0" i="0">
+                <a:solidFill>
+                  <a:srgbClr val="001D35"/>
+                </a:solidFill>
+                <a:latin typeface="Arial" panose="020B0604020202020204" pitchFamily="34" charset="0"/>
+                <a:ea typeface="Google Sans"/>
+                <a:cs typeface="Arial" panose="020B0604020202020204" pitchFamily="34" charset="0"/>
+              </a:rPr>
+              <a:t>Random Initialization:</a:t>
+            </a:r>
+            <a:endParaRPr sz="2000" b="0" i="0">
+              <a:solidFill>
+                <a:srgbClr val="001D35"/>
+              </a:solidFill>
+              <a:latin typeface="Arial" panose="020B0604020202020204" pitchFamily="34" charset="0"/>
+              <a:ea typeface="Google Sans"/>
+              <a:cs typeface="Arial" panose="020B0604020202020204" pitchFamily="34" charset="0"/>
+            </a:endParaRPr>
+          </a:p>
+          <a:p>
+            <a:pPr marL="0" indent="0">
+              <a:spcBef>
+                <a:spcPct val="0"/>
+              </a:spcBef>
+              <a:spcAft>
+                <a:spcPts val="400"/>
+              </a:spcAft>
+            </a:pPr>
+            <a:r>
+              <a:rPr sz="2000" b="0" i="0">
+                <a:solidFill>
+                  <a:srgbClr val="001D35"/>
+                </a:solidFill>
+                <a:latin typeface="Arial" panose="020B0604020202020204" pitchFamily="34" charset="0"/>
+                <a:ea typeface="Google Sans"/>
+                <a:cs typeface="Arial" panose="020B0604020202020204" pitchFamily="34" charset="0"/>
+              </a:rPr>
+              <a:t>Assigning random values to weights, typically from a uniform or normal distribution. This breaks symmetry and allows neurons to learn different features, but if the values are too large or too small, it can lead to vanishing or exploding gradients. </a:t>
+            </a:r>
+            <a:endParaRPr sz="2000" b="0" i="0">
+              <a:solidFill>
+                <a:srgbClr val="001D35"/>
+              </a:solidFill>
+              <a:latin typeface="Arial" panose="020B0604020202020204" pitchFamily="34" charset="0"/>
+              <a:ea typeface="Google Sans"/>
+              <a:cs typeface="Arial" panose="020B0604020202020204" pitchFamily="34" charset="0"/>
+            </a:endParaRPr>
+          </a:p>
+          <a:p>
+            <a:pPr marL="0" indent="0">
+              <a:spcBef>
+                <a:spcPct val="0"/>
+              </a:spcBef>
+              <a:spcAft>
+                <a:spcPts val="400"/>
+              </a:spcAft>
+              <a:buFont typeface="Arial" panose="020B0604020202020204"/>
+              <a:buChar char="•"/>
+            </a:pPr>
+            <a:r>
+              <a:rPr sz="2000" b="0" i="0">
+                <a:solidFill>
+                  <a:srgbClr val="001D35"/>
+                </a:solidFill>
+                <a:latin typeface="Arial" panose="020B0604020202020204" pitchFamily="34" charset="0"/>
+                <a:ea typeface="Google Sans"/>
+                <a:cs typeface="Arial" panose="020B0604020202020204" pitchFamily="34" charset="0"/>
+              </a:rPr>
+              <a:t>Xavier/Glorot Initialization:</a:t>
+            </a:r>
+            <a:endParaRPr sz="2000" b="0" i="0">
+              <a:solidFill>
+                <a:srgbClr val="001D35"/>
+              </a:solidFill>
+              <a:latin typeface="Arial" panose="020B0604020202020204" pitchFamily="34" charset="0"/>
+              <a:ea typeface="Google Sans"/>
+              <a:cs typeface="Arial" panose="020B0604020202020204" pitchFamily="34" charset="0"/>
+            </a:endParaRPr>
+          </a:p>
+          <a:p>
+            <a:pPr marL="0" indent="0">
+              <a:spcBef>
+                <a:spcPct val="0"/>
+              </a:spcBef>
+              <a:spcAft>
+                <a:spcPts val="400"/>
+              </a:spcAft>
+            </a:pPr>
+            <a:r>
+              <a:rPr sz="2000" b="0" i="0">
+                <a:solidFill>
+                  <a:srgbClr val="001D35"/>
+                </a:solidFill>
+                <a:latin typeface="Arial" panose="020B0604020202020204" pitchFamily="34" charset="0"/>
+                <a:ea typeface="Google Sans"/>
+                <a:cs typeface="Arial" panose="020B0604020202020204" pitchFamily="34" charset="0"/>
+              </a:rPr>
+              <a:t>Designed for activation functions like sigmoid and tanh, this method aims to maintain the variance of activations across layers, preventing vanishing or exploding gradients. </a:t>
+            </a:r>
+            <a:endParaRPr sz="2000" b="0" i="0">
+              <a:solidFill>
+                <a:srgbClr val="001D35"/>
+              </a:solidFill>
+              <a:latin typeface="Arial" panose="020B0604020202020204" pitchFamily="34" charset="0"/>
+              <a:ea typeface="Google Sans"/>
+              <a:cs typeface="Arial" panose="020B0604020202020204" pitchFamily="34" charset="0"/>
+            </a:endParaRPr>
+          </a:p>
+          <a:p>
+            <a:pPr marL="0" indent="0">
+              <a:spcBef>
+                <a:spcPct val="0"/>
+              </a:spcBef>
+              <a:spcAft>
+                <a:spcPct val="0"/>
+              </a:spcAft>
+              <a:buFont typeface="Arial" panose="020B0604020202020204"/>
+              <a:buChar char="•"/>
+            </a:pPr>
+            <a:r>
+              <a:rPr sz="2000" b="0" i="0">
+                <a:solidFill>
+                  <a:srgbClr val="001D35"/>
+                </a:solidFill>
+                <a:latin typeface="Arial" panose="020B0604020202020204" pitchFamily="34" charset="0"/>
+                <a:ea typeface="Google Sans"/>
+                <a:cs typeface="Arial" panose="020B0604020202020204" pitchFamily="34" charset="0"/>
+              </a:rPr>
+              <a:t>He Initialization:</a:t>
+            </a:r>
+            <a:endParaRPr sz="2000" b="0" i="0">
+              <a:solidFill>
+                <a:srgbClr val="001D35"/>
+              </a:solidFill>
+              <a:latin typeface="Arial" panose="020B0604020202020204" pitchFamily="34" charset="0"/>
+              <a:ea typeface="Google Sans"/>
+              <a:cs typeface="Arial" panose="020B0604020202020204" pitchFamily="34" charset="0"/>
+            </a:endParaRPr>
+          </a:p>
+          <a:p>
+            <a:pPr marL="0" indent="0">
+              <a:spcBef>
+                <a:spcPct val="0"/>
+              </a:spcBef>
+              <a:spcAft>
+                <a:spcPct val="0"/>
+              </a:spcAft>
+            </a:pPr>
+            <a:r>
+              <a:rPr sz="2000" b="0" i="0">
+                <a:solidFill>
+                  <a:srgbClr val="001D35"/>
+                </a:solidFill>
+                <a:latin typeface="Arial" panose="020B0604020202020204" pitchFamily="34" charset="0"/>
+                <a:ea typeface="Google Sans"/>
+                <a:cs typeface="Arial" panose="020B0604020202020204" pitchFamily="34" charset="0"/>
+              </a:rPr>
+              <a:t>Specifically designed for ReLU activation functions, this method ensures that the variance of activations remains stable, which is important for ReLU's non-linearity. </a:t>
+            </a:r>
+            <a:endParaRPr sz="2000" b="0" i="0">
+              <a:solidFill>
+                <a:srgbClr val="001D35"/>
+              </a:solidFill>
+              <a:latin typeface="Arial" panose="020B0604020202020204" pitchFamily="34" charset="0"/>
+              <a:ea typeface="Google Sans"/>
+              <a:cs typeface="Arial" panose="020B0604020202020204" pitchFamily="34" charset="0"/>
+            </a:endParaRPr>
+          </a:p>
+          <a:p>
+            <a:pPr marL="0" indent="0">
+              <a:spcBef>
+                <a:spcPct val="0"/>
+              </a:spcBef>
+              <a:spcAft>
+                <a:spcPct val="0"/>
+              </a:spcAft>
+            </a:pPr>
+            <a:endParaRPr sz="2000" b="0" i="0">
+              <a:solidFill>
+                <a:srgbClr val="001D35"/>
+              </a:solidFill>
+              <a:latin typeface="Arial" panose="020B0604020202020204" pitchFamily="34" charset="0"/>
+              <a:ea typeface="Google Sans"/>
+              <a:cs typeface="Arial" panose="020B0604020202020204" pitchFamily="34" charset="0"/>
+            </a:endParaRPr>
+          </a:p>
+        </p:txBody>
+      </p:sp>
+    </p:spTree>
+  </p:cSld>
+  <p:clrMapOvr>
+    <a:masterClrMapping/>
+  </p:clrMapOvr>
+</p:sld>
+</file>
+
+<file path=ppt/slides/slide26.xml><?xml version="1.0" encoding="utf-8"?>
+<p:sld xmlns:a="http://schemas.openxmlformats.org/drawingml/2006/main" xmlns:r="http://schemas.openxmlformats.org/officeDocument/2006/relationships" xmlns:p="http://schemas.openxmlformats.org/presentationml/2006/main">
+  <p:cSld>
+    <p:spTree>
+      <p:nvGrpSpPr>
+        <p:cNvPr id="1" name=""/>
+        <p:cNvGrpSpPr/>
+        <p:nvPr/>
+      </p:nvGrpSpPr>
+      <p:grpSpPr/>
+      <p:sp>
+        <p:nvSpPr>
+          <p:cNvPr id="2" name="Text Box 1"/>
+          <p:cNvSpPr txBox="1"/>
+          <p:nvPr/>
+        </p:nvSpPr>
+        <p:spPr>
+          <a:xfrm>
+            <a:off x="1099820" y="845185"/>
+            <a:ext cx="7536180" cy="3966845"/>
+          </a:xfrm>
+          <a:prstGeom prst="rect">
+            <a:avLst/>
+          </a:prstGeom>
+        </p:spPr>
+        <p:txBody>
+          <a:bodyPr wrap="square">
+            <a:spAutoFit/>
+          </a:bodyPr>
+          <a:p>
+            <a:pPr marL="0" indent="0">
+              <a:spcBef>
+                <a:spcPts val="1000"/>
+              </a:spcBef>
+              <a:spcAft>
+                <a:spcPts val="500"/>
+              </a:spcAft>
+            </a:pPr>
+            <a:r>
+              <a:rPr b="1" i="0">
+                <a:solidFill>
+                  <a:srgbClr val="001D35"/>
+                </a:solidFill>
+                <a:latin typeface="Google Sans"/>
+                <a:ea typeface="Google Sans"/>
+              </a:rPr>
+              <a:t>Key Considerations:</a:t>
+            </a:r>
+            <a:endParaRPr b="1" i="0">
+              <a:solidFill>
+                <a:srgbClr val="001D35"/>
+              </a:solidFill>
+              <a:latin typeface="Google Sans"/>
+              <a:ea typeface="Google Sans"/>
+            </a:endParaRPr>
+          </a:p>
+          <a:p>
+            <a:pPr marL="0" indent="0">
+              <a:spcBef>
+                <a:spcPct val="0"/>
+              </a:spcBef>
+              <a:spcAft>
+                <a:spcPts val="400"/>
+              </a:spcAft>
+              <a:buFont typeface="Arial" panose="020B0604020202020204"/>
+              <a:buChar char="•"/>
+            </a:pPr>
+            <a:r>
+              <a:rPr sz="1600" b="0" i="0">
+                <a:solidFill>
+                  <a:srgbClr val="001D35"/>
+                </a:solidFill>
+                <a:latin typeface="Google Sans"/>
+                <a:ea typeface="Google Sans"/>
+              </a:rPr>
+              <a:t>Activation Function:</a:t>
+            </a:r>
+            <a:endParaRPr sz="1600" b="0" i="0">
+              <a:solidFill>
+                <a:srgbClr val="001D35"/>
+              </a:solidFill>
+              <a:latin typeface="Google Sans"/>
+              <a:ea typeface="Google Sans"/>
+            </a:endParaRPr>
+          </a:p>
+          <a:p>
+            <a:pPr marL="0" indent="0">
+              <a:spcBef>
+                <a:spcPct val="0"/>
+              </a:spcBef>
+              <a:spcAft>
+                <a:spcPts val="400"/>
+              </a:spcAft>
+            </a:pPr>
+            <a:r>
+              <a:rPr sz="1600" b="0" i="0">
+                <a:solidFill>
+                  <a:srgbClr val="001D35"/>
+                </a:solidFill>
+                <a:latin typeface="Google Sans"/>
+                <a:ea typeface="Google Sans"/>
+              </a:rPr>
+              <a:t>The choice of activation function (e.g., sigmoid, tanh, ReLU) influences the best weight initialization method. </a:t>
+            </a:r>
+            <a:endParaRPr sz="1600" b="0" i="0">
+              <a:solidFill>
+                <a:srgbClr val="001D35"/>
+              </a:solidFill>
+              <a:latin typeface="Google Sans"/>
+              <a:ea typeface="Google Sans"/>
+            </a:endParaRPr>
+          </a:p>
+          <a:p>
+            <a:pPr marL="0" indent="0">
+              <a:spcBef>
+                <a:spcPct val="0"/>
+              </a:spcBef>
+              <a:spcAft>
+                <a:spcPts val="400"/>
+              </a:spcAft>
+              <a:buFont typeface="Arial" panose="020B0604020202020204"/>
+              <a:buChar char="•"/>
+            </a:pPr>
+            <a:r>
+              <a:rPr sz="1600" b="0" i="0">
+                <a:solidFill>
+                  <a:srgbClr val="001D35"/>
+                </a:solidFill>
+                <a:latin typeface="Google Sans"/>
+                <a:ea typeface="Google Sans"/>
+              </a:rPr>
+              <a:t>Network Architecture:</a:t>
+            </a:r>
+            <a:endParaRPr sz="1600" b="0" i="0">
+              <a:solidFill>
+                <a:srgbClr val="001D35"/>
+              </a:solidFill>
+              <a:latin typeface="Google Sans"/>
+              <a:ea typeface="Google Sans"/>
+            </a:endParaRPr>
+          </a:p>
+          <a:p>
+            <a:pPr marL="0" indent="0">
+              <a:spcBef>
+                <a:spcPct val="0"/>
+              </a:spcBef>
+              <a:spcAft>
+                <a:spcPts val="400"/>
+              </a:spcAft>
+            </a:pPr>
+            <a:r>
+              <a:rPr sz="1600" b="0" i="0">
+                <a:solidFill>
+                  <a:srgbClr val="001D35"/>
+                </a:solidFill>
+                <a:latin typeface="Google Sans"/>
+                <a:ea typeface="Google Sans"/>
+              </a:rPr>
+              <a:t>The number of layers and neurons in a network can also affect the optimal initialization strategy. </a:t>
+            </a:r>
+            <a:endParaRPr sz="1600" b="0" i="0">
+              <a:solidFill>
+                <a:srgbClr val="001D35"/>
+              </a:solidFill>
+              <a:latin typeface="Google Sans"/>
+              <a:ea typeface="Google Sans"/>
+            </a:endParaRPr>
+          </a:p>
+          <a:p>
+            <a:pPr marL="0" indent="0">
+              <a:spcBef>
+                <a:spcPct val="0"/>
+              </a:spcBef>
+              <a:spcAft>
+                <a:spcPct val="0"/>
+              </a:spcAft>
+              <a:buFont typeface="Arial" panose="020B0604020202020204"/>
+              <a:buChar char="•"/>
+            </a:pPr>
+            <a:r>
+              <a:rPr sz="1600" b="0" i="0">
+                <a:solidFill>
+                  <a:srgbClr val="001D35"/>
+                </a:solidFill>
+                <a:latin typeface="Google Sans"/>
+                <a:ea typeface="Google Sans"/>
+              </a:rPr>
+              <a:t>Learning Rate:</a:t>
+            </a:r>
+            <a:endParaRPr sz="1600" b="0" i="0">
+              <a:solidFill>
+                <a:srgbClr val="001D35"/>
+              </a:solidFill>
+              <a:latin typeface="Google Sans"/>
+              <a:ea typeface="Google Sans"/>
+            </a:endParaRPr>
+          </a:p>
+          <a:p>
+            <a:pPr marL="0" indent="0">
+              <a:spcBef>
+                <a:spcPct val="0"/>
+              </a:spcBef>
+              <a:spcAft>
+                <a:spcPct val="0"/>
+              </a:spcAft>
+            </a:pPr>
+            <a:r>
+              <a:rPr sz="1600" b="0" i="0">
+                <a:solidFill>
+                  <a:srgbClr val="001D35"/>
+                </a:solidFill>
+                <a:latin typeface="Google Sans"/>
+                <a:ea typeface="Google Sans"/>
+              </a:rPr>
+              <a:t>The learning rate used during training can interact with the initialization method, so it's important to choose them carefully. </a:t>
+            </a:r>
+            <a:endParaRPr sz="1600" b="0" i="0">
+              <a:solidFill>
+                <a:srgbClr val="001D35"/>
+              </a:solidFill>
+              <a:latin typeface="Google Sans"/>
+              <a:ea typeface="Google Sans"/>
+            </a:endParaRPr>
+          </a:p>
+          <a:p>
+            <a:pPr marL="0" indent="0">
+              <a:spcBef>
+                <a:spcPts val="1000"/>
+              </a:spcBef>
+              <a:spcAft>
+                <a:spcPts val="500"/>
+              </a:spcAft>
+            </a:pPr>
+            <a:r>
+              <a:rPr sz="1600" b="0" i="0">
+                <a:solidFill>
+                  <a:srgbClr val="001D35"/>
+                </a:solidFill>
+                <a:latin typeface="Google Sans"/>
+                <a:ea typeface="Google Sans"/>
+              </a:rPr>
+              <a:t>In summary, proper weight initialization is a crucial step in building neural networks, as it sets the stage for efficient and effective learning by preventing common problems like vanishing or exploding gradients and slow convergence. </a:t>
+            </a:r>
+            <a:endParaRPr sz="1600" b="0" i="0">
+              <a:solidFill>
+                <a:srgbClr val="001D35"/>
+              </a:solidFill>
+              <a:latin typeface="Google Sans"/>
+              <a:ea typeface="Google Sans"/>
+            </a:endParaRPr>
+          </a:p>
+        </p:txBody>
+      </p:sp>
+      <p:sp>
+        <p:nvSpPr>
+          <p:cNvPr id="3" name="Text Box 2"/>
+          <p:cNvSpPr txBox="1"/>
+          <p:nvPr/>
+        </p:nvSpPr>
+        <p:spPr>
+          <a:xfrm>
+            <a:off x="1186815" y="5584190"/>
+            <a:ext cx="6096000" cy="645160"/>
           </a:xfrm>
           <a:prstGeom prst="rect">
             <a:avLst/>
@@ -7777,18 +8351,72 @@
             <a:spAutoFit/>
           </a:bodyPr>
           <a:p>
+            <a:r>
+              <a:rPr lang="en-US" altLang="en-US">
+                <a:solidFill>
+                  <a:schemeClr val="accent1"/>
+                </a:solidFill>
+              </a:rPr>
+              <a:t>https://www.geeksforgeeks.org/weight-initialization-techniques-for-deep-neural-networks/</a:t>
+            </a:r>
+            <a:endParaRPr lang="en-US" altLang="en-US">
+              <a:solidFill>
+                <a:schemeClr val="accent1"/>
+              </a:solidFill>
+            </a:endParaRPr>
+          </a:p>
+        </p:txBody>
+      </p:sp>
+    </p:spTree>
+  </p:cSld>
+  <p:clrMapOvr>
+    <a:masterClrMapping/>
+  </p:clrMapOvr>
+</p:sld>
+</file>
+
+<file path=ppt/slides/slide27.xml><?xml version="1.0" encoding="utf-8"?>
+<p:sld xmlns:a="http://schemas.openxmlformats.org/drawingml/2006/main" xmlns:r="http://schemas.openxmlformats.org/officeDocument/2006/relationships" xmlns:p="http://schemas.openxmlformats.org/presentationml/2006/main">
+  <p:cSld>
+    <p:spTree>
+      <p:nvGrpSpPr>
+        <p:cNvPr id="1" name=""/>
+        <p:cNvGrpSpPr/>
+        <p:nvPr/>
+      </p:nvGrpSpPr>
+      <p:grpSpPr/>
+      <p:sp>
+        <p:nvSpPr>
+          <p:cNvPr id="2" name="Text Box 1"/>
+          <p:cNvSpPr txBox="1"/>
+          <p:nvPr/>
+        </p:nvSpPr>
+        <p:spPr>
+          <a:xfrm>
+            <a:off x="749935" y="465455"/>
+            <a:ext cx="10472420" cy="4328160"/>
+          </a:xfrm>
+          <a:prstGeom prst="rect">
+            <a:avLst/>
+          </a:prstGeom>
+        </p:spPr>
+        <p:txBody>
+          <a:bodyPr wrap="square">
+            <a:spAutoFit/>
+          </a:bodyPr>
+          <a:p>
             <a:pPr marL="0" indent="0" fontAlgn="base">
               <a:spcBef>
                 <a:spcPct val="0"/>
               </a:spcBef>
               <a:spcAft>
-                <a:spcPts val="200"/>
-              </a:spcAft>
-            </a:pPr>
-            <a:r>
-              <a:rPr lang="en-IN" sz="4000" b="1">
-                <a:solidFill>
-                  <a:srgbClr val="FF0000"/>
+                <a:spcPts val="400"/>
+              </a:spcAft>
+            </a:pPr>
+            <a:r>
+              <a:rPr sz="3200" b="1" i="0">
+                <a:solidFill>
+                  <a:srgbClr val="C00000"/>
                 </a:solidFill>
                 <a:effectLst>
                   <a:outerShdw blurRad="38100" dist="38100" dir="2700000" algn="tl">
@@ -7797,15 +8425,15 @@
                     </a:srgbClr>
                   </a:outerShdw>
                 </a:effectLst>
-                <a:latin typeface="Georgia" panose="02040502050405020303"/>
-                <a:ea typeface="Georgia" panose="02040502050405020303"/>
-                <a:sym typeface="+mn-ea"/>
-              </a:rPr>
-              <a:t>HyperParameter tuning</a:t>
-            </a:r>
-            <a:endParaRPr lang="en-IN" sz="4000" b="1">
-              <a:solidFill>
-                <a:srgbClr val="FF0000"/>
+                <a:latin typeface="Arial" panose="020B0604020202020204" pitchFamily="34" charset="0"/>
+                <a:ea typeface="Inter"/>
+                <a:cs typeface="Arial" panose="020B0604020202020204" pitchFamily="34" charset="0"/>
+              </a:rPr>
+              <a:t>Data Augmentation</a:t>
+            </a:r>
+            <a:endParaRPr sz="3200" b="1" i="0">
+              <a:solidFill>
+                <a:srgbClr val="C00000"/>
               </a:solidFill>
               <a:effectLst>
                 <a:outerShdw blurRad="38100" dist="38100" dir="2700000" algn="tl">
@@ -7814,9 +8442,9 @@
                   </a:srgbClr>
                 </a:outerShdw>
               </a:effectLst>
-              <a:latin typeface="Georgia" panose="02040502050405020303"/>
-              <a:ea typeface="Georgia" panose="02040502050405020303"/>
-              <a:sym typeface="+mn-ea"/>
+              <a:latin typeface="Arial" panose="020B0604020202020204" pitchFamily="34" charset="0"/>
+              <a:ea typeface="Inter"/>
+              <a:cs typeface="Arial" panose="020B0604020202020204" pitchFamily="34" charset="0"/>
             </a:endParaRPr>
           </a:p>
           <a:p>
@@ -7825,23 +8453,466 @@
                 <a:spcPct val="0"/>
               </a:spcBef>
               <a:spcAft>
-                <a:spcPts val="200"/>
-              </a:spcAft>
-            </a:pPr>
-            <a:endParaRPr lang="en-IN" sz="4000" b="1">
-              <a:solidFill>
-                <a:srgbClr val="FF0000"/>
-              </a:solidFill>
-              <a:effectLst>
-                <a:outerShdw blurRad="38100" dist="38100" dir="2700000" algn="tl">
-                  <a:srgbClr val="000000">
-                    <a:alpha val="43137"/>
-                  </a:srgbClr>
-                </a:outerShdw>
-              </a:effectLst>
-              <a:latin typeface="Georgia" panose="02040502050405020303"/>
-              <a:ea typeface="Georgia" panose="02040502050405020303"/>
-              <a:sym typeface="+mn-ea"/>
+                <a:spcPts val="400"/>
+              </a:spcAft>
+            </a:pPr>
+            <a:r>
+              <a:rPr lang="en-US" altLang="en-US" sz="2000" i="0">
+                <a:solidFill>
+                  <a:schemeClr val="tx1"/>
+                </a:solidFill>
+                <a:effectLst/>
+                <a:latin typeface="Arial" panose="020B0604020202020204" pitchFamily="34" charset="0"/>
+                <a:ea typeface="Inter"/>
+                <a:cs typeface="Arial" panose="020B0604020202020204" pitchFamily="34" charset="0"/>
+              </a:rPr>
+              <a:t>Data augmentation is a technique that artificially increases the size and diversity of a dataset by creating modified versions of existing data, primarily used to improve machine learning model performance, especially when data is scarce.</a:t>
+            </a:r>
+            <a:r>
+              <a:rPr lang="en-US" altLang="en-US" sz="2000" i="0">
+                <a:solidFill>
+                  <a:schemeClr val="tx1"/>
+                </a:solidFill>
+                <a:effectLst/>
+                <a:latin typeface="Arial" panose="020B0604020202020204" pitchFamily="34" charset="0"/>
+                <a:ea typeface="Inter"/>
+                <a:cs typeface="Arial" panose="020B0604020202020204" pitchFamily="34" charset="0"/>
+              </a:rPr>
+              <a:t> </a:t>
+            </a:r>
+            <a:endParaRPr lang="en-US" altLang="en-US" sz="2000" i="0">
+              <a:solidFill>
+                <a:schemeClr val="tx1"/>
+              </a:solidFill>
+              <a:effectLst/>
+              <a:latin typeface="Arial" panose="020B0604020202020204" pitchFamily="34" charset="0"/>
+              <a:ea typeface="Inter"/>
+              <a:cs typeface="Arial" panose="020B0604020202020204" pitchFamily="34" charset="0"/>
+            </a:endParaRPr>
+          </a:p>
+          <a:p>
+            <a:pPr marL="0" indent="0" fontAlgn="base">
+              <a:spcBef>
+                <a:spcPct val="0"/>
+              </a:spcBef>
+              <a:spcAft>
+                <a:spcPts val="400"/>
+              </a:spcAft>
+            </a:pPr>
+            <a:endParaRPr lang="en-US" altLang="en-US" sz="2000" i="0">
+              <a:solidFill>
+                <a:schemeClr val="tx1"/>
+              </a:solidFill>
+              <a:effectLst/>
+              <a:latin typeface="Arial" panose="020B0604020202020204" pitchFamily="34" charset="0"/>
+              <a:ea typeface="Inter"/>
+              <a:cs typeface="Arial" panose="020B0604020202020204" pitchFamily="34" charset="0"/>
+            </a:endParaRPr>
+          </a:p>
+          <a:p>
+            <a:pPr marL="0" indent="0" algn="l" fontAlgn="base">
+              <a:spcBef>
+                <a:spcPct val="0"/>
+              </a:spcBef>
+              <a:spcAft>
+                <a:spcPts val="800"/>
+              </a:spcAft>
+            </a:pPr>
+            <a:r>
+              <a:rPr sz="2000" b="0" i="0">
+                <a:solidFill>
+                  <a:srgbClr val="3C4043"/>
+                </a:solidFill>
+                <a:latin typeface="Arial" panose="020B0604020202020204" pitchFamily="34" charset="0"/>
+                <a:ea typeface="Inter"/>
+                <a:cs typeface="Arial" panose="020B0604020202020204" pitchFamily="34" charset="0"/>
+              </a:rPr>
+              <a:t>The simplest way to reduce overfitting is to increase the size of the training data. In machine learning, we were not able to increase the size of training data as the labeled data was too costly.</a:t>
+            </a:r>
+            <a:endParaRPr sz="2000" b="0" i="0">
+              <a:solidFill>
+                <a:srgbClr val="3C4043"/>
+              </a:solidFill>
+              <a:latin typeface="Arial" panose="020B0604020202020204" pitchFamily="34" charset="0"/>
+              <a:ea typeface="Inter"/>
+              <a:cs typeface="Arial" panose="020B0604020202020204" pitchFamily="34" charset="0"/>
+            </a:endParaRPr>
+          </a:p>
+          <a:p>
+            <a:pPr marL="0" indent="0" algn="l" fontAlgn="base">
+              <a:spcBef>
+                <a:spcPct val="0"/>
+              </a:spcBef>
+              <a:spcAft>
+                <a:spcPts val="800"/>
+              </a:spcAft>
+            </a:pPr>
+            <a:endParaRPr sz="2000" b="0" i="0">
+              <a:solidFill>
+                <a:srgbClr val="3C4043"/>
+              </a:solidFill>
+              <a:latin typeface="Arial" panose="020B0604020202020204" pitchFamily="34" charset="0"/>
+              <a:ea typeface="Inter"/>
+              <a:cs typeface="Arial" panose="020B0604020202020204" pitchFamily="34" charset="0"/>
+            </a:endParaRPr>
+          </a:p>
+          <a:p>
+            <a:pPr marL="0" indent="0" algn="l" fontAlgn="base">
+              <a:spcBef>
+                <a:spcPct val="0"/>
+              </a:spcBef>
+              <a:spcAft>
+                <a:spcPts val="800"/>
+              </a:spcAft>
+            </a:pPr>
+            <a:r>
+              <a:rPr sz="2000" b="0" i="0">
+                <a:solidFill>
+                  <a:srgbClr val="3C4043"/>
+                </a:solidFill>
+                <a:latin typeface="Arial" panose="020B0604020202020204" pitchFamily="34" charset="0"/>
+                <a:ea typeface="Inter"/>
+                <a:cs typeface="Arial" panose="020B0604020202020204" pitchFamily="34" charset="0"/>
+              </a:rPr>
+              <a:t>But, now let’s consider we are dealing with images. In this case, there are a few ways of increasing the size of the training data – rotating the image, flipping, scaling, shifting, etc. In the below image, some transformation has been done on the handwritten digits dataset.</a:t>
+            </a:r>
+            <a:endParaRPr sz="2000" b="0" i="0">
+              <a:solidFill>
+                <a:srgbClr val="3C4043"/>
+              </a:solidFill>
+              <a:latin typeface="Arial" panose="020B0604020202020204" pitchFamily="34" charset="0"/>
+              <a:ea typeface="Inter"/>
+              <a:cs typeface="Arial" panose="020B0604020202020204" pitchFamily="34" charset="0"/>
+            </a:endParaRPr>
+          </a:p>
+        </p:txBody>
+      </p:sp>
+      <p:pic>
+        <p:nvPicPr>
+          <p:cNvPr id="4" name="Picture 3"/>
+          <p:cNvPicPr/>
+          <p:nvPr/>
+        </p:nvPicPr>
+        <p:blipFill>
+          <a:blip r:embed="rId1"/>
+          <a:stretch>
+            <a:fillRect/>
+          </a:stretch>
+        </p:blipFill>
+        <p:spPr>
+          <a:xfrm>
+            <a:off x="927735" y="4753610"/>
+            <a:ext cx="9201150" cy="2104390"/>
+          </a:xfrm>
+          <a:prstGeom prst="rect">
+            <a:avLst/>
+          </a:prstGeom>
+        </p:spPr>
+      </p:pic>
+    </p:spTree>
+  </p:cSld>
+  <p:clrMapOvr>
+    <a:masterClrMapping/>
+  </p:clrMapOvr>
+</p:sld>
+</file>
+
+<file path=ppt/slides/slide28.xml><?xml version="1.0" encoding="utf-8"?>
+<p:sld xmlns:a="http://schemas.openxmlformats.org/drawingml/2006/main" xmlns:r="http://schemas.openxmlformats.org/officeDocument/2006/relationships" xmlns:p="http://schemas.openxmlformats.org/presentationml/2006/main">
+  <p:cSld>
+    <p:spTree>
+      <p:nvGrpSpPr>
+        <p:cNvPr id="1" name=""/>
+        <p:cNvGrpSpPr/>
+        <p:nvPr/>
+      </p:nvGrpSpPr>
+      <p:grpSpPr/>
+      <p:sp>
+        <p:nvSpPr>
+          <p:cNvPr id="2" name="Text Box 1"/>
+          <p:cNvSpPr txBox="1"/>
+          <p:nvPr/>
+        </p:nvSpPr>
+        <p:spPr>
+          <a:xfrm>
+            <a:off x="127000" y="74930"/>
+            <a:ext cx="5080000" cy="6218555"/>
+          </a:xfrm>
+          <a:prstGeom prst="rect">
+            <a:avLst/>
+          </a:prstGeom>
+        </p:spPr>
+        <p:txBody>
+          <a:bodyPr>
+            <a:spAutoFit/>
+          </a:bodyPr>
+          <a:p>
+            <a:pPr marL="0" indent="0">
+              <a:spcBef>
+                <a:spcPts val="1000"/>
+              </a:spcBef>
+              <a:spcAft>
+                <a:spcPts val="500"/>
+              </a:spcAft>
+            </a:pPr>
+            <a:r>
+              <a:rPr sz="1700" b="0" i="0">
+                <a:solidFill>
+                  <a:srgbClr val="001D35"/>
+                </a:solidFill>
+                <a:latin typeface="Arial" panose="020B0604020202020204" pitchFamily="34" charset="0"/>
+                <a:ea typeface="Google Sans"/>
+                <a:cs typeface="Arial" panose="020B0604020202020204" pitchFamily="34" charset="0"/>
+              </a:rPr>
+              <a:t>Why is Data Augmentation Important?</a:t>
+            </a:r>
+            <a:endParaRPr sz="1700" b="0" i="0">
+              <a:solidFill>
+                <a:srgbClr val="001D35"/>
+              </a:solidFill>
+              <a:latin typeface="Arial" panose="020B0604020202020204" pitchFamily="34" charset="0"/>
+              <a:ea typeface="Google Sans"/>
+              <a:cs typeface="Arial" panose="020B0604020202020204" pitchFamily="34" charset="0"/>
+            </a:endParaRPr>
+          </a:p>
+          <a:p>
+            <a:pPr marL="0" indent="0">
+              <a:spcBef>
+                <a:spcPct val="0"/>
+              </a:spcBef>
+              <a:spcAft>
+                <a:spcPts val="400"/>
+              </a:spcAft>
+              <a:buFont typeface="Arial" panose="020B0604020202020204"/>
+              <a:buChar char="•"/>
+            </a:pPr>
+            <a:r>
+              <a:rPr sz="1700" b="0" i="0">
+                <a:solidFill>
+                  <a:srgbClr val="001D35"/>
+                </a:solidFill>
+                <a:latin typeface="Arial" panose="020B0604020202020204" pitchFamily="34" charset="0"/>
+                <a:ea typeface="Google Sans"/>
+                <a:cs typeface="Arial" panose="020B0604020202020204" pitchFamily="34" charset="0"/>
+              </a:rPr>
+              <a:t>Addressing Data Scarcity:</a:t>
+            </a:r>
+            <a:endParaRPr sz="1700" b="0" i="0">
+              <a:solidFill>
+                <a:srgbClr val="001D35"/>
+              </a:solidFill>
+              <a:latin typeface="Arial" panose="020B0604020202020204" pitchFamily="34" charset="0"/>
+              <a:ea typeface="Google Sans"/>
+              <a:cs typeface="Arial" panose="020B0604020202020204" pitchFamily="34" charset="0"/>
+            </a:endParaRPr>
+          </a:p>
+          <a:p>
+            <a:pPr marL="0" indent="0">
+              <a:spcBef>
+                <a:spcPct val="0"/>
+              </a:spcBef>
+              <a:spcAft>
+                <a:spcPts val="400"/>
+              </a:spcAft>
+            </a:pPr>
+            <a:r>
+              <a:rPr sz="1700" b="0" i="0">
+                <a:solidFill>
+                  <a:srgbClr val="001D35"/>
+                </a:solidFill>
+                <a:latin typeface="Arial" panose="020B0604020202020204" pitchFamily="34" charset="0"/>
+                <a:ea typeface="Google Sans"/>
+                <a:cs typeface="Arial" panose="020B0604020202020204" pitchFamily="34" charset="0"/>
+              </a:rPr>
+              <a:t>In many real-world scenarios, obtaining a large and diverse dataset can be challenging or expensive. Data augmentation helps overcome this limitation by generating more data from what's available. </a:t>
+            </a:r>
+            <a:endParaRPr sz="1700" b="0" i="0">
+              <a:solidFill>
+                <a:srgbClr val="001D35"/>
+              </a:solidFill>
+              <a:latin typeface="Arial" panose="020B0604020202020204" pitchFamily="34" charset="0"/>
+              <a:ea typeface="Google Sans"/>
+              <a:cs typeface="Arial" panose="020B0604020202020204" pitchFamily="34" charset="0"/>
+            </a:endParaRPr>
+          </a:p>
+          <a:p>
+            <a:pPr marL="0" indent="0">
+              <a:spcBef>
+                <a:spcPct val="0"/>
+              </a:spcBef>
+              <a:spcAft>
+                <a:spcPts val="400"/>
+              </a:spcAft>
+              <a:buFont typeface="Arial" panose="020B0604020202020204"/>
+              <a:buChar char="•"/>
+            </a:pPr>
+            <a:r>
+              <a:rPr sz="1700" b="0" i="0">
+                <a:solidFill>
+                  <a:srgbClr val="001D35"/>
+                </a:solidFill>
+                <a:latin typeface="Arial" panose="020B0604020202020204" pitchFamily="34" charset="0"/>
+                <a:ea typeface="Google Sans"/>
+                <a:cs typeface="Arial" panose="020B0604020202020204" pitchFamily="34" charset="0"/>
+              </a:rPr>
+              <a:t>Improving Model Generalization:</a:t>
+            </a:r>
+            <a:endParaRPr sz="1700" b="0" i="0">
+              <a:solidFill>
+                <a:srgbClr val="001D35"/>
+              </a:solidFill>
+              <a:latin typeface="Arial" panose="020B0604020202020204" pitchFamily="34" charset="0"/>
+              <a:ea typeface="Google Sans"/>
+              <a:cs typeface="Arial" panose="020B0604020202020204" pitchFamily="34" charset="0"/>
+            </a:endParaRPr>
+          </a:p>
+          <a:p>
+            <a:pPr marL="0" indent="0">
+              <a:spcBef>
+                <a:spcPct val="0"/>
+              </a:spcBef>
+              <a:spcAft>
+                <a:spcPts val="400"/>
+              </a:spcAft>
+            </a:pPr>
+            <a:r>
+              <a:rPr sz="1700" b="0" i="0">
+                <a:solidFill>
+                  <a:srgbClr val="001D35"/>
+                </a:solidFill>
+                <a:latin typeface="Arial" panose="020B0604020202020204" pitchFamily="34" charset="0"/>
+                <a:ea typeface="Google Sans"/>
+                <a:cs typeface="Arial" panose="020B0604020202020204" pitchFamily="34" charset="0"/>
+              </a:rPr>
+              <a:t>By exposing the model to a wider range of variations, data augmentation helps it learn more robust and generalizable features, reducing overfitting and improving performance on unseen data. </a:t>
+            </a:r>
+            <a:endParaRPr sz="1700" b="0" i="0">
+              <a:solidFill>
+                <a:srgbClr val="001D35"/>
+              </a:solidFill>
+              <a:latin typeface="Arial" panose="020B0604020202020204" pitchFamily="34" charset="0"/>
+              <a:ea typeface="Google Sans"/>
+              <a:cs typeface="Arial" panose="020B0604020202020204" pitchFamily="34" charset="0"/>
+            </a:endParaRPr>
+          </a:p>
+          <a:p>
+            <a:pPr marL="0" indent="0">
+              <a:spcBef>
+                <a:spcPct val="0"/>
+              </a:spcBef>
+              <a:spcAft>
+                <a:spcPts val="400"/>
+              </a:spcAft>
+              <a:buFont typeface="Arial" panose="020B0604020202020204"/>
+              <a:buChar char="•"/>
+            </a:pPr>
+            <a:r>
+              <a:rPr sz="1700" b="0" i="0">
+                <a:solidFill>
+                  <a:srgbClr val="001D35"/>
+                </a:solidFill>
+                <a:latin typeface="Arial" panose="020B0604020202020204" pitchFamily="34" charset="0"/>
+                <a:ea typeface="Google Sans"/>
+                <a:cs typeface="Arial" panose="020B0604020202020204" pitchFamily="34" charset="0"/>
+              </a:rPr>
+              <a:t>Enhancing Model Robustness:</a:t>
+            </a:r>
+            <a:endParaRPr sz="1700" b="0" i="0">
+              <a:solidFill>
+                <a:srgbClr val="001D35"/>
+              </a:solidFill>
+              <a:latin typeface="Arial" panose="020B0604020202020204" pitchFamily="34" charset="0"/>
+              <a:ea typeface="Google Sans"/>
+              <a:cs typeface="Arial" panose="020B0604020202020204" pitchFamily="34" charset="0"/>
+            </a:endParaRPr>
+          </a:p>
+          <a:p>
+            <a:pPr marL="0" indent="0">
+              <a:spcBef>
+                <a:spcPct val="0"/>
+              </a:spcBef>
+              <a:spcAft>
+                <a:spcPts val="400"/>
+              </a:spcAft>
+            </a:pPr>
+            <a:r>
+              <a:rPr sz="1700" b="0" i="0">
+                <a:solidFill>
+                  <a:srgbClr val="001D35"/>
+                </a:solidFill>
+                <a:latin typeface="Arial" panose="020B0604020202020204" pitchFamily="34" charset="0"/>
+                <a:ea typeface="Google Sans"/>
+                <a:cs typeface="Arial" panose="020B0604020202020204" pitchFamily="34" charset="0"/>
+              </a:rPr>
+              <a:t>Data augmentation can make models more resilient to noise, variations, and unexpected inputs. </a:t>
+            </a:r>
+            <a:endParaRPr sz="1700" b="0" i="0">
+              <a:solidFill>
+                <a:srgbClr val="001D35"/>
+              </a:solidFill>
+              <a:latin typeface="Arial" panose="020B0604020202020204" pitchFamily="34" charset="0"/>
+              <a:ea typeface="Google Sans"/>
+              <a:cs typeface="Arial" panose="020B0604020202020204" pitchFamily="34" charset="0"/>
+            </a:endParaRPr>
+          </a:p>
+          <a:p>
+            <a:pPr marL="0" indent="0">
+              <a:spcBef>
+                <a:spcPct val="0"/>
+              </a:spcBef>
+              <a:spcAft>
+                <a:spcPct val="0"/>
+              </a:spcAft>
+              <a:buFont typeface="Arial" panose="020B0604020202020204"/>
+              <a:buChar char="•"/>
+            </a:pPr>
+            <a:r>
+              <a:rPr sz="1700" b="0" i="0">
+                <a:solidFill>
+                  <a:srgbClr val="001D35"/>
+                </a:solidFill>
+                <a:latin typeface="Arial" panose="020B0604020202020204" pitchFamily="34" charset="0"/>
+                <a:ea typeface="Google Sans"/>
+                <a:cs typeface="Arial" panose="020B0604020202020204" pitchFamily="34" charset="0"/>
+              </a:rPr>
+              <a:t>Used in Computer Vision and NLP:</a:t>
+            </a:r>
+            <a:endParaRPr sz="1700" b="0" i="0">
+              <a:solidFill>
+                <a:srgbClr val="001D35"/>
+              </a:solidFill>
+              <a:latin typeface="Arial" panose="020B0604020202020204" pitchFamily="34" charset="0"/>
+              <a:ea typeface="Google Sans"/>
+              <a:cs typeface="Arial" panose="020B0604020202020204" pitchFamily="34" charset="0"/>
+            </a:endParaRPr>
+          </a:p>
+          <a:p>
+            <a:pPr marL="0" indent="0">
+              <a:spcBef>
+                <a:spcPct val="0"/>
+              </a:spcBef>
+              <a:spcAft>
+                <a:spcPct val="0"/>
+              </a:spcAft>
+            </a:pPr>
+            <a:r>
+              <a:rPr sz="1700" b="0" i="0">
+                <a:solidFill>
+                  <a:srgbClr val="001D35"/>
+                </a:solidFill>
+                <a:latin typeface="Arial" panose="020B0604020202020204" pitchFamily="34" charset="0"/>
+                <a:ea typeface="Google Sans"/>
+                <a:cs typeface="Arial" panose="020B0604020202020204" pitchFamily="34" charset="0"/>
+              </a:rPr>
+              <a:t>Data augmentation is particularly useful in computer vision (e.g., image rotation, flipping, cropping) and natural language processing (e.g., synonym replacement, random insertion/deletion). </a:t>
+            </a:r>
+            <a:endParaRPr sz="1700" b="0" i="0">
+              <a:solidFill>
+                <a:srgbClr val="001D35"/>
+              </a:solidFill>
+              <a:latin typeface="Arial" panose="020B0604020202020204" pitchFamily="34" charset="0"/>
+              <a:ea typeface="Google Sans"/>
+              <a:cs typeface="Arial" panose="020B0604020202020204" pitchFamily="34" charset="0"/>
             </a:endParaRPr>
           </a:p>
         </p:txBody>
@@ -7854,8 +8925,1433 @@
         </p:nvSpPr>
         <p:spPr>
           <a:xfrm>
-            <a:off x="4250055" y="5633720"/>
-            <a:ext cx="4064000" cy="368300"/>
+            <a:off x="5500370" y="74930"/>
+            <a:ext cx="6470015" cy="6188075"/>
+          </a:xfrm>
+          <a:prstGeom prst="rect">
+            <a:avLst/>
+          </a:prstGeom>
+        </p:spPr>
+        <p:txBody>
+          <a:bodyPr wrap="square">
+            <a:spAutoFit/>
+          </a:bodyPr>
+          <a:p>
+            <a:pPr marL="0" indent="0">
+              <a:spcBef>
+                <a:spcPts val="1000"/>
+              </a:spcBef>
+              <a:spcAft>
+                <a:spcPts val="500"/>
+              </a:spcAft>
+            </a:pPr>
+            <a:r>
+              <a:rPr sz="1600" b="0" i="0">
+                <a:solidFill>
+                  <a:srgbClr val="001D35"/>
+                </a:solidFill>
+                <a:latin typeface="Arial" panose="020B0604020202020204" pitchFamily="34" charset="0"/>
+                <a:ea typeface="Google Sans"/>
+                <a:cs typeface="Arial" panose="020B0604020202020204" pitchFamily="34" charset="0"/>
+              </a:rPr>
+              <a:t>Common Data Augmentation Techniques:</a:t>
+            </a:r>
+            <a:endParaRPr sz="1600" b="0" i="0">
+              <a:solidFill>
+                <a:srgbClr val="001D35"/>
+              </a:solidFill>
+              <a:latin typeface="Arial" panose="020B0604020202020204" pitchFamily="34" charset="0"/>
+              <a:ea typeface="Google Sans"/>
+              <a:cs typeface="Arial" panose="020B0604020202020204" pitchFamily="34" charset="0"/>
+            </a:endParaRPr>
+          </a:p>
+          <a:p>
+            <a:pPr marL="0" indent="0">
+              <a:spcBef>
+                <a:spcPct val="0"/>
+              </a:spcBef>
+              <a:spcAft>
+                <a:spcPts val="400"/>
+              </a:spcAft>
+              <a:buFont typeface="Arial" panose="020B0604020202020204"/>
+              <a:buChar char="•"/>
+            </a:pPr>
+            <a:r>
+              <a:rPr sz="1600" b="0" i="0">
+                <a:solidFill>
+                  <a:srgbClr val="001D35"/>
+                </a:solidFill>
+                <a:latin typeface="Arial" panose="020B0604020202020204" pitchFamily="34" charset="0"/>
+                <a:ea typeface="Google Sans"/>
+                <a:cs typeface="Arial" panose="020B0604020202020204" pitchFamily="34" charset="0"/>
+              </a:rPr>
+              <a:t>For Images:</a:t>
+            </a:r>
+            <a:endParaRPr sz="1600" b="0" i="0">
+              <a:solidFill>
+                <a:srgbClr val="001D35"/>
+              </a:solidFill>
+              <a:latin typeface="Arial" panose="020B0604020202020204" pitchFamily="34" charset="0"/>
+              <a:ea typeface="Google Sans"/>
+              <a:cs typeface="Arial" panose="020B0604020202020204" pitchFamily="34" charset="0"/>
+            </a:endParaRPr>
+          </a:p>
+          <a:p>
+            <a:pPr marL="0" lvl="1" indent="0">
+              <a:spcBef>
+                <a:spcPct val="0"/>
+              </a:spcBef>
+              <a:spcAft>
+                <a:spcPts val="400"/>
+              </a:spcAft>
+              <a:buFont typeface="Arial" panose="020B0604020202020204"/>
+              <a:buChar char="◦"/>
+            </a:pPr>
+            <a:r>
+              <a:rPr sz="1600" b="0" i="0">
+                <a:solidFill>
+                  <a:srgbClr val="001D35"/>
+                </a:solidFill>
+                <a:latin typeface="Arial" panose="020B0604020202020204" pitchFamily="34" charset="0"/>
+                <a:ea typeface="Google Sans"/>
+                <a:cs typeface="Arial" panose="020B0604020202020204" pitchFamily="34" charset="0"/>
+              </a:rPr>
+              <a:t>Geometric Transformations: Rotation, scaling, translation, flipping, shearing. </a:t>
+            </a:r>
+            <a:endParaRPr sz="1600" b="0" i="0">
+              <a:solidFill>
+                <a:srgbClr val="001D35"/>
+              </a:solidFill>
+              <a:latin typeface="Arial" panose="020B0604020202020204" pitchFamily="34" charset="0"/>
+              <a:ea typeface="Google Sans"/>
+              <a:cs typeface="Arial" panose="020B0604020202020204" pitchFamily="34" charset="0"/>
+            </a:endParaRPr>
+          </a:p>
+          <a:p>
+            <a:pPr marL="0" lvl="1" indent="0">
+              <a:spcBef>
+                <a:spcPct val="0"/>
+              </a:spcBef>
+              <a:spcAft>
+                <a:spcPts val="400"/>
+              </a:spcAft>
+              <a:buFont typeface="Arial" panose="020B0604020202020204"/>
+              <a:buChar char="◦"/>
+            </a:pPr>
+            <a:r>
+              <a:rPr sz="1600" b="0" i="0">
+                <a:solidFill>
+                  <a:srgbClr val="001D35"/>
+                </a:solidFill>
+                <a:latin typeface="Arial" panose="020B0604020202020204" pitchFamily="34" charset="0"/>
+                <a:ea typeface="Google Sans"/>
+                <a:cs typeface="Arial" panose="020B0604020202020204" pitchFamily="34" charset="0"/>
+              </a:rPr>
+              <a:t>Color Transformations: Brightness, contrast, saturation, hue adjustments. </a:t>
+            </a:r>
+            <a:endParaRPr sz="1600" b="0" i="0">
+              <a:solidFill>
+                <a:srgbClr val="001D35"/>
+              </a:solidFill>
+              <a:latin typeface="Arial" panose="020B0604020202020204" pitchFamily="34" charset="0"/>
+              <a:ea typeface="Google Sans"/>
+              <a:cs typeface="Arial" panose="020B0604020202020204" pitchFamily="34" charset="0"/>
+            </a:endParaRPr>
+          </a:p>
+          <a:p>
+            <a:pPr marL="0" lvl="1" indent="0">
+              <a:spcBef>
+                <a:spcPct val="0"/>
+              </a:spcBef>
+              <a:spcAft>
+                <a:spcPts val="400"/>
+              </a:spcAft>
+              <a:buFont typeface="Arial" panose="020B0604020202020204"/>
+              <a:buChar char="◦"/>
+            </a:pPr>
+            <a:r>
+              <a:rPr sz="1600" b="0" i="0">
+                <a:solidFill>
+                  <a:srgbClr val="001D35"/>
+                </a:solidFill>
+                <a:latin typeface="Arial" panose="020B0604020202020204" pitchFamily="34" charset="0"/>
+                <a:ea typeface="Google Sans"/>
+                <a:cs typeface="Arial" panose="020B0604020202020204" pitchFamily="34" charset="0"/>
+              </a:rPr>
+              <a:t>Noise Addition: Adding Gaussian noise or salt-and-pepper noise. </a:t>
+            </a:r>
+            <a:endParaRPr sz="1600" b="0" i="0">
+              <a:solidFill>
+                <a:srgbClr val="001D35"/>
+              </a:solidFill>
+              <a:latin typeface="Arial" panose="020B0604020202020204" pitchFamily="34" charset="0"/>
+              <a:ea typeface="Google Sans"/>
+              <a:cs typeface="Arial" panose="020B0604020202020204" pitchFamily="34" charset="0"/>
+            </a:endParaRPr>
+          </a:p>
+          <a:p>
+            <a:pPr marL="0" lvl="1" indent="0">
+              <a:spcBef>
+                <a:spcPct val="0"/>
+              </a:spcBef>
+              <a:spcAft>
+                <a:spcPct val="0"/>
+              </a:spcAft>
+              <a:buFont typeface="Arial" panose="020B0604020202020204"/>
+              <a:buChar char="◦"/>
+            </a:pPr>
+            <a:r>
+              <a:rPr sz="1600" b="0" i="0">
+                <a:solidFill>
+                  <a:srgbClr val="001D35"/>
+                </a:solidFill>
+                <a:latin typeface="Arial" panose="020B0604020202020204" pitchFamily="34" charset="0"/>
+                <a:ea typeface="Google Sans"/>
+                <a:cs typeface="Arial" panose="020B0604020202020204" pitchFamily="34" charset="0"/>
+              </a:rPr>
+              <a:t>Random Cropping: Randomly cropping portions of the image. </a:t>
+            </a:r>
+            <a:endParaRPr sz="1600" b="0" i="0">
+              <a:solidFill>
+                <a:srgbClr val="001D35"/>
+              </a:solidFill>
+              <a:latin typeface="Arial" panose="020B0604020202020204" pitchFamily="34" charset="0"/>
+              <a:ea typeface="Google Sans"/>
+              <a:cs typeface="Arial" panose="020B0604020202020204" pitchFamily="34" charset="0"/>
+            </a:endParaRPr>
+          </a:p>
+          <a:p>
+            <a:pPr marL="0" indent="0">
+              <a:spcBef>
+                <a:spcPct val="0"/>
+              </a:spcBef>
+              <a:spcAft>
+                <a:spcPts val="400"/>
+              </a:spcAft>
+              <a:buFont typeface="Arial" panose="020B0604020202020204"/>
+              <a:buChar char="•"/>
+            </a:pPr>
+            <a:r>
+              <a:rPr sz="1600" b="0" i="0">
+                <a:solidFill>
+                  <a:srgbClr val="001D35"/>
+                </a:solidFill>
+                <a:latin typeface="Arial" panose="020B0604020202020204" pitchFamily="34" charset="0"/>
+                <a:ea typeface="Google Sans"/>
+                <a:cs typeface="Arial" panose="020B0604020202020204" pitchFamily="34" charset="0"/>
+              </a:rPr>
+              <a:t>For Text:</a:t>
+            </a:r>
+            <a:endParaRPr sz="1600" b="0" i="0">
+              <a:solidFill>
+                <a:srgbClr val="001D35"/>
+              </a:solidFill>
+              <a:latin typeface="Arial" panose="020B0604020202020204" pitchFamily="34" charset="0"/>
+              <a:ea typeface="Google Sans"/>
+              <a:cs typeface="Arial" panose="020B0604020202020204" pitchFamily="34" charset="0"/>
+            </a:endParaRPr>
+          </a:p>
+          <a:p>
+            <a:pPr marL="0" lvl="1" indent="0">
+              <a:spcBef>
+                <a:spcPct val="0"/>
+              </a:spcBef>
+              <a:spcAft>
+                <a:spcPts val="400"/>
+              </a:spcAft>
+              <a:buFont typeface="Arial" panose="020B0604020202020204"/>
+              <a:buChar char="◦"/>
+            </a:pPr>
+            <a:r>
+              <a:rPr sz="1600" b="0" i="0">
+                <a:solidFill>
+                  <a:srgbClr val="001D35"/>
+                </a:solidFill>
+                <a:latin typeface="Arial" panose="020B0604020202020204" pitchFamily="34" charset="0"/>
+                <a:ea typeface="Google Sans"/>
+                <a:cs typeface="Arial" panose="020B0604020202020204" pitchFamily="34" charset="0"/>
+              </a:rPr>
+              <a:t>Synonym Replacement: Replacing words with their synonyms. </a:t>
+            </a:r>
+            <a:endParaRPr sz="1600" b="0" i="0">
+              <a:solidFill>
+                <a:srgbClr val="001D35"/>
+              </a:solidFill>
+              <a:latin typeface="Arial" panose="020B0604020202020204" pitchFamily="34" charset="0"/>
+              <a:ea typeface="Google Sans"/>
+              <a:cs typeface="Arial" panose="020B0604020202020204" pitchFamily="34" charset="0"/>
+            </a:endParaRPr>
+          </a:p>
+          <a:p>
+            <a:pPr marL="0" lvl="1" indent="0">
+              <a:spcBef>
+                <a:spcPct val="0"/>
+              </a:spcBef>
+              <a:spcAft>
+                <a:spcPts val="400"/>
+              </a:spcAft>
+              <a:buFont typeface="Arial" panose="020B0604020202020204"/>
+              <a:buChar char="◦"/>
+            </a:pPr>
+            <a:r>
+              <a:rPr sz="1600" b="0" i="0">
+                <a:solidFill>
+                  <a:srgbClr val="001D35"/>
+                </a:solidFill>
+                <a:latin typeface="Arial" panose="020B0604020202020204" pitchFamily="34" charset="0"/>
+                <a:ea typeface="Google Sans"/>
+                <a:cs typeface="Arial" panose="020B0604020202020204" pitchFamily="34" charset="0"/>
+              </a:rPr>
+              <a:t>Random Insertion/Deletion: Randomly inserting or deleting words or characters. </a:t>
+            </a:r>
+            <a:endParaRPr sz="1600" b="0" i="0">
+              <a:solidFill>
+                <a:srgbClr val="001D35"/>
+              </a:solidFill>
+              <a:latin typeface="Arial" panose="020B0604020202020204" pitchFamily="34" charset="0"/>
+              <a:ea typeface="Google Sans"/>
+              <a:cs typeface="Arial" panose="020B0604020202020204" pitchFamily="34" charset="0"/>
+            </a:endParaRPr>
+          </a:p>
+          <a:p>
+            <a:pPr marL="0" lvl="1" indent="0">
+              <a:spcBef>
+                <a:spcPct val="0"/>
+              </a:spcBef>
+              <a:spcAft>
+                <a:spcPts val="400"/>
+              </a:spcAft>
+              <a:buFont typeface="Arial" panose="020B0604020202020204"/>
+              <a:buChar char="◦"/>
+            </a:pPr>
+            <a:r>
+              <a:rPr sz="1600" b="0" i="0">
+                <a:solidFill>
+                  <a:srgbClr val="001D35"/>
+                </a:solidFill>
+                <a:latin typeface="Arial" panose="020B0604020202020204" pitchFamily="34" charset="0"/>
+                <a:ea typeface="Google Sans"/>
+                <a:cs typeface="Arial" panose="020B0604020202020204" pitchFamily="34" charset="0"/>
+              </a:rPr>
+              <a:t>Back Translation: Translating text to another language and back to the original language. </a:t>
+            </a:r>
+            <a:endParaRPr sz="1600" b="0" i="0">
+              <a:solidFill>
+                <a:srgbClr val="001D35"/>
+              </a:solidFill>
+              <a:latin typeface="Arial" panose="020B0604020202020204" pitchFamily="34" charset="0"/>
+              <a:ea typeface="Google Sans"/>
+              <a:cs typeface="Arial" panose="020B0604020202020204" pitchFamily="34" charset="0"/>
+            </a:endParaRPr>
+          </a:p>
+          <a:p>
+            <a:pPr marL="0" lvl="1" indent="0">
+              <a:spcBef>
+                <a:spcPct val="0"/>
+              </a:spcBef>
+              <a:spcAft>
+                <a:spcPct val="0"/>
+              </a:spcAft>
+              <a:buFont typeface="Arial" panose="020B0604020202020204"/>
+              <a:buChar char="◦"/>
+            </a:pPr>
+            <a:r>
+              <a:rPr sz="1600" b="0" i="0">
+                <a:solidFill>
+                  <a:srgbClr val="001D35"/>
+                </a:solidFill>
+                <a:latin typeface="Arial" panose="020B0604020202020204" pitchFamily="34" charset="0"/>
+                <a:ea typeface="Google Sans"/>
+                <a:cs typeface="Arial" panose="020B0604020202020204" pitchFamily="34" charset="0"/>
+              </a:rPr>
+              <a:t>Random Swap: Swapping words or characters. </a:t>
+            </a:r>
+            <a:endParaRPr sz="1600" b="0" i="0">
+              <a:solidFill>
+                <a:srgbClr val="001D35"/>
+              </a:solidFill>
+              <a:latin typeface="Arial" panose="020B0604020202020204" pitchFamily="34" charset="0"/>
+              <a:ea typeface="Google Sans"/>
+              <a:cs typeface="Arial" panose="020B0604020202020204" pitchFamily="34" charset="0"/>
+            </a:endParaRPr>
+          </a:p>
+          <a:p>
+            <a:pPr marL="0" indent="0">
+              <a:spcBef>
+                <a:spcPct val="0"/>
+              </a:spcBef>
+              <a:spcAft>
+                <a:spcPts val="400"/>
+              </a:spcAft>
+              <a:buFont typeface="Arial" panose="020B0604020202020204"/>
+              <a:buChar char="•"/>
+            </a:pPr>
+            <a:r>
+              <a:rPr sz="1600" b="0" i="0">
+                <a:solidFill>
+                  <a:srgbClr val="001D35"/>
+                </a:solidFill>
+                <a:latin typeface="Arial" panose="020B0604020202020204" pitchFamily="34" charset="0"/>
+                <a:ea typeface="Google Sans"/>
+                <a:cs typeface="Arial" panose="020B0604020202020204" pitchFamily="34" charset="0"/>
+              </a:rPr>
+              <a:t>For Audio:</a:t>
+            </a:r>
+            <a:endParaRPr sz="1600" b="0" i="0">
+              <a:solidFill>
+                <a:srgbClr val="001D35"/>
+              </a:solidFill>
+              <a:latin typeface="Arial" panose="020B0604020202020204" pitchFamily="34" charset="0"/>
+              <a:ea typeface="Google Sans"/>
+              <a:cs typeface="Arial" panose="020B0604020202020204" pitchFamily="34" charset="0"/>
+            </a:endParaRPr>
+          </a:p>
+          <a:p>
+            <a:pPr marL="0" lvl="1" indent="0">
+              <a:spcBef>
+                <a:spcPct val="0"/>
+              </a:spcBef>
+              <a:spcAft>
+                <a:spcPts val="400"/>
+              </a:spcAft>
+              <a:buFont typeface="Arial" panose="020B0604020202020204"/>
+              <a:buChar char="◦"/>
+            </a:pPr>
+            <a:r>
+              <a:rPr sz="1600" b="0" i="0">
+                <a:solidFill>
+                  <a:srgbClr val="001D35"/>
+                </a:solidFill>
+                <a:latin typeface="Arial" panose="020B0604020202020204" pitchFamily="34" charset="0"/>
+                <a:ea typeface="Google Sans"/>
+                <a:cs typeface="Arial" panose="020B0604020202020204" pitchFamily="34" charset="0"/>
+              </a:rPr>
+              <a:t>Time Stretching: Changing the speed of the audio. </a:t>
+            </a:r>
+            <a:endParaRPr sz="1600" b="0" i="0">
+              <a:solidFill>
+                <a:srgbClr val="001D35"/>
+              </a:solidFill>
+              <a:latin typeface="Arial" panose="020B0604020202020204" pitchFamily="34" charset="0"/>
+              <a:ea typeface="Google Sans"/>
+              <a:cs typeface="Arial" panose="020B0604020202020204" pitchFamily="34" charset="0"/>
+            </a:endParaRPr>
+          </a:p>
+          <a:p>
+            <a:pPr marL="0" lvl="1" indent="0">
+              <a:spcBef>
+                <a:spcPct val="0"/>
+              </a:spcBef>
+              <a:spcAft>
+                <a:spcPts val="400"/>
+              </a:spcAft>
+              <a:buFont typeface="Arial" panose="020B0604020202020204"/>
+              <a:buChar char="◦"/>
+            </a:pPr>
+            <a:r>
+              <a:rPr sz="1600" b="0" i="0">
+                <a:solidFill>
+                  <a:srgbClr val="001D35"/>
+                </a:solidFill>
+                <a:latin typeface="Arial" panose="020B0604020202020204" pitchFamily="34" charset="0"/>
+                <a:ea typeface="Google Sans"/>
+                <a:cs typeface="Arial" panose="020B0604020202020204" pitchFamily="34" charset="0"/>
+              </a:rPr>
+              <a:t>Pitch Shifting: Altering the pitch of the audio. </a:t>
+            </a:r>
+            <a:endParaRPr sz="1600" b="0" i="0">
+              <a:solidFill>
+                <a:srgbClr val="001D35"/>
+              </a:solidFill>
+              <a:latin typeface="Arial" panose="020B0604020202020204" pitchFamily="34" charset="0"/>
+              <a:ea typeface="Google Sans"/>
+              <a:cs typeface="Arial" panose="020B0604020202020204" pitchFamily="34" charset="0"/>
+            </a:endParaRPr>
+          </a:p>
+          <a:p>
+            <a:pPr marL="0" lvl="1" indent="0">
+              <a:spcBef>
+                <a:spcPct val="0"/>
+              </a:spcBef>
+              <a:spcAft>
+                <a:spcPct val="0"/>
+              </a:spcAft>
+              <a:buFont typeface="Arial" panose="020B0604020202020204"/>
+              <a:buChar char="◦"/>
+            </a:pPr>
+            <a:r>
+              <a:rPr sz="1600" b="0" i="0">
+                <a:solidFill>
+                  <a:srgbClr val="001D35"/>
+                </a:solidFill>
+                <a:latin typeface="Arial" panose="020B0604020202020204" pitchFamily="34" charset="0"/>
+                <a:ea typeface="Google Sans"/>
+                <a:cs typeface="Arial" panose="020B0604020202020204" pitchFamily="34" charset="0"/>
+              </a:rPr>
+              <a:t>Adding Noise: Adding background noise. </a:t>
+            </a:r>
+            <a:endParaRPr sz="1600" b="0" i="0">
+              <a:solidFill>
+                <a:srgbClr val="001D35"/>
+              </a:solidFill>
+              <a:latin typeface="Arial" panose="020B0604020202020204" pitchFamily="34" charset="0"/>
+              <a:ea typeface="Google Sans"/>
+              <a:cs typeface="Arial" panose="020B0604020202020204" pitchFamily="34" charset="0"/>
+            </a:endParaRPr>
+          </a:p>
+          <a:p>
+            <a:pPr marL="0" indent="0">
+              <a:spcBef>
+                <a:spcPct val="0"/>
+              </a:spcBef>
+              <a:spcAft>
+                <a:spcPct val="0"/>
+              </a:spcAft>
+              <a:buFont typeface="Arial" panose="020B0604020202020204"/>
+              <a:buChar char="•"/>
+            </a:pPr>
+            <a:r>
+              <a:rPr sz="1600" b="0" i="0">
+                <a:solidFill>
+                  <a:srgbClr val="001D35"/>
+                </a:solidFill>
+                <a:latin typeface="Arial" panose="020B0604020202020204" pitchFamily="34" charset="0"/>
+                <a:ea typeface="Google Sans"/>
+                <a:cs typeface="Arial" panose="020B0604020202020204" pitchFamily="34" charset="0"/>
+              </a:rPr>
+              <a:t>For Time Series Data:</a:t>
+            </a:r>
+            <a:endParaRPr sz="1600" b="0" i="0">
+              <a:solidFill>
+                <a:srgbClr val="001D35"/>
+              </a:solidFill>
+              <a:latin typeface="Arial" panose="020B0604020202020204" pitchFamily="34" charset="0"/>
+              <a:ea typeface="Google Sans"/>
+              <a:cs typeface="Arial" panose="020B0604020202020204" pitchFamily="34" charset="0"/>
+            </a:endParaRPr>
+          </a:p>
+          <a:p>
+            <a:pPr marL="0" lvl="1" indent="0">
+              <a:spcBef>
+                <a:spcPct val="0"/>
+              </a:spcBef>
+              <a:spcAft>
+                <a:spcPts val="400"/>
+              </a:spcAft>
+              <a:buFont typeface="Arial" panose="020B0604020202020204"/>
+              <a:buChar char="◦"/>
+            </a:pPr>
+            <a:r>
+              <a:rPr sz="1600" b="0" i="0">
+                <a:solidFill>
+                  <a:srgbClr val="001D35"/>
+                </a:solidFill>
+                <a:latin typeface="Arial" panose="020B0604020202020204" pitchFamily="34" charset="0"/>
+                <a:ea typeface="Google Sans"/>
+                <a:cs typeface="Arial" panose="020B0604020202020204" pitchFamily="34" charset="0"/>
+              </a:rPr>
+              <a:t>Adding Noise: Adding random noise to the time series data. </a:t>
+            </a:r>
+            <a:endParaRPr sz="1600" b="0" i="0">
+              <a:solidFill>
+                <a:srgbClr val="001D35"/>
+              </a:solidFill>
+              <a:latin typeface="Arial" panose="020B0604020202020204" pitchFamily="34" charset="0"/>
+              <a:ea typeface="Google Sans"/>
+              <a:cs typeface="Arial" panose="020B0604020202020204" pitchFamily="34" charset="0"/>
+            </a:endParaRPr>
+          </a:p>
+          <a:p>
+            <a:pPr marL="0" lvl="1" indent="0">
+              <a:spcBef>
+                <a:spcPct val="0"/>
+              </a:spcBef>
+              <a:spcAft>
+                <a:spcPct val="0"/>
+              </a:spcAft>
+              <a:buFont typeface="Arial" panose="020B0604020202020204"/>
+              <a:buChar char="◦"/>
+            </a:pPr>
+            <a:r>
+              <a:rPr sz="1600" b="0" i="0">
+                <a:solidFill>
+                  <a:srgbClr val="001D35"/>
+                </a:solidFill>
+                <a:latin typeface="Arial" panose="020B0604020202020204" pitchFamily="34" charset="0"/>
+                <a:ea typeface="Google Sans"/>
+                <a:cs typeface="Arial" panose="020B0604020202020204" pitchFamily="34" charset="0"/>
+              </a:rPr>
+              <a:t>Time Warping: Distorting the time axis of the time series data. </a:t>
+            </a:r>
+            <a:endParaRPr sz="1600" b="0" i="0">
+              <a:solidFill>
+                <a:srgbClr val="001D35"/>
+              </a:solidFill>
+              <a:latin typeface="Arial" panose="020B0604020202020204" pitchFamily="34" charset="0"/>
+              <a:ea typeface="Google Sans"/>
+              <a:cs typeface="Arial" panose="020B0604020202020204" pitchFamily="34" charset="0"/>
+            </a:endParaRPr>
+          </a:p>
+        </p:txBody>
+      </p:sp>
+    </p:spTree>
+  </p:cSld>
+  <p:clrMapOvr>
+    <a:masterClrMapping/>
+  </p:clrMapOvr>
+</p:sld>
+</file>
+
+<file path=ppt/slides/slide29.xml><?xml version="1.0" encoding="utf-8"?>
+<p:sld xmlns:a="http://schemas.openxmlformats.org/drawingml/2006/main" xmlns:r="http://schemas.openxmlformats.org/officeDocument/2006/relationships" xmlns:p="http://schemas.openxmlformats.org/presentationml/2006/main">
+  <p:cSld>
+    <p:spTree>
+      <p:nvGrpSpPr>
+        <p:cNvPr id="1" name=""/>
+        <p:cNvGrpSpPr/>
+        <p:nvPr/>
+      </p:nvGrpSpPr>
+      <p:grpSpPr/>
+      <p:sp>
+        <p:nvSpPr>
+          <p:cNvPr id="2" name="Text Box 1"/>
+          <p:cNvSpPr txBox="1"/>
+          <p:nvPr/>
+        </p:nvSpPr>
+        <p:spPr>
+          <a:xfrm>
+            <a:off x="828675" y="1290955"/>
+            <a:ext cx="7807325" cy="4304030"/>
+          </a:xfrm>
+          <a:prstGeom prst="rect">
+            <a:avLst/>
+          </a:prstGeom>
+        </p:spPr>
+        <p:txBody>
+          <a:bodyPr wrap="square">
+            <a:noAutofit/>
+          </a:bodyPr>
+          <a:p>
+            <a:pPr marL="0" indent="0" fontAlgn="base" latinLnBrk="1">
+              <a:spcBef>
+                <a:spcPct val="0"/>
+              </a:spcBef>
+              <a:spcAft>
+                <a:spcPct val="0"/>
+              </a:spcAft>
+            </a:pPr>
+            <a:r>
+              <a:rPr b="0" i="0">
+                <a:solidFill>
+                  <a:srgbClr val="007B00"/>
+                </a:solidFill>
+                <a:latin typeface="Arial" panose="020B0604020202020204" pitchFamily="34" charset="0"/>
+                <a:ea typeface="Roboto Mono"/>
+                <a:cs typeface="Arial" panose="020B0604020202020204" pitchFamily="34" charset="0"/>
+              </a:rPr>
+              <a:t>from</a:t>
+            </a:r>
+            <a:r>
+              <a:rPr lang="en-IN" b="0" i="0">
+                <a:solidFill>
+                  <a:srgbClr val="007B00"/>
+                </a:solidFill>
+                <a:latin typeface="Arial" panose="020B0604020202020204" pitchFamily="34" charset="0"/>
+                <a:ea typeface="Roboto Mono"/>
+                <a:cs typeface="Arial" panose="020B0604020202020204" pitchFamily="34" charset="0"/>
+              </a:rPr>
+              <a:t> </a:t>
+            </a:r>
+            <a:r>
+              <a:rPr b="0" i="0">
+                <a:solidFill>
+                  <a:srgbClr val="3C4043"/>
+                </a:solidFill>
+                <a:latin typeface="Arial" panose="020B0604020202020204" pitchFamily="34" charset="0"/>
+                <a:ea typeface="Roboto Mono"/>
+                <a:cs typeface="Arial" panose="020B0604020202020204" pitchFamily="34" charset="0"/>
+              </a:rPr>
+              <a:t>keras.preprocessing.image</a:t>
+            </a:r>
+            <a:r>
+              <a:rPr lang="en-IN" b="0" i="0">
+                <a:solidFill>
+                  <a:srgbClr val="3C4043"/>
+                </a:solidFill>
+                <a:latin typeface="Arial" panose="020B0604020202020204" pitchFamily="34" charset="0"/>
+                <a:ea typeface="Roboto Mono"/>
+                <a:cs typeface="Arial" panose="020B0604020202020204" pitchFamily="34" charset="0"/>
+              </a:rPr>
+              <a:t> </a:t>
+            </a:r>
+            <a:r>
+              <a:rPr b="0" i="0">
+                <a:solidFill>
+                  <a:srgbClr val="007B00"/>
+                </a:solidFill>
+                <a:latin typeface="Arial" panose="020B0604020202020204" pitchFamily="34" charset="0"/>
+                <a:ea typeface="Roboto Mono"/>
+                <a:cs typeface="Arial" panose="020B0604020202020204" pitchFamily="34" charset="0"/>
+              </a:rPr>
+              <a:t>import</a:t>
+            </a:r>
+            <a:r>
+              <a:rPr lang="en-IN" b="0" i="0">
+                <a:solidFill>
+                  <a:srgbClr val="007B00"/>
+                </a:solidFill>
+                <a:latin typeface="Arial" panose="020B0604020202020204" pitchFamily="34" charset="0"/>
+                <a:ea typeface="Roboto Mono"/>
+                <a:cs typeface="Arial" panose="020B0604020202020204" pitchFamily="34" charset="0"/>
+              </a:rPr>
+              <a:t> </a:t>
+            </a:r>
+            <a:r>
+              <a:rPr b="0" i="0">
+                <a:solidFill>
+                  <a:srgbClr val="3C4043"/>
+                </a:solidFill>
+                <a:latin typeface="Arial" panose="020B0604020202020204" pitchFamily="34" charset="0"/>
+                <a:ea typeface="Roboto Mono"/>
+                <a:cs typeface="Arial" panose="020B0604020202020204" pitchFamily="34" charset="0"/>
+              </a:rPr>
+              <a:t>ImageDataGenerator</a:t>
+            </a:r>
+            <a:endParaRPr b="0" i="0">
+              <a:solidFill>
+                <a:srgbClr val="3C4043"/>
+              </a:solidFill>
+              <a:latin typeface="Arial" panose="020B0604020202020204" pitchFamily="34" charset="0"/>
+              <a:ea typeface="Roboto Mono"/>
+              <a:cs typeface="Arial" panose="020B0604020202020204" pitchFamily="34" charset="0"/>
+            </a:endParaRPr>
+          </a:p>
+          <a:p>
+            <a:pPr marL="0" indent="0" fontAlgn="base" latinLnBrk="1">
+              <a:spcBef>
+                <a:spcPct val="0"/>
+              </a:spcBef>
+              <a:spcAft>
+                <a:spcPct val="0"/>
+              </a:spcAft>
+            </a:pPr>
+            <a:endParaRPr b="0" i="0">
+              <a:solidFill>
+                <a:srgbClr val="3C4043"/>
+              </a:solidFill>
+              <a:latin typeface="Arial" panose="020B0604020202020204" pitchFamily="34" charset="0"/>
+              <a:ea typeface="Roboto Mono"/>
+              <a:cs typeface="Arial" panose="020B0604020202020204" pitchFamily="34" charset="0"/>
+            </a:endParaRPr>
+          </a:p>
+          <a:p>
+            <a:pPr marL="0" indent="0" fontAlgn="base" latinLnBrk="1">
+              <a:spcBef>
+                <a:spcPct val="0"/>
+              </a:spcBef>
+              <a:spcAft>
+                <a:spcPct val="0"/>
+              </a:spcAft>
+            </a:pPr>
+            <a:r>
+              <a:rPr b="0" i="0">
+                <a:solidFill>
+                  <a:srgbClr val="3C4043"/>
+                </a:solidFill>
+                <a:latin typeface="Arial" panose="020B0604020202020204" pitchFamily="34" charset="0"/>
+                <a:ea typeface="Roboto Mono"/>
+                <a:cs typeface="Arial" panose="020B0604020202020204" pitchFamily="34" charset="0"/>
+              </a:rPr>
+              <a:t>datagen</a:t>
+            </a:r>
+            <a:r>
+              <a:rPr b="0" i="0">
+                <a:solidFill>
+                  <a:srgbClr val="008ABC"/>
+                </a:solidFill>
+                <a:latin typeface="Arial" panose="020B0604020202020204" pitchFamily="34" charset="0"/>
+                <a:ea typeface="Roboto Mono"/>
+                <a:cs typeface="Arial" panose="020B0604020202020204" pitchFamily="34" charset="0"/>
+              </a:rPr>
+              <a:t>=</a:t>
+            </a:r>
+            <a:r>
+              <a:rPr b="0" i="0">
+                <a:solidFill>
+                  <a:srgbClr val="3C4043"/>
+                </a:solidFill>
+                <a:latin typeface="Arial" panose="020B0604020202020204" pitchFamily="34" charset="0"/>
+                <a:ea typeface="Roboto Mono"/>
+                <a:cs typeface="Arial" panose="020B0604020202020204" pitchFamily="34" charset="0"/>
+              </a:rPr>
+              <a:t>ImageDataGenerator(featurewise_center</a:t>
+            </a:r>
+            <a:r>
+              <a:rPr b="0" i="0">
+                <a:solidFill>
+                  <a:srgbClr val="008ABC"/>
+                </a:solidFill>
+                <a:latin typeface="Arial" panose="020B0604020202020204" pitchFamily="34" charset="0"/>
+                <a:ea typeface="Roboto Mono"/>
+                <a:cs typeface="Arial" panose="020B0604020202020204" pitchFamily="34" charset="0"/>
+              </a:rPr>
+              <a:t>=</a:t>
+            </a:r>
+            <a:r>
+              <a:rPr b="0" i="0">
+                <a:solidFill>
+                  <a:srgbClr val="007B00"/>
+                </a:solidFill>
+                <a:latin typeface="Arial" panose="020B0604020202020204" pitchFamily="34" charset="0"/>
+                <a:ea typeface="Roboto Mono"/>
+                <a:cs typeface="Arial" panose="020B0604020202020204" pitchFamily="34" charset="0"/>
+              </a:rPr>
+              <a:t>False</a:t>
+            </a:r>
+            <a:r>
+              <a:rPr b="0" i="0">
+                <a:solidFill>
+                  <a:srgbClr val="3C4043"/>
+                </a:solidFill>
+                <a:latin typeface="Arial" panose="020B0604020202020204" pitchFamily="34" charset="0"/>
+                <a:ea typeface="Roboto Mono"/>
+                <a:cs typeface="Arial" panose="020B0604020202020204" pitchFamily="34" charset="0"/>
+              </a:rPr>
+              <a:t>,</a:t>
+            </a:r>
+            <a:endParaRPr b="0" i="0">
+              <a:solidFill>
+                <a:srgbClr val="3C4043"/>
+              </a:solidFill>
+              <a:latin typeface="Arial" panose="020B0604020202020204" pitchFamily="34" charset="0"/>
+              <a:ea typeface="Roboto Mono"/>
+              <a:cs typeface="Arial" panose="020B0604020202020204" pitchFamily="34" charset="0"/>
+            </a:endParaRPr>
+          </a:p>
+          <a:p>
+            <a:pPr marL="0" indent="0" fontAlgn="base" latinLnBrk="1">
+              <a:spcBef>
+                <a:spcPct val="0"/>
+              </a:spcBef>
+              <a:spcAft>
+                <a:spcPct val="0"/>
+              </a:spcAft>
+            </a:pPr>
+            <a:r>
+              <a:rPr b="0" i="1">
+                <a:solidFill>
+                  <a:srgbClr val="3C4043"/>
+                </a:solidFill>
+                <a:latin typeface="Arial" panose="020B0604020202020204" pitchFamily="34" charset="0"/>
+                <a:ea typeface="Roboto Mono"/>
+                <a:cs typeface="Arial" panose="020B0604020202020204" pitchFamily="34" charset="0"/>
+              </a:rPr>
+              <a:t># set input mean to 0 over the dataset</a:t>
+            </a:r>
+            <a:r>
+              <a:rPr b="0" i="0">
+                <a:solidFill>
+                  <a:srgbClr val="3C4043"/>
+                </a:solidFill>
+                <a:latin typeface="Arial" panose="020B0604020202020204" pitchFamily="34" charset="0"/>
+                <a:ea typeface="Roboto Mono"/>
+                <a:cs typeface="Arial" panose="020B0604020202020204" pitchFamily="34" charset="0"/>
+              </a:rPr>
+              <a:t>samplewise_center</a:t>
+            </a:r>
+            <a:r>
+              <a:rPr b="0" i="0">
+                <a:solidFill>
+                  <a:srgbClr val="008ABC"/>
+                </a:solidFill>
+                <a:latin typeface="Arial" panose="020B0604020202020204" pitchFamily="34" charset="0"/>
+                <a:ea typeface="Roboto Mono"/>
+                <a:cs typeface="Arial" panose="020B0604020202020204" pitchFamily="34" charset="0"/>
+              </a:rPr>
+              <a:t>=</a:t>
+            </a:r>
+            <a:r>
+              <a:rPr b="0" i="0">
+                <a:solidFill>
+                  <a:srgbClr val="007B00"/>
+                </a:solidFill>
+                <a:latin typeface="Arial" panose="020B0604020202020204" pitchFamily="34" charset="0"/>
+                <a:ea typeface="Roboto Mono"/>
+                <a:cs typeface="Arial" panose="020B0604020202020204" pitchFamily="34" charset="0"/>
+              </a:rPr>
+              <a:t>False</a:t>
+            </a:r>
+            <a:r>
+              <a:rPr b="0" i="0">
+                <a:solidFill>
+                  <a:srgbClr val="3C4043"/>
+                </a:solidFill>
+                <a:latin typeface="Arial" panose="020B0604020202020204" pitchFamily="34" charset="0"/>
+                <a:ea typeface="Roboto Mono"/>
+                <a:cs typeface="Arial" panose="020B0604020202020204" pitchFamily="34" charset="0"/>
+              </a:rPr>
+              <a:t>,</a:t>
+            </a:r>
+            <a:r>
+              <a:rPr b="0" i="1">
+                <a:solidFill>
+                  <a:srgbClr val="3C4043"/>
+                </a:solidFill>
+                <a:latin typeface="Arial" panose="020B0604020202020204" pitchFamily="34" charset="0"/>
+                <a:ea typeface="Roboto Mono"/>
+                <a:cs typeface="Arial" panose="020B0604020202020204" pitchFamily="34" charset="0"/>
+              </a:rPr>
+              <a:t># set each sample mean to 0</a:t>
+            </a:r>
+            <a:r>
+              <a:rPr b="0" i="0">
+                <a:solidFill>
+                  <a:srgbClr val="3C4043"/>
+                </a:solidFill>
+                <a:latin typeface="Arial" panose="020B0604020202020204" pitchFamily="34" charset="0"/>
+                <a:ea typeface="Roboto Mono"/>
+                <a:cs typeface="Arial" panose="020B0604020202020204" pitchFamily="34" charset="0"/>
+              </a:rPr>
+              <a:t>featurewise_std_normalization</a:t>
+            </a:r>
+            <a:r>
+              <a:rPr b="0" i="0">
+                <a:solidFill>
+                  <a:srgbClr val="008ABC"/>
+                </a:solidFill>
+                <a:latin typeface="Arial" panose="020B0604020202020204" pitchFamily="34" charset="0"/>
+                <a:ea typeface="Roboto Mono"/>
+                <a:cs typeface="Arial" panose="020B0604020202020204" pitchFamily="34" charset="0"/>
+              </a:rPr>
+              <a:t>=</a:t>
+            </a:r>
+            <a:r>
+              <a:rPr b="0" i="0">
+                <a:solidFill>
+                  <a:srgbClr val="007B00"/>
+                </a:solidFill>
+                <a:latin typeface="Arial" panose="020B0604020202020204" pitchFamily="34" charset="0"/>
+                <a:ea typeface="Roboto Mono"/>
+                <a:cs typeface="Arial" panose="020B0604020202020204" pitchFamily="34" charset="0"/>
+              </a:rPr>
+              <a:t>False</a:t>
+            </a:r>
+            <a:r>
+              <a:rPr b="0" i="0">
+                <a:solidFill>
+                  <a:srgbClr val="3C4043"/>
+                </a:solidFill>
+                <a:latin typeface="Arial" panose="020B0604020202020204" pitchFamily="34" charset="0"/>
+                <a:ea typeface="Roboto Mono"/>
+                <a:cs typeface="Arial" panose="020B0604020202020204" pitchFamily="34" charset="0"/>
+              </a:rPr>
+              <a:t>,</a:t>
+            </a:r>
+            <a:r>
+              <a:rPr b="0" i="1">
+                <a:solidFill>
+                  <a:srgbClr val="3C4043"/>
+                </a:solidFill>
+                <a:latin typeface="Arial" panose="020B0604020202020204" pitchFamily="34" charset="0"/>
+                <a:ea typeface="Roboto Mono"/>
+                <a:cs typeface="Arial" panose="020B0604020202020204" pitchFamily="34" charset="0"/>
+              </a:rPr>
+              <a:t># divide inputs by std of the dataset</a:t>
+            </a:r>
+            <a:r>
+              <a:rPr b="0" i="0">
+                <a:solidFill>
+                  <a:srgbClr val="3C4043"/>
+                </a:solidFill>
+                <a:latin typeface="Arial" panose="020B0604020202020204" pitchFamily="34" charset="0"/>
+                <a:ea typeface="Roboto Mono"/>
+                <a:cs typeface="Arial" panose="020B0604020202020204" pitchFamily="34" charset="0"/>
+              </a:rPr>
+              <a:t>samplewise_std_normalization</a:t>
+            </a:r>
+            <a:r>
+              <a:rPr b="0" i="0">
+                <a:solidFill>
+                  <a:srgbClr val="008ABC"/>
+                </a:solidFill>
+                <a:latin typeface="Arial" panose="020B0604020202020204" pitchFamily="34" charset="0"/>
+                <a:ea typeface="Roboto Mono"/>
+                <a:cs typeface="Arial" panose="020B0604020202020204" pitchFamily="34" charset="0"/>
+              </a:rPr>
+              <a:t>=</a:t>
+            </a:r>
+            <a:r>
+              <a:rPr b="0" i="0">
+                <a:solidFill>
+                  <a:srgbClr val="007B00"/>
+                </a:solidFill>
+                <a:latin typeface="Arial" panose="020B0604020202020204" pitchFamily="34" charset="0"/>
+                <a:ea typeface="Roboto Mono"/>
+                <a:cs typeface="Arial" panose="020B0604020202020204" pitchFamily="34" charset="0"/>
+              </a:rPr>
+              <a:t>False</a:t>
+            </a:r>
+            <a:r>
+              <a:rPr b="0" i="0">
+                <a:solidFill>
+                  <a:srgbClr val="3C4043"/>
+                </a:solidFill>
+                <a:latin typeface="Arial" panose="020B0604020202020204" pitchFamily="34" charset="0"/>
+                <a:ea typeface="Roboto Mono"/>
+                <a:cs typeface="Arial" panose="020B0604020202020204" pitchFamily="34" charset="0"/>
+              </a:rPr>
+              <a:t>,</a:t>
+            </a:r>
+            <a:r>
+              <a:rPr b="0" i="1">
+                <a:solidFill>
+                  <a:srgbClr val="3C4043"/>
+                </a:solidFill>
+                <a:latin typeface="Arial" panose="020B0604020202020204" pitchFamily="34" charset="0"/>
+                <a:ea typeface="Roboto Mono"/>
+                <a:cs typeface="Arial" panose="020B0604020202020204" pitchFamily="34" charset="0"/>
+              </a:rPr>
+              <a:t># divide each input by its std</a:t>
+            </a:r>
+            <a:r>
+              <a:rPr b="0" i="0">
+                <a:solidFill>
+                  <a:srgbClr val="3C4043"/>
+                </a:solidFill>
+                <a:latin typeface="Arial" panose="020B0604020202020204" pitchFamily="34" charset="0"/>
+                <a:ea typeface="Roboto Mono"/>
+                <a:cs typeface="Arial" panose="020B0604020202020204" pitchFamily="34" charset="0"/>
+              </a:rPr>
+              <a:t>zca_whitening</a:t>
+            </a:r>
+            <a:r>
+              <a:rPr b="0" i="0">
+                <a:solidFill>
+                  <a:srgbClr val="008ABC"/>
+                </a:solidFill>
+                <a:latin typeface="Arial" panose="020B0604020202020204" pitchFamily="34" charset="0"/>
+                <a:ea typeface="Roboto Mono"/>
+                <a:cs typeface="Arial" panose="020B0604020202020204" pitchFamily="34" charset="0"/>
+              </a:rPr>
+              <a:t>=</a:t>
+            </a:r>
+            <a:r>
+              <a:rPr b="0" i="0">
+                <a:solidFill>
+                  <a:srgbClr val="007B00"/>
+                </a:solidFill>
+                <a:latin typeface="Arial" panose="020B0604020202020204" pitchFamily="34" charset="0"/>
+                <a:ea typeface="Roboto Mono"/>
+                <a:cs typeface="Arial" panose="020B0604020202020204" pitchFamily="34" charset="0"/>
+              </a:rPr>
+              <a:t>False</a:t>
+            </a:r>
+            <a:r>
+              <a:rPr b="0" i="0">
+                <a:solidFill>
+                  <a:srgbClr val="3C4043"/>
+                </a:solidFill>
+                <a:latin typeface="Arial" panose="020B0604020202020204" pitchFamily="34" charset="0"/>
+                <a:ea typeface="Roboto Mono"/>
+                <a:cs typeface="Arial" panose="020B0604020202020204" pitchFamily="34" charset="0"/>
+              </a:rPr>
+              <a:t>,</a:t>
+            </a:r>
+            <a:r>
+              <a:rPr b="0" i="1">
+                <a:solidFill>
+                  <a:srgbClr val="3C4043"/>
+                </a:solidFill>
+                <a:latin typeface="Arial" panose="020B0604020202020204" pitchFamily="34" charset="0"/>
+                <a:ea typeface="Roboto Mono"/>
+                <a:cs typeface="Arial" panose="020B0604020202020204" pitchFamily="34" charset="0"/>
+              </a:rPr>
+              <a:t># apply ZCA whitening</a:t>
+            </a:r>
+            <a:r>
+              <a:rPr b="0" i="0">
+                <a:solidFill>
+                  <a:srgbClr val="3C4043"/>
+                </a:solidFill>
+                <a:latin typeface="Arial" panose="020B0604020202020204" pitchFamily="34" charset="0"/>
+                <a:ea typeface="Roboto Mono"/>
+                <a:cs typeface="Arial" panose="020B0604020202020204" pitchFamily="34" charset="0"/>
+              </a:rPr>
+              <a:t>rotation_range</a:t>
+            </a:r>
+            <a:r>
+              <a:rPr b="0" i="0">
+                <a:solidFill>
+                  <a:srgbClr val="008ABC"/>
+                </a:solidFill>
+                <a:latin typeface="Arial" panose="020B0604020202020204" pitchFamily="34" charset="0"/>
+                <a:ea typeface="Roboto Mono"/>
+                <a:cs typeface="Arial" panose="020B0604020202020204" pitchFamily="34" charset="0"/>
+              </a:rPr>
+              <a:t>=</a:t>
+            </a:r>
+            <a:r>
+              <a:rPr b="0" i="0">
+                <a:solidFill>
+                  <a:srgbClr val="666666"/>
+                </a:solidFill>
+                <a:latin typeface="Arial" panose="020B0604020202020204" pitchFamily="34" charset="0"/>
+                <a:ea typeface="Roboto Mono"/>
+                <a:cs typeface="Arial" panose="020B0604020202020204" pitchFamily="34" charset="0"/>
+              </a:rPr>
+              <a:t>10</a:t>
+            </a:r>
+            <a:r>
+              <a:rPr b="0" i="0">
+                <a:solidFill>
+                  <a:srgbClr val="3C4043"/>
+                </a:solidFill>
+                <a:latin typeface="Arial" panose="020B0604020202020204" pitchFamily="34" charset="0"/>
+                <a:ea typeface="Roboto Mono"/>
+                <a:cs typeface="Arial" panose="020B0604020202020204" pitchFamily="34" charset="0"/>
+              </a:rPr>
+              <a:t>,</a:t>
+            </a:r>
+            <a:r>
+              <a:rPr b="0" i="1">
+                <a:solidFill>
+                  <a:srgbClr val="3C4043"/>
+                </a:solidFill>
+                <a:latin typeface="Arial" panose="020B0604020202020204" pitchFamily="34" charset="0"/>
+                <a:ea typeface="Roboto Mono"/>
+                <a:cs typeface="Arial" panose="020B0604020202020204" pitchFamily="34" charset="0"/>
+              </a:rPr>
+              <a:t># randomly rotate images in the range (degrees, 0 to 180)</a:t>
+            </a:r>
+            <a:r>
+              <a:rPr b="0" i="0">
+                <a:solidFill>
+                  <a:srgbClr val="3C4043"/>
+                </a:solidFill>
+                <a:latin typeface="Arial" panose="020B0604020202020204" pitchFamily="34" charset="0"/>
+                <a:ea typeface="Roboto Mono"/>
+                <a:cs typeface="Arial" panose="020B0604020202020204" pitchFamily="34" charset="0"/>
+              </a:rPr>
+              <a:t>zoom_range</a:t>
+            </a:r>
+            <a:r>
+              <a:rPr b="0" i="0">
+                <a:solidFill>
+                  <a:srgbClr val="008ABC"/>
+                </a:solidFill>
+                <a:latin typeface="Arial" panose="020B0604020202020204" pitchFamily="34" charset="0"/>
+                <a:ea typeface="Roboto Mono"/>
+                <a:cs typeface="Arial" panose="020B0604020202020204" pitchFamily="34" charset="0"/>
+              </a:rPr>
+              <a:t>=</a:t>
+            </a:r>
+            <a:r>
+              <a:rPr b="0" i="0">
+                <a:solidFill>
+                  <a:srgbClr val="666666"/>
+                </a:solidFill>
+                <a:latin typeface="Arial" panose="020B0604020202020204" pitchFamily="34" charset="0"/>
+                <a:ea typeface="Roboto Mono"/>
+                <a:cs typeface="Arial" panose="020B0604020202020204" pitchFamily="34" charset="0"/>
+              </a:rPr>
+              <a:t>0.1</a:t>
+            </a:r>
+            <a:r>
+              <a:rPr b="0" i="0">
+                <a:solidFill>
+                  <a:srgbClr val="3C4043"/>
+                </a:solidFill>
+                <a:latin typeface="Arial" panose="020B0604020202020204" pitchFamily="34" charset="0"/>
+                <a:ea typeface="Roboto Mono"/>
+                <a:cs typeface="Arial" panose="020B0604020202020204" pitchFamily="34" charset="0"/>
+              </a:rPr>
+              <a:t>,</a:t>
+            </a:r>
+            <a:r>
+              <a:rPr b="0" i="1">
+                <a:solidFill>
+                  <a:srgbClr val="3C4043"/>
+                </a:solidFill>
+                <a:latin typeface="Arial" panose="020B0604020202020204" pitchFamily="34" charset="0"/>
+                <a:ea typeface="Roboto Mono"/>
+                <a:cs typeface="Arial" panose="020B0604020202020204" pitchFamily="34" charset="0"/>
+              </a:rPr>
+              <a:t># Randomly zoom image </a:t>
+            </a:r>
+            <a:r>
+              <a:rPr b="0" i="0">
+                <a:solidFill>
+                  <a:srgbClr val="3C4043"/>
+                </a:solidFill>
+                <a:latin typeface="Arial" panose="020B0604020202020204" pitchFamily="34" charset="0"/>
+                <a:ea typeface="Roboto Mono"/>
+                <a:cs typeface="Arial" panose="020B0604020202020204" pitchFamily="34" charset="0"/>
+              </a:rPr>
+              <a:t>width_shift_range</a:t>
+            </a:r>
+            <a:r>
+              <a:rPr b="0" i="0">
+                <a:solidFill>
+                  <a:srgbClr val="008ABC"/>
+                </a:solidFill>
+                <a:latin typeface="Arial" panose="020B0604020202020204" pitchFamily="34" charset="0"/>
+                <a:ea typeface="Roboto Mono"/>
+                <a:cs typeface="Arial" panose="020B0604020202020204" pitchFamily="34" charset="0"/>
+              </a:rPr>
+              <a:t>=</a:t>
+            </a:r>
+            <a:r>
+              <a:rPr b="0" i="0">
+                <a:solidFill>
+                  <a:srgbClr val="666666"/>
+                </a:solidFill>
+                <a:latin typeface="Arial" panose="020B0604020202020204" pitchFamily="34" charset="0"/>
+                <a:ea typeface="Roboto Mono"/>
+                <a:cs typeface="Arial" panose="020B0604020202020204" pitchFamily="34" charset="0"/>
+              </a:rPr>
+              <a:t>0.1</a:t>
+            </a:r>
+            <a:r>
+              <a:rPr b="0" i="0">
+                <a:solidFill>
+                  <a:srgbClr val="3C4043"/>
+                </a:solidFill>
+                <a:latin typeface="Arial" panose="020B0604020202020204" pitchFamily="34" charset="0"/>
+                <a:ea typeface="Roboto Mono"/>
+                <a:cs typeface="Arial" panose="020B0604020202020204" pitchFamily="34" charset="0"/>
+              </a:rPr>
+              <a:t>,</a:t>
+            </a:r>
+            <a:r>
+              <a:rPr b="0" i="1">
+                <a:solidFill>
+                  <a:srgbClr val="3C4043"/>
+                </a:solidFill>
+                <a:latin typeface="Arial" panose="020B0604020202020204" pitchFamily="34" charset="0"/>
+                <a:ea typeface="Roboto Mono"/>
+                <a:cs typeface="Arial" panose="020B0604020202020204" pitchFamily="34" charset="0"/>
+              </a:rPr>
+              <a:t># randomly shift images horizontally (fraction of total width)</a:t>
+            </a:r>
+            <a:r>
+              <a:rPr b="0" i="0">
+                <a:solidFill>
+                  <a:srgbClr val="3C4043"/>
+                </a:solidFill>
+                <a:latin typeface="Arial" panose="020B0604020202020204" pitchFamily="34" charset="0"/>
+                <a:ea typeface="Roboto Mono"/>
+                <a:cs typeface="Arial" panose="020B0604020202020204" pitchFamily="34" charset="0"/>
+              </a:rPr>
+              <a:t>height_shift_range</a:t>
+            </a:r>
+            <a:r>
+              <a:rPr b="0" i="0">
+                <a:solidFill>
+                  <a:srgbClr val="008ABC"/>
+                </a:solidFill>
+                <a:latin typeface="Arial" panose="020B0604020202020204" pitchFamily="34" charset="0"/>
+                <a:ea typeface="Roboto Mono"/>
+                <a:cs typeface="Arial" panose="020B0604020202020204" pitchFamily="34" charset="0"/>
+              </a:rPr>
+              <a:t>=</a:t>
+            </a:r>
+            <a:r>
+              <a:rPr b="0" i="0">
+                <a:solidFill>
+                  <a:srgbClr val="666666"/>
+                </a:solidFill>
+                <a:latin typeface="Arial" panose="020B0604020202020204" pitchFamily="34" charset="0"/>
+                <a:ea typeface="Roboto Mono"/>
+                <a:cs typeface="Arial" panose="020B0604020202020204" pitchFamily="34" charset="0"/>
+              </a:rPr>
+              <a:t>0.1</a:t>
+            </a:r>
+            <a:r>
+              <a:rPr b="0" i="0">
+                <a:solidFill>
+                  <a:srgbClr val="3C4043"/>
+                </a:solidFill>
+                <a:latin typeface="Arial" panose="020B0604020202020204" pitchFamily="34" charset="0"/>
+                <a:ea typeface="Roboto Mono"/>
+                <a:cs typeface="Arial" panose="020B0604020202020204" pitchFamily="34" charset="0"/>
+              </a:rPr>
+              <a:t>,</a:t>
+            </a:r>
+            <a:r>
+              <a:rPr b="0" i="1">
+                <a:solidFill>
+                  <a:srgbClr val="3C4043"/>
+                </a:solidFill>
+                <a:latin typeface="Arial" panose="020B0604020202020204" pitchFamily="34" charset="0"/>
+                <a:ea typeface="Roboto Mono"/>
+                <a:cs typeface="Arial" panose="020B0604020202020204" pitchFamily="34" charset="0"/>
+              </a:rPr>
+              <a:t># randomly shift images vertically (fraction of total height)</a:t>
+            </a:r>
+            <a:r>
+              <a:rPr b="0" i="0">
+                <a:solidFill>
+                  <a:srgbClr val="3C4043"/>
+                </a:solidFill>
+                <a:latin typeface="Arial" panose="020B0604020202020204" pitchFamily="34" charset="0"/>
+                <a:ea typeface="Roboto Mono"/>
+                <a:cs typeface="Arial" panose="020B0604020202020204" pitchFamily="34" charset="0"/>
+              </a:rPr>
+              <a:t>horizontal_flip</a:t>
+            </a:r>
+            <a:r>
+              <a:rPr b="0" i="0">
+                <a:solidFill>
+                  <a:srgbClr val="008ABC"/>
+                </a:solidFill>
+                <a:latin typeface="Arial" panose="020B0604020202020204" pitchFamily="34" charset="0"/>
+                <a:ea typeface="Roboto Mono"/>
+                <a:cs typeface="Arial" panose="020B0604020202020204" pitchFamily="34" charset="0"/>
+              </a:rPr>
+              <a:t>=</a:t>
+            </a:r>
+            <a:r>
+              <a:rPr b="0" i="0">
+                <a:solidFill>
+                  <a:srgbClr val="007B00"/>
+                </a:solidFill>
+                <a:latin typeface="Arial" panose="020B0604020202020204" pitchFamily="34" charset="0"/>
+                <a:ea typeface="Roboto Mono"/>
+                <a:cs typeface="Arial" panose="020B0604020202020204" pitchFamily="34" charset="0"/>
+              </a:rPr>
+              <a:t>False</a:t>
+            </a:r>
+            <a:r>
+              <a:rPr b="0" i="0">
+                <a:solidFill>
+                  <a:srgbClr val="3C4043"/>
+                </a:solidFill>
+                <a:latin typeface="Arial" panose="020B0604020202020204" pitchFamily="34" charset="0"/>
+                <a:ea typeface="Roboto Mono"/>
+                <a:cs typeface="Arial" panose="020B0604020202020204" pitchFamily="34" charset="0"/>
+              </a:rPr>
+              <a:t>,</a:t>
+            </a:r>
+            <a:r>
+              <a:rPr b="0" i="1">
+                <a:solidFill>
+                  <a:srgbClr val="3C4043"/>
+                </a:solidFill>
+                <a:latin typeface="Arial" panose="020B0604020202020204" pitchFamily="34" charset="0"/>
+                <a:ea typeface="Roboto Mono"/>
+                <a:cs typeface="Arial" panose="020B0604020202020204" pitchFamily="34" charset="0"/>
+              </a:rPr>
+              <a:t># randomly flip images</a:t>
+            </a:r>
+            <a:r>
+              <a:rPr b="0" i="0">
+                <a:solidFill>
+                  <a:srgbClr val="3C4043"/>
+                </a:solidFill>
+                <a:latin typeface="Arial" panose="020B0604020202020204" pitchFamily="34" charset="0"/>
+                <a:ea typeface="Roboto Mono"/>
+                <a:cs typeface="Arial" panose="020B0604020202020204" pitchFamily="34" charset="0"/>
+              </a:rPr>
+              <a:t>vertical_flip</a:t>
+            </a:r>
+            <a:r>
+              <a:rPr b="0" i="0">
+                <a:solidFill>
+                  <a:srgbClr val="008ABC"/>
+                </a:solidFill>
+                <a:latin typeface="Arial" panose="020B0604020202020204" pitchFamily="34" charset="0"/>
+                <a:ea typeface="Roboto Mono"/>
+                <a:cs typeface="Arial" panose="020B0604020202020204" pitchFamily="34" charset="0"/>
+              </a:rPr>
+              <a:t>=</a:t>
+            </a:r>
+            <a:r>
+              <a:rPr b="0" i="0">
+                <a:solidFill>
+                  <a:srgbClr val="007B00"/>
+                </a:solidFill>
+                <a:latin typeface="Arial" panose="020B0604020202020204" pitchFamily="34" charset="0"/>
+                <a:ea typeface="Roboto Mono"/>
+                <a:cs typeface="Arial" panose="020B0604020202020204" pitchFamily="34" charset="0"/>
+              </a:rPr>
+              <a:t>False</a:t>
+            </a:r>
+            <a:r>
+              <a:rPr b="0" i="0">
+                <a:solidFill>
+                  <a:srgbClr val="3C4043"/>
+                </a:solidFill>
+                <a:latin typeface="Arial" panose="020B0604020202020204" pitchFamily="34" charset="0"/>
+                <a:ea typeface="Roboto Mono"/>
+                <a:cs typeface="Arial" panose="020B0604020202020204" pitchFamily="34" charset="0"/>
+              </a:rPr>
+              <a:t>)</a:t>
+            </a:r>
+            <a:r>
+              <a:rPr b="0" i="1">
+                <a:solidFill>
+                  <a:srgbClr val="3C4043"/>
+                </a:solidFill>
+                <a:latin typeface="Arial" panose="020B0604020202020204" pitchFamily="34" charset="0"/>
+                <a:ea typeface="Roboto Mono"/>
+                <a:cs typeface="Arial" panose="020B0604020202020204" pitchFamily="34" charset="0"/>
+              </a:rPr>
+              <a:t># randomly flip images</a:t>
+            </a:r>
+            <a:r>
+              <a:rPr b="0" i="0">
+                <a:solidFill>
+                  <a:srgbClr val="3C4043"/>
+                </a:solidFill>
+                <a:latin typeface="Arial" panose="020B0604020202020204" pitchFamily="34" charset="0"/>
+                <a:ea typeface="Roboto Mono"/>
+                <a:cs typeface="Arial" panose="020B0604020202020204" pitchFamily="34" charset="0"/>
+              </a:rPr>
+              <a:t>datagen</a:t>
+            </a:r>
+            <a:r>
+              <a:rPr b="0" i="0">
+                <a:solidFill>
+                  <a:srgbClr val="008ABC"/>
+                </a:solidFill>
+                <a:latin typeface="Arial" panose="020B0604020202020204" pitchFamily="34" charset="0"/>
+                <a:ea typeface="Roboto Mono"/>
+                <a:cs typeface="Arial" panose="020B0604020202020204" pitchFamily="34" charset="0"/>
+              </a:rPr>
+              <a:t>.</a:t>
+            </a:r>
+            <a:r>
+              <a:rPr b="0" i="0">
+                <a:solidFill>
+                  <a:srgbClr val="3C4043"/>
+                </a:solidFill>
+                <a:latin typeface="Arial" panose="020B0604020202020204" pitchFamily="34" charset="0"/>
+                <a:ea typeface="Roboto Mono"/>
+                <a:cs typeface="Arial" panose="020B0604020202020204" pitchFamily="34" charset="0"/>
+              </a:rPr>
+              <a:t>fit(x_train)</a:t>
+            </a:r>
+            <a:endParaRPr b="0" i="0">
+              <a:solidFill>
+                <a:srgbClr val="3C4043"/>
+              </a:solidFill>
+              <a:latin typeface="Arial" panose="020B0604020202020204" pitchFamily="34" charset="0"/>
+              <a:ea typeface="Roboto Mono"/>
+              <a:cs typeface="Arial" panose="020B0604020202020204" pitchFamily="34" charset="0"/>
+            </a:endParaRPr>
+          </a:p>
+        </p:txBody>
+      </p:sp>
+      <p:sp>
+        <p:nvSpPr>
+          <p:cNvPr id="3" name="Text Box 2"/>
+          <p:cNvSpPr txBox="1"/>
+          <p:nvPr/>
+        </p:nvSpPr>
+        <p:spPr>
+          <a:xfrm>
+            <a:off x="758825" y="4779010"/>
+            <a:ext cx="8354060" cy="829945"/>
           </a:xfrm>
           <a:prstGeom prst="rect">
             <a:avLst/>
@@ -7863,15 +10359,29 @@
           <a:noFill/>
         </p:spPr>
         <p:txBody>
-          <a:bodyPr wrap="square" rtlCol="0">
+          <a:bodyPr wrap="square" rtlCol="0" anchor="t">
             <a:spAutoFit/>
           </a:bodyPr>
           <a:p>
             <a:r>
-              <a:rPr lang="en-IN" altLang="en-US"/>
-              <a:t>keras tunier</a:t>
-            </a:r>
-            <a:endParaRPr lang="en-IN" altLang="en-US"/>
+              <a:rPr lang="en-US" altLang="en-US" sz="2400">
+                <a:solidFill>
+                  <a:srgbClr val="002060"/>
+                </a:solidFill>
+                <a:highlight>
+                  <a:srgbClr val="FFFF00"/>
+                </a:highlight>
+              </a:rPr>
+              <a:t>https://www.datacamp.com/tutorial/complete-guide-data-augmentation</a:t>
+            </a:r>
+            <a:endParaRPr lang="en-US" altLang="en-US" sz="2400">
+              <a:solidFill>
+                <a:srgbClr val="002060"/>
+              </a:solidFill>
+              <a:highlight>
+                <a:srgbClr val="FFFF00"/>
+              </a:highlight>
+            </a:endParaRPr>
           </a:p>
         </p:txBody>
       </p:sp>
@@ -7918,6 +10428,2759 @@
           </a:prstGeom>
         </p:spPr>
       </p:pic>
+    </p:spTree>
+  </p:cSld>
+  <p:clrMapOvr>
+    <a:masterClrMapping/>
+  </p:clrMapOvr>
+</p:sld>
+</file>
+
+<file path=ppt/slides/slide30.xml><?xml version="1.0" encoding="utf-8"?>
+<p:sld xmlns:a="http://schemas.openxmlformats.org/drawingml/2006/main" xmlns:r="http://schemas.openxmlformats.org/officeDocument/2006/relationships" xmlns:p="http://schemas.openxmlformats.org/presentationml/2006/main">
+  <p:cSld>
+    <p:spTree>
+      <p:nvGrpSpPr>
+        <p:cNvPr id="1" name=""/>
+        <p:cNvGrpSpPr/>
+        <p:nvPr/>
+      </p:nvGrpSpPr>
+      <p:grpSpPr/>
+      <p:pic>
+        <p:nvPicPr>
+          <p:cNvPr id="4" name="Picture 3"/>
+          <p:cNvPicPr/>
+          <p:nvPr/>
+        </p:nvPicPr>
+        <p:blipFill>
+          <a:blip r:embed="rId1"/>
+          <a:stretch>
+            <a:fillRect/>
+          </a:stretch>
+        </p:blipFill>
+        <p:spPr>
+          <a:xfrm>
+            <a:off x="1285875" y="1072198"/>
+            <a:ext cx="10096500" cy="4124325"/>
+          </a:xfrm>
+          <a:prstGeom prst="rect">
+            <a:avLst/>
+          </a:prstGeom>
+        </p:spPr>
+      </p:pic>
+      <p:sp>
+        <p:nvSpPr>
+          <p:cNvPr id="2" name="Text Box 1"/>
+          <p:cNvSpPr txBox="1"/>
+          <p:nvPr/>
+        </p:nvSpPr>
+        <p:spPr>
+          <a:xfrm>
+            <a:off x="424180" y="137795"/>
+            <a:ext cx="6096000" cy="1953260"/>
+          </a:xfrm>
+          <a:prstGeom prst="rect">
+            <a:avLst/>
+          </a:prstGeom>
+          <a:noFill/>
+        </p:spPr>
+        <p:txBody>
+          <a:bodyPr wrap="square" rtlCol="0" anchor="t">
+            <a:spAutoFit/>
+          </a:bodyPr>
+          <a:p>
+            <a:pPr marL="0" indent="0" fontAlgn="base">
+              <a:spcBef>
+                <a:spcPct val="0"/>
+              </a:spcBef>
+              <a:spcAft>
+                <a:spcPts val="200"/>
+              </a:spcAft>
+            </a:pPr>
+            <a:r>
+              <a:rPr lang="en-IN" sz="4000" b="1">
+                <a:solidFill>
+                  <a:srgbClr val="FF0000"/>
+                </a:solidFill>
+                <a:effectLst>
+                  <a:outerShdw blurRad="38100" dist="38100" dir="2700000" algn="tl">
+                    <a:srgbClr val="000000">
+                      <a:alpha val="43137"/>
+                    </a:srgbClr>
+                  </a:outerShdw>
+                </a:effectLst>
+                <a:latin typeface="Georgia" panose="02040502050405020303"/>
+                <a:ea typeface="Georgia" panose="02040502050405020303"/>
+                <a:sym typeface="+mn-ea"/>
+              </a:rPr>
+              <a:t>Model Expainlibility</a:t>
+            </a:r>
+            <a:endParaRPr lang="en-IN" sz="4000" b="1">
+              <a:solidFill>
+                <a:srgbClr val="FF0000"/>
+              </a:solidFill>
+              <a:effectLst>
+                <a:outerShdw blurRad="38100" dist="38100" dir="2700000" algn="tl">
+                  <a:srgbClr val="000000">
+                    <a:alpha val="43137"/>
+                  </a:srgbClr>
+                </a:outerShdw>
+              </a:effectLst>
+              <a:latin typeface="Georgia" panose="02040502050405020303"/>
+              <a:ea typeface="Georgia" panose="02040502050405020303"/>
+              <a:sym typeface="+mn-ea"/>
+            </a:endParaRPr>
+          </a:p>
+          <a:p>
+            <a:pPr marL="0" indent="0" fontAlgn="base">
+              <a:spcBef>
+                <a:spcPct val="0"/>
+              </a:spcBef>
+              <a:spcAft>
+                <a:spcPts val="200"/>
+              </a:spcAft>
+            </a:pPr>
+            <a:endParaRPr lang="en-IN" sz="4000" b="1">
+              <a:solidFill>
+                <a:srgbClr val="FF0000"/>
+              </a:solidFill>
+              <a:effectLst>
+                <a:outerShdw blurRad="38100" dist="38100" dir="2700000" algn="tl">
+                  <a:srgbClr val="000000">
+                    <a:alpha val="43137"/>
+                  </a:srgbClr>
+                </a:outerShdw>
+              </a:effectLst>
+              <a:latin typeface="Georgia" panose="02040502050405020303"/>
+              <a:ea typeface="Georgia" panose="02040502050405020303"/>
+              <a:sym typeface="+mn-ea"/>
+            </a:endParaRPr>
+          </a:p>
+          <a:p>
+            <a:pPr marL="0" indent="0" fontAlgn="base">
+              <a:spcBef>
+                <a:spcPct val="0"/>
+              </a:spcBef>
+              <a:spcAft>
+                <a:spcPts val="200"/>
+              </a:spcAft>
+            </a:pPr>
+            <a:r>
+              <a:rPr lang="en-IN" b="1">
+                <a:solidFill>
+                  <a:srgbClr val="002060"/>
+                </a:solidFill>
+                <a:effectLst>
+                  <a:outerShdw blurRad="38100" dist="38100" dir="2700000" algn="tl">
+                    <a:srgbClr val="000000">
+                      <a:alpha val="43137"/>
+                    </a:srgbClr>
+                  </a:outerShdw>
+                </a:effectLst>
+                <a:latin typeface="Georgia" panose="02040502050405020303"/>
+                <a:ea typeface="Georgia" panose="02040502050405020303"/>
+                <a:sym typeface="+mn-ea"/>
+              </a:rPr>
+              <a:t>LIME</a:t>
+            </a:r>
+            <a:endParaRPr lang="en-IN" b="1">
+              <a:solidFill>
+                <a:srgbClr val="002060"/>
+              </a:solidFill>
+              <a:effectLst>
+                <a:outerShdw blurRad="38100" dist="38100" dir="2700000" algn="tl">
+                  <a:srgbClr val="000000">
+                    <a:alpha val="43137"/>
+                  </a:srgbClr>
+                </a:outerShdw>
+              </a:effectLst>
+              <a:latin typeface="Georgia" panose="02040502050405020303"/>
+              <a:ea typeface="Georgia" panose="02040502050405020303"/>
+              <a:sym typeface="+mn-ea"/>
+            </a:endParaRPr>
+          </a:p>
+          <a:p>
+            <a:pPr marL="0" indent="0" fontAlgn="base">
+              <a:spcBef>
+                <a:spcPct val="0"/>
+              </a:spcBef>
+              <a:spcAft>
+                <a:spcPts val="200"/>
+              </a:spcAft>
+            </a:pPr>
+            <a:r>
+              <a:rPr lang="en-IN" b="1">
+                <a:solidFill>
+                  <a:srgbClr val="002060"/>
+                </a:solidFill>
+                <a:effectLst>
+                  <a:outerShdw blurRad="38100" dist="38100" dir="2700000" algn="tl">
+                    <a:srgbClr val="000000">
+                      <a:alpha val="43137"/>
+                    </a:srgbClr>
+                  </a:outerShdw>
+                </a:effectLst>
+                <a:latin typeface="Georgia" panose="02040502050405020303"/>
+                <a:ea typeface="Georgia" panose="02040502050405020303"/>
+                <a:sym typeface="+mn-ea"/>
+              </a:rPr>
+              <a:t>SHAPY</a:t>
+            </a:r>
+            <a:endParaRPr lang="en-IN" b="1">
+              <a:solidFill>
+                <a:srgbClr val="002060"/>
+              </a:solidFill>
+              <a:effectLst>
+                <a:outerShdw blurRad="38100" dist="38100" dir="2700000" algn="tl">
+                  <a:srgbClr val="000000">
+                    <a:alpha val="43137"/>
+                  </a:srgbClr>
+                </a:outerShdw>
+              </a:effectLst>
+              <a:latin typeface="Georgia" panose="02040502050405020303"/>
+              <a:ea typeface="Georgia" panose="02040502050405020303"/>
+              <a:sym typeface="+mn-ea"/>
+            </a:endParaRPr>
+          </a:p>
+        </p:txBody>
+      </p:sp>
+      <p:sp>
+        <p:nvSpPr>
+          <p:cNvPr id="3" name="Text Box 2"/>
+          <p:cNvSpPr txBox="1"/>
+          <p:nvPr/>
+        </p:nvSpPr>
+        <p:spPr>
+          <a:xfrm>
+            <a:off x="507365" y="5841365"/>
+            <a:ext cx="11343640" cy="368300"/>
+          </a:xfrm>
+          <a:prstGeom prst="rect">
+            <a:avLst/>
+          </a:prstGeom>
+          <a:noFill/>
+        </p:spPr>
+        <p:txBody>
+          <a:bodyPr wrap="square" rtlCol="0" anchor="t">
+            <a:spAutoFit/>
+          </a:bodyPr>
+          <a:p>
+            <a:r>
+              <a:rPr lang="en-US" altLang="en-US"/>
+              <a:t>https://www.datacamp.com/tutorial/explainable-ai-understanding-and-trusting-machine-learning-models</a:t>
+            </a:r>
+            <a:endParaRPr lang="en-US"/>
+          </a:p>
+        </p:txBody>
+      </p:sp>
+      <p:sp>
+        <p:nvSpPr>
+          <p:cNvPr id="5" name="Text Box 4"/>
+          <p:cNvSpPr txBox="1"/>
+          <p:nvPr/>
+        </p:nvSpPr>
+        <p:spPr>
+          <a:xfrm>
+            <a:off x="601345" y="5473065"/>
+            <a:ext cx="6096000" cy="368300"/>
+          </a:xfrm>
+          <a:prstGeom prst="rect">
+            <a:avLst/>
+          </a:prstGeom>
+          <a:noFill/>
+        </p:spPr>
+        <p:txBody>
+          <a:bodyPr wrap="square" rtlCol="0" anchor="t">
+            <a:spAutoFit/>
+          </a:bodyPr>
+          <a:p>
+            <a:r>
+              <a:rPr lang="en-US" altLang="en-US"/>
+              <a:t>https://viso.ai/deep-learning/explainable-ai/</a:t>
+            </a:r>
+            <a:endParaRPr lang="en-US"/>
+          </a:p>
+        </p:txBody>
+      </p:sp>
+      <p:sp>
+        <p:nvSpPr>
+          <p:cNvPr id="6" name="Text Box 5"/>
+          <p:cNvSpPr txBox="1"/>
+          <p:nvPr/>
+        </p:nvSpPr>
+        <p:spPr>
+          <a:xfrm>
+            <a:off x="601345" y="6092190"/>
+            <a:ext cx="9441815" cy="368300"/>
+          </a:xfrm>
+          <a:prstGeom prst="rect">
+            <a:avLst/>
+          </a:prstGeom>
+          <a:noFill/>
+        </p:spPr>
+        <p:txBody>
+          <a:bodyPr wrap="square" rtlCol="0" anchor="t">
+            <a:spAutoFit/>
+          </a:bodyPr>
+          <a:p>
+            <a:r>
+              <a:rPr lang="en-US" altLang="en-US"/>
+              <a:t>https://cloud.google.com/vertex-ai/docs/explainable-ai/overview</a:t>
+            </a:r>
+            <a:endParaRPr lang="en-US"/>
+          </a:p>
+        </p:txBody>
+      </p:sp>
+      <p:sp>
+        <p:nvSpPr>
+          <p:cNvPr id="7" name="Text Box 6"/>
+          <p:cNvSpPr txBox="1"/>
+          <p:nvPr/>
+        </p:nvSpPr>
+        <p:spPr>
+          <a:xfrm>
+            <a:off x="507365" y="6437630"/>
+            <a:ext cx="10706100" cy="368300"/>
+          </a:xfrm>
+          <a:prstGeom prst="rect">
+            <a:avLst/>
+          </a:prstGeom>
+          <a:noFill/>
+        </p:spPr>
+        <p:txBody>
+          <a:bodyPr wrap="square" rtlCol="0" anchor="t">
+            <a:spAutoFit/>
+          </a:bodyPr>
+          <a:p>
+            <a:r>
+              <a:rPr lang="en-US" altLang="en-US"/>
+              <a:t>https://www.comet.com/site/blog/explainability-in-ai-and-machine-learning-systems-an-overview/</a:t>
+            </a:r>
+            <a:endParaRPr lang="en-US"/>
+          </a:p>
+        </p:txBody>
+      </p:sp>
+    </p:spTree>
+  </p:cSld>
+  <p:clrMapOvr>
+    <a:masterClrMapping/>
+  </p:clrMapOvr>
+</p:sld>
+</file>
+
+<file path=ppt/slides/slide31.xml><?xml version="1.0" encoding="utf-8"?>
+<p:sld xmlns:a="http://schemas.openxmlformats.org/drawingml/2006/main" xmlns:r="http://schemas.openxmlformats.org/officeDocument/2006/relationships" xmlns:p="http://schemas.openxmlformats.org/presentationml/2006/main">
+  <p:cSld>
+    <p:spTree>
+      <p:nvGrpSpPr>
+        <p:cNvPr id="1" name=""/>
+        <p:cNvGrpSpPr/>
+        <p:nvPr/>
+      </p:nvGrpSpPr>
+      <p:grpSpPr/>
+      <p:sp>
+        <p:nvSpPr>
+          <p:cNvPr id="2" name="Text Box 1"/>
+          <p:cNvSpPr txBox="1"/>
+          <p:nvPr/>
+        </p:nvSpPr>
+        <p:spPr>
+          <a:xfrm>
+            <a:off x="571500" y="490855"/>
+            <a:ext cx="11320780" cy="6000750"/>
+          </a:xfrm>
+          <a:prstGeom prst="rect">
+            <a:avLst/>
+          </a:prstGeom>
+        </p:spPr>
+        <p:txBody>
+          <a:bodyPr wrap="square">
+            <a:spAutoFit/>
+          </a:bodyPr>
+          <a:p>
+            <a:pPr marL="0" indent="0">
+              <a:spcBef>
+                <a:spcPct val="0"/>
+              </a:spcBef>
+              <a:spcAft>
+                <a:spcPts val="1000"/>
+              </a:spcAft>
+            </a:pPr>
+            <a:r>
+              <a:rPr sz="1600" b="0" i="0">
+                <a:solidFill>
+                  <a:srgbClr val="001D35"/>
+                </a:solidFill>
+                <a:latin typeface="Arial" panose="020B0604020202020204" pitchFamily="34" charset="0"/>
+                <a:ea typeface="Google Sans"/>
+                <a:cs typeface="Arial" panose="020B0604020202020204" pitchFamily="34" charset="0"/>
+              </a:rPr>
+              <a:t>Explainable AI (XAI) helps humans understand and trust AI model outputs, especially important for generative AI models which can produce complex, potentially opaque outputs. XAI aims to make these models more transparent, allowing users to assess reliability, identify biases, and improve performance. </a:t>
+            </a:r>
+            <a:endParaRPr sz="1600" b="0" i="0">
+              <a:solidFill>
+                <a:srgbClr val="001D35"/>
+              </a:solidFill>
+              <a:latin typeface="Arial" panose="020B0604020202020204" pitchFamily="34" charset="0"/>
+              <a:ea typeface="Google Sans"/>
+              <a:cs typeface="Arial" panose="020B0604020202020204" pitchFamily="34" charset="0"/>
+            </a:endParaRPr>
+          </a:p>
+          <a:p>
+            <a:pPr marL="0" indent="0">
+              <a:spcBef>
+                <a:spcPts val="500"/>
+              </a:spcBef>
+              <a:spcAft>
+                <a:spcPts val="1000"/>
+              </a:spcAft>
+            </a:pPr>
+            <a:r>
+              <a:rPr sz="1600" b="0" i="0">
+                <a:solidFill>
+                  <a:srgbClr val="001D35"/>
+                </a:solidFill>
+                <a:latin typeface="Arial" panose="020B0604020202020204" pitchFamily="34" charset="0"/>
+                <a:ea typeface="Google Sans"/>
+                <a:cs typeface="Arial" panose="020B0604020202020204" pitchFamily="34" charset="0"/>
+              </a:rPr>
+              <a:t>Here's a more detailed explanation:</a:t>
+            </a:r>
+            <a:endParaRPr sz="1600" b="0" i="0">
+              <a:solidFill>
+                <a:srgbClr val="001D35"/>
+              </a:solidFill>
+              <a:latin typeface="Arial" panose="020B0604020202020204" pitchFamily="34" charset="0"/>
+              <a:ea typeface="Google Sans"/>
+              <a:cs typeface="Arial" panose="020B0604020202020204" pitchFamily="34" charset="0"/>
+            </a:endParaRPr>
+          </a:p>
+          <a:p>
+            <a:pPr marL="0" indent="0">
+              <a:spcBef>
+                <a:spcPts val="1000"/>
+              </a:spcBef>
+              <a:spcAft>
+                <a:spcPts val="500"/>
+              </a:spcAft>
+            </a:pPr>
+            <a:r>
+              <a:rPr sz="1600" b="0" i="0">
+                <a:solidFill>
+                  <a:srgbClr val="001D35"/>
+                </a:solidFill>
+                <a:latin typeface="Arial" panose="020B0604020202020204" pitchFamily="34" charset="0"/>
+                <a:ea typeface="Google Sans"/>
+                <a:cs typeface="Arial" panose="020B0604020202020204" pitchFamily="34" charset="0"/>
+              </a:rPr>
+              <a:t>What is Explainable AI (XAI)?</a:t>
+            </a:r>
+            <a:endParaRPr sz="1600" b="0" i="0">
+              <a:solidFill>
+                <a:srgbClr val="001D35"/>
+              </a:solidFill>
+              <a:latin typeface="Arial" panose="020B0604020202020204" pitchFamily="34" charset="0"/>
+              <a:ea typeface="Google Sans"/>
+              <a:cs typeface="Arial" panose="020B0604020202020204" pitchFamily="34" charset="0"/>
+            </a:endParaRPr>
+          </a:p>
+          <a:p>
+            <a:pPr marL="0" indent="0">
+              <a:spcBef>
+                <a:spcPct val="0"/>
+              </a:spcBef>
+              <a:spcAft>
+                <a:spcPts val="400"/>
+              </a:spcAft>
+              <a:buFont typeface="Arial" panose="020B0604020202020204"/>
+              <a:buChar char="•"/>
+            </a:pPr>
+            <a:r>
+              <a:rPr sz="1600" b="0" i="0">
+                <a:solidFill>
+                  <a:srgbClr val="001D35"/>
+                </a:solidFill>
+                <a:latin typeface="Arial" panose="020B0604020202020204" pitchFamily="34" charset="0"/>
+                <a:ea typeface="Google Sans"/>
+                <a:cs typeface="Arial" panose="020B0604020202020204" pitchFamily="34" charset="0"/>
+              </a:rPr>
+              <a:t>Transparency and Trust:</a:t>
+            </a:r>
+            <a:endParaRPr sz="1600" b="0" i="0">
+              <a:solidFill>
+                <a:srgbClr val="001D35"/>
+              </a:solidFill>
+              <a:latin typeface="Arial" panose="020B0604020202020204" pitchFamily="34" charset="0"/>
+              <a:ea typeface="Google Sans"/>
+              <a:cs typeface="Arial" panose="020B0604020202020204" pitchFamily="34" charset="0"/>
+            </a:endParaRPr>
+          </a:p>
+          <a:p>
+            <a:pPr marL="0" indent="0">
+              <a:spcBef>
+                <a:spcPct val="0"/>
+              </a:spcBef>
+              <a:spcAft>
+                <a:spcPts val="400"/>
+              </a:spcAft>
+            </a:pPr>
+            <a:r>
+              <a:rPr sz="1600" b="0" i="0">
+                <a:solidFill>
+                  <a:srgbClr val="001D35"/>
+                </a:solidFill>
+                <a:latin typeface="Arial" panose="020B0604020202020204" pitchFamily="34" charset="0"/>
+                <a:ea typeface="Google Sans"/>
+                <a:cs typeface="Arial" panose="020B0604020202020204" pitchFamily="34" charset="0"/>
+              </a:rPr>
+              <a:t>XAI focuses on making AI models and their decisions understandable to humans, fostering trust and confidence in their outputs. </a:t>
+            </a:r>
+            <a:endParaRPr sz="1600" b="0" i="0">
+              <a:solidFill>
+                <a:srgbClr val="001D35"/>
+              </a:solidFill>
+              <a:latin typeface="Arial" panose="020B0604020202020204" pitchFamily="34" charset="0"/>
+              <a:ea typeface="Google Sans"/>
+              <a:cs typeface="Arial" panose="020B0604020202020204" pitchFamily="34" charset="0"/>
+            </a:endParaRPr>
+          </a:p>
+          <a:p>
+            <a:pPr marL="0" indent="0">
+              <a:spcBef>
+                <a:spcPct val="0"/>
+              </a:spcBef>
+              <a:spcAft>
+                <a:spcPts val="400"/>
+              </a:spcAft>
+              <a:buFont typeface="Arial" panose="020B0604020202020204"/>
+              <a:buChar char="•"/>
+            </a:pPr>
+            <a:r>
+              <a:rPr sz="1600" b="0" i="0">
+                <a:solidFill>
+                  <a:srgbClr val="001D35"/>
+                </a:solidFill>
+                <a:latin typeface="Arial" panose="020B0604020202020204" pitchFamily="34" charset="0"/>
+                <a:ea typeface="Google Sans"/>
+                <a:cs typeface="Arial" panose="020B0604020202020204" pitchFamily="34" charset="0"/>
+              </a:rPr>
+              <a:t>Addressing "Black Box" AI:</a:t>
+            </a:r>
+            <a:endParaRPr sz="1600" b="0" i="0">
+              <a:solidFill>
+                <a:srgbClr val="001D35"/>
+              </a:solidFill>
+              <a:latin typeface="Arial" panose="020B0604020202020204" pitchFamily="34" charset="0"/>
+              <a:ea typeface="Google Sans"/>
+              <a:cs typeface="Arial" panose="020B0604020202020204" pitchFamily="34" charset="0"/>
+            </a:endParaRPr>
+          </a:p>
+          <a:p>
+            <a:pPr marL="0" indent="0">
+              <a:spcBef>
+                <a:spcPct val="0"/>
+              </a:spcBef>
+              <a:spcAft>
+                <a:spcPts val="400"/>
+              </a:spcAft>
+            </a:pPr>
+            <a:r>
+              <a:rPr sz="1600" b="0" i="0">
+                <a:solidFill>
+                  <a:srgbClr val="001D35"/>
+                </a:solidFill>
+                <a:latin typeface="Arial" panose="020B0604020202020204" pitchFamily="34" charset="0"/>
+                <a:ea typeface="Google Sans"/>
+                <a:cs typeface="Arial" panose="020B0604020202020204" pitchFamily="34" charset="0"/>
+              </a:rPr>
+              <a:t>Generative AI models, like deep neural networks, can be complex and difficult to interpret, often referred to as "black boxes". XAI aims to "open the hood" and reveal how these models arrive at their conclusions. </a:t>
+            </a:r>
+            <a:endParaRPr sz="1600" b="0" i="0">
+              <a:solidFill>
+                <a:srgbClr val="001D35"/>
+              </a:solidFill>
+              <a:latin typeface="Arial" panose="020B0604020202020204" pitchFamily="34" charset="0"/>
+              <a:ea typeface="Google Sans"/>
+              <a:cs typeface="Arial" panose="020B0604020202020204" pitchFamily="34" charset="0"/>
+            </a:endParaRPr>
+          </a:p>
+          <a:p>
+            <a:pPr marL="0" indent="0">
+              <a:spcBef>
+                <a:spcPct val="0"/>
+              </a:spcBef>
+              <a:spcAft>
+                <a:spcPts val="400"/>
+              </a:spcAft>
+              <a:buFont typeface="Arial" panose="020B0604020202020204"/>
+              <a:buChar char="•"/>
+            </a:pPr>
+            <a:r>
+              <a:rPr sz="1600" b="0" i="0">
+                <a:solidFill>
+                  <a:srgbClr val="001D35"/>
+                </a:solidFill>
+                <a:latin typeface="Arial" panose="020B0604020202020204" pitchFamily="34" charset="0"/>
+                <a:ea typeface="Google Sans"/>
+                <a:cs typeface="Arial" panose="020B0604020202020204" pitchFamily="34" charset="0"/>
+              </a:rPr>
+              <a:t>Benefits of XAI:</a:t>
+            </a:r>
+            <a:endParaRPr sz="1600" b="0" i="0">
+              <a:solidFill>
+                <a:srgbClr val="001D35"/>
+              </a:solidFill>
+              <a:latin typeface="Arial" panose="020B0604020202020204" pitchFamily="34" charset="0"/>
+              <a:ea typeface="Google Sans"/>
+              <a:cs typeface="Arial" panose="020B0604020202020204" pitchFamily="34" charset="0"/>
+            </a:endParaRPr>
+          </a:p>
+          <a:p>
+            <a:pPr marL="0" lvl="1" indent="0">
+              <a:spcBef>
+                <a:spcPts val="400"/>
+              </a:spcBef>
+              <a:spcAft>
+                <a:spcPts val="400"/>
+              </a:spcAft>
+              <a:buFont typeface="Arial" panose="020B0604020202020204"/>
+              <a:buChar char="◦"/>
+            </a:pPr>
+            <a:r>
+              <a:rPr sz="1600" b="0" i="0">
+                <a:solidFill>
+                  <a:srgbClr val="001D35"/>
+                </a:solidFill>
+                <a:latin typeface="Arial" panose="020B0604020202020204" pitchFamily="34" charset="0"/>
+                <a:ea typeface="Google Sans"/>
+                <a:cs typeface="Arial" panose="020B0604020202020204" pitchFamily="34" charset="0"/>
+              </a:rPr>
+              <a:t>Assess Reliability: Understanding how a model reaches its conclusions allows users to determine if it's making accurate and consistent decisions. </a:t>
+            </a:r>
+            <a:endParaRPr sz="1600" b="0" i="0">
+              <a:solidFill>
+                <a:srgbClr val="001D35"/>
+              </a:solidFill>
+              <a:latin typeface="Arial" panose="020B0604020202020204" pitchFamily="34" charset="0"/>
+              <a:ea typeface="Google Sans"/>
+              <a:cs typeface="Arial" panose="020B0604020202020204" pitchFamily="34" charset="0"/>
+            </a:endParaRPr>
+          </a:p>
+          <a:p>
+            <a:pPr marL="0" lvl="1" indent="0">
+              <a:spcBef>
+                <a:spcPts val="400"/>
+              </a:spcBef>
+              <a:spcAft>
+                <a:spcPts val="400"/>
+              </a:spcAft>
+              <a:buFont typeface="Arial" panose="020B0604020202020204"/>
+              <a:buChar char="◦"/>
+            </a:pPr>
+            <a:r>
+              <a:rPr sz="1600" b="0" i="0">
+                <a:solidFill>
+                  <a:srgbClr val="001D35"/>
+                </a:solidFill>
+                <a:latin typeface="Arial" panose="020B0604020202020204" pitchFamily="34" charset="0"/>
+                <a:ea typeface="Google Sans"/>
+                <a:cs typeface="Arial" panose="020B0604020202020204" pitchFamily="34" charset="0"/>
+              </a:rPr>
+              <a:t>Identify Biases: XAI can help detect and mitigate potential biases in the model's outputs. </a:t>
+            </a:r>
+            <a:endParaRPr sz="1600" b="0" i="0">
+              <a:solidFill>
+                <a:srgbClr val="001D35"/>
+              </a:solidFill>
+              <a:latin typeface="Arial" panose="020B0604020202020204" pitchFamily="34" charset="0"/>
+              <a:ea typeface="Google Sans"/>
+              <a:cs typeface="Arial" panose="020B0604020202020204" pitchFamily="34" charset="0"/>
+            </a:endParaRPr>
+          </a:p>
+          <a:p>
+            <a:pPr marL="0" lvl="1" indent="0">
+              <a:spcBef>
+                <a:spcPts val="400"/>
+              </a:spcBef>
+              <a:spcAft>
+                <a:spcPts val="400"/>
+              </a:spcAft>
+              <a:buFont typeface="Arial" panose="020B0604020202020204"/>
+              <a:buChar char="◦"/>
+            </a:pPr>
+            <a:r>
+              <a:rPr sz="1600" b="0" i="0">
+                <a:solidFill>
+                  <a:srgbClr val="001D35"/>
+                </a:solidFill>
+                <a:latin typeface="Arial" panose="020B0604020202020204" pitchFamily="34" charset="0"/>
+                <a:ea typeface="Google Sans"/>
+                <a:cs typeface="Arial" panose="020B0604020202020204" pitchFamily="34" charset="0"/>
+              </a:rPr>
+              <a:t>Improve Model Performance: Insights from explanations can be used to refine model architecture and training data. </a:t>
+            </a:r>
+            <a:endParaRPr sz="1600" b="0" i="0">
+              <a:solidFill>
+                <a:srgbClr val="001D35"/>
+              </a:solidFill>
+              <a:latin typeface="Arial" panose="020B0604020202020204" pitchFamily="34" charset="0"/>
+              <a:ea typeface="Google Sans"/>
+              <a:cs typeface="Arial" panose="020B0604020202020204" pitchFamily="34" charset="0"/>
+            </a:endParaRPr>
+          </a:p>
+          <a:p>
+            <a:pPr marL="0" lvl="1" indent="0">
+              <a:spcBef>
+                <a:spcPts val="400"/>
+              </a:spcBef>
+              <a:spcAft>
+                <a:spcPts val="400"/>
+              </a:spcAft>
+              <a:buFont typeface="Arial" panose="020B0604020202020204"/>
+              <a:buChar char="◦"/>
+            </a:pPr>
+            <a:r>
+              <a:rPr sz="1600" b="0" i="0">
+                <a:solidFill>
+                  <a:srgbClr val="001D35"/>
+                </a:solidFill>
+                <a:latin typeface="Arial" panose="020B0604020202020204" pitchFamily="34" charset="0"/>
+                <a:ea typeface="Google Sans"/>
+                <a:cs typeface="Arial" panose="020B0604020202020204" pitchFamily="34" charset="0"/>
+              </a:rPr>
+              <a:t>Compliance with Regulations: XAI helps meet regulatory requirements for transparency and accountability in AI systems. </a:t>
+            </a:r>
+            <a:endParaRPr sz="1600" b="0" i="0">
+              <a:solidFill>
+                <a:srgbClr val="001D35"/>
+              </a:solidFill>
+              <a:latin typeface="Arial" panose="020B0604020202020204" pitchFamily="34" charset="0"/>
+              <a:ea typeface="Google Sans"/>
+              <a:cs typeface="Arial" panose="020B0604020202020204" pitchFamily="34" charset="0"/>
+            </a:endParaRPr>
+          </a:p>
+          <a:p>
+            <a:pPr marL="0" lvl="1" indent="0">
+              <a:spcBef>
+                <a:spcPts val="400"/>
+              </a:spcBef>
+              <a:spcAft>
+                <a:spcPct val="0"/>
+              </a:spcAft>
+              <a:buFont typeface="Arial" panose="020B0604020202020204"/>
+              <a:buChar char="◦"/>
+            </a:pPr>
+            <a:r>
+              <a:rPr sz="1600" b="0" i="0">
+                <a:solidFill>
+                  <a:srgbClr val="001D35"/>
+                </a:solidFill>
+                <a:latin typeface="Arial" panose="020B0604020202020204" pitchFamily="34" charset="0"/>
+                <a:ea typeface="Google Sans"/>
+                <a:cs typeface="Arial" panose="020B0604020202020204" pitchFamily="34" charset="0"/>
+              </a:rPr>
+              <a:t>Human-Centered Design: XAI ensures that AI systems are not only technically sound but also ethically and legally robust, particularly in situations where such qualities are essential. </a:t>
+            </a:r>
+            <a:endParaRPr sz="1600" b="0" i="0">
+              <a:solidFill>
+                <a:srgbClr val="001D35"/>
+              </a:solidFill>
+              <a:latin typeface="Arial" panose="020B0604020202020204" pitchFamily="34" charset="0"/>
+              <a:ea typeface="Google Sans"/>
+              <a:cs typeface="Arial" panose="020B0604020202020204" pitchFamily="34" charset="0"/>
+            </a:endParaRPr>
+          </a:p>
+        </p:txBody>
+      </p:sp>
+    </p:spTree>
+  </p:cSld>
+  <p:clrMapOvr>
+    <a:masterClrMapping/>
+  </p:clrMapOvr>
+</p:sld>
+</file>
+
+<file path=ppt/slides/slide32.xml><?xml version="1.0" encoding="utf-8"?>
+<p:sld xmlns:a="http://schemas.openxmlformats.org/drawingml/2006/main" xmlns:r="http://schemas.openxmlformats.org/officeDocument/2006/relationships" xmlns:p="http://schemas.openxmlformats.org/presentationml/2006/main">
+  <p:cSld>
+    <p:spTree>
+      <p:nvGrpSpPr>
+        <p:cNvPr id="1" name=""/>
+        <p:cNvGrpSpPr/>
+        <p:nvPr/>
+      </p:nvGrpSpPr>
+      <p:grpSpPr/>
+      <p:sp>
+        <p:nvSpPr>
+          <p:cNvPr id="2" name="Text Box 1"/>
+          <p:cNvSpPr txBox="1"/>
+          <p:nvPr/>
+        </p:nvSpPr>
+        <p:spPr>
+          <a:xfrm>
+            <a:off x="74295" y="0"/>
+            <a:ext cx="11570970" cy="6798310"/>
+          </a:xfrm>
+          <a:prstGeom prst="rect">
+            <a:avLst/>
+          </a:prstGeom>
+        </p:spPr>
+        <p:txBody>
+          <a:bodyPr wrap="square">
+            <a:spAutoFit/>
+          </a:bodyPr>
+          <a:p>
+            <a:pPr marL="0" indent="0">
+              <a:spcBef>
+                <a:spcPct val="0"/>
+              </a:spcBef>
+              <a:spcAft>
+                <a:spcPct val="0"/>
+              </a:spcAft>
+              <a:buFont typeface="Arial" panose="020B0604020202020204"/>
+              <a:buChar char="•"/>
+            </a:pPr>
+            <a:r>
+              <a:rPr sz="2400" b="1" i="0">
+                <a:solidFill>
+                  <a:srgbClr val="002060"/>
+                </a:solidFill>
+                <a:effectLst>
+                  <a:outerShdw blurRad="38100" dist="38100" dir="2700000" algn="tl">
+                    <a:srgbClr val="000000">
+                      <a:alpha val="43137"/>
+                    </a:srgbClr>
+                  </a:outerShdw>
+                </a:effectLst>
+                <a:latin typeface="Arial" panose="020B0604020202020204" pitchFamily="34" charset="0"/>
+                <a:ea typeface="Google Sans"/>
+                <a:cs typeface="Arial" panose="020B0604020202020204" pitchFamily="34" charset="0"/>
+              </a:rPr>
+              <a:t>XAI Techniques:</a:t>
+            </a:r>
+            <a:endParaRPr sz="2400" b="1" i="0">
+              <a:solidFill>
+                <a:srgbClr val="002060"/>
+              </a:solidFill>
+              <a:effectLst>
+                <a:outerShdw blurRad="38100" dist="38100" dir="2700000" algn="tl">
+                  <a:srgbClr val="000000">
+                    <a:alpha val="43137"/>
+                  </a:srgbClr>
+                </a:outerShdw>
+              </a:effectLst>
+              <a:latin typeface="Arial" panose="020B0604020202020204" pitchFamily="34" charset="0"/>
+              <a:ea typeface="Google Sans"/>
+              <a:cs typeface="Arial" panose="020B0604020202020204" pitchFamily="34" charset="0"/>
+            </a:endParaRPr>
+          </a:p>
+          <a:p>
+            <a:pPr marL="0" lvl="1" indent="0">
+              <a:spcBef>
+                <a:spcPts val="400"/>
+              </a:spcBef>
+              <a:spcAft>
+                <a:spcPts val="400"/>
+              </a:spcAft>
+              <a:buFont typeface="Arial" panose="020B0604020202020204"/>
+              <a:buChar char="◦"/>
+            </a:pPr>
+            <a:r>
+              <a:rPr sz="1600" b="0" i="0">
+                <a:solidFill>
+                  <a:srgbClr val="001D35"/>
+                </a:solidFill>
+                <a:latin typeface="Arial" panose="020B0604020202020204" pitchFamily="34" charset="0"/>
+                <a:ea typeface="Google Sans"/>
+                <a:cs typeface="Arial" panose="020B0604020202020204" pitchFamily="34" charset="0"/>
+              </a:rPr>
+              <a:t>Feature-based explainability: Focuses on the importance of individual features in the model's predictions. </a:t>
+            </a:r>
+            <a:endParaRPr sz="1600" b="0" i="0">
+              <a:solidFill>
+                <a:srgbClr val="001D35"/>
+              </a:solidFill>
+              <a:latin typeface="Arial" panose="020B0604020202020204" pitchFamily="34" charset="0"/>
+              <a:ea typeface="Google Sans"/>
+              <a:cs typeface="Arial" panose="020B0604020202020204" pitchFamily="34" charset="0"/>
+            </a:endParaRPr>
+          </a:p>
+          <a:p>
+            <a:pPr marL="0" lvl="1" indent="0">
+              <a:spcBef>
+                <a:spcPts val="400"/>
+              </a:spcBef>
+              <a:spcAft>
+                <a:spcPts val="400"/>
+              </a:spcAft>
+              <a:buFont typeface="Arial" panose="020B0604020202020204"/>
+              <a:buChar char="◦"/>
+            </a:pPr>
+            <a:r>
+              <a:rPr sz="1600" b="0" i="0">
+                <a:solidFill>
+                  <a:srgbClr val="001D35"/>
+                </a:solidFill>
+                <a:latin typeface="Arial" panose="020B0604020202020204" pitchFamily="34" charset="0"/>
+                <a:ea typeface="Google Sans"/>
+                <a:cs typeface="Arial" panose="020B0604020202020204" pitchFamily="34" charset="0"/>
+              </a:rPr>
+              <a:t>Sample-based explainability: Uses representative samples to explain the model's behavior. </a:t>
+            </a:r>
+            <a:endParaRPr sz="1600" b="0" i="0">
+              <a:solidFill>
+                <a:srgbClr val="001D35"/>
+              </a:solidFill>
+              <a:latin typeface="Arial" panose="020B0604020202020204" pitchFamily="34" charset="0"/>
+              <a:ea typeface="Google Sans"/>
+              <a:cs typeface="Arial" panose="020B0604020202020204" pitchFamily="34" charset="0"/>
+            </a:endParaRPr>
+          </a:p>
+          <a:p>
+            <a:pPr marL="0" lvl="1" indent="0">
+              <a:spcBef>
+                <a:spcPts val="400"/>
+              </a:spcBef>
+              <a:spcAft>
+                <a:spcPts val="400"/>
+              </a:spcAft>
+              <a:buFont typeface="Arial" panose="020B0604020202020204"/>
+              <a:buChar char="◦"/>
+            </a:pPr>
+            <a:r>
+              <a:rPr sz="1600" b="0" i="0">
+                <a:solidFill>
+                  <a:srgbClr val="001D35"/>
+                </a:solidFill>
+                <a:latin typeface="Arial" panose="020B0604020202020204" pitchFamily="34" charset="0"/>
+                <a:ea typeface="Google Sans"/>
+                <a:cs typeface="Arial" panose="020B0604020202020204" pitchFamily="34" charset="0"/>
+              </a:rPr>
+              <a:t>Mechanistic approach: Examines the inner workings of the model itself. </a:t>
+            </a:r>
+            <a:endParaRPr sz="1600" b="0" i="0">
+              <a:solidFill>
+                <a:srgbClr val="001D35"/>
+              </a:solidFill>
+              <a:latin typeface="Arial" panose="020B0604020202020204" pitchFamily="34" charset="0"/>
+              <a:ea typeface="Google Sans"/>
+              <a:cs typeface="Arial" panose="020B0604020202020204" pitchFamily="34" charset="0"/>
+            </a:endParaRPr>
+          </a:p>
+          <a:p>
+            <a:pPr marL="0" lvl="1" indent="0">
+              <a:spcBef>
+                <a:spcPts val="400"/>
+              </a:spcBef>
+              <a:spcAft>
+                <a:spcPts val="400"/>
+              </a:spcAft>
+              <a:buFont typeface="Arial" panose="020B0604020202020204"/>
+              <a:buChar char="◦"/>
+            </a:pPr>
+            <a:r>
+              <a:rPr sz="1600" b="0" i="0">
+                <a:solidFill>
+                  <a:srgbClr val="001D35"/>
+                </a:solidFill>
+                <a:latin typeface="Arial" panose="020B0604020202020204" pitchFamily="34" charset="0"/>
+                <a:ea typeface="Google Sans"/>
+                <a:cs typeface="Arial" panose="020B0604020202020204" pitchFamily="34" charset="0"/>
+              </a:rPr>
+              <a:t>Probing-based explainability: Involves examining the model's responses to various inputs. </a:t>
+            </a:r>
+            <a:endParaRPr sz="1600" b="0" i="0">
+              <a:solidFill>
+                <a:srgbClr val="001D35"/>
+              </a:solidFill>
+              <a:latin typeface="Arial" panose="020B0604020202020204" pitchFamily="34" charset="0"/>
+              <a:ea typeface="Google Sans"/>
+              <a:cs typeface="Arial" panose="020B0604020202020204" pitchFamily="34" charset="0"/>
+            </a:endParaRPr>
+          </a:p>
+          <a:p>
+            <a:pPr marL="0" lvl="1" indent="0">
+              <a:spcBef>
+                <a:spcPts val="400"/>
+              </a:spcBef>
+              <a:spcAft>
+                <a:spcPts val="400"/>
+              </a:spcAft>
+              <a:buFont typeface="Arial" panose="020B0604020202020204"/>
+              <a:buChar char="◦"/>
+            </a:pPr>
+            <a:r>
+              <a:rPr sz="1600" b="0" i="0">
+                <a:solidFill>
+                  <a:srgbClr val="001D35"/>
+                </a:solidFill>
+                <a:latin typeface="Arial" panose="020B0604020202020204" pitchFamily="34" charset="0"/>
+                <a:ea typeface="Google Sans"/>
+                <a:cs typeface="Arial" panose="020B0604020202020204" pitchFamily="34" charset="0"/>
+              </a:rPr>
+              <a:t>Partial dependency plots: Show the marginal effect of an input feature on the predicted outcome. </a:t>
+            </a:r>
+            <a:endParaRPr sz="1600" b="0" i="0">
+              <a:solidFill>
+                <a:srgbClr val="001D35"/>
+              </a:solidFill>
+              <a:latin typeface="Arial" panose="020B0604020202020204" pitchFamily="34" charset="0"/>
+              <a:ea typeface="Google Sans"/>
+              <a:cs typeface="Arial" panose="020B0604020202020204" pitchFamily="34" charset="0"/>
+            </a:endParaRPr>
+          </a:p>
+          <a:p>
+            <a:pPr marL="0" lvl="1" indent="0">
+              <a:spcBef>
+                <a:spcPts val="400"/>
+              </a:spcBef>
+              <a:spcAft>
+                <a:spcPts val="400"/>
+              </a:spcAft>
+              <a:buFont typeface="Arial" panose="020B0604020202020204"/>
+              <a:buChar char="◦"/>
+            </a:pPr>
+            <a:r>
+              <a:rPr sz="1600" b="0" i="0">
+                <a:solidFill>
+                  <a:srgbClr val="001D35"/>
+                </a:solidFill>
+                <a:latin typeface="Arial" panose="020B0604020202020204" pitchFamily="34" charset="0"/>
+                <a:ea typeface="Google Sans"/>
+                <a:cs typeface="Arial" panose="020B0604020202020204" pitchFamily="34" charset="0"/>
+              </a:rPr>
+              <a:t>SHAP (SHapley Additive exPlanations): Enables visualization of the contribution of each input feature to the output. </a:t>
+            </a:r>
+            <a:endParaRPr sz="1600" b="0" i="0">
+              <a:solidFill>
+                <a:srgbClr val="001D35"/>
+              </a:solidFill>
+              <a:latin typeface="Arial" panose="020B0604020202020204" pitchFamily="34" charset="0"/>
+              <a:ea typeface="Google Sans"/>
+              <a:cs typeface="Arial" panose="020B0604020202020204" pitchFamily="34" charset="0"/>
+            </a:endParaRPr>
+          </a:p>
+          <a:p>
+            <a:pPr marL="0" lvl="1" indent="0">
+              <a:spcBef>
+                <a:spcPts val="400"/>
+              </a:spcBef>
+              <a:spcAft>
+                <a:spcPct val="0"/>
+              </a:spcAft>
+              <a:buFont typeface="Arial" panose="020B0604020202020204"/>
+              <a:buChar char="◦"/>
+            </a:pPr>
+            <a:r>
+              <a:rPr sz="1600" b="0" i="0">
+                <a:solidFill>
+                  <a:srgbClr val="001D35"/>
+                </a:solidFill>
+                <a:latin typeface="Arial" panose="020B0604020202020204" pitchFamily="34" charset="0"/>
+                <a:ea typeface="Google Sans"/>
+                <a:cs typeface="Arial" panose="020B0604020202020204" pitchFamily="34" charset="0"/>
+              </a:rPr>
+              <a:t>LIME (Local Interpretable Model-agnostic Explanations): Approximates locally a model's outputs with a simpler, interpretable model. </a:t>
+            </a:r>
+            <a:endParaRPr sz="1600" b="0" i="0">
+              <a:solidFill>
+                <a:srgbClr val="001D35"/>
+              </a:solidFill>
+              <a:latin typeface="Arial" panose="020B0604020202020204" pitchFamily="34" charset="0"/>
+              <a:ea typeface="Google Sans"/>
+              <a:cs typeface="Arial" panose="020B0604020202020204" pitchFamily="34" charset="0"/>
+            </a:endParaRPr>
+          </a:p>
+          <a:p>
+            <a:pPr marL="0" indent="0">
+              <a:spcBef>
+                <a:spcPts val="1000"/>
+              </a:spcBef>
+              <a:spcAft>
+                <a:spcPts val="500"/>
+              </a:spcAft>
+            </a:pPr>
+            <a:r>
+              <a:rPr sz="1600" b="0" i="0">
+                <a:solidFill>
+                  <a:srgbClr val="001D35"/>
+                </a:solidFill>
+                <a:latin typeface="Arial" panose="020B0604020202020204" pitchFamily="34" charset="0"/>
+                <a:ea typeface="Google Sans"/>
+                <a:cs typeface="Arial" panose="020B0604020202020204" pitchFamily="34" charset="0"/>
+              </a:rPr>
+              <a:t>Why is XAI Important for Generative AI?</a:t>
+            </a:r>
+            <a:endParaRPr sz="1600" b="0" i="0">
+              <a:solidFill>
+                <a:srgbClr val="001D35"/>
+              </a:solidFill>
+              <a:latin typeface="Arial" panose="020B0604020202020204" pitchFamily="34" charset="0"/>
+              <a:ea typeface="Google Sans"/>
+              <a:cs typeface="Arial" panose="020B0604020202020204" pitchFamily="34" charset="0"/>
+            </a:endParaRPr>
+          </a:p>
+          <a:p>
+            <a:pPr marL="0" indent="0">
+              <a:spcBef>
+                <a:spcPct val="0"/>
+              </a:spcBef>
+              <a:spcAft>
+                <a:spcPts val="400"/>
+              </a:spcAft>
+              <a:buFont typeface="Arial" panose="020B0604020202020204"/>
+              <a:buChar char="•"/>
+            </a:pPr>
+            <a:r>
+              <a:rPr sz="1600" b="0" i="0">
+                <a:solidFill>
+                  <a:srgbClr val="001D35"/>
+                </a:solidFill>
+                <a:latin typeface="Arial" panose="020B0604020202020204" pitchFamily="34" charset="0"/>
+                <a:ea typeface="Google Sans"/>
+                <a:cs typeface="Arial" panose="020B0604020202020204" pitchFamily="34" charset="0"/>
+              </a:rPr>
+              <a:t>Complex Outputs:</a:t>
+            </a:r>
+            <a:endParaRPr sz="1600" b="0" i="0">
+              <a:solidFill>
+                <a:srgbClr val="001D35"/>
+              </a:solidFill>
+              <a:latin typeface="Arial" panose="020B0604020202020204" pitchFamily="34" charset="0"/>
+              <a:ea typeface="Google Sans"/>
+              <a:cs typeface="Arial" panose="020B0604020202020204" pitchFamily="34" charset="0"/>
+            </a:endParaRPr>
+          </a:p>
+          <a:p>
+            <a:pPr marL="0" indent="0">
+              <a:spcBef>
+                <a:spcPct val="0"/>
+              </a:spcBef>
+              <a:spcAft>
+                <a:spcPts val="400"/>
+              </a:spcAft>
+            </a:pPr>
+            <a:r>
+              <a:rPr sz="1600" b="0" i="0">
+                <a:solidFill>
+                  <a:srgbClr val="001D35"/>
+                </a:solidFill>
+                <a:latin typeface="Arial" panose="020B0604020202020204" pitchFamily="34" charset="0"/>
+                <a:ea typeface="Google Sans"/>
+                <a:cs typeface="Arial" panose="020B0604020202020204" pitchFamily="34" charset="0"/>
+              </a:rPr>
+              <a:t>Generative AI models produce artifacts (e.g., images, text, code) rather than simple decisions, making explainability even more crucial. </a:t>
+            </a:r>
+            <a:endParaRPr sz="1600" b="0" i="0">
+              <a:solidFill>
+                <a:srgbClr val="001D35"/>
+              </a:solidFill>
+              <a:latin typeface="Arial" panose="020B0604020202020204" pitchFamily="34" charset="0"/>
+              <a:ea typeface="Google Sans"/>
+              <a:cs typeface="Arial" panose="020B0604020202020204" pitchFamily="34" charset="0"/>
+            </a:endParaRPr>
+          </a:p>
+          <a:p>
+            <a:pPr marL="0" indent="0">
+              <a:spcBef>
+                <a:spcPct val="0"/>
+              </a:spcBef>
+              <a:spcAft>
+                <a:spcPts val="400"/>
+              </a:spcAft>
+              <a:buFont typeface="Arial" panose="020B0604020202020204"/>
+              <a:buChar char="•"/>
+            </a:pPr>
+            <a:r>
+              <a:rPr sz="1600" b="0" i="0">
+                <a:solidFill>
+                  <a:srgbClr val="001D35"/>
+                </a:solidFill>
+                <a:latin typeface="Arial" panose="020B0604020202020204" pitchFamily="34" charset="0"/>
+                <a:ea typeface="Google Sans"/>
+                <a:cs typeface="Arial" panose="020B0604020202020204" pitchFamily="34" charset="0"/>
+              </a:rPr>
+              <a:t>Trust and Adoption:</a:t>
+            </a:r>
+            <a:endParaRPr sz="1600" b="0" i="0">
+              <a:solidFill>
+                <a:srgbClr val="001D35"/>
+              </a:solidFill>
+              <a:latin typeface="Arial" panose="020B0604020202020204" pitchFamily="34" charset="0"/>
+              <a:ea typeface="Google Sans"/>
+              <a:cs typeface="Arial" panose="020B0604020202020204" pitchFamily="34" charset="0"/>
+            </a:endParaRPr>
+          </a:p>
+          <a:p>
+            <a:pPr marL="0" indent="0">
+              <a:spcBef>
+                <a:spcPct val="0"/>
+              </a:spcBef>
+              <a:spcAft>
+                <a:spcPts val="400"/>
+              </a:spcAft>
+            </a:pPr>
+            <a:r>
+              <a:rPr sz="1600" b="0" i="0">
+                <a:solidFill>
+                  <a:srgbClr val="001D35"/>
+                </a:solidFill>
+                <a:latin typeface="Arial" panose="020B0604020202020204" pitchFamily="34" charset="0"/>
+                <a:ea typeface="Google Sans"/>
+                <a:cs typeface="Arial" panose="020B0604020202020204" pitchFamily="34" charset="0"/>
+              </a:rPr>
+              <a:t>As generative AI technologies mature and are applied to more critical domains, explainability becomes essential for fostering trust and ensuring responsible deployment. </a:t>
+            </a:r>
+            <a:endParaRPr sz="1600" b="0" i="0">
+              <a:solidFill>
+                <a:srgbClr val="001D35"/>
+              </a:solidFill>
+              <a:latin typeface="Arial" panose="020B0604020202020204" pitchFamily="34" charset="0"/>
+              <a:ea typeface="Google Sans"/>
+              <a:cs typeface="Arial" panose="020B0604020202020204" pitchFamily="34" charset="0"/>
+            </a:endParaRPr>
+          </a:p>
+          <a:p>
+            <a:pPr marL="0" indent="0">
+              <a:spcBef>
+                <a:spcPct val="0"/>
+              </a:spcBef>
+              <a:spcAft>
+                <a:spcPts val="400"/>
+              </a:spcAft>
+              <a:buFont typeface="Arial" panose="020B0604020202020204"/>
+              <a:buChar char="•"/>
+            </a:pPr>
+            <a:r>
+              <a:rPr sz="1600" b="0" i="0">
+                <a:solidFill>
+                  <a:srgbClr val="001D35"/>
+                </a:solidFill>
+                <a:latin typeface="Arial" panose="020B0604020202020204" pitchFamily="34" charset="0"/>
+                <a:ea typeface="Google Sans"/>
+                <a:cs typeface="Arial" panose="020B0604020202020204" pitchFamily="34" charset="0"/>
+              </a:rPr>
+              <a:t>Ethical Considerations:</a:t>
+            </a:r>
+            <a:endParaRPr sz="1600" b="0" i="0">
+              <a:solidFill>
+                <a:srgbClr val="001D35"/>
+              </a:solidFill>
+              <a:latin typeface="Arial" panose="020B0604020202020204" pitchFamily="34" charset="0"/>
+              <a:ea typeface="Google Sans"/>
+              <a:cs typeface="Arial" panose="020B0604020202020204" pitchFamily="34" charset="0"/>
+            </a:endParaRPr>
+          </a:p>
+          <a:p>
+            <a:pPr marL="0" indent="0">
+              <a:spcBef>
+                <a:spcPct val="0"/>
+              </a:spcBef>
+              <a:spcAft>
+                <a:spcPts val="400"/>
+              </a:spcAft>
+            </a:pPr>
+            <a:r>
+              <a:rPr sz="1600" b="0" i="0">
+                <a:solidFill>
+                  <a:srgbClr val="001D35"/>
+                </a:solidFill>
+                <a:latin typeface="Arial" panose="020B0604020202020204" pitchFamily="34" charset="0"/>
+                <a:ea typeface="Google Sans"/>
+                <a:cs typeface="Arial" panose="020B0604020202020204" pitchFamily="34" charset="0"/>
+              </a:rPr>
+              <a:t>XAI helps ensure that generative AI systems are aligned with human values and ethics, addressing potential biases and unintended consequences. </a:t>
+            </a:r>
+            <a:endParaRPr sz="1600" b="0" i="0">
+              <a:solidFill>
+                <a:srgbClr val="001D35"/>
+              </a:solidFill>
+              <a:latin typeface="Arial" panose="020B0604020202020204" pitchFamily="34" charset="0"/>
+              <a:ea typeface="Google Sans"/>
+              <a:cs typeface="Arial" panose="020B0604020202020204" pitchFamily="34" charset="0"/>
+            </a:endParaRPr>
+          </a:p>
+          <a:p>
+            <a:pPr marL="0" indent="0">
+              <a:spcBef>
+                <a:spcPct val="0"/>
+              </a:spcBef>
+              <a:spcAft>
+                <a:spcPct val="0"/>
+              </a:spcAft>
+              <a:buFont typeface="Arial" panose="020B0604020202020204"/>
+              <a:buChar char="•"/>
+            </a:pPr>
+            <a:r>
+              <a:rPr sz="1600" b="0" i="0">
+                <a:solidFill>
+                  <a:srgbClr val="001D35"/>
+                </a:solidFill>
+                <a:latin typeface="Arial" panose="020B0604020202020204" pitchFamily="34" charset="0"/>
+                <a:ea typeface="Google Sans"/>
+                <a:cs typeface="Arial" panose="020B0604020202020204" pitchFamily="34" charset="0"/>
+              </a:rPr>
+              <a:t>Verifiability and Validation:</a:t>
+            </a:r>
+            <a:endParaRPr sz="1600" b="0" i="0">
+              <a:solidFill>
+                <a:srgbClr val="001D35"/>
+              </a:solidFill>
+              <a:latin typeface="Arial" panose="020B0604020202020204" pitchFamily="34" charset="0"/>
+              <a:ea typeface="Google Sans"/>
+              <a:cs typeface="Arial" panose="020B0604020202020204" pitchFamily="34" charset="0"/>
+            </a:endParaRPr>
+          </a:p>
+          <a:p>
+            <a:pPr marL="0" indent="0">
+              <a:spcBef>
+                <a:spcPct val="0"/>
+              </a:spcBef>
+              <a:spcAft>
+                <a:spcPct val="0"/>
+              </a:spcAft>
+            </a:pPr>
+            <a:r>
+              <a:rPr sz="1600" b="0" i="0">
+                <a:solidFill>
+                  <a:srgbClr val="001D35"/>
+                </a:solidFill>
+                <a:latin typeface="Arial" panose="020B0604020202020204" pitchFamily="34" charset="0"/>
+                <a:ea typeface="Google Sans"/>
+                <a:cs typeface="Arial" panose="020B0604020202020204" pitchFamily="34" charset="0"/>
+              </a:rPr>
+              <a:t>XAI enables the constructive verification of both AI model outputs and human decisions/intuitions, thereby deepening our comprehension of data and phenomena. </a:t>
+            </a:r>
+            <a:endParaRPr sz="1600" b="0" i="0">
+              <a:solidFill>
+                <a:srgbClr val="001D35"/>
+              </a:solidFill>
+              <a:latin typeface="Arial" panose="020B0604020202020204" pitchFamily="34" charset="0"/>
+              <a:ea typeface="Google Sans"/>
+              <a:cs typeface="Arial" panose="020B0604020202020204" pitchFamily="34" charset="0"/>
+            </a:endParaRPr>
+          </a:p>
+        </p:txBody>
+      </p:sp>
+    </p:spTree>
+  </p:cSld>
+  <p:clrMapOvr>
+    <a:masterClrMapping/>
+  </p:clrMapOvr>
+</p:sld>
+</file>
+
+<file path=ppt/slides/slide33.xml><?xml version="1.0" encoding="utf-8"?>
+<p:sld xmlns:a="http://schemas.openxmlformats.org/drawingml/2006/main" xmlns:r="http://schemas.openxmlformats.org/officeDocument/2006/relationships" xmlns:p="http://schemas.openxmlformats.org/presentationml/2006/main">
+  <p:cSld>
+    <p:spTree>
+      <p:nvGrpSpPr>
+        <p:cNvPr id="1" name=""/>
+        <p:cNvGrpSpPr/>
+        <p:nvPr/>
+      </p:nvGrpSpPr>
+      <p:grpSpPr/>
+      <p:pic>
+        <p:nvPicPr>
+          <p:cNvPr id="9" name="Picture 8"/>
+          <p:cNvPicPr/>
+          <p:nvPr/>
+        </p:nvPicPr>
+        <p:blipFill>
+          <a:blip r:embed="rId1"/>
+          <a:stretch>
+            <a:fillRect/>
+          </a:stretch>
+        </p:blipFill>
+        <p:spPr>
+          <a:xfrm>
+            <a:off x="6520498" y="2869883"/>
+            <a:ext cx="5438775" cy="2867025"/>
+          </a:xfrm>
+          <a:prstGeom prst="rect">
+            <a:avLst/>
+          </a:prstGeom>
+        </p:spPr>
+      </p:pic>
+      <p:sp>
+        <p:nvSpPr>
+          <p:cNvPr id="2" name="Text Box 1"/>
+          <p:cNvSpPr txBox="1"/>
+          <p:nvPr/>
+        </p:nvSpPr>
+        <p:spPr>
+          <a:xfrm>
+            <a:off x="381635" y="377825"/>
+            <a:ext cx="8364220" cy="1348105"/>
+          </a:xfrm>
+          <a:prstGeom prst="rect">
+            <a:avLst/>
+          </a:prstGeom>
+          <a:noFill/>
+        </p:spPr>
+        <p:txBody>
+          <a:bodyPr wrap="square" rtlCol="0" anchor="t">
+            <a:spAutoFit/>
+          </a:bodyPr>
+          <a:p>
+            <a:pPr marL="0" indent="0" fontAlgn="base">
+              <a:spcBef>
+                <a:spcPct val="0"/>
+              </a:spcBef>
+              <a:spcAft>
+                <a:spcPts val="200"/>
+              </a:spcAft>
+            </a:pPr>
+            <a:r>
+              <a:rPr lang="en-IN" sz="4000" b="1">
+                <a:solidFill>
+                  <a:srgbClr val="FF0000"/>
+                </a:solidFill>
+                <a:effectLst>
+                  <a:outerShdw blurRad="38100" dist="38100" dir="2700000" algn="tl">
+                    <a:srgbClr val="000000">
+                      <a:alpha val="43137"/>
+                    </a:srgbClr>
+                  </a:outerShdw>
+                </a:effectLst>
+                <a:latin typeface="Georgia" panose="02040502050405020303"/>
+                <a:ea typeface="Georgia" panose="02040502050405020303"/>
+                <a:sym typeface="+mn-ea"/>
+              </a:rPr>
+              <a:t>HyperParameter tuning</a:t>
+            </a:r>
+            <a:endParaRPr lang="en-IN" sz="4000" b="1">
+              <a:solidFill>
+                <a:srgbClr val="FF0000"/>
+              </a:solidFill>
+              <a:effectLst>
+                <a:outerShdw blurRad="38100" dist="38100" dir="2700000" algn="tl">
+                  <a:srgbClr val="000000">
+                    <a:alpha val="43137"/>
+                  </a:srgbClr>
+                </a:outerShdw>
+              </a:effectLst>
+              <a:latin typeface="Georgia" panose="02040502050405020303"/>
+              <a:ea typeface="Georgia" panose="02040502050405020303"/>
+              <a:sym typeface="+mn-ea"/>
+            </a:endParaRPr>
+          </a:p>
+          <a:p>
+            <a:pPr marL="0" indent="0" fontAlgn="base">
+              <a:spcBef>
+                <a:spcPct val="0"/>
+              </a:spcBef>
+              <a:spcAft>
+                <a:spcPts val="200"/>
+              </a:spcAft>
+            </a:pPr>
+            <a:endParaRPr lang="en-IN" sz="4000" b="1">
+              <a:solidFill>
+                <a:srgbClr val="FF0000"/>
+              </a:solidFill>
+              <a:effectLst>
+                <a:outerShdw blurRad="38100" dist="38100" dir="2700000" algn="tl">
+                  <a:srgbClr val="000000">
+                    <a:alpha val="43137"/>
+                  </a:srgbClr>
+                </a:outerShdw>
+              </a:effectLst>
+              <a:latin typeface="Georgia" panose="02040502050405020303"/>
+              <a:ea typeface="Georgia" panose="02040502050405020303"/>
+              <a:sym typeface="+mn-ea"/>
+            </a:endParaRPr>
+          </a:p>
+        </p:txBody>
+      </p:sp>
+      <p:sp>
+        <p:nvSpPr>
+          <p:cNvPr id="3" name="Text Box 2"/>
+          <p:cNvSpPr txBox="1"/>
+          <p:nvPr/>
+        </p:nvSpPr>
+        <p:spPr>
+          <a:xfrm>
+            <a:off x="10010140" y="114300"/>
+            <a:ext cx="2029460" cy="645160"/>
+          </a:xfrm>
+          <a:prstGeom prst="rect">
+            <a:avLst/>
+          </a:prstGeom>
+          <a:noFill/>
+        </p:spPr>
+        <p:txBody>
+          <a:bodyPr wrap="square" rtlCol="0">
+            <a:spAutoFit/>
+          </a:bodyPr>
+          <a:p>
+            <a:r>
+              <a:rPr lang="en-IN" altLang="en-US"/>
+              <a:t>keras tunier --&gt;tf</a:t>
+            </a:r>
+            <a:endParaRPr lang="en-IN" altLang="en-US"/>
+          </a:p>
+          <a:p>
+            <a:r>
+              <a:rPr lang="en-IN" altLang="en-US"/>
+              <a:t>optima --&gt; pytorch</a:t>
+            </a:r>
+            <a:endParaRPr lang="en-IN" altLang="en-US"/>
+          </a:p>
+        </p:txBody>
+      </p:sp>
+      <p:sp>
+        <p:nvSpPr>
+          <p:cNvPr id="4" name="Text Box 3"/>
+          <p:cNvSpPr txBox="1"/>
+          <p:nvPr/>
+        </p:nvSpPr>
+        <p:spPr>
+          <a:xfrm>
+            <a:off x="527050" y="5573395"/>
+            <a:ext cx="9483090" cy="1198880"/>
+          </a:xfrm>
+          <a:prstGeom prst="rect">
+            <a:avLst/>
+          </a:prstGeom>
+          <a:noFill/>
+        </p:spPr>
+        <p:txBody>
+          <a:bodyPr wrap="square" rtlCol="0" anchor="t">
+            <a:spAutoFit/>
+          </a:bodyPr>
+          <a:p>
+            <a:r>
+              <a:rPr lang="en-US" altLang="en-US"/>
+              <a:t>https://www.geeksforgeeks.org/hyperparameter-tuning/</a:t>
+            </a:r>
+            <a:endParaRPr lang="en-US" altLang="en-US"/>
+          </a:p>
+          <a:p>
+            <a:r>
+              <a:rPr lang="en-US" altLang="en-US"/>
+              <a:t>https://www.scaler.com/topics/deep-learning/neural-network-hyperparameters-tuning/</a:t>
+            </a:r>
+            <a:endParaRPr lang="en-US" altLang="en-US"/>
+          </a:p>
+          <a:p>
+            <a:r>
+              <a:rPr lang="en-US" altLang="en-US"/>
+              <a:t>https://www.analyticsvidhya.com/blog/2021/05/tuning-the-hyperparameters-and-layers-of-neural-network-deep-learning/</a:t>
+            </a:r>
+            <a:endParaRPr lang="en-US" altLang="en-US"/>
+          </a:p>
+        </p:txBody>
+      </p:sp>
+      <p:sp>
+        <p:nvSpPr>
+          <p:cNvPr id="5" name="Text Box 4"/>
+          <p:cNvSpPr txBox="1"/>
+          <p:nvPr/>
+        </p:nvSpPr>
+        <p:spPr>
+          <a:xfrm>
+            <a:off x="628650" y="1079500"/>
+            <a:ext cx="10829290" cy="922020"/>
+          </a:xfrm>
+          <a:prstGeom prst="rect">
+            <a:avLst/>
+          </a:prstGeom>
+        </p:spPr>
+        <p:txBody>
+          <a:bodyPr wrap="square">
+            <a:spAutoFit/>
+          </a:bodyPr>
+          <a:p>
+            <a:pPr marL="0" indent="0"/>
+            <a:r>
+              <a:rPr b="0" i="0">
+                <a:solidFill>
+                  <a:srgbClr val="001D35"/>
+                </a:solidFill>
+                <a:latin typeface="Arial" panose="020B0604020202020204" pitchFamily="34" charset="0"/>
+                <a:ea typeface="Google Sans"/>
+                <a:cs typeface="Arial" panose="020B0604020202020204" pitchFamily="34" charset="0"/>
+              </a:rPr>
+              <a:t>Hyperparameter tuning in deep learning for generative AI involves </a:t>
+            </a:r>
+            <a:r>
+              <a:rPr>
+                <a:latin typeface="Arial" panose="020B0604020202020204" pitchFamily="34" charset="0"/>
+                <a:cs typeface="Arial" panose="020B0604020202020204" pitchFamily="34" charset="0"/>
+              </a:rPr>
+              <a:t>optimizing model parameters (like learning rate, batch size, and number of epochs) to improve performance and efficiency, using techniques like</a:t>
+            </a:r>
+            <a:r>
+              <a:rPr b="1">
+                <a:latin typeface="Arial" panose="020B0604020202020204" pitchFamily="34" charset="0"/>
+                <a:cs typeface="Arial" panose="020B0604020202020204" pitchFamily="34" charset="0"/>
+              </a:rPr>
+              <a:t> grid search, random search, or Bayesian optimization</a:t>
+            </a:r>
+            <a:endParaRPr b="1">
+              <a:latin typeface="Arial" panose="020B0604020202020204" pitchFamily="34" charset="0"/>
+              <a:cs typeface="Arial" panose="020B0604020202020204" pitchFamily="34" charset="0"/>
+            </a:endParaRPr>
+          </a:p>
+        </p:txBody>
+      </p:sp>
+      <p:graphicFrame>
+        <p:nvGraphicFramePr>
+          <p:cNvPr id="7" name="Table 6"/>
+          <p:cNvGraphicFramePr/>
+          <p:nvPr/>
+        </p:nvGraphicFramePr>
+        <p:xfrm>
+          <a:off x="800735" y="2237740"/>
+          <a:ext cx="10485120" cy="0"/>
+        </p:xfrm>
+        <a:graphic>
+          <a:graphicData uri="http://schemas.openxmlformats.org/drawingml/2006/table">
+            <a:tbl>
+              <a:tblPr/>
+              <a:tblGrid>
+                <a:gridCol w="5242560"/>
+                <a:gridCol w="5242560"/>
+              </a:tblGrid>
+              <a:tr h="0">
+                <a:tc>
+                  <a:txBody>
+                    <a:bodyPr/>
+                    <a:p>
+                      <a:pPr marL="0" indent="0"/>
+                      <a:r>
+                        <a:rPr sz="1100" b="1" i="0">
+                          <a:solidFill>
+                            <a:srgbClr val="555555"/>
+                          </a:solidFill>
+                          <a:latin typeface="Open Sans"/>
+                          <a:ea typeface="Open Sans"/>
+                        </a:rPr>
+                        <a:t>Model parameters</a:t>
+                      </a:r>
+                      <a:endParaRPr sz="1100" b="1" i="0">
+                        <a:solidFill>
+                          <a:srgbClr val="555555"/>
+                        </a:solidFill>
+                        <a:latin typeface="Open Sans"/>
+                        <a:ea typeface="Open Sans"/>
+                      </a:endParaRPr>
+                    </a:p>
+                  </a:txBody>
+                  <a:tcPr marL="78276" marR="78276" marT="114280" marB="114280" anchor="ctr" anchorCtr="0">
+                    <a:lnL w="6350" cap="flat" cmpd="sng">
+                      <a:solidFill>
+                        <a:srgbClr val="C1C7D0"/>
+                      </a:solidFill>
+                      <a:prstDash val="solid"/>
+                      <a:headEnd type="none" w="med" len="med"/>
+                      <a:tailEnd type="none" w="med" len="med"/>
+                    </a:lnL>
+                    <a:lnR w="6350" cap="flat" cmpd="sng">
+                      <a:solidFill>
+                        <a:srgbClr val="C1C7D0"/>
+                      </a:solidFill>
+                      <a:prstDash val="solid"/>
+                      <a:headEnd type="none" w="med" len="med"/>
+                      <a:tailEnd type="none" w="med" len="med"/>
+                    </a:lnR>
+                    <a:lnT w="6350" cap="flat" cmpd="sng">
+                      <a:solidFill>
+                        <a:srgbClr val="C1C7D0"/>
+                      </a:solidFill>
+                      <a:prstDash val="solid"/>
+                      <a:headEnd type="none" w="med" len="med"/>
+                      <a:tailEnd type="none" w="med" len="med"/>
+                    </a:lnT>
+                    <a:lnB w="6350" cap="flat" cmpd="sng">
+                      <a:solidFill>
+                        <a:srgbClr val="C1C7D0"/>
+                      </a:solidFill>
+                      <a:prstDash val="solid"/>
+                      <a:headEnd type="none" w="med" len="med"/>
+                      <a:tailEnd type="none" w="med" len="med"/>
+                    </a:lnB>
+                    <a:noFill/>
+                  </a:tcPr>
+                </a:tc>
+                <a:tc>
+                  <a:txBody>
+                    <a:bodyPr/>
+                    <a:p>
+                      <a:pPr marL="0" indent="0"/>
+                      <a:r>
+                        <a:rPr sz="1100" b="1" i="0">
+                          <a:solidFill>
+                            <a:srgbClr val="555555"/>
+                          </a:solidFill>
+                          <a:latin typeface="Open Sans"/>
+                          <a:ea typeface="Open Sans"/>
+                        </a:rPr>
+                        <a:t>Hyperparameters</a:t>
+                      </a:r>
+                      <a:endParaRPr sz="1100" b="1" i="0">
+                        <a:solidFill>
+                          <a:srgbClr val="555555"/>
+                        </a:solidFill>
+                        <a:latin typeface="Open Sans"/>
+                        <a:ea typeface="Open Sans"/>
+                      </a:endParaRPr>
+                    </a:p>
+                  </a:txBody>
+                  <a:tcPr marL="78276" marR="78276" marT="114280" marB="114280" anchor="ctr" anchorCtr="0">
+                    <a:lnL w="6350" cap="flat" cmpd="sng">
+                      <a:solidFill>
+                        <a:srgbClr val="C1C7D0"/>
+                      </a:solidFill>
+                      <a:prstDash val="solid"/>
+                      <a:headEnd type="none" w="med" len="med"/>
+                      <a:tailEnd type="none" w="med" len="med"/>
+                    </a:lnL>
+                    <a:lnR w="6350" cap="flat" cmpd="sng">
+                      <a:solidFill>
+                        <a:srgbClr val="C1C7D0"/>
+                      </a:solidFill>
+                      <a:prstDash val="solid"/>
+                      <a:headEnd type="none" w="med" len="med"/>
+                      <a:tailEnd type="none" w="med" len="med"/>
+                    </a:lnR>
+                    <a:lnT w="6350" cap="flat" cmpd="sng">
+                      <a:solidFill>
+                        <a:srgbClr val="C1C7D0"/>
+                      </a:solidFill>
+                      <a:prstDash val="solid"/>
+                      <a:headEnd type="none" w="med" len="med"/>
+                      <a:tailEnd type="none" w="med" len="med"/>
+                    </a:lnT>
+                    <a:lnB w="6350" cap="flat" cmpd="sng">
+                      <a:solidFill>
+                        <a:srgbClr val="C1C7D0"/>
+                      </a:solidFill>
+                      <a:prstDash val="solid"/>
+                      <a:headEnd type="none" w="med" len="med"/>
+                      <a:tailEnd type="none" w="med" len="med"/>
+                    </a:lnB>
+                    <a:noFill/>
+                  </a:tcPr>
+                </a:tc>
+              </a:tr>
+            </a:tbl>
+          </a:graphicData>
+        </a:graphic>
+      </p:graphicFrame>
+      <p:sp>
+        <p:nvSpPr>
+          <p:cNvPr id="8" name="Text Box 7"/>
+          <p:cNvSpPr txBox="1"/>
+          <p:nvPr/>
+        </p:nvSpPr>
+        <p:spPr>
+          <a:xfrm>
+            <a:off x="800735" y="2696845"/>
+            <a:ext cx="6096000" cy="368300"/>
+          </a:xfrm>
+          <a:prstGeom prst="rect">
+            <a:avLst/>
+          </a:prstGeom>
+          <a:noFill/>
+        </p:spPr>
+        <p:txBody>
+          <a:bodyPr wrap="square" rtlCol="0" anchor="t">
+            <a:spAutoFit/>
+          </a:bodyPr>
+          <a:p>
+            <a:r>
+              <a:rPr lang="en-US" altLang="en-US"/>
+              <a:t>https://www.leewayhertz.com/hyperparameter-tuning/</a:t>
+            </a:r>
+            <a:endParaRPr lang="en-US"/>
+          </a:p>
+        </p:txBody>
+      </p:sp>
+    </p:spTree>
+  </p:cSld>
+  <p:clrMapOvr>
+    <a:masterClrMapping/>
+  </p:clrMapOvr>
+</p:sld>
+</file>
+
+<file path=ppt/slides/slide34.xml><?xml version="1.0" encoding="utf-8"?>
+<p:sld xmlns:a="http://schemas.openxmlformats.org/drawingml/2006/main" xmlns:r="http://schemas.openxmlformats.org/officeDocument/2006/relationships" xmlns:p="http://schemas.openxmlformats.org/presentationml/2006/main">
+  <p:cSld>
+    <p:spTree>
+      <p:nvGrpSpPr>
+        <p:cNvPr id="1" name=""/>
+        <p:cNvGrpSpPr/>
+        <p:nvPr/>
+      </p:nvGrpSpPr>
+      <p:grpSpPr/>
+      <p:pic>
+        <p:nvPicPr>
+          <p:cNvPr id="6" name="Picture 5"/>
+          <p:cNvPicPr/>
+          <p:nvPr/>
+        </p:nvPicPr>
+        <p:blipFill>
+          <a:blip r:embed="rId1"/>
+          <a:srcRect b="6425"/>
+          <a:stretch>
+            <a:fillRect/>
+          </a:stretch>
+        </p:blipFill>
+        <p:spPr>
+          <a:xfrm>
+            <a:off x="412750" y="0"/>
+            <a:ext cx="11366500" cy="6417945"/>
+          </a:xfrm>
+          <a:prstGeom prst="rect">
+            <a:avLst/>
+          </a:prstGeom>
+        </p:spPr>
+      </p:pic>
+    </p:spTree>
+  </p:cSld>
+  <p:clrMapOvr>
+    <a:masterClrMapping/>
+  </p:clrMapOvr>
+</p:sld>
+</file>
+
+<file path=ppt/slides/slide35.xml><?xml version="1.0" encoding="utf-8"?>
+<p:sld xmlns:a="http://schemas.openxmlformats.org/drawingml/2006/main" xmlns:r="http://schemas.openxmlformats.org/officeDocument/2006/relationships" xmlns:p="http://schemas.openxmlformats.org/presentationml/2006/main">
+  <p:cSld>
+    <p:spTree>
+      <p:nvGrpSpPr>
+        <p:cNvPr id="1" name=""/>
+        <p:cNvGrpSpPr/>
+        <p:nvPr/>
+      </p:nvGrpSpPr>
+      <p:grpSpPr/>
+      <p:sp>
+        <p:nvSpPr>
+          <p:cNvPr id="2" name="Text Box 1"/>
+          <p:cNvSpPr txBox="1"/>
+          <p:nvPr/>
+        </p:nvSpPr>
+        <p:spPr>
+          <a:xfrm>
+            <a:off x="345440" y="217170"/>
+            <a:ext cx="5876925" cy="6475095"/>
+          </a:xfrm>
+          <a:prstGeom prst="rect">
+            <a:avLst/>
+          </a:prstGeom>
+        </p:spPr>
+        <p:txBody>
+          <a:bodyPr wrap="square">
+            <a:spAutoFit/>
+          </a:bodyPr>
+          <a:p>
+            <a:pPr marL="0" indent="0">
+              <a:spcBef>
+                <a:spcPts val="1000"/>
+              </a:spcBef>
+              <a:spcAft>
+                <a:spcPts val="500"/>
+              </a:spcAft>
+            </a:pPr>
+            <a:r>
+              <a:rPr sz="1600" b="1" i="0">
+                <a:solidFill>
+                  <a:srgbClr val="001D35"/>
+                </a:solidFill>
+                <a:latin typeface="Arial" panose="020B0604020202020204" pitchFamily="34" charset="0"/>
+                <a:ea typeface="Google Sans"/>
+                <a:cs typeface="Arial" panose="020B0604020202020204" pitchFamily="34" charset="0"/>
+              </a:rPr>
+              <a:t>What are Hyperparameters?</a:t>
+            </a:r>
+            <a:endParaRPr sz="1600" b="1" i="0">
+              <a:solidFill>
+                <a:srgbClr val="001D35"/>
+              </a:solidFill>
+              <a:latin typeface="Arial" panose="020B0604020202020204" pitchFamily="34" charset="0"/>
+              <a:ea typeface="Google Sans"/>
+              <a:cs typeface="Arial" panose="020B0604020202020204" pitchFamily="34" charset="0"/>
+            </a:endParaRPr>
+          </a:p>
+          <a:p>
+            <a:pPr marL="457200" lvl="1" indent="0">
+              <a:spcBef>
+                <a:spcPct val="0"/>
+              </a:spcBef>
+              <a:spcAft>
+                <a:spcPts val="400"/>
+              </a:spcAft>
+              <a:buFont typeface="Arial" panose="020B0604020202020204"/>
+              <a:buChar char="•"/>
+            </a:pPr>
+            <a:r>
+              <a:rPr sz="1600" b="0" i="0">
+                <a:solidFill>
+                  <a:srgbClr val="001D35"/>
+                </a:solidFill>
+                <a:latin typeface="Arial" panose="020B0604020202020204" pitchFamily="34" charset="0"/>
+                <a:ea typeface="Google Sans"/>
+                <a:cs typeface="Arial" panose="020B0604020202020204" pitchFamily="34" charset="0"/>
+              </a:rPr>
+              <a:t>Hyperparameters are settings that control the learning process of a machine learning model, but are not learned during training. </a:t>
+            </a:r>
+            <a:endParaRPr sz="1600" b="0" i="0">
+              <a:solidFill>
+                <a:srgbClr val="001D35"/>
+              </a:solidFill>
+              <a:latin typeface="Arial" panose="020B0604020202020204" pitchFamily="34" charset="0"/>
+              <a:ea typeface="Google Sans"/>
+              <a:cs typeface="Arial" panose="020B0604020202020204" pitchFamily="34" charset="0"/>
+            </a:endParaRPr>
+          </a:p>
+          <a:p>
+            <a:pPr marL="457200" lvl="1" indent="0">
+              <a:spcBef>
+                <a:spcPct val="0"/>
+              </a:spcBef>
+              <a:spcAft>
+                <a:spcPts val="400"/>
+              </a:spcAft>
+              <a:buFont typeface="Arial" panose="020B0604020202020204"/>
+              <a:buChar char="•"/>
+            </a:pPr>
+            <a:r>
+              <a:rPr sz="1600" b="0" i="0">
+                <a:solidFill>
+                  <a:srgbClr val="001D35"/>
+                </a:solidFill>
+                <a:latin typeface="Arial" panose="020B0604020202020204" pitchFamily="34" charset="0"/>
+                <a:ea typeface="Google Sans"/>
+                <a:cs typeface="Arial" panose="020B0604020202020204" pitchFamily="34" charset="0"/>
+              </a:rPr>
+              <a:t>They are set before the training begins and influence how the model learns from the data</a:t>
+            </a:r>
+            <a:endParaRPr sz="1600" b="0" i="0">
+              <a:solidFill>
+                <a:srgbClr val="001D35"/>
+              </a:solidFill>
+              <a:latin typeface="Arial" panose="020B0604020202020204" pitchFamily="34" charset="0"/>
+              <a:ea typeface="Google Sans"/>
+              <a:cs typeface="Arial" panose="020B0604020202020204" pitchFamily="34" charset="0"/>
+            </a:endParaRPr>
+          </a:p>
+          <a:p>
+            <a:pPr marL="457200" lvl="1" indent="0">
+              <a:spcBef>
+                <a:spcPct val="0"/>
+              </a:spcBef>
+              <a:spcAft>
+                <a:spcPts val="400"/>
+              </a:spcAft>
+              <a:buFont typeface="Arial" panose="020B0604020202020204"/>
+              <a:buChar char="•"/>
+            </a:pPr>
+            <a:r>
+              <a:rPr sz="1600" b="0" i="0">
+                <a:solidFill>
+                  <a:srgbClr val="001D35"/>
+                </a:solidFill>
+                <a:latin typeface="Arial" panose="020B0604020202020204" pitchFamily="34" charset="0"/>
+                <a:ea typeface="Google Sans"/>
+                <a:cs typeface="Arial" panose="020B0604020202020204" pitchFamily="34" charset="0"/>
+              </a:rPr>
+              <a:t>. </a:t>
+            </a:r>
+            <a:endParaRPr sz="1600" b="0" i="0">
+              <a:solidFill>
+                <a:srgbClr val="001D35"/>
+              </a:solidFill>
+              <a:latin typeface="Arial" panose="020B0604020202020204" pitchFamily="34" charset="0"/>
+              <a:ea typeface="Google Sans"/>
+              <a:cs typeface="Arial" panose="020B0604020202020204" pitchFamily="34" charset="0"/>
+            </a:endParaRPr>
+          </a:p>
+          <a:p>
+            <a:pPr marL="0" indent="0">
+              <a:spcBef>
+                <a:spcPct val="0"/>
+              </a:spcBef>
+              <a:spcAft>
+                <a:spcPct val="0"/>
+              </a:spcAft>
+              <a:buFont typeface="Arial" panose="020B0604020202020204"/>
+              <a:buChar char="•"/>
+            </a:pPr>
+            <a:r>
+              <a:rPr sz="1600" b="1" i="0">
+                <a:solidFill>
+                  <a:srgbClr val="001D35"/>
+                </a:solidFill>
+                <a:latin typeface="Arial" panose="020B0604020202020204" pitchFamily="34" charset="0"/>
+                <a:ea typeface="Google Sans"/>
+                <a:cs typeface="Arial" panose="020B0604020202020204" pitchFamily="34" charset="0"/>
+              </a:rPr>
+              <a:t>Examples of hyperparameters include:</a:t>
+            </a:r>
+            <a:endParaRPr sz="1600" b="1" i="0">
+              <a:solidFill>
+                <a:srgbClr val="001D35"/>
+              </a:solidFill>
+              <a:latin typeface="Arial" panose="020B0604020202020204" pitchFamily="34" charset="0"/>
+              <a:ea typeface="Google Sans"/>
+              <a:cs typeface="Arial" panose="020B0604020202020204" pitchFamily="34" charset="0"/>
+            </a:endParaRPr>
+          </a:p>
+          <a:p>
+            <a:pPr lvl="2" indent="0">
+              <a:spcBef>
+                <a:spcPct val="0"/>
+              </a:spcBef>
+              <a:spcAft>
+                <a:spcPts val="400"/>
+              </a:spcAft>
+              <a:buFont typeface="Arial" panose="020B0604020202020204"/>
+              <a:buChar char="◦"/>
+            </a:pPr>
+            <a:r>
+              <a:rPr sz="1600" b="0" i="0">
+                <a:solidFill>
+                  <a:srgbClr val="001D35"/>
+                </a:solidFill>
+                <a:latin typeface="Arial" panose="020B0604020202020204" pitchFamily="34" charset="0"/>
+                <a:ea typeface="Google Sans"/>
+                <a:cs typeface="Arial" panose="020B0604020202020204" pitchFamily="34" charset="0"/>
+              </a:rPr>
+              <a:t>Learning rate: Controls how much the model's parameters are adjusted during each training iteration. </a:t>
+            </a:r>
+            <a:endParaRPr sz="1600" b="0" i="0">
+              <a:solidFill>
+                <a:srgbClr val="001D35"/>
+              </a:solidFill>
+              <a:latin typeface="Arial" panose="020B0604020202020204" pitchFamily="34" charset="0"/>
+              <a:ea typeface="Google Sans"/>
+              <a:cs typeface="Arial" panose="020B0604020202020204" pitchFamily="34" charset="0"/>
+            </a:endParaRPr>
+          </a:p>
+          <a:p>
+            <a:pPr lvl="2" indent="0">
+              <a:spcBef>
+                <a:spcPct val="0"/>
+              </a:spcBef>
+              <a:spcAft>
+                <a:spcPts val="400"/>
+              </a:spcAft>
+              <a:buFont typeface="Arial" panose="020B0604020202020204"/>
+              <a:buChar char="◦"/>
+            </a:pPr>
+            <a:r>
+              <a:rPr sz="1600" b="0" i="0">
+                <a:solidFill>
+                  <a:srgbClr val="001D35"/>
+                </a:solidFill>
+                <a:latin typeface="Arial" panose="020B0604020202020204" pitchFamily="34" charset="0"/>
+                <a:ea typeface="Google Sans"/>
+                <a:cs typeface="Arial" panose="020B0604020202020204" pitchFamily="34" charset="0"/>
+              </a:rPr>
+              <a:t>Batch size: The number of data samples used in each training iteration. </a:t>
+            </a:r>
+            <a:endParaRPr sz="1600" b="0" i="0">
+              <a:solidFill>
+                <a:srgbClr val="001D35"/>
+              </a:solidFill>
+              <a:latin typeface="Arial" panose="020B0604020202020204" pitchFamily="34" charset="0"/>
+              <a:ea typeface="Google Sans"/>
+              <a:cs typeface="Arial" panose="020B0604020202020204" pitchFamily="34" charset="0"/>
+            </a:endParaRPr>
+          </a:p>
+          <a:p>
+            <a:pPr lvl="2" indent="0">
+              <a:spcBef>
+                <a:spcPct val="0"/>
+              </a:spcBef>
+              <a:spcAft>
+                <a:spcPts val="400"/>
+              </a:spcAft>
+              <a:buFont typeface="Arial" panose="020B0604020202020204"/>
+              <a:buChar char="◦"/>
+            </a:pPr>
+            <a:r>
+              <a:rPr sz="1600" b="0" i="0">
+                <a:solidFill>
+                  <a:srgbClr val="001D35"/>
+                </a:solidFill>
+                <a:latin typeface="Arial" panose="020B0604020202020204" pitchFamily="34" charset="0"/>
+                <a:ea typeface="Google Sans"/>
+                <a:cs typeface="Arial" panose="020B0604020202020204" pitchFamily="34" charset="0"/>
+              </a:rPr>
+              <a:t>Number of epochs: The number of times the entire training dataset is passed through the model. </a:t>
+            </a:r>
+            <a:endParaRPr sz="1600" b="0" i="0">
+              <a:solidFill>
+                <a:srgbClr val="001D35"/>
+              </a:solidFill>
+              <a:latin typeface="Arial" panose="020B0604020202020204" pitchFamily="34" charset="0"/>
+              <a:ea typeface="Google Sans"/>
+              <a:cs typeface="Arial" panose="020B0604020202020204" pitchFamily="34" charset="0"/>
+            </a:endParaRPr>
+          </a:p>
+          <a:p>
+            <a:pPr lvl="2" indent="0">
+              <a:spcBef>
+                <a:spcPct val="0"/>
+              </a:spcBef>
+              <a:spcAft>
+                <a:spcPts val="400"/>
+              </a:spcAft>
+              <a:buFont typeface="Arial" panose="020B0604020202020204"/>
+              <a:buChar char="◦"/>
+            </a:pPr>
+            <a:r>
+              <a:rPr sz="1600" b="0" i="0">
+                <a:solidFill>
+                  <a:srgbClr val="001D35"/>
+                </a:solidFill>
+                <a:latin typeface="Arial" panose="020B0604020202020204" pitchFamily="34" charset="0"/>
+                <a:ea typeface="Google Sans"/>
+                <a:cs typeface="Arial" panose="020B0604020202020204" pitchFamily="34" charset="0"/>
+              </a:rPr>
+              <a:t>Optimizer: The algorithm used to update the model's parameters during training (e.g., Adam, SGD). </a:t>
+            </a:r>
+            <a:endParaRPr sz="1600" b="0" i="0">
+              <a:solidFill>
+                <a:srgbClr val="001D35"/>
+              </a:solidFill>
+              <a:latin typeface="Arial" panose="020B0604020202020204" pitchFamily="34" charset="0"/>
+              <a:ea typeface="Google Sans"/>
+              <a:cs typeface="Arial" panose="020B0604020202020204" pitchFamily="34" charset="0"/>
+            </a:endParaRPr>
+          </a:p>
+          <a:p>
+            <a:pPr lvl="2" indent="0">
+              <a:spcBef>
+                <a:spcPct val="0"/>
+              </a:spcBef>
+              <a:spcAft>
+                <a:spcPts val="400"/>
+              </a:spcAft>
+              <a:buFont typeface="Arial" panose="020B0604020202020204"/>
+              <a:buChar char="◦"/>
+            </a:pPr>
+            <a:r>
+              <a:rPr sz="1600" b="0" i="0">
+                <a:solidFill>
+                  <a:srgbClr val="001D35"/>
+                </a:solidFill>
+                <a:latin typeface="Arial" panose="020B0604020202020204" pitchFamily="34" charset="0"/>
+                <a:ea typeface="Google Sans"/>
+                <a:cs typeface="Arial" panose="020B0604020202020204" pitchFamily="34" charset="0"/>
+              </a:rPr>
+              <a:t>Activation function: The function used in each neuron to introduce non-linearity (e.g., ReLU, sigmoid). </a:t>
+            </a:r>
+            <a:endParaRPr sz="1600" b="0" i="0">
+              <a:solidFill>
+                <a:srgbClr val="001D35"/>
+              </a:solidFill>
+              <a:latin typeface="Arial" panose="020B0604020202020204" pitchFamily="34" charset="0"/>
+              <a:ea typeface="Google Sans"/>
+              <a:cs typeface="Arial" panose="020B0604020202020204" pitchFamily="34" charset="0"/>
+            </a:endParaRPr>
+          </a:p>
+          <a:p>
+            <a:pPr lvl="2" indent="0">
+              <a:spcBef>
+                <a:spcPct val="0"/>
+              </a:spcBef>
+              <a:spcAft>
+                <a:spcPct val="0"/>
+              </a:spcAft>
+              <a:buFont typeface="Arial" panose="020B0604020202020204"/>
+              <a:buChar char="◦"/>
+            </a:pPr>
+            <a:r>
+              <a:rPr sz="1600" b="0" i="0">
+                <a:solidFill>
+                  <a:srgbClr val="001D35"/>
+                </a:solidFill>
+                <a:latin typeface="Arial" panose="020B0604020202020204" pitchFamily="34" charset="0"/>
+                <a:ea typeface="Google Sans"/>
+                <a:cs typeface="Arial" panose="020B0604020202020204" pitchFamily="34" charset="0"/>
+              </a:rPr>
+              <a:t>Number of layers and neurons: Architecture of the neural network. </a:t>
+            </a:r>
+            <a:endParaRPr sz="1600" b="0" i="0">
+              <a:solidFill>
+                <a:srgbClr val="001D35"/>
+              </a:solidFill>
+              <a:latin typeface="Arial" panose="020B0604020202020204" pitchFamily="34" charset="0"/>
+              <a:ea typeface="Google Sans"/>
+              <a:cs typeface="Arial" panose="020B0604020202020204" pitchFamily="34" charset="0"/>
+            </a:endParaRPr>
+          </a:p>
+          <a:p>
+            <a:pPr marL="0" lvl="1" indent="0">
+              <a:spcBef>
+                <a:spcPct val="0"/>
+              </a:spcBef>
+              <a:spcAft>
+                <a:spcPct val="0"/>
+              </a:spcAft>
+              <a:buFont typeface="Arial" panose="020B0604020202020204"/>
+              <a:buChar char="◦"/>
+            </a:pPr>
+            <a:endParaRPr sz="1600" b="0" i="0">
+              <a:solidFill>
+                <a:srgbClr val="001D35"/>
+              </a:solidFill>
+              <a:latin typeface="Arial" panose="020B0604020202020204" pitchFamily="34" charset="0"/>
+              <a:ea typeface="Google Sans"/>
+              <a:cs typeface="Arial" panose="020B0604020202020204" pitchFamily="34" charset="0"/>
+            </a:endParaRPr>
+          </a:p>
+        </p:txBody>
+      </p:sp>
+      <p:sp>
+        <p:nvSpPr>
+          <p:cNvPr id="3" name="Text Box 2"/>
+          <p:cNvSpPr txBox="1"/>
+          <p:nvPr/>
+        </p:nvSpPr>
+        <p:spPr>
+          <a:xfrm>
+            <a:off x="6222365" y="0"/>
+            <a:ext cx="5843270" cy="6472555"/>
+          </a:xfrm>
+          <a:prstGeom prst="rect">
+            <a:avLst/>
+          </a:prstGeom>
+        </p:spPr>
+        <p:txBody>
+          <a:bodyPr wrap="square">
+            <a:spAutoFit/>
+          </a:bodyPr>
+          <a:p>
+            <a:pPr marL="0" indent="0">
+              <a:spcBef>
+                <a:spcPts val="1000"/>
+              </a:spcBef>
+              <a:spcAft>
+                <a:spcPts val="500"/>
+              </a:spcAft>
+            </a:pPr>
+            <a:r>
+              <a:rPr b="1" i="0">
+                <a:solidFill>
+                  <a:srgbClr val="001D35"/>
+                </a:solidFill>
+                <a:latin typeface="Arial" panose="020B0604020202020204" pitchFamily="34" charset="0"/>
+                <a:ea typeface="Google Sans"/>
+                <a:cs typeface="Arial" panose="020B0604020202020204" pitchFamily="34" charset="0"/>
+              </a:rPr>
+              <a:t>Why is Hyperparameter Tuning Important?</a:t>
+            </a:r>
+            <a:endParaRPr b="1" i="0">
+              <a:solidFill>
+                <a:srgbClr val="001D35"/>
+              </a:solidFill>
+              <a:latin typeface="Arial" panose="020B0604020202020204" pitchFamily="34" charset="0"/>
+              <a:ea typeface="Google Sans"/>
+              <a:cs typeface="Arial" panose="020B0604020202020204" pitchFamily="34" charset="0"/>
+            </a:endParaRPr>
+          </a:p>
+          <a:p>
+            <a:pPr marL="457200" lvl="1" indent="0">
+              <a:spcBef>
+                <a:spcPct val="0"/>
+              </a:spcBef>
+              <a:spcAft>
+                <a:spcPts val="400"/>
+              </a:spcAft>
+              <a:buFont typeface="Arial" panose="020B0604020202020204"/>
+              <a:buChar char="•"/>
+            </a:pPr>
+            <a:r>
+              <a:rPr b="0" i="0">
+                <a:solidFill>
+                  <a:srgbClr val="001D35"/>
+                </a:solidFill>
+                <a:latin typeface="Arial" panose="020B0604020202020204" pitchFamily="34" charset="0"/>
+                <a:ea typeface="Google Sans"/>
+                <a:cs typeface="Arial" panose="020B0604020202020204" pitchFamily="34" charset="0"/>
+              </a:rPr>
+              <a:t>The choice of hyperparameters can significantly impact the model's performance, accuracy, and efficiency.</a:t>
+            </a:r>
+            <a:endParaRPr b="0" i="0">
+              <a:solidFill>
+                <a:srgbClr val="001D35"/>
+              </a:solidFill>
+              <a:latin typeface="Arial" panose="020B0604020202020204" pitchFamily="34" charset="0"/>
+              <a:ea typeface="Google Sans"/>
+              <a:cs typeface="Arial" panose="020B0604020202020204" pitchFamily="34" charset="0"/>
+            </a:endParaRPr>
+          </a:p>
+          <a:p>
+            <a:pPr marL="457200" lvl="1" indent="0">
+              <a:spcBef>
+                <a:spcPct val="0"/>
+              </a:spcBef>
+              <a:spcAft>
+                <a:spcPts val="400"/>
+              </a:spcAft>
+              <a:buFont typeface="Arial" panose="020B0604020202020204"/>
+              <a:buChar char="•"/>
+            </a:pPr>
+            <a:r>
+              <a:rPr b="0" i="0">
+                <a:solidFill>
+                  <a:srgbClr val="001D35"/>
+                </a:solidFill>
+                <a:latin typeface="Arial" panose="020B0604020202020204" pitchFamily="34" charset="0"/>
+                <a:ea typeface="Google Sans"/>
+                <a:cs typeface="Arial" panose="020B0604020202020204" pitchFamily="34" charset="0"/>
+              </a:rPr>
+              <a:t>Poorly chosen hyperparameters can lead to slow training, poor generalization, or even model failure.</a:t>
+            </a:r>
+            <a:endParaRPr b="0" i="0">
+              <a:solidFill>
+                <a:srgbClr val="001D35"/>
+              </a:solidFill>
+              <a:latin typeface="Arial" panose="020B0604020202020204" pitchFamily="34" charset="0"/>
+              <a:ea typeface="Google Sans"/>
+              <a:cs typeface="Arial" panose="020B0604020202020204" pitchFamily="34" charset="0"/>
+            </a:endParaRPr>
+          </a:p>
+          <a:p>
+            <a:pPr marL="457200" lvl="1" indent="0">
+              <a:spcBef>
+                <a:spcPct val="0"/>
+              </a:spcBef>
+              <a:spcAft>
+                <a:spcPct val="0"/>
+              </a:spcAft>
+              <a:buFont typeface="Arial" panose="020B0604020202020204"/>
+              <a:buChar char="•"/>
+            </a:pPr>
+            <a:r>
+              <a:rPr b="0" i="0">
+                <a:solidFill>
+                  <a:srgbClr val="001D35"/>
+                </a:solidFill>
+                <a:latin typeface="Arial" panose="020B0604020202020204" pitchFamily="34" charset="0"/>
+                <a:ea typeface="Google Sans"/>
+                <a:cs typeface="Arial" panose="020B0604020202020204" pitchFamily="34" charset="0"/>
+              </a:rPr>
+              <a:t>Tuning hyperparameters helps find the optimal configuration for a specific task and dataset. </a:t>
+            </a:r>
+            <a:endParaRPr b="0" i="0">
+              <a:solidFill>
+                <a:srgbClr val="001D35"/>
+              </a:solidFill>
+              <a:latin typeface="Arial" panose="020B0604020202020204" pitchFamily="34" charset="0"/>
+              <a:ea typeface="Google Sans"/>
+              <a:cs typeface="Arial" panose="020B0604020202020204" pitchFamily="34" charset="0"/>
+            </a:endParaRPr>
+          </a:p>
+          <a:p>
+            <a:pPr marL="0" indent="0">
+              <a:spcBef>
+                <a:spcPts val="1000"/>
+              </a:spcBef>
+              <a:spcAft>
+                <a:spcPts val="500"/>
+              </a:spcAft>
+            </a:pPr>
+            <a:r>
+              <a:rPr b="1" i="0">
+                <a:solidFill>
+                  <a:srgbClr val="001D35"/>
+                </a:solidFill>
+                <a:latin typeface="Arial" panose="020B0604020202020204" pitchFamily="34" charset="0"/>
+                <a:ea typeface="Google Sans"/>
+                <a:cs typeface="Arial" panose="020B0604020202020204" pitchFamily="34" charset="0"/>
+              </a:rPr>
+              <a:t>Hyperparameter Tuning Techniques:</a:t>
+            </a:r>
+            <a:endParaRPr b="1" i="0">
+              <a:solidFill>
+                <a:srgbClr val="001D35"/>
+              </a:solidFill>
+              <a:latin typeface="Arial" panose="020B0604020202020204" pitchFamily="34" charset="0"/>
+              <a:ea typeface="Google Sans"/>
+              <a:cs typeface="Arial" panose="020B0604020202020204" pitchFamily="34" charset="0"/>
+            </a:endParaRPr>
+          </a:p>
+          <a:p>
+            <a:pPr marL="457200" lvl="1" indent="0">
+              <a:spcBef>
+                <a:spcPct val="0"/>
+              </a:spcBef>
+              <a:spcAft>
+                <a:spcPts val="400"/>
+              </a:spcAft>
+              <a:buFont typeface="Arial" panose="020B0604020202020204"/>
+              <a:buChar char="•"/>
+            </a:pPr>
+            <a:r>
+              <a:rPr b="0" i="0">
+                <a:solidFill>
+                  <a:srgbClr val="001D35"/>
+                </a:solidFill>
+                <a:latin typeface="Arial" panose="020B0604020202020204" pitchFamily="34" charset="0"/>
+                <a:ea typeface="Google Sans"/>
+                <a:cs typeface="Arial" panose="020B0604020202020204" pitchFamily="34" charset="0"/>
+              </a:rPr>
+              <a:t>Manual Search: Experimenting with different hyperparameter values by hand. </a:t>
+            </a:r>
+            <a:endParaRPr b="0" i="0">
+              <a:solidFill>
+                <a:srgbClr val="001D35"/>
+              </a:solidFill>
+              <a:latin typeface="Arial" panose="020B0604020202020204" pitchFamily="34" charset="0"/>
+              <a:ea typeface="Google Sans"/>
+              <a:cs typeface="Arial" panose="020B0604020202020204" pitchFamily="34" charset="0"/>
+            </a:endParaRPr>
+          </a:p>
+          <a:p>
+            <a:pPr marL="457200" lvl="1" indent="0">
+              <a:spcBef>
+                <a:spcPct val="0"/>
+              </a:spcBef>
+              <a:spcAft>
+                <a:spcPts val="400"/>
+              </a:spcAft>
+              <a:buFont typeface="Arial" panose="020B0604020202020204"/>
+              <a:buChar char="•"/>
+            </a:pPr>
+            <a:r>
+              <a:rPr b="0" i="0">
+                <a:solidFill>
+                  <a:srgbClr val="001D35"/>
+                </a:solidFill>
+                <a:latin typeface="Arial" panose="020B0604020202020204" pitchFamily="34" charset="0"/>
+                <a:ea typeface="Google Sans"/>
+                <a:cs typeface="Arial" panose="020B0604020202020204" pitchFamily="34" charset="0"/>
+              </a:rPr>
+              <a:t>Grid Search: Evaluating all possible combinations of hyperparameters within a predefined range. </a:t>
+            </a:r>
+            <a:endParaRPr b="0" i="0">
+              <a:solidFill>
+                <a:srgbClr val="001D35"/>
+              </a:solidFill>
+              <a:latin typeface="Arial" panose="020B0604020202020204" pitchFamily="34" charset="0"/>
+              <a:ea typeface="Google Sans"/>
+              <a:cs typeface="Arial" panose="020B0604020202020204" pitchFamily="34" charset="0"/>
+            </a:endParaRPr>
+          </a:p>
+          <a:p>
+            <a:pPr marL="457200" lvl="1" indent="0">
+              <a:spcBef>
+                <a:spcPct val="0"/>
+              </a:spcBef>
+              <a:spcAft>
+                <a:spcPts val="400"/>
+              </a:spcAft>
+              <a:buFont typeface="Arial" panose="020B0604020202020204"/>
+              <a:buChar char="•"/>
+            </a:pPr>
+            <a:r>
+              <a:rPr b="0" i="0">
+                <a:solidFill>
+                  <a:srgbClr val="001D35"/>
+                </a:solidFill>
+                <a:latin typeface="Arial" panose="020B0604020202020204" pitchFamily="34" charset="0"/>
+                <a:ea typeface="Google Sans"/>
+                <a:cs typeface="Arial" panose="020B0604020202020204" pitchFamily="34" charset="0"/>
+              </a:rPr>
+              <a:t>Random Search: Randomly sampling hyperparameter values from a predefined range. </a:t>
+            </a:r>
+            <a:endParaRPr b="0" i="0">
+              <a:solidFill>
+                <a:srgbClr val="001D35"/>
+              </a:solidFill>
+              <a:latin typeface="Arial" panose="020B0604020202020204" pitchFamily="34" charset="0"/>
+              <a:ea typeface="Google Sans"/>
+              <a:cs typeface="Arial" panose="020B0604020202020204" pitchFamily="34" charset="0"/>
+            </a:endParaRPr>
+          </a:p>
+          <a:p>
+            <a:pPr marL="457200" lvl="1" indent="0">
+              <a:spcBef>
+                <a:spcPct val="0"/>
+              </a:spcBef>
+              <a:spcAft>
+                <a:spcPts val="400"/>
+              </a:spcAft>
+              <a:buFont typeface="Arial" panose="020B0604020202020204"/>
+              <a:buChar char="•"/>
+            </a:pPr>
+            <a:r>
+              <a:rPr b="0" i="0">
+                <a:solidFill>
+                  <a:srgbClr val="001D35"/>
+                </a:solidFill>
+                <a:latin typeface="Arial" panose="020B0604020202020204" pitchFamily="34" charset="0"/>
+                <a:ea typeface="Google Sans"/>
+                <a:cs typeface="Arial" panose="020B0604020202020204" pitchFamily="34" charset="0"/>
+              </a:rPr>
+              <a:t>Bayesian Optimization: Using a probabilistic model to guide the search for optimal hyperparameters, leveraging previous evaluations. </a:t>
+            </a:r>
+            <a:endParaRPr b="0" i="0">
+              <a:solidFill>
+                <a:srgbClr val="001D35"/>
+              </a:solidFill>
+              <a:latin typeface="Arial" panose="020B0604020202020204" pitchFamily="34" charset="0"/>
+              <a:ea typeface="Google Sans"/>
+              <a:cs typeface="Arial" panose="020B0604020202020204" pitchFamily="34" charset="0"/>
+            </a:endParaRPr>
+          </a:p>
+          <a:p>
+            <a:pPr marL="457200" lvl="1" indent="0">
+              <a:spcBef>
+                <a:spcPct val="0"/>
+              </a:spcBef>
+              <a:spcAft>
+                <a:spcPct val="0"/>
+              </a:spcAft>
+              <a:buFont typeface="Arial" panose="020B0604020202020204"/>
+              <a:buChar char="•"/>
+            </a:pPr>
+            <a:r>
+              <a:rPr b="0" i="0">
+                <a:solidFill>
+                  <a:srgbClr val="001D35"/>
+                </a:solidFill>
+                <a:latin typeface="Arial" panose="020B0604020202020204" pitchFamily="34" charset="0"/>
+                <a:ea typeface="Google Sans"/>
+                <a:cs typeface="Arial" panose="020B0604020202020204" pitchFamily="34" charset="0"/>
+              </a:rPr>
+              <a:t>Automated Hyperparameter Tuning: Tools and libraries that automate the hyperparameter tuning process (e.g., HyperOpt, Tune)</a:t>
+            </a:r>
+            <a:endParaRPr b="0" i="0">
+              <a:solidFill>
+                <a:srgbClr val="001D35"/>
+              </a:solidFill>
+              <a:latin typeface="Arial" panose="020B0604020202020204" pitchFamily="34" charset="0"/>
+              <a:ea typeface="Google Sans"/>
+              <a:cs typeface="Arial" panose="020B0604020202020204" pitchFamily="34" charset="0"/>
+            </a:endParaRPr>
+          </a:p>
+        </p:txBody>
+      </p:sp>
+    </p:spTree>
+  </p:cSld>
+  <p:clrMapOvr>
+    <a:masterClrMapping/>
+  </p:clrMapOvr>
+</p:sld>
+</file>
+
+<file path=ppt/slides/slide36.xml><?xml version="1.0" encoding="utf-8"?>
+<p:sld xmlns:a="http://schemas.openxmlformats.org/drawingml/2006/main" xmlns:r="http://schemas.openxmlformats.org/officeDocument/2006/relationships" xmlns:p="http://schemas.openxmlformats.org/presentationml/2006/main">
+  <p:cSld>
+    <p:spTree>
+      <p:nvGrpSpPr>
+        <p:cNvPr id="1" name=""/>
+        <p:cNvGrpSpPr/>
+        <p:nvPr/>
+      </p:nvGrpSpPr>
+      <p:grpSpPr/>
+      <p:sp>
+        <p:nvSpPr>
+          <p:cNvPr id="2" name="Text Box 1"/>
+          <p:cNvSpPr txBox="1"/>
+          <p:nvPr/>
+        </p:nvSpPr>
+        <p:spPr>
+          <a:xfrm>
+            <a:off x="409575" y="455295"/>
+            <a:ext cx="8477250" cy="3068955"/>
+          </a:xfrm>
+          <a:prstGeom prst="rect">
+            <a:avLst/>
+          </a:prstGeom>
+        </p:spPr>
+        <p:txBody>
+          <a:bodyPr wrap="square">
+            <a:spAutoFit/>
+          </a:bodyPr>
+          <a:p>
+            <a:pPr marL="0" indent="0">
+              <a:spcBef>
+                <a:spcPts val="1000"/>
+              </a:spcBef>
+              <a:spcAft>
+                <a:spcPts val="500"/>
+              </a:spcAft>
+            </a:pPr>
+            <a:r>
+              <a:rPr sz="1600" b="1" i="0">
+                <a:solidFill>
+                  <a:srgbClr val="001D35"/>
+                </a:solidFill>
+                <a:latin typeface="Arial" panose="020B0604020202020204" pitchFamily="34" charset="0"/>
+                <a:ea typeface="Google Sans"/>
+                <a:cs typeface="Arial" panose="020B0604020202020204" pitchFamily="34" charset="0"/>
+              </a:rPr>
+              <a:t>How to Approach Hyperparameter Tuning:</a:t>
+            </a:r>
+            <a:endParaRPr sz="1600" b="1" i="0">
+              <a:solidFill>
+                <a:srgbClr val="001D35"/>
+              </a:solidFill>
+              <a:latin typeface="Arial" panose="020B0604020202020204" pitchFamily="34" charset="0"/>
+              <a:ea typeface="Google Sans"/>
+              <a:cs typeface="Arial" panose="020B0604020202020204" pitchFamily="34" charset="0"/>
+            </a:endParaRPr>
+          </a:p>
+          <a:p>
+            <a:pPr marL="457200" lvl="1" indent="0">
+              <a:spcBef>
+                <a:spcPct val="0"/>
+              </a:spcBef>
+              <a:spcAft>
+                <a:spcPts val="400"/>
+              </a:spcAft>
+              <a:buAutoNum type="arabicPeriod"/>
+            </a:pPr>
+            <a:r>
+              <a:rPr sz="1600" b="0" i="0">
+                <a:solidFill>
+                  <a:srgbClr val="001D35"/>
+                </a:solidFill>
+                <a:latin typeface="Arial" panose="020B0604020202020204" pitchFamily="34" charset="0"/>
+                <a:ea typeface="Google Sans"/>
+                <a:cs typeface="Arial" panose="020B0604020202020204" pitchFamily="34" charset="0"/>
+              </a:rPr>
+              <a:t>Define the Problem and Dataset: Clearly understand the task and the characteristics of the data. </a:t>
+            </a:r>
+            <a:endParaRPr sz="1600" b="0" i="0">
+              <a:solidFill>
+                <a:srgbClr val="001D35"/>
+              </a:solidFill>
+              <a:latin typeface="Arial" panose="020B0604020202020204" pitchFamily="34" charset="0"/>
+              <a:ea typeface="Google Sans"/>
+              <a:cs typeface="Arial" panose="020B0604020202020204" pitchFamily="34" charset="0"/>
+            </a:endParaRPr>
+          </a:p>
+          <a:p>
+            <a:pPr marL="457200" lvl="1" indent="0">
+              <a:spcBef>
+                <a:spcPct val="0"/>
+              </a:spcBef>
+              <a:spcAft>
+                <a:spcPts val="400"/>
+              </a:spcAft>
+              <a:buAutoNum type="arabicPeriod"/>
+            </a:pPr>
+            <a:r>
+              <a:rPr sz="1600" b="0" i="0">
+                <a:solidFill>
+                  <a:srgbClr val="001D35"/>
+                </a:solidFill>
+                <a:latin typeface="Arial" panose="020B0604020202020204" pitchFamily="34" charset="0"/>
+                <a:ea typeface="Google Sans"/>
+                <a:cs typeface="Arial" panose="020B0604020202020204" pitchFamily="34" charset="0"/>
+              </a:rPr>
+              <a:t>Choose Relevant Hyperparameters: Select the hyperparameters that are most likely to impact the model's performance. </a:t>
+            </a:r>
+            <a:endParaRPr sz="1600" b="0" i="0">
+              <a:solidFill>
+                <a:srgbClr val="001D35"/>
+              </a:solidFill>
+              <a:latin typeface="Arial" panose="020B0604020202020204" pitchFamily="34" charset="0"/>
+              <a:ea typeface="Google Sans"/>
+              <a:cs typeface="Arial" panose="020B0604020202020204" pitchFamily="34" charset="0"/>
+            </a:endParaRPr>
+          </a:p>
+          <a:p>
+            <a:pPr marL="457200" lvl="1" indent="0">
+              <a:spcBef>
+                <a:spcPct val="0"/>
+              </a:spcBef>
+              <a:spcAft>
+                <a:spcPts val="400"/>
+              </a:spcAft>
+              <a:buAutoNum type="arabicPeriod"/>
+            </a:pPr>
+            <a:r>
+              <a:rPr sz="1600" b="0" i="0">
+                <a:solidFill>
+                  <a:srgbClr val="001D35"/>
+                </a:solidFill>
+                <a:latin typeface="Arial" panose="020B0604020202020204" pitchFamily="34" charset="0"/>
+                <a:ea typeface="Google Sans"/>
+                <a:cs typeface="Arial" panose="020B0604020202020204" pitchFamily="34" charset="0"/>
+              </a:rPr>
+              <a:t>Select a Tuning Technique: Choose an appropriate method based on the complexity of the search space and computational resources. </a:t>
+            </a:r>
+            <a:endParaRPr sz="1600" b="0" i="0">
+              <a:solidFill>
+                <a:srgbClr val="001D35"/>
+              </a:solidFill>
+              <a:latin typeface="Arial" panose="020B0604020202020204" pitchFamily="34" charset="0"/>
+              <a:ea typeface="Google Sans"/>
+              <a:cs typeface="Arial" panose="020B0604020202020204" pitchFamily="34" charset="0"/>
+            </a:endParaRPr>
+          </a:p>
+          <a:p>
+            <a:pPr marL="457200" lvl="1" indent="0">
+              <a:spcBef>
+                <a:spcPct val="0"/>
+              </a:spcBef>
+              <a:spcAft>
+                <a:spcPts val="400"/>
+              </a:spcAft>
+              <a:buAutoNum type="arabicPeriod"/>
+            </a:pPr>
+            <a:r>
+              <a:rPr sz="1600" b="0" i="0">
+                <a:solidFill>
+                  <a:srgbClr val="001D35"/>
+                </a:solidFill>
+                <a:latin typeface="Arial" panose="020B0604020202020204" pitchFamily="34" charset="0"/>
+                <a:ea typeface="Google Sans"/>
+                <a:cs typeface="Arial" panose="020B0604020202020204" pitchFamily="34" charset="0"/>
+              </a:rPr>
+              <a:t>Evaluate Performance: Use a validation set to evaluate the model's performance with different hyperparameter configurations. </a:t>
+            </a:r>
+            <a:endParaRPr sz="1600" b="0" i="0">
+              <a:solidFill>
+                <a:srgbClr val="001D35"/>
+              </a:solidFill>
+              <a:latin typeface="Arial" panose="020B0604020202020204" pitchFamily="34" charset="0"/>
+              <a:ea typeface="Google Sans"/>
+              <a:cs typeface="Arial" panose="020B0604020202020204" pitchFamily="34" charset="0"/>
+            </a:endParaRPr>
+          </a:p>
+          <a:p>
+            <a:pPr marL="457200" lvl="1" indent="0">
+              <a:spcBef>
+                <a:spcPct val="0"/>
+              </a:spcBef>
+              <a:spcAft>
+                <a:spcPct val="0"/>
+              </a:spcAft>
+              <a:buAutoNum type="arabicPeriod"/>
+            </a:pPr>
+            <a:r>
+              <a:rPr sz="1600" b="0" i="0">
+                <a:solidFill>
+                  <a:srgbClr val="001D35"/>
+                </a:solidFill>
+                <a:latin typeface="Arial" panose="020B0604020202020204" pitchFamily="34" charset="0"/>
+                <a:ea typeface="Google Sans"/>
+                <a:cs typeface="Arial" panose="020B0604020202020204" pitchFamily="34" charset="0"/>
+              </a:rPr>
+              <a:t>Iterate and Refine: Refine the hyperparameter search based on the evaluation results. </a:t>
+            </a:r>
+            <a:endParaRPr sz="1600" b="0" i="0">
+              <a:solidFill>
+                <a:srgbClr val="001D35"/>
+              </a:solidFill>
+              <a:latin typeface="Arial" panose="020B0604020202020204" pitchFamily="34" charset="0"/>
+              <a:ea typeface="Google Sans"/>
+              <a:cs typeface="Arial" panose="020B0604020202020204" pitchFamily="34" charset="0"/>
+            </a:endParaRPr>
+          </a:p>
+        </p:txBody>
+      </p:sp>
     </p:spTree>
   </p:cSld>
   <p:clrMapOvr>
@@ -8663,7 +13926,7 @@
         <p:spPr>
           <a:xfrm>
             <a:off x="157480" y="-6985"/>
-            <a:ext cx="11739245" cy="6831965"/>
+            <a:ext cx="12035155" cy="6277610"/>
           </a:xfrm>
           <a:prstGeom prst="rect">
             <a:avLst/>
@@ -8674,13 +13937,6 @@
           <a:bodyPr wrap="square" rtlCol="0">
             <a:spAutoFit/>
           </a:bodyPr>
-          <a:p>
-            <a:r>
-              <a:rPr lang="en-US" altLang="en-US"/>
-              <a:t>Regularization techniques like L1, L2, and ElasticNet help prevent overfitting by adding a penalty term to the loss function. This keeps model weights small and prevents over-complexity.</a:t>
-            </a:r>
-            <a:endParaRPr lang="en-US" altLang="en-US"/>
-          </a:p>
           <a:p>
             <a:endParaRPr lang="en-US" altLang="en-US"/>
           </a:p>

--- a/9.Deep_learning/class_4_module_9_deep learning_Regularization,CallBacks_drouput_batchNormalization_Weight_hyper_parameter.pptx
+++ b/9.Deep_learning/class_4_module_9_deep learning_Regularization,CallBacks_drouput_batchNormalization_Weight_hyper_parameter.pptx
@@ -3797,6 +3797,85 @@
               <a:ea typeface="Georgia" panose="02040502050405020303"/>
               <a:sym typeface="+mn-ea"/>
             </a:endParaRPr>
+          </a:p>
+        </p:txBody>
+      </p:sp>
+      <p:sp>
+        <p:nvSpPr>
+          <p:cNvPr id="3" name="Text Box 2"/>
+          <p:cNvSpPr txBox="1"/>
+          <p:nvPr/>
+        </p:nvSpPr>
+        <p:spPr>
+          <a:xfrm>
+            <a:off x="1699260" y="5304790"/>
+            <a:ext cx="9670415" cy="1476375"/>
+          </a:xfrm>
+          <a:prstGeom prst="rect">
+            <a:avLst/>
+          </a:prstGeom>
+          <a:noFill/>
+        </p:spPr>
+        <p:txBody>
+          <a:bodyPr wrap="square" rtlCol="0" anchor="t">
+            <a:spAutoFit/>
+          </a:bodyPr>
+          <a:p>
+            <a:r>
+              <a:rPr lang="en-US" altLang="en-US"/>
+              <a:t>https://www.kaggle.com/code/sid321axn/regularization-techniques-in-deep-learning#Dropout</a:t>
+            </a:r>
+            <a:endParaRPr lang="en-US" altLang="en-US"/>
+          </a:p>
+          <a:p>
+            <a:r>
+              <a:rPr lang="en-US" altLang="en-US"/>
+              <a:t>https://www.kdnuggets.com/2019/08/keras-callbacks-explained-three-minutes.html</a:t>
+            </a:r>
+            <a:endParaRPr lang="en-US" altLang="en-US"/>
+          </a:p>
+          <a:p>
+            <a:r>
+              <a:rPr lang="en-US" altLang="en-US"/>
+              <a:t>https://medium.com/@ompramod9921/callbacks-your-secret-weapon-in-machine-learning-b08ded5678f0</a:t>
+            </a:r>
+            <a:endParaRPr lang="en-US" altLang="en-US"/>
+          </a:p>
+          <a:p>
+            <a:r>
+              <a:rPr lang="en-US" altLang="en-US"/>
+              <a:t>https://learnopencv.com/batch-normalization-in-deep-networks/</a:t>
+            </a:r>
+            <a:endParaRPr lang="en-US" altLang="en-US"/>
+          </a:p>
+        </p:txBody>
+      </p:sp>
+      <p:sp>
+        <p:nvSpPr>
+          <p:cNvPr id="4" name="Text Box 3"/>
+          <p:cNvSpPr txBox="1"/>
+          <p:nvPr/>
+        </p:nvSpPr>
+        <p:spPr>
+          <a:xfrm>
+            <a:off x="1699260" y="4936490"/>
+            <a:ext cx="6096000" cy="368300"/>
+          </a:xfrm>
+          <a:prstGeom prst="rect">
+            <a:avLst/>
+          </a:prstGeom>
+          <a:noFill/>
+        </p:spPr>
+        <p:txBody>
+          <a:bodyPr wrap="square" rtlCol="0" anchor="t">
+            <a:spAutoFit/>
+          </a:bodyPr>
+          <a:p>
+            <a:r>
+              <a:rPr lang="en-US" altLang="en-US"/>
+              <a:t>https://keras.io/api/callbacks/</a:t>
+            </a:r>
+            <a:endParaRPr lang="en-US"/>
           </a:p>
         </p:txBody>
       </p:sp>
